--- a/T2/Presentation.pptx
+++ b/T2/Presentation.pptx
@@ -105,6 +105,11 @@
       </a:defRPr>
     </a:lvl9pPr>
   </p:defaultTextStyle>
+  <p:extLst>
+    <p:ext uri="{EFAFB233-063F-42B5-8137-9DF3F51BA10A}">
+      <p15:sldGuideLst xmlns:p15="http://schemas.microsoft.com/office/powerpoint/2012/main"/>
+    </p:ext>
+  </p:extLst>
 </p:presentation>
 </file>
 
@@ -239,7 +244,7 @@
           <a:p>
             <a:fld id="{1D84BECD-ABA3-BD46-B6D4-58513E9BF528}" type="datetimeFigureOut">
               <a:rPr lang="en-US" smtClean="0"/>
-              <a:t>10/12/17</a:t>
+              <a:t>10/17/17</a:t>
             </a:fld>
             <a:endParaRPr lang="en-US"/>
           </a:p>
@@ -409,7 +414,7 @@
           <a:p>
             <a:fld id="{1D84BECD-ABA3-BD46-B6D4-58513E9BF528}" type="datetimeFigureOut">
               <a:rPr lang="en-US" smtClean="0"/>
-              <a:t>10/12/17</a:t>
+              <a:t>10/17/17</a:t>
             </a:fld>
             <a:endParaRPr lang="en-US"/>
           </a:p>
@@ -589,7 +594,7 @@
           <a:p>
             <a:fld id="{1D84BECD-ABA3-BD46-B6D4-58513E9BF528}" type="datetimeFigureOut">
               <a:rPr lang="en-US" smtClean="0"/>
-              <a:t>10/12/17</a:t>
+              <a:t>10/17/17</a:t>
             </a:fld>
             <a:endParaRPr lang="en-US"/>
           </a:p>
@@ -759,7 +764,7 @@
           <a:p>
             <a:fld id="{1D84BECD-ABA3-BD46-B6D4-58513E9BF528}" type="datetimeFigureOut">
               <a:rPr lang="en-US" smtClean="0"/>
-              <a:t>10/12/17</a:t>
+              <a:t>10/17/17</a:t>
             </a:fld>
             <a:endParaRPr lang="en-US"/>
           </a:p>
@@ -1005,7 +1010,7 @@
           <a:p>
             <a:fld id="{1D84BECD-ABA3-BD46-B6D4-58513E9BF528}" type="datetimeFigureOut">
               <a:rPr lang="en-US" smtClean="0"/>
-              <a:t>10/12/17</a:t>
+              <a:t>10/17/17</a:t>
             </a:fld>
             <a:endParaRPr lang="en-US"/>
           </a:p>
@@ -1237,7 +1242,7 @@
           <a:p>
             <a:fld id="{1D84BECD-ABA3-BD46-B6D4-58513E9BF528}" type="datetimeFigureOut">
               <a:rPr lang="en-US" smtClean="0"/>
-              <a:t>10/12/17</a:t>
+              <a:t>10/17/17</a:t>
             </a:fld>
             <a:endParaRPr lang="en-US"/>
           </a:p>
@@ -1604,7 +1609,7 @@
           <a:p>
             <a:fld id="{1D84BECD-ABA3-BD46-B6D4-58513E9BF528}" type="datetimeFigureOut">
               <a:rPr lang="en-US" smtClean="0"/>
-              <a:t>10/12/17</a:t>
+              <a:t>10/17/17</a:t>
             </a:fld>
             <a:endParaRPr lang="en-US"/>
           </a:p>
@@ -1722,7 +1727,7 @@
           <a:p>
             <a:fld id="{1D84BECD-ABA3-BD46-B6D4-58513E9BF528}" type="datetimeFigureOut">
               <a:rPr lang="en-US" smtClean="0"/>
-              <a:t>10/12/17</a:t>
+              <a:t>10/17/17</a:t>
             </a:fld>
             <a:endParaRPr lang="en-US"/>
           </a:p>
@@ -1817,7 +1822,7 @@
           <a:p>
             <a:fld id="{1D84BECD-ABA3-BD46-B6D4-58513E9BF528}" type="datetimeFigureOut">
               <a:rPr lang="en-US" smtClean="0"/>
-              <a:t>10/12/17</a:t>
+              <a:t>10/17/17</a:t>
             </a:fld>
             <a:endParaRPr lang="en-US"/>
           </a:p>
@@ -2094,7 +2099,7 @@
           <a:p>
             <a:fld id="{1D84BECD-ABA3-BD46-B6D4-58513E9BF528}" type="datetimeFigureOut">
               <a:rPr lang="en-US" smtClean="0"/>
-              <a:t>10/12/17</a:t>
+              <a:t>10/17/17</a:t>
             </a:fld>
             <a:endParaRPr lang="en-US"/>
           </a:p>
@@ -2347,7 +2352,7 @@
           <a:p>
             <a:fld id="{1D84BECD-ABA3-BD46-B6D4-58513E9BF528}" type="datetimeFigureOut">
               <a:rPr lang="en-US" smtClean="0"/>
-              <a:t>10/12/17</a:t>
+              <a:t>10/17/17</a:t>
             </a:fld>
             <a:endParaRPr lang="en-US"/>
           </a:p>
@@ -2560,7 +2565,7 @@
           <a:p>
             <a:fld id="{1D84BECD-ABA3-BD46-B6D4-58513E9BF528}" type="datetimeFigureOut">
               <a:rPr lang="en-US" smtClean="0"/>
-              <a:t>10/12/17</a:t>
+              <a:t>10/17/17</a:t>
             </a:fld>
             <a:endParaRPr lang="en-US"/>
           </a:p>
@@ -3071,37 +3076,21 @@
               </a:spcAft>
             </a:pPr>
             <a:r>
-              <a:rPr lang="en-GB" sz="2400" i="1" dirty="0" smtClean="0">
-                <a:effectLst/>
+              <a:rPr lang="en-GB" sz="2400" i="1" dirty="0">
                 <a:latin typeface="Century Schoolbook" charset="0"/>
                 <a:ea typeface="Calibri" charset="0"/>
                 <a:cs typeface="Times New Roman" charset="0"/>
               </a:rPr>
-              <a:t>T2 </a:t>
-            </a:r>
-            <a:r>
-              <a:rPr lang="mr-IN" sz="2400" i="1" dirty="0" smtClean="0">
-                <a:effectLst/>
+              <a:t>Unified </a:t>
+            </a:r>
+            <a:r>
+              <a:rPr lang="en-GB" sz="2400" i="1" dirty="0" smtClean="0">
                 <a:latin typeface="Century Schoolbook" charset="0"/>
                 <a:ea typeface="Calibri" charset="0"/>
                 <a:cs typeface="Times New Roman" charset="0"/>
               </a:rPr>
-              <a:t>–</a:t>
-            </a:r>
-            <a:r>
-              <a:rPr lang="en-GB" sz="2400" i="1" dirty="0" smtClean="0">
-                <a:effectLst/>
-                <a:latin typeface="Century Schoolbook" charset="0"/>
-                <a:ea typeface="Calibri" charset="0"/>
-                <a:cs typeface="Times New Roman" charset="0"/>
-              </a:rPr>
-              <a:t> Software Processes</a:t>
-            </a:r>
-            <a:endParaRPr lang="en-GB" sz="1100" dirty="0">
-              <a:effectLst/>
-              <a:ea typeface="Calibri" charset="0"/>
-              <a:cs typeface="Times New Roman" charset="0"/>
-            </a:endParaRPr>
+              <a:t>Process</a:t>
+            </a:r>
           </a:p>
           <a:p>
             <a:pPr algn="ctr">
@@ -3113,7 +3102,7 @@
               </a:spcAft>
             </a:pPr>
             <a:r>
-              <a:rPr lang="pt-PT" sz="1000" i="1" dirty="0">
+              <a:rPr lang="pt-PT" sz="1000" i="1" dirty="0" smtClean="0">
                 <a:effectLst/>
                 <a:latin typeface="Century Schoolbook" charset="0"/>
                 <a:ea typeface="Calibri" charset="0"/>
@@ -3121,7 +3110,7 @@
               </a:rPr>
               <a:t>3MIEIC04_B</a:t>
             </a:r>
-            <a:endParaRPr lang="en-GB" sz="1100" dirty="0">
+            <a:endParaRPr lang="en-GB" sz="1100" dirty="0" smtClean="0">
               <a:effectLst/>
               <a:ea typeface="Calibri" charset="0"/>
               <a:cs typeface="Times New Roman" charset="0"/>
@@ -3143,7 +3132,16 @@
                 <a:ea typeface="Calibri" charset="0"/>
                 <a:cs typeface="Times New Roman" charset="0"/>
               </a:rPr>
-              <a:t>(20th </a:t>
+              <a:t>(</a:t>
+            </a:r>
+            <a:r>
+              <a:rPr lang="pt-PT" sz="1000" i="1" dirty="0" smtClean="0">
+                <a:effectLst/>
+                <a:latin typeface="Century Schoolbook" charset="0"/>
+                <a:ea typeface="Calibri" charset="0"/>
+                <a:cs typeface="Times New Roman" charset="0"/>
+              </a:rPr>
+              <a:t>20th </a:t>
             </a:r>
             <a:r>
               <a:rPr lang="pt-PT" sz="1000" i="1" dirty="0" err="1">
@@ -3489,7 +3487,7 @@
           <a:bodyPr/>
           <a:lstStyle/>
           <a:p>
-            <a:endParaRPr lang="en-US"/>
+            <a:endParaRPr lang="en-US" dirty="0"/>
           </a:p>
         </p:txBody>
       </p:sp>
@@ -3508,6 +3506,52 @@
           <a:bodyPr/>
           <a:lstStyle/>
           <a:p>
+            <a:endParaRPr lang="en-US" dirty="0"/>
+          </a:p>
+        </p:txBody>
+      </p:sp>
+      <p:sp>
+        <p:nvSpPr>
+          <p:cNvPr id="4" name="Rectangle 3"/>
+          <p:cNvSpPr/>
+          <p:nvPr/>
+        </p:nvSpPr>
+        <p:spPr>
+          <a:xfrm>
+            <a:off x="10479505" y="-1"/>
+            <a:ext cx="421106" cy="6858001"/>
+          </a:xfrm>
+          <a:prstGeom prst="rect">
+            <a:avLst/>
+          </a:prstGeom>
+          <a:solidFill>
+            <a:srgbClr val="98220B"/>
+          </a:solidFill>
+          <a:ln>
+            <a:noFill/>
+          </a:ln>
+        </p:spPr>
+        <p:style>
+          <a:lnRef idx="2">
+            <a:schemeClr val="accent1">
+              <a:shade val="50000"/>
+            </a:schemeClr>
+          </a:lnRef>
+          <a:fillRef idx="1">
+            <a:schemeClr val="accent1"/>
+          </a:fillRef>
+          <a:effectRef idx="0">
+            <a:schemeClr val="accent1"/>
+          </a:effectRef>
+          <a:fontRef idx="minor">
+            <a:schemeClr val="lt1"/>
+          </a:fontRef>
+        </p:style>
+        <p:txBody>
+          <a:bodyPr rtlCol="0" anchor="ctr"/>
+          <a:lstStyle/>
+          <a:p>
+            <a:pPr algn="ctr"/>
             <a:endParaRPr lang="en-US"/>
           </a:p>
         </p:txBody>

--- a/T2/Presentation.pptx
+++ b/T2/Presentation.pptx
@@ -7,6 +7,29 @@
   <p:sldIdLst>
     <p:sldId id="256" r:id="rId2"/>
     <p:sldId id="257" r:id="rId3"/>
+    <p:sldId id="258" r:id="rId4"/>
+    <p:sldId id="259" r:id="rId5"/>
+    <p:sldId id="260" r:id="rId6"/>
+    <p:sldId id="261" r:id="rId7"/>
+    <p:sldId id="262" r:id="rId8"/>
+    <p:sldId id="263" r:id="rId9"/>
+    <p:sldId id="264" r:id="rId10"/>
+    <p:sldId id="265" r:id="rId11"/>
+    <p:sldId id="266" r:id="rId12"/>
+    <p:sldId id="267" r:id="rId13"/>
+    <p:sldId id="268" r:id="rId14"/>
+    <p:sldId id="269" r:id="rId15"/>
+    <p:sldId id="270" r:id="rId16"/>
+    <p:sldId id="271" r:id="rId17"/>
+    <p:sldId id="273" r:id="rId18"/>
+    <p:sldId id="274" r:id="rId19"/>
+    <p:sldId id="275" r:id="rId20"/>
+    <p:sldId id="276" r:id="rId21"/>
+    <p:sldId id="277" r:id="rId22"/>
+    <p:sldId id="278" r:id="rId23"/>
+    <p:sldId id="279" r:id="rId24"/>
+    <p:sldId id="280" r:id="rId25"/>
+    <p:sldId id="281" r:id="rId26"/>
   </p:sldIdLst>
   <p:sldSz cx="12192000" cy="6858000"/>
   <p:notesSz cx="6858000" cy="9144000"/>
@@ -113,6 +136,10 @@
 </p:presentation>
 </file>
 
+<file path=ppt/revisionInfo.xml><?xml version="1.0" encoding="utf-8"?>
+<p1510:revInfo xmlns:a="http://schemas.openxmlformats.org/drawingml/2006/main" xmlns:r="http://schemas.openxmlformats.org/officeDocument/2006/relationships" xmlns:p1510="http://schemas.microsoft.com/office/powerpoint/2015/10/main"/>
+</file>
+
 <file path=ppt/slideLayouts/slideLayout1.xml><?xml version="1.0" encoding="utf-8"?>
 <p:sldLayout xmlns:a="http://schemas.openxmlformats.org/drawingml/2006/main" xmlns:r="http://schemas.openxmlformats.org/officeDocument/2006/relationships" xmlns:p="http://schemas.openxmlformats.org/presentationml/2006/main" type="title" preserve="1">
   <p:cSld name="Title Slide">
@@ -155,10 +182,9 @@
           </a:lstStyle>
           <a:p>
             <a:r>
-              <a:rPr lang="en-US" smtClean="0"/>
+              <a:rPr lang="en-US"/>
               <a:t>Click to edit Master title style</a:t>
             </a:r>
-            <a:endParaRPr lang="en-US"/>
           </a:p>
         </p:txBody>
       </p:sp>
@@ -220,10 +246,9 @@
           </a:lstStyle>
           <a:p>
             <a:r>
-              <a:rPr lang="en-US" smtClean="0"/>
+              <a:rPr lang="en-US"/>
               <a:t>Click to edit Master subtitle style</a:t>
             </a:r>
-            <a:endParaRPr lang="en-US"/>
           </a:p>
         </p:txBody>
       </p:sp>
@@ -244,7 +269,7 @@
           <a:p>
             <a:fld id="{1D84BECD-ABA3-BD46-B6D4-58513E9BF528}" type="datetimeFigureOut">
               <a:rPr lang="en-US" smtClean="0"/>
-              <a:t>10/17/17</a:t>
+              <a:t>10/20/2017</a:t>
             </a:fld>
             <a:endParaRPr lang="en-US"/>
           </a:p>
@@ -286,7 +311,7 @@
           <a:p>
             <a:fld id="{034A6F30-2476-B240-9B9B-2DF551B77FBF}" type="slidenum">
               <a:rPr lang="en-US" smtClean="0"/>
-              <a:t>‹#›</a:t>
+              <a:t>‹nº›</a:t>
             </a:fld>
             <a:endParaRPr lang="en-US"/>
           </a:p>
@@ -338,10 +363,9 @@
           <a:lstStyle/>
           <a:p>
             <a:r>
-              <a:rPr lang="en-US" smtClean="0"/>
+              <a:rPr lang="en-US"/>
               <a:t>Click to edit Master title style</a:t>
             </a:r>
-            <a:endParaRPr lang="en-US"/>
           </a:p>
         </p:txBody>
       </p:sp>
@@ -362,38 +386,37 @@
           <a:p>
             <a:pPr lvl="0"/>
             <a:r>
-              <a:rPr lang="en-US" smtClean="0"/>
+              <a:rPr lang="en-US"/>
               <a:t>Click to edit Master text styles</a:t>
             </a:r>
           </a:p>
           <a:p>
             <a:pPr lvl="1"/>
             <a:r>
-              <a:rPr lang="en-US" smtClean="0"/>
+              <a:rPr lang="en-US"/>
               <a:t>Second level</a:t>
             </a:r>
           </a:p>
           <a:p>
             <a:pPr lvl="2"/>
             <a:r>
-              <a:rPr lang="en-US" smtClean="0"/>
+              <a:rPr lang="en-US"/>
               <a:t>Third level</a:t>
             </a:r>
           </a:p>
           <a:p>
             <a:pPr lvl="3"/>
             <a:r>
-              <a:rPr lang="en-US" smtClean="0"/>
+              <a:rPr lang="en-US"/>
               <a:t>Fourth level</a:t>
             </a:r>
           </a:p>
           <a:p>
             <a:pPr lvl="4"/>
             <a:r>
-              <a:rPr lang="en-US" smtClean="0"/>
+              <a:rPr lang="en-US"/>
               <a:t>Fifth level</a:t>
             </a:r>
-            <a:endParaRPr lang="en-US"/>
           </a:p>
         </p:txBody>
       </p:sp>
@@ -414,7 +437,7 @@
           <a:p>
             <a:fld id="{1D84BECD-ABA3-BD46-B6D4-58513E9BF528}" type="datetimeFigureOut">
               <a:rPr lang="en-US" smtClean="0"/>
-              <a:t>10/17/17</a:t>
+              <a:t>10/20/2017</a:t>
             </a:fld>
             <a:endParaRPr lang="en-US"/>
           </a:p>
@@ -456,7 +479,7 @@
           <a:p>
             <a:fld id="{034A6F30-2476-B240-9B9B-2DF551B77FBF}" type="slidenum">
               <a:rPr lang="en-US" smtClean="0"/>
-              <a:t>‹#›</a:t>
+              <a:t>‹nº›</a:t>
             </a:fld>
             <a:endParaRPr lang="en-US"/>
           </a:p>
@@ -513,10 +536,9 @@
           <a:lstStyle/>
           <a:p>
             <a:r>
-              <a:rPr lang="en-US" smtClean="0"/>
+              <a:rPr lang="en-US"/>
               <a:t>Click to edit Master title style</a:t>
             </a:r>
-            <a:endParaRPr lang="en-US"/>
           </a:p>
         </p:txBody>
       </p:sp>
@@ -542,38 +564,37 @@
           <a:p>
             <a:pPr lvl="0"/>
             <a:r>
-              <a:rPr lang="en-US" smtClean="0"/>
+              <a:rPr lang="en-US"/>
               <a:t>Click to edit Master text styles</a:t>
             </a:r>
           </a:p>
           <a:p>
             <a:pPr lvl="1"/>
             <a:r>
-              <a:rPr lang="en-US" smtClean="0"/>
+              <a:rPr lang="en-US"/>
               <a:t>Second level</a:t>
             </a:r>
           </a:p>
           <a:p>
             <a:pPr lvl="2"/>
             <a:r>
-              <a:rPr lang="en-US" smtClean="0"/>
+              <a:rPr lang="en-US"/>
               <a:t>Third level</a:t>
             </a:r>
           </a:p>
           <a:p>
             <a:pPr lvl="3"/>
             <a:r>
-              <a:rPr lang="en-US" smtClean="0"/>
+              <a:rPr lang="en-US"/>
               <a:t>Fourth level</a:t>
             </a:r>
           </a:p>
           <a:p>
             <a:pPr lvl="4"/>
             <a:r>
-              <a:rPr lang="en-US" smtClean="0"/>
+              <a:rPr lang="en-US"/>
               <a:t>Fifth level</a:t>
             </a:r>
-            <a:endParaRPr lang="en-US"/>
           </a:p>
         </p:txBody>
       </p:sp>
@@ -594,7 +615,7 @@
           <a:p>
             <a:fld id="{1D84BECD-ABA3-BD46-B6D4-58513E9BF528}" type="datetimeFigureOut">
               <a:rPr lang="en-US" smtClean="0"/>
-              <a:t>10/17/17</a:t>
+              <a:t>10/20/2017</a:t>
             </a:fld>
             <a:endParaRPr lang="en-US"/>
           </a:p>
@@ -636,7 +657,7 @@
           <a:p>
             <a:fld id="{034A6F30-2476-B240-9B9B-2DF551B77FBF}" type="slidenum">
               <a:rPr lang="en-US" smtClean="0"/>
-              <a:t>‹#›</a:t>
+              <a:t>‹nº›</a:t>
             </a:fld>
             <a:endParaRPr lang="en-US"/>
           </a:p>
@@ -688,10 +709,9 @@
           <a:lstStyle/>
           <a:p>
             <a:r>
-              <a:rPr lang="en-US" smtClean="0"/>
+              <a:rPr lang="en-US"/>
               <a:t>Click to edit Master title style</a:t>
             </a:r>
-            <a:endParaRPr lang="en-US"/>
           </a:p>
         </p:txBody>
       </p:sp>
@@ -712,38 +732,37 @@
           <a:p>
             <a:pPr lvl="0"/>
             <a:r>
-              <a:rPr lang="en-US" smtClean="0"/>
+              <a:rPr lang="en-US"/>
               <a:t>Click to edit Master text styles</a:t>
             </a:r>
           </a:p>
           <a:p>
             <a:pPr lvl="1"/>
             <a:r>
-              <a:rPr lang="en-US" smtClean="0"/>
+              <a:rPr lang="en-US"/>
               <a:t>Second level</a:t>
             </a:r>
           </a:p>
           <a:p>
             <a:pPr lvl="2"/>
             <a:r>
-              <a:rPr lang="en-US" smtClean="0"/>
+              <a:rPr lang="en-US"/>
               <a:t>Third level</a:t>
             </a:r>
           </a:p>
           <a:p>
             <a:pPr lvl="3"/>
             <a:r>
-              <a:rPr lang="en-US" smtClean="0"/>
+              <a:rPr lang="en-US"/>
               <a:t>Fourth level</a:t>
             </a:r>
           </a:p>
           <a:p>
             <a:pPr lvl="4"/>
             <a:r>
-              <a:rPr lang="en-US" smtClean="0"/>
+              <a:rPr lang="en-US"/>
               <a:t>Fifth level</a:t>
             </a:r>
-            <a:endParaRPr lang="en-US"/>
           </a:p>
         </p:txBody>
       </p:sp>
@@ -764,7 +783,7 @@
           <a:p>
             <a:fld id="{1D84BECD-ABA3-BD46-B6D4-58513E9BF528}" type="datetimeFigureOut">
               <a:rPr lang="en-US" smtClean="0"/>
-              <a:t>10/17/17</a:t>
+              <a:t>10/20/2017</a:t>
             </a:fld>
             <a:endParaRPr lang="en-US"/>
           </a:p>
@@ -806,7 +825,7 @@
           <a:p>
             <a:fld id="{034A6F30-2476-B240-9B9B-2DF551B77FBF}" type="slidenum">
               <a:rPr lang="en-US" smtClean="0"/>
-              <a:t>‹#›</a:t>
+              <a:t>‹nº›</a:t>
             </a:fld>
             <a:endParaRPr lang="en-US"/>
           </a:p>
@@ -867,10 +886,9 @@
           </a:lstStyle>
           <a:p>
             <a:r>
-              <a:rPr lang="en-US" smtClean="0"/>
+              <a:rPr lang="en-US"/>
               <a:t>Click to edit Master title style</a:t>
             </a:r>
-            <a:endParaRPr lang="en-US"/>
           </a:p>
         </p:txBody>
       </p:sp>
@@ -987,7 +1005,7 @@
           <a:p>
             <a:pPr lvl="0"/>
             <a:r>
-              <a:rPr lang="en-US" smtClean="0"/>
+              <a:rPr lang="en-US"/>
               <a:t>Click to edit Master text styles</a:t>
             </a:r>
           </a:p>
@@ -1010,7 +1028,7 @@
           <a:p>
             <a:fld id="{1D84BECD-ABA3-BD46-B6D4-58513E9BF528}" type="datetimeFigureOut">
               <a:rPr lang="en-US" smtClean="0"/>
-              <a:t>10/17/17</a:t>
+              <a:t>10/20/2017</a:t>
             </a:fld>
             <a:endParaRPr lang="en-US"/>
           </a:p>
@@ -1052,7 +1070,7 @@
           <a:p>
             <a:fld id="{034A6F30-2476-B240-9B9B-2DF551B77FBF}" type="slidenum">
               <a:rPr lang="en-US" smtClean="0"/>
-              <a:t>‹#›</a:t>
+              <a:t>‹nº›</a:t>
             </a:fld>
             <a:endParaRPr lang="en-US"/>
           </a:p>
@@ -1104,10 +1122,9 @@
           <a:lstStyle/>
           <a:p>
             <a:r>
-              <a:rPr lang="en-US" smtClean="0"/>
+              <a:rPr lang="en-US"/>
               <a:t>Click to edit Master title style</a:t>
             </a:r>
-            <a:endParaRPr lang="en-US"/>
           </a:p>
         </p:txBody>
       </p:sp>
@@ -1133,38 +1150,37 @@
           <a:p>
             <a:pPr lvl="0"/>
             <a:r>
-              <a:rPr lang="en-US" smtClean="0"/>
+              <a:rPr lang="en-US"/>
               <a:t>Click to edit Master text styles</a:t>
             </a:r>
           </a:p>
           <a:p>
             <a:pPr lvl="1"/>
             <a:r>
-              <a:rPr lang="en-US" smtClean="0"/>
+              <a:rPr lang="en-US"/>
               <a:t>Second level</a:t>
             </a:r>
           </a:p>
           <a:p>
             <a:pPr lvl="2"/>
             <a:r>
-              <a:rPr lang="en-US" smtClean="0"/>
+              <a:rPr lang="en-US"/>
               <a:t>Third level</a:t>
             </a:r>
           </a:p>
           <a:p>
             <a:pPr lvl="3"/>
             <a:r>
-              <a:rPr lang="en-US" smtClean="0"/>
+              <a:rPr lang="en-US"/>
               <a:t>Fourth level</a:t>
             </a:r>
           </a:p>
           <a:p>
             <a:pPr lvl="4"/>
             <a:r>
-              <a:rPr lang="en-US" smtClean="0"/>
+              <a:rPr lang="en-US"/>
               <a:t>Fifth level</a:t>
             </a:r>
-            <a:endParaRPr lang="en-US"/>
           </a:p>
         </p:txBody>
       </p:sp>
@@ -1190,38 +1206,37 @@
           <a:p>
             <a:pPr lvl="0"/>
             <a:r>
-              <a:rPr lang="en-US" smtClean="0"/>
+              <a:rPr lang="en-US"/>
               <a:t>Click to edit Master text styles</a:t>
             </a:r>
           </a:p>
           <a:p>
             <a:pPr lvl="1"/>
             <a:r>
-              <a:rPr lang="en-US" smtClean="0"/>
+              <a:rPr lang="en-US"/>
               <a:t>Second level</a:t>
             </a:r>
           </a:p>
           <a:p>
             <a:pPr lvl="2"/>
             <a:r>
-              <a:rPr lang="en-US" smtClean="0"/>
+              <a:rPr lang="en-US"/>
               <a:t>Third level</a:t>
             </a:r>
           </a:p>
           <a:p>
             <a:pPr lvl="3"/>
             <a:r>
-              <a:rPr lang="en-US" smtClean="0"/>
+              <a:rPr lang="en-US"/>
               <a:t>Fourth level</a:t>
             </a:r>
           </a:p>
           <a:p>
             <a:pPr lvl="4"/>
             <a:r>
-              <a:rPr lang="en-US" smtClean="0"/>
+              <a:rPr lang="en-US"/>
               <a:t>Fifth level</a:t>
             </a:r>
-            <a:endParaRPr lang="en-US"/>
           </a:p>
         </p:txBody>
       </p:sp>
@@ -1242,7 +1257,7 @@
           <a:p>
             <a:fld id="{1D84BECD-ABA3-BD46-B6D4-58513E9BF528}" type="datetimeFigureOut">
               <a:rPr lang="en-US" smtClean="0"/>
-              <a:t>10/17/17</a:t>
+              <a:t>10/20/2017</a:t>
             </a:fld>
             <a:endParaRPr lang="en-US"/>
           </a:p>
@@ -1284,7 +1299,7 @@
           <a:p>
             <a:fld id="{034A6F30-2476-B240-9B9B-2DF551B77FBF}" type="slidenum">
               <a:rPr lang="en-US" smtClean="0"/>
-              <a:t>‹#›</a:t>
+              <a:t>‹nº›</a:t>
             </a:fld>
             <a:endParaRPr lang="en-US"/>
           </a:p>
@@ -1341,10 +1356,9 @@
           <a:lstStyle/>
           <a:p>
             <a:r>
-              <a:rPr lang="en-US" smtClean="0"/>
+              <a:rPr lang="en-US"/>
               <a:t>Click to edit Master title style</a:t>
             </a:r>
-            <a:endParaRPr lang="en-US"/>
           </a:p>
         </p:txBody>
       </p:sp>
@@ -1407,7 +1421,7 @@
           <a:p>
             <a:pPr lvl="0"/>
             <a:r>
-              <a:rPr lang="en-US" smtClean="0"/>
+              <a:rPr lang="en-US"/>
               <a:t>Click to edit Master text styles</a:t>
             </a:r>
           </a:p>
@@ -1435,38 +1449,37 @@
           <a:p>
             <a:pPr lvl="0"/>
             <a:r>
-              <a:rPr lang="en-US" smtClean="0"/>
+              <a:rPr lang="en-US"/>
               <a:t>Click to edit Master text styles</a:t>
             </a:r>
           </a:p>
           <a:p>
             <a:pPr lvl="1"/>
             <a:r>
-              <a:rPr lang="en-US" smtClean="0"/>
+              <a:rPr lang="en-US"/>
               <a:t>Second level</a:t>
             </a:r>
           </a:p>
           <a:p>
             <a:pPr lvl="2"/>
             <a:r>
-              <a:rPr lang="en-US" smtClean="0"/>
+              <a:rPr lang="en-US"/>
               <a:t>Third level</a:t>
             </a:r>
           </a:p>
           <a:p>
             <a:pPr lvl="3"/>
             <a:r>
-              <a:rPr lang="en-US" smtClean="0"/>
+              <a:rPr lang="en-US"/>
               <a:t>Fourth level</a:t>
             </a:r>
           </a:p>
           <a:p>
             <a:pPr lvl="4"/>
             <a:r>
-              <a:rPr lang="en-US" smtClean="0"/>
+              <a:rPr lang="en-US"/>
               <a:t>Fifth level</a:t>
             </a:r>
-            <a:endParaRPr lang="en-US"/>
           </a:p>
         </p:txBody>
       </p:sp>
@@ -1529,7 +1542,7 @@
           <a:p>
             <a:pPr lvl="0"/>
             <a:r>
-              <a:rPr lang="en-US" smtClean="0"/>
+              <a:rPr lang="en-US"/>
               <a:t>Click to edit Master text styles</a:t>
             </a:r>
           </a:p>
@@ -1557,38 +1570,37 @@
           <a:p>
             <a:pPr lvl="0"/>
             <a:r>
-              <a:rPr lang="en-US" smtClean="0"/>
+              <a:rPr lang="en-US"/>
               <a:t>Click to edit Master text styles</a:t>
             </a:r>
           </a:p>
           <a:p>
             <a:pPr lvl="1"/>
             <a:r>
-              <a:rPr lang="en-US" smtClean="0"/>
+              <a:rPr lang="en-US"/>
               <a:t>Second level</a:t>
             </a:r>
           </a:p>
           <a:p>
             <a:pPr lvl="2"/>
             <a:r>
-              <a:rPr lang="en-US" smtClean="0"/>
+              <a:rPr lang="en-US"/>
               <a:t>Third level</a:t>
             </a:r>
           </a:p>
           <a:p>
             <a:pPr lvl="3"/>
             <a:r>
-              <a:rPr lang="en-US" smtClean="0"/>
+              <a:rPr lang="en-US"/>
               <a:t>Fourth level</a:t>
             </a:r>
           </a:p>
           <a:p>
             <a:pPr lvl="4"/>
             <a:r>
-              <a:rPr lang="en-US" smtClean="0"/>
+              <a:rPr lang="en-US"/>
               <a:t>Fifth level</a:t>
             </a:r>
-            <a:endParaRPr lang="en-US"/>
           </a:p>
         </p:txBody>
       </p:sp>
@@ -1609,7 +1621,7 @@
           <a:p>
             <a:fld id="{1D84BECD-ABA3-BD46-B6D4-58513E9BF528}" type="datetimeFigureOut">
               <a:rPr lang="en-US" smtClean="0"/>
-              <a:t>10/17/17</a:t>
+              <a:t>10/20/2017</a:t>
             </a:fld>
             <a:endParaRPr lang="en-US"/>
           </a:p>
@@ -1651,7 +1663,7 @@
           <a:p>
             <a:fld id="{034A6F30-2476-B240-9B9B-2DF551B77FBF}" type="slidenum">
               <a:rPr lang="en-US" smtClean="0"/>
-              <a:t>‹#›</a:t>
+              <a:t>‹nº›</a:t>
             </a:fld>
             <a:endParaRPr lang="en-US"/>
           </a:p>
@@ -1703,10 +1715,9 @@
           <a:lstStyle/>
           <a:p>
             <a:r>
-              <a:rPr lang="en-US" smtClean="0"/>
+              <a:rPr lang="en-US"/>
               <a:t>Click to edit Master title style</a:t>
             </a:r>
-            <a:endParaRPr lang="en-US"/>
           </a:p>
         </p:txBody>
       </p:sp>
@@ -1727,7 +1738,7 @@
           <a:p>
             <a:fld id="{1D84BECD-ABA3-BD46-B6D4-58513E9BF528}" type="datetimeFigureOut">
               <a:rPr lang="en-US" smtClean="0"/>
-              <a:t>10/17/17</a:t>
+              <a:t>10/20/2017</a:t>
             </a:fld>
             <a:endParaRPr lang="en-US"/>
           </a:p>
@@ -1769,7 +1780,7 @@
           <a:p>
             <a:fld id="{034A6F30-2476-B240-9B9B-2DF551B77FBF}" type="slidenum">
               <a:rPr lang="en-US" smtClean="0"/>
-              <a:t>‹#›</a:t>
+              <a:t>‹nº›</a:t>
             </a:fld>
             <a:endParaRPr lang="en-US"/>
           </a:p>
@@ -1822,7 +1833,7 @@
           <a:p>
             <a:fld id="{1D84BECD-ABA3-BD46-B6D4-58513E9BF528}" type="datetimeFigureOut">
               <a:rPr lang="en-US" smtClean="0"/>
-              <a:t>10/17/17</a:t>
+              <a:t>10/20/2017</a:t>
             </a:fld>
             <a:endParaRPr lang="en-US"/>
           </a:p>
@@ -1864,7 +1875,7 @@
           <a:p>
             <a:fld id="{034A6F30-2476-B240-9B9B-2DF551B77FBF}" type="slidenum">
               <a:rPr lang="en-US" smtClean="0"/>
-              <a:t>‹#›</a:t>
+              <a:t>‹nº›</a:t>
             </a:fld>
             <a:endParaRPr lang="en-US"/>
           </a:p>
@@ -1925,10 +1936,9 @@
           </a:lstStyle>
           <a:p>
             <a:r>
-              <a:rPr lang="en-US" smtClean="0"/>
+              <a:rPr lang="en-US"/>
               <a:t>Click to edit Master title style</a:t>
             </a:r>
-            <a:endParaRPr lang="en-US"/>
           </a:p>
         </p:txBody>
       </p:sp>
@@ -1982,38 +1992,37 @@
           <a:p>
             <a:pPr lvl="0"/>
             <a:r>
-              <a:rPr lang="en-US" smtClean="0"/>
+              <a:rPr lang="en-US"/>
               <a:t>Click to edit Master text styles</a:t>
             </a:r>
           </a:p>
           <a:p>
             <a:pPr lvl="1"/>
             <a:r>
-              <a:rPr lang="en-US" smtClean="0"/>
+              <a:rPr lang="en-US"/>
               <a:t>Second level</a:t>
             </a:r>
           </a:p>
           <a:p>
             <a:pPr lvl="2"/>
             <a:r>
-              <a:rPr lang="en-US" smtClean="0"/>
+              <a:rPr lang="en-US"/>
               <a:t>Third level</a:t>
             </a:r>
           </a:p>
           <a:p>
             <a:pPr lvl="3"/>
             <a:r>
-              <a:rPr lang="en-US" smtClean="0"/>
+              <a:rPr lang="en-US"/>
               <a:t>Fourth level</a:t>
             </a:r>
           </a:p>
           <a:p>
             <a:pPr lvl="4"/>
             <a:r>
-              <a:rPr lang="en-US" smtClean="0"/>
+              <a:rPr lang="en-US"/>
               <a:t>Fifth level</a:t>
             </a:r>
-            <a:endParaRPr lang="en-US"/>
           </a:p>
         </p:txBody>
       </p:sp>
@@ -2076,7 +2085,7 @@
           <a:p>
             <a:pPr lvl="0"/>
             <a:r>
-              <a:rPr lang="en-US" smtClean="0"/>
+              <a:rPr lang="en-US"/>
               <a:t>Click to edit Master text styles</a:t>
             </a:r>
           </a:p>
@@ -2099,7 +2108,7 @@
           <a:p>
             <a:fld id="{1D84BECD-ABA3-BD46-B6D4-58513E9BF528}" type="datetimeFigureOut">
               <a:rPr lang="en-US" smtClean="0"/>
-              <a:t>10/17/17</a:t>
+              <a:t>10/20/2017</a:t>
             </a:fld>
             <a:endParaRPr lang="en-US"/>
           </a:p>
@@ -2141,7 +2150,7 @@
           <a:p>
             <a:fld id="{034A6F30-2476-B240-9B9B-2DF551B77FBF}" type="slidenum">
               <a:rPr lang="en-US" smtClean="0"/>
-              <a:t>‹#›</a:t>
+              <a:t>‹nº›</a:t>
             </a:fld>
             <a:endParaRPr lang="en-US"/>
           </a:p>
@@ -2202,10 +2211,9 @@
           </a:lstStyle>
           <a:p>
             <a:r>
-              <a:rPr lang="en-US" smtClean="0"/>
+              <a:rPr lang="en-US"/>
               <a:t>Click to edit Master title style</a:t>
             </a:r>
-            <a:endParaRPr lang="en-US"/>
           </a:p>
         </p:txBody>
       </p:sp>
@@ -2329,7 +2337,7 @@
           <a:p>
             <a:pPr lvl="0"/>
             <a:r>
-              <a:rPr lang="en-US" smtClean="0"/>
+              <a:rPr lang="en-US"/>
               <a:t>Click to edit Master text styles</a:t>
             </a:r>
           </a:p>
@@ -2352,7 +2360,7 @@
           <a:p>
             <a:fld id="{1D84BECD-ABA3-BD46-B6D4-58513E9BF528}" type="datetimeFigureOut">
               <a:rPr lang="en-US" smtClean="0"/>
-              <a:t>10/17/17</a:t>
+              <a:t>10/20/2017</a:t>
             </a:fld>
             <a:endParaRPr lang="en-US"/>
           </a:p>
@@ -2394,7 +2402,7 @@
           <a:p>
             <a:fld id="{034A6F30-2476-B240-9B9B-2DF551B77FBF}" type="slidenum">
               <a:rPr lang="en-US" smtClean="0"/>
-              <a:t>‹#›</a:t>
+              <a:t>‹nº›</a:t>
             </a:fld>
             <a:endParaRPr lang="en-US"/>
           </a:p>
@@ -2461,10 +2469,9 @@
           <a:lstStyle/>
           <a:p>
             <a:r>
-              <a:rPr lang="en-US" smtClean="0"/>
+              <a:rPr lang="en-US"/>
               <a:t>Click to edit Master title style</a:t>
             </a:r>
-            <a:endParaRPr lang="en-US"/>
           </a:p>
         </p:txBody>
       </p:sp>
@@ -2495,38 +2502,37 @@
           <a:p>
             <a:pPr lvl="0"/>
             <a:r>
-              <a:rPr lang="en-US" smtClean="0"/>
+              <a:rPr lang="en-US"/>
               <a:t>Click to edit Master text styles</a:t>
             </a:r>
           </a:p>
           <a:p>
             <a:pPr lvl="1"/>
             <a:r>
-              <a:rPr lang="en-US" smtClean="0"/>
+              <a:rPr lang="en-US"/>
               <a:t>Second level</a:t>
             </a:r>
           </a:p>
           <a:p>
             <a:pPr lvl="2"/>
             <a:r>
-              <a:rPr lang="en-US" smtClean="0"/>
+              <a:rPr lang="en-US"/>
               <a:t>Third level</a:t>
             </a:r>
           </a:p>
           <a:p>
             <a:pPr lvl="3"/>
             <a:r>
-              <a:rPr lang="en-US" smtClean="0"/>
+              <a:rPr lang="en-US"/>
               <a:t>Fourth level</a:t>
             </a:r>
           </a:p>
           <a:p>
             <a:pPr lvl="4"/>
             <a:r>
-              <a:rPr lang="en-US" smtClean="0"/>
+              <a:rPr lang="en-US"/>
               <a:t>Fifth level</a:t>
             </a:r>
-            <a:endParaRPr lang="en-US"/>
           </a:p>
         </p:txBody>
       </p:sp>
@@ -2565,7 +2571,7 @@
           <a:p>
             <a:fld id="{1D84BECD-ABA3-BD46-B6D4-58513E9BF528}" type="datetimeFigureOut">
               <a:rPr lang="en-US" smtClean="0"/>
-              <a:t>10/17/17</a:t>
+              <a:t>10/20/2017</a:t>
             </a:fld>
             <a:endParaRPr lang="en-US"/>
           </a:p>
@@ -2643,7 +2649,7 @@
           <a:p>
             <a:fld id="{034A6F30-2476-B240-9B9B-2DF551B77FBF}" type="slidenum">
               <a:rPr lang="en-US" smtClean="0"/>
-              <a:t>‹#›</a:t>
+              <a:t>‹nº›</a:t>
             </a:fld>
             <a:endParaRPr lang="en-US"/>
           </a:p>
@@ -3077,20 +3083,36 @@
             </a:pPr>
             <a:r>
               <a:rPr lang="en-GB" sz="2400" i="1" dirty="0">
+                <a:effectLst/>
                 <a:latin typeface="Century Schoolbook" charset="0"/>
                 <a:ea typeface="Calibri" charset="0"/>
                 <a:cs typeface="Times New Roman" charset="0"/>
               </a:rPr>
-              <a:t>Unified </a:t>
-            </a:r>
-            <a:r>
-              <a:rPr lang="en-GB" sz="2400" i="1" dirty="0" smtClean="0">
+              <a:t>T2 </a:t>
+            </a:r>
+            <a:r>
+              <a:rPr lang="mr-IN" sz="2400" i="1" dirty="0">
+                <a:effectLst/>
                 <a:latin typeface="Century Schoolbook" charset="0"/>
                 <a:ea typeface="Calibri" charset="0"/>
                 <a:cs typeface="Times New Roman" charset="0"/>
               </a:rPr>
-              <a:t>Process</a:t>
-            </a:r>
+              <a:t>–</a:t>
+            </a:r>
+            <a:r>
+              <a:rPr lang="en-GB" sz="2400" i="1" dirty="0">
+                <a:effectLst/>
+                <a:latin typeface="Century Schoolbook" charset="0"/>
+                <a:ea typeface="Calibri" charset="0"/>
+                <a:cs typeface="Times New Roman" charset="0"/>
+              </a:rPr>
+              <a:t> Software Processes</a:t>
+            </a:r>
+            <a:endParaRPr lang="en-GB" sz="1100" dirty="0">
+              <a:effectLst/>
+              <a:ea typeface="Calibri" charset="0"/>
+              <a:cs typeface="Times New Roman" charset="0"/>
+            </a:endParaRPr>
           </a:p>
           <a:p>
             <a:pPr algn="ctr">
@@ -3102,7 +3124,7 @@
               </a:spcAft>
             </a:pPr>
             <a:r>
-              <a:rPr lang="pt-PT" sz="1000" i="1" dirty="0" smtClean="0">
+              <a:rPr lang="pt-PT" sz="1000" i="1" dirty="0">
                 <a:effectLst/>
                 <a:latin typeface="Century Schoolbook" charset="0"/>
                 <a:ea typeface="Calibri" charset="0"/>
@@ -3110,7 +3132,7 @@
               </a:rPr>
               <a:t>3MIEIC04_B</a:t>
             </a:r>
-            <a:endParaRPr lang="en-GB" sz="1100" dirty="0" smtClean="0">
+            <a:endParaRPr lang="en-GB" sz="1100" dirty="0">
               <a:effectLst/>
               <a:ea typeface="Calibri" charset="0"/>
               <a:cs typeface="Times New Roman" charset="0"/>
@@ -3126,22 +3148,13 @@
               </a:spcAft>
             </a:pPr>
             <a:r>
-              <a:rPr lang="pt-PT" sz="1000" i="1" dirty="0" smtClean="0">
+              <a:rPr lang="pt-PT" sz="1000" i="1" dirty="0">
                 <a:effectLst/>
                 <a:latin typeface="Century Schoolbook" charset="0"/>
                 <a:ea typeface="Calibri" charset="0"/>
                 <a:cs typeface="Times New Roman" charset="0"/>
               </a:rPr>
-              <a:t>(</a:t>
-            </a:r>
-            <a:r>
-              <a:rPr lang="pt-PT" sz="1000" i="1" dirty="0" smtClean="0">
-                <a:effectLst/>
-                <a:latin typeface="Century Schoolbook" charset="0"/>
-                <a:ea typeface="Calibri" charset="0"/>
-                <a:cs typeface="Times New Roman" charset="0"/>
-              </a:rPr>
-              <a:t>20th </a:t>
+              <a:t>(20th </a:t>
             </a:r>
             <a:r>
               <a:rPr lang="pt-PT" sz="1000" i="1" dirty="0" err="1">
@@ -3223,7 +3236,7 @@
               </a:spcAft>
             </a:pPr>
             <a:r>
-              <a:rPr lang="pt-PT" sz="1100">
+              <a:rPr lang="pt-PT" sz="1100" dirty="0">
                 <a:effectLst/>
                 <a:latin typeface="Century Schoolbook" charset="0"/>
                 <a:ea typeface="Calibri" charset="0"/>
@@ -3232,7 +3245,7 @@
               <a:t>Bárbara Silva </a:t>
             </a:r>
             <a:r>
-              <a:rPr lang="pt-PT" sz="1100" b="1">
+              <a:rPr lang="pt-PT" sz="1100" b="1" dirty="0">
                 <a:effectLst/>
                 <a:latin typeface="Century Schoolbook" charset="0"/>
                 <a:ea typeface="Calibri" charset="0"/>
@@ -3241,7 +3254,7 @@
               <a:t>	up201505628</a:t>
             </a:r>
             <a:r>
-              <a:rPr lang="pt-PT" sz="1100">
+              <a:rPr lang="pt-PT" sz="1100" dirty="0">
                 <a:effectLst/>
                 <a:latin typeface="Century Schoolbook" charset="0"/>
                 <a:ea typeface="Calibri" charset="0"/>
@@ -3445,17 +3458,10 @@
   <p:clrMapOvr>
     <a:masterClrMapping/>
   </p:clrMapOvr>
-  <p:timing>
-    <p:tnLst>
-      <p:par>
-        <p:cTn id="1" dur="indefinite" restart="never" nodeType="tmRoot"/>
-      </p:par>
-    </p:tnLst>
-  </p:timing>
 </p:sld>
 </file>
 
-<file path=ppt/slides/slide2.xml><?xml version="1.0" encoding="utf-8"?>
+<file path=ppt/slides/slide10.xml><?xml version="1.0" encoding="utf-8"?>
 <p:sld xmlns:a="http://schemas.openxmlformats.org/drawingml/2006/main" xmlns:r="http://schemas.openxmlformats.org/officeDocument/2006/relationships" xmlns:p="http://schemas.openxmlformats.org/presentationml/2006/main">
   <p:cSld>
     <p:spTree>
@@ -3474,7 +3480,13 @@
       </p:grpSpPr>
       <p:sp>
         <p:nvSpPr>
-          <p:cNvPr id="2" name="Title 1"/>
+          <p:cNvPr id="2" name="Título 1">
+            <a:extLst>
+              <a:ext uri="{FF2B5EF4-FFF2-40B4-BE49-F238E27FC236}">
+                <a16:creationId xmlns:a16="http://schemas.microsoft.com/office/drawing/2014/main" id="{79A414D6-26C0-45DF-B5D0-7FB3AAC3F1E9}"/>
+              </a:ext>
+            </a:extLst>
+          </p:cNvPr>
           <p:cNvSpPr>
             <a:spLocks noGrp="1"/>
           </p:cNvSpPr>
@@ -3487,13 +3499,26 @@
           <a:bodyPr/>
           <a:lstStyle/>
           <a:p>
-            <a:endParaRPr lang="en-US" dirty="0"/>
-          </a:p>
-        </p:txBody>
-      </p:sp>
-      <p:sp>
-        <p:nvSpPr>
-          <p:cNvPr id="3" name="Content Placeholder 2"/>
+            <a:pPr algn="ctr"/>
+            <a:r>
+              <a:rPr lang="pt-PT" dirty="0" err="1">
+                <a:latin typeface="Century Schoolbook" panose="02040604050505020304" pitchFamily="18" charset="0"/>
+              </a:rPr>
+              <a:t>Elaboration</a:t>
+            </a:r>
+            <a:endParaRPr lang="pt-PT" dirty="0"/>
+          </a:p>
+        </p:txBody>
+      </p:sp>
+      <p:sp>
+        <p:nvSpPr>
+          <p:cNvPr id="3" name="Marcador de Posição de Conteúdo 2">
+            <a:extLst>
+              <a:ext uri="{FF2B5EF4-FFF2-40B4-BE49-F238E27FC236}">
+                <a16:creationId xmlns:a16="http://schemas.microsoft.com/office/drawing/2014/main" id="{7D79DEF8-01EE-454C-951D-A954D1CF0D10}"/>
+              </a:ext>
+            </a:extLst>
+          </p:cNvPr>
           <p:cNvSpPr>
             <a:spLocks noGrp="1"/>
           </p:cNvSpPr>
@@ -3501,18 +3526,480 @@
             <p:ph idx="1"/>
           </p:nvPr>
         </p:nvSpPr>
-        <p:spPr/>
-        <p:txBody>
-          <a:bodyPr/>
+        <p:spPr>
+          <a:xfrm>
+            <a:off x="838199" y="1825625"/>
+            <a:ext cx="11177337" cy="4351338"/>
+          </a:xfrm>
+        </p:spPr>
+        <p:txBody>
+          <a:bodyPr>
+            <a:normAutofit lnSpcReduction="10000"/>
+          </a:bodyPr>
           <a:lstStyle/>
           <a:p>
-            <a:endParaRPr lang="en-US" dirty="0"/>
-          </a:p>
-        </p:txBody>
-      </p:sp>
-      <p:sp>
-        <p:nvSpPr>
-          <p:cNvPr id="4" name="Rectangle 3"/>
+            <a:pPr marL="0" indent="0">
+              <a:buNone/>
+            </a:pPr>
+            <a:r>
+              <a:rPr lang="pt-PT" b="1" dirty="0" err="1">
+                <a:latin typeface="Century Schoolbook" panose="02040604050505020304" pitchFamily="18" charset="0"/>
+              </a:rPr>
+              <a:t>When</a:t>
+            </a:r>
+            <a:r>
+              <a:rPr lang="pt-PT" b="1" dirty="0">
+                <a:latin typeface="Century Schoolbook" panose="02040604050505020304" pitchFamily="18" charset="0"/>
+              </a:rPr>
+              <a:t> can </a:t>
+            </a:r>
+            <a:r>
+              <a:rPr lang="pt-PT" b="1" dirty="0" err="1">
+                <a:latin typeface="Century Schoolbook" panose="02040604050505020304" pitchFamily="18" charset="0"/>
+              </a:rPr>
+              <a:t>we</a:t>
+            </a:r>
+            <a:r>
+              <a:rPr lang="pt-PT" b="1" dirty="0">
+                <a:latin typeface="Century Schoolbook" panose="02040604050505020304" pitchFamily="18" charset="0"/>
+              </a:rPr>
+              <a:t> move </a:t>
+            </a:r>
+            <a:r>
+              <a:rPr lang="pt-PT" b="1" dirty="0" err="1">
+                <a:latin typeface="Century Schoolbook" panose="02040604050505020304" pitchFamily="18" charset="0"/>
+              </a:rPr>
+              <a:t>on</a:t>
+            </a:r>
+            <a:r>
+              <a:rPr lang="pt-PT" b="1" dirty="0">
+                <a:latin typeface="Century Schoolbook" panose="02040604050505020304" pitchFamily="18" charset="0"/>
+              </a:rPr>
+              <a:t>?</a:t>
+            </a:r>
+          </a:p>
+          <a:p>
+            <a:pPr marL="0" indent="0">
+              <a:buNone/>
+            </a:pPr>
+            <a:endParaRPr lang="pt-PT" u="sng" dirty="0"/>
+          </a:p>
+          <a:p>
+            <a:pPr marL="0" indent="0">
+              <a:buNone/>
+            </a:pPr>
+            <a:r>
+              <a:rPr lang="pt-PT" sz="2000" dirty="0" err="1">
+                <a:latin typeface="Century Schoolbook" panose="02040604050505020304" pitchFamily="18" charset="0"/>
+              </a:rPr>
+              <a:t>The</a:t>
+            </a:r>
+            <a:r>
+              <a:rPr lang="pt-PT" sz="2000" dirty="0">
+                <a:latin typeface="Century Schoolbook" panose="02040604050505020304" pitchFamily="18" charset="0"/>
+              </a:rPr>
+              <a:t> major </a:t>
+            </a:r>
+            <a:r>
+              <a:rPr lang="pt-PT" sz="2000" dirty="0" err="1">
+                <a:latin typeface="Century Schoolbook" panose="02040604050505020304" pitchFamily="18" charset="0"/>
+              </a:rPr>
+              <a:t>milestone</a:t>
+            </a:r>
+            <a:r>
+              <a:rPr lang="pt-PT" sz="2000" dirty="0">
+                <a:latin typeface="Century Schoolbook" panose="02040604050505020304" pitchFamily="18" charset="0"/>
+              </a:rPr>
+              <a:t> must </a:t>
+            </a:r>
+            <a:r>
+              <a:rPr lang="pt-PT" sz="2000" dirty="0" err="1">
+                <a:latin typeface="Century Schoolbook" panose="02040604050505020304" pitchFamily="18" charset="0"/>
+              </a:rPr>
+              <a:t>be</a:t>
+            </a:r>
+            <a:r>
+              <a:rPr lang="pt-PT" sz="2000" dirty="0">
+                <a:latin typeface="Century Schoolbook" panose="02040604050505020304" pitchFamily="18" charset="0"/>
+              </a:rPr>
+              <a:t> </a:t>
+            </a:r>
+            <a:r>
+              <a:rPr lang="pt-PT" sz="2000" dirty="0" err="1">
+                <a:latin typeface="Century Schoolbook" panose="02040604050505020304" pitchFamily="18" charset="0"/>
+              </a:rPr>
+              <a:t>achieved</a:t>
+            </a:r>
+            <a:r>
+              <a:rPr lang="pt-PT" sz="2000" dirty="0">
+                <a:latin typeface="Century Schoolbook" panose="02040604050505020304" pitchFamily="18" charset="0"/>
+              </a:rPr>
+              <a:t>.</a:t>
+            </a:r>
+          </a:p>
+          <a:p>
+            <a:pPr marL="0" indent="0">
+              <a:buNone/>
+            </a:pPr>
+            <a:endParaRPr lang="pt-PT" sz="2000" dirty="0">
+              <a:latin typeface="Century Schoolbook" panose="02040604050505020304" pitchFamily="18" charset="0"/>
+            </a:endParaRPr>
+          </a:p>
+          <a:p>
+            <a:r>
+              <a:rPr lang="pt-PT" sz="2000" dirty="0" err="1">
+                <a:latin typeface="Century Schoolbook" panose="02040604050505020304" pitchFamily="18" charset="0"/>
+              </a:rPr>
+              <a:t>The</a:t>
+            </a:r>
+            <a:r>
+              <a:rPr lang="pt-PT" sz="2000" dirty="0">
+                <a:latin typeface="Century Schoolbook" panose="02040604050505020304" pitchFamily="18" charset="0"/>
+              </a:rPr>
+              <a:t> </a:t>
+            </a:r>
+            <a:r>
+              <a:rPr lang="pt-PT" sz="2000" dirty="0" err="1">
+                <a:latin typeface="Century Schoolbook" panose="02040604050505020304" pitchFamily="18" charset="0"/>
+              </a:rPr>
+              <a:t>user</a:t>
+            </a:r>
+            <a:r>
+              <a:rPr lang="pt-PT" sz="2000" dirty="0">
+                <a:latin typeface="Century Schoolbook" panose="02040604050505020304" pitchFamily="18" charset="0"/>
+              </a:rPr>
+              <a:t> case </a:t>
+            </a:r>
+            <a:r>
+              <a:rPr lang="pt-PT" sz="2000" dirty="0" err="1">
+                <a:latin typeface="Century Schoolbook" panose="02040604050505020304" pitchFamily="18" charset="0"/>
+              </a:rPr>
+              <a:t>model</a:t>
+            </a:r>
+            <a:r>
+              <a:rPr lang="pt-PT" sz="2000" dirty="0">
+                <a:latin typeface="Century Schoolbook" panose="02040604050505020304" pitchFamily="18" charset="0"/>
+              </a:rPr>
+              <a:t> must capture </a:t>
+            </a:r>
+            <a:r>
+              <a:rPr lang="pt-PT" sz="2000" dirty="0" err="1">
+                <a:latin typeface="Century Schoolbook" panose="02040604050505020304" pitchFamily="18" charset="0"/>
+              </a:rPr>
+              <a:t>most</a:t>
+            </a:r>
+            <a:r>
+              <a:rPr lang="pt-PT" sz="2000" dirty="0">
+                <a:latin typeface="Century Schoolbook" panose="02040604050505020304" pitchFamily="18" charset="0"/>
+              </a:rPr>
+              <a:t> </a:t>
+            </a:r>
+            <a:r>
+              <a:rPr lang="pt-PT" sz="2000" dirty="0" err="1">
+                <a:latin typeface="Century Schoolbook" panose="02040604050505020304" pitchFamily="18" charset="0"/>
+              </a:rPr>
+              <a:t>of</a:t>
+            </a:r>
+            <a:r>
+              <a:rPr lang="pt-PT" sz="2000" dirty="0">
+                <a:latin typeface="Century Schoolbook" panose="02040604050505020304" pitchFamily="18" charset="0"/>
+              </a:rPr>
+              <a:t> </a:t>
+            </a:r>
+            <a:r>
+              <a:rPr lang="pt-PT" sz="2000" dirty="0" err="1">
+                <a:latin typeface="Century Schoolbook" panose="02040604050505020304" pitchFamily="18" charset="0"/>
+              </a:rPr>
+              <a:t>the</a:t>
+            </a:r>
+            <a:r>
+              <a:rPr lang="pt-PT" sz="2000" dirty="0">
+                <a:latin typeface="Century Schoolbook" panose="02040604050505020304" pitchFamily="18" charset="0"/>
+              </a:rPr>
+              <a:t> </a:t>
+            </a:r>
+            <a:r>
+              <a:rPr lang="pt-PT" sz="2000" dirty="0" err="1">
+                <a:latin typeface="Century Schoolbook" panose="02040604050505020304" pitchFamily="18" charset="0"/>
+              </a:rPr>
+              <a:t>functional</a:t>
+            </a:r>
+            <a:r>
+              <a:rPr lang="pt-PT" sz="2000" dirty="0">
+                <a:latin typeface="Century Schoolbook" panose="02040604050505020304" pitchFamily="18" charset="0"/>
+              </a:rPr>
+              <a:t> </a:t>
+            </a:r>
+            <a:r>
+              <a:rPr lang="pt-PT" sz="2000" dirty="0" err="1">
+                <a:latin typeface="Century Schoolbook" panose="02040604050505020304" pitchFamily="18" charset="0"/>
+              </a:rPr>
+              <a:t>requirements</a:t>
+            </a:r>
+            <a:r>
+              <a:rPr lang="pt-PT" sz="2000" dirty="0">
+                <a:latin typeface="Century Schoolbook" panose="02040604050505020304" pitchFamily="18" charset="0"/>
+              </a:rPr>
+              <a:t>;</a:t>
+            </a:r>
+          </a:p>
+          <a:p>
+            <a:endParaRPr lang="pt-PT" sz="2000" dirty="0">
+              <a:latin typeface="Century Schoolbook" panose="02040604050505020304" pitchFamily="18" charset="0"/>
+            </a:endParaRPr>
+          </a:p>
+          <a:p>
+            <a:r>
+              <a:rPr lang="pt-PT" sz="2000" dirty="0" err="1">
+                <a:latin typeface="Century Schoolbook" panose="02040604050505020304" pitchFamily="18" charset="0"/>
+              </a:rPr>
+              <a:t>The</a:t>
+            </a:r>
+            <a:r>
+              <a:rPr lang="pt-PT" sz="2000" dirty="0">
+                <a:latin typeface="Century Schoolbook" panose="02040604050505020304" pitchFamily="18" charset="0"/>
+              </a:rPr>
+              <a:t> </a:t>
+            </a:r>
+            <a:r>
+              <a:rPr lang="pt-PT" sz="2000" dirty="0" err="1">
+                <a:latin typeface="Century Schoolbook" panose="02040604050505020304" pitchFamily="18" charset="0"/>
+              </a:rPr>
+              <a:t>architetural</a:t>
+            </a:r>
+            <a:r>
+              <a:rPr lang="pt-PT" sz="2000" dirty="0">
+                <a:latin typeface="Century Schoolbook" panose="02040604050505020304" pitchFamily="18" charset="0"/>
+              </a:rPr>
+              <a:t> </a:t>
+            </a:r>
+            <a:r>
+              <a:rPr lang="pt-PT" sz="2000" dirty="0" err="1">
+                <a:latin typeface="Century Schoolbook" panose="02040604050505020304" pitchFamily="18" charset="0"/>
+              </a:rPr>
+              <a:t>baseline</a:t>
+            </a:r>
+            <a:r>
+              <a:rPr lang="pt-PT" sz="2000" dirty="0">
+                <a:latin typeface="Century Schoolbook" panose="02040604050505020304" pitchFamily="18" charset="0"/>
+              </a:rPr>
+              <a:t> must </a:t>
+            </a:r>
+            <a:r>
+              <a:rPr lang="pt-PT" sz="2000" dirty="0" err="1">
+                <a:latin typeface="Century Schoolbook" panose="02040604050505020304" pitchFamily="18" charset="0"/>
+              </a:rPr>
+              <a:t>be</a:t>
+            </a:r>
+            <a:r>
+              <a:rPr lang="pt-PT" sz="2000" dirty="0">
+                <a:latin typeface="Century Schoolbook" panose="02040604050505020304" pitchFamily="18" charset="0"/>
+              </a:rPr>
+              <a:t> a </a:t>
+            </a:r>
+            <a:r>
+              <a:rPr lang="pt-PT" sz="2000" dirty="0" err="1">
+                <a:latin typeface="Century Schoolbook" panose="02040604050505020304" pitchFamily="18" charset="0"/>
+              </a:rPr>
+              <a:t>small</a:t>
+            </a:r>
+            <a:r>
+              <a:rPr lang="pt-PT" sz="2000" dirty="0">
+                <a:latin typeface="Century Schoolbook" panose="02040604050505020304" pitchFamily="18" charset="0"/>
+              </a:rPr>
+              <a:t> </a:t>
+            </a:r>
+            <a:r>
+              <a:rPr lang="pt-PT" sz="2000" dirty="0" err="1">
+                <a:latin typeface="Century Schoolbook" panose="02040604050505020304" pitchFamily="18" charset="0"/>
+              </a:rPr>
+              <a:t>system</a:t>
+            </a:r>
+            <a:r>
+              <a:rPr lang="pt-PT" sz="2000" dirty="0">
+                <a:latin typeface="Century Schoolbook" panose="02040604050505020304" pitchFamily="18" charset="0"/>
+              </a:rPr>
+              <a:t> </a:t>
+            </a:r>
+            <a:r>
+              <a:rPr lang="pt-PT" sz="2000" dirty="0" err="1">
+                <a:latin typeface="Century Schoolbook" panose="02040604050505020304" pitchFamily="18" charset="0"/>
+              </a:rPr>
+              <a:t>that</a:t>
+            </a:r>
+            <a:r>
+              <a:rPr lang="pt-PT" sz="2000" dirty="0">
+                <a:latin typeface="Century Schoolbook" panose="02040604050505020304" pitchFamily="18" charset="0"/>
+              </a:rPr>
+              <a:t> </a:t>
+            </a:r>
+            <a:r>
+              <a:rPr lang="pt-PT" sz="2000" dirty="0" err="1">
+                <a:latin typeface="Century Schoolbook" panose="02040604050505020304" pitchFamily="18" charset="0"/>
+              </a:rPr>
+              <a:t>will</a:t>
+            </a:r>
+            <a:r>
+              <a:rPr lang="pt-PT" sz="2000" dirty="0">
+                <a:latin typeface="Century Schoolbook" panose="02040604050505020304" pitchFamily="18" charset="0"/>
+              </a:rPr>
+              <a:t> serve as a </a:t>
+            </a:r>
+            <a:r>
+              <a:rPr lang="pt-PT" sz="2000" dirty="0" err="1">
+                <a:latin typeface="Century Schoolbook" panose="02040604050505020304" pitchFamily="18" charset="0"/>
+              </a:rPr>
+              <a:t>solid</a:t>
+            </a:r>
+            <a:r>
+              <a:rPr lang="pt-PT" sz="2000" dirty="0">
+                <a:latin typeface="Century Schoolbook" panose="02040604050505020304" pitchFamily="18" charset="0"/>
+              </a:rPr>
+              <a:t> </a:t>
+            </a:r>
+          </a:p>
+          <a:p>
+            <a:pPr marL="0" indent="0">
+              <a:buNone/>
+            </a:pPr>
+            <a:r>
+              <a:rPr lang="pt-PT" sz="2000" dirty="0" err="1">
+                <a:latin typeface="Century Schoolbook" panose="02040604050505020304" pitchFamily="18" charset="0"/>
+              </a:rPr>
+              <a:t>foundation</a:t>
+            </a:r>
+            <a:r>
+              <a:rPr lang="pt-PT" sz="2000" dirty="0">
+                <a:latin typeface="Century Schoolbook" panose="02040604050505020304" pitchFamily="18" charset="0"/>
+              </a:rPr>
+              <a:t>;</a:t>
+            </a:r>
+          </a:p>
+          <a:p>
+            <a:endParaRPr lang="pt-PT" sz="2000" dirty="0">
+              <a:latin typeface="Century Schoolbook" panose="02040604050505020304" pitchFamily="18" charset="0"/>
+            </a:endParaRPr>
+          </a:p>
+          <a:p>
+            <a:r>
+              <a:rPr lang="pt-PT" sz="2000" dirty="0">
+                <a:latin typeface="Century Schoolbook" panose="02040604050505020304" pitchFamily="18" charset="0"/>
+              </a:rPr>
+              <a:t>Business case </a:t>
+            </a:r>
+            <a:r>
+              <a:rPr lang="pt-PT" sz="2000" dirty="0" err="1">
+                <a:latin typeface="Century Schoolbook" panose="02040604050505020304" pitchFamily="18" charset="0"/>
+              </a:rPr>
+              <a:t>has</a:t>
+            </a:r>
+            <a:r>
+              <a:rPr lang="pt-PT" sz="2000" dirty="0">
+                <a:latin typeface="Century Schoolbook" panose="02040604050505020304" pitchFamily="18" charset="0"/>
+              </a:rPr>
+              <a:t> </a:t>
+            </a:r>
+            <a:r>
+              <a:rPr lang="pt-PT" sz="2000" dirty="0" err="1">
+                <a:latin typeface="Century Schoolbook" panose="02040604050505020304" pitchFamily="18" charset="0"/>
+              </a:rPr>
+              <a:t>received</a:t>
+            </a:r>
+            <a:r>
+              <a:rPr lang="pt-PT" sz="2000" dirty="0">
+                <a:latin typeface="Century Schoolbook" panose="02040604050505020304" pitchFamily="18" charset="0"/>
+              </a:rPr>
+              <a:t> a green light, </a:t>
+            </a:r>
+            <a:r>
+              <a:rPr lang="pt-PT" sz="2000" dirty="0" err="1">
+                <a:latin typeface="Century Schoolbook" panose="02040604050505020304" pitchFamily="18" charset="0"/>
+              </a:rPr>
+              <a:t>there’s</a:t>
+            </a:r>
+            <a:r>
+              <a:rPr lang="pt-PT" sz="2000" dirty="0">
+                <a:latin typeface="Century Schoolbook" panose="02040604050505020304" pitchFamily="18" charset="0"/>
+              </a:rPr>
+              <a:t> a </a:t>
+            </a:r>
+            <a:r>
+              <a:rPr lang="pt-PT" sz="2000" dirty="0" err="1">
+                <a:latin typeface="Century Schoolbook" panose="02040604050505020304" pitchFamily="18" charset="0"/>
+              </a:rPr>
+              <a:t>project</a:t>
+            </a:r>
+            <a:r>
+              <a:rPr lang="pt-PT" sz="2000" dirty="0">
+                <a:latin typeface="Century Schoolbook" panose="02040604050505020304" pitchFamily="18" charset="0"/>
+              </a:rPr>
+              <a:t> </a:t>
+            </a:r>
+            <a:r>
+              <a:rPr lang="pt-PT" sz="2000" dirty="0" err="1">
+                <a:latin typeface="Century Schoolbook" panose="02040604050505020304" pitchFamily="18" charset="0"/>
+              </a:rPr>
+              <a:t>plan</a:t>
+            </a:r>
+            <a:r>
+              <a:rPr lang="pt-PT" sz="2000" dirty="0">
+                <a:latin typeface="Century Schoolbook" panose="02040604050505020304" pitchFamily="18" charset="0"/>
+              </a:rPr>
+              <a:t> for </a:t>
+            </a:r>
+            <a:r>
+              <a:rPr lang="pt-PT" sz="2000" dirty="0" err="1">
+                <a:latin typeface="Century Schoolbook" panose="02040604050505020304" pitchFamily="18" charset="0"/>
+              </a:rPr>
+              <a:t>the</a:t>
+            </a:r>
+            <a:r>
+              <a:rPr lang="pt-PT" sz="2000" dirty="0">
+                <a:latin typeface="Century Schoolbook" panose="02040604050505020304" pitchFamily="18" charset="0"/>
+              </a:rPr>
+              <a:t> </a:t>
+            </a:r>
+            <a:r>
+              <a:rPr lang="pt-PT" sz="2000" dirty="0" err="1">
+                <a:latin typeface="Century Schoolbook" panose="02040604050505020304" pitchFamily="18" charset="0"/>
+              </a:rPr>
+              <a:t>next</a:t>
+            </a:r>
+            <a:r>
+              <a:rPr lang="pt-PT" sz="2000" dirty="0">
+                <a:latin typeface="Century Schoolbook" panose="02040604050505020304" pitchFamily="18" charset="0"/>
+              </a:rPr>
+              <a:t> </a:t>
+            </a:r>
+          </a:p>
+          <a:p>
+            <a:pPr marL="0" indent="0">
+              <a:buNone/>
+            </a:pPr>
+            <a:r>
+              <a:rPr lang="pt-PT" sz="2000" dirty="0" err="1">
+                <a:latin typeface="Century Schoolbook" panose="02040604050505020304" pitchFamily="18" charset="0"/>
+              </a:rPr>
+              <a:t>phase</a:t>
+            </a:r>
+            <a:r>
+              <a:rPr lang="pt-PT" sz="2000" dirty="0">
+                <a:latin typeface="Century Schoolbook" panose="02040604050505020304" pitchFamily="18" charset="0"/>
+              </a:rPr>
+              <a:t>.</a:t>
+            </a:r>
+          </a:p>
+        </p:txBody>
+      </p:sp>
+      <p:sp>
+        <p:nvSpPr>
+          <p:cNvPr id="4" name="Rectangle 6">
+            <a:extLst>
+              <a:ext uri="{FF2B5EF4-FFF2-40B4-BE49-F238E27FC236}">
+                <a16:creationId xmlns:a16="http://schemas.microsoft.com/office/drawing/2014/main" id="{F5E62C9A-C53C-4255-AE5F-9EC1C41FAC9A}"/>
+              </a:ext>
+            </a:extLst>
+          </p:cNvPr>
           <p:cNvSpPr/>
           <p:nvPr/>
         </p:nvSpPr>
@@ -3552,6 +4039,3138 @@
           <a:lstStyle/>
           <a:p>
             <a:pPr algn="ctr"/>
+            <a:r>
+              <a:rPr lang="en-US" dirty="0"/>
+              <a:t>0</a:t>
+            </a:r>
+          </a:p>
+        </p:txBody>
+      </p:sp>
+    </p:spTree>
+    <p:extLst>
+      <p:ext uri="{BB962C8B-B14F-4D97-AF65-F5344CB8AC3E}">
+        <p14:creationId xmlns:p14="http://schemas.microsoft.com/office/powerpoint/2010/main" val="1893688217"/>
+      </p:ext>
+    </p:extLst>
+  </p:cSld>
+  <p:clrMapOvr>
+    <a:masterClrMapping/>
+  </p:clrMapOvr>
+</p:sld>
+</file>
+
+<file path=ppt/slides/slide11.xml><?xml version="1.0" encoding="utf-8"?>
+<p:sld xmlns:a="http://schemas.openxmlformats.org/drawingml/2006/main" xmlns:r="http://schemas.openxmlformats.org/officeDocument/2006/relationships" xmlns:p="http://schemas.openxmlformats.org/presentationml/2006/main">
+  <p:cSld>
+    <p:spTree>
+      <p:nvGrpSpPr>
+        <p:cNvPr id="1" name=""/>
+        <p:cNvGrpSpPr/>
+        <p:nvPr/>
+      </p:nvGrpSpPr>
+      <p:grpSpPr>
+        <a:xfrm>
+          <a:off x="0" y="0"/>
+          <a:ext cx="0" cy="0"/>
+          <a:chOff x="0" y="0"/>
+          <a:chExt cx="0" cy="0"/>
+        </a:xfrm>
+      </p:grpSpPr>
+      <p:sp>
+        <p:nvSpPr>
+          <p:cNvPr id="2" name="Título 1">
+            <a:extLst>
+              <a:ext uri="{FF2B5EF4-FFF2-40B4-BE49-F238E27FC236}">
+                <a16:creationId xmlns:a16="http://schemas.microsoft.com/office/drawing/2014/main" id="{5E2F1A34-522C-492B-9D43-22843A136154}"/>
+              </a:ext>
+            </a:extLst>
+          </p:cNvPr>
+          <p:cNvSpPr>
+            <a:spLocks noGrp="1"/>
+          </p:cNvSpPr>
+          <p:nvPr>
+            <p:ph type="ctrTitle"/>
+          </p:nvPr>
+        </p:nvSpPr>
+        <p:spPr>
+          <a:xfrm>
+            <a:off x="1524000" y="1363579"/>
+            <a:ext cx="9144000" cy="930442"/>
+          </a:xfrm>
+        </p:spPr>
+        <p:txBody>
+          <a:bodyPr/>
+          <a:lstStyle/>
+          <a:p>
+            <a:r>
+              <a:rPr lang="pt-PT" dirty="0">
+                <a:latin typeface="Century Schoolbook" panose="02040604050505020304" pitchFamily="18" charset="0"/>
+              </a:rPr>
+              <a:t>Conception</a:t>
+            </a:r>
+            <a:endParaRPr lang="pt-PT" dirty="0"/>
+          </a:p>
+        </p:txBody>
+      </p:sp>
+      <p:sp>
+        <p:nvSpPr>
+          <p:cNvPr id="3" name="Subtítulo 2">
+            <a:extLst>
+              <a:ext uri="{FF2B5EF4-FFF2-40B4-BE49-F238E27FC236}">
+                <a16:creationId xmlns:a16="http://schemas.microsoft.com/office/drawing/2014/main" id="{B9668059-CE21-43B9-9D78-628B0D0E16D3}"/>
+              </a:ext>
+            </a:extLst>
+          </p:cNvPr>
+          <p:cNvSpPr>
+            <a:spLocks noGrp="1"/>
+          </p:cNvSpPr>
+          <p:nvPr>
+            <p:ph type="subTitle" idx="1"/>
+          </p:nvPr>
+        </p:nvSpPr>
+        <p:spPr>
+          <a:xfrm>
+            <a:off x="1347537" y="3221330"/>
+            <a:ext cx="9144000" cy="761415"/>
+          </a:xfrm>
+        </p:spPr>
+        <p:txBody>
+          <a:bodyPr/>
+          <a:lstStyle/>
+          <a:p>
+            <a:r>
+              <a:rPr lang="pt-PT" b="1" dirty="0" err="1">
+                <a:latin typeface="Century Schoolbook" panose="02040604050505020304" pitchFamily="18" charset="0"/>
+              </a:rPr>
+              <a:t>The</a:t>
+            </a:r>
+            <a:r>
+              <a:rPr lang="pt-PT" b="1" dirty="0">
+                <a:latin typeface="Century Schoolbook" panose="02040604050505020304" pitchFamily="18" charset="0"/>
+              </a:rPr>
+              <a:t> </a:t>
+            </a:r>
+            <a:r>
+              <a:rPr lang="pt-PT" b="1" dirty="0" err="1">
+                <a:latin typeface="Century Schoolbook" panose="02040604050505020304" pitchFamily="18" charset="0"/>
+              </a:rPr>
+              <a:t>third</a:t>
+            </a:r>
+            <a:r>
+              <a:rPr lang="pt-PT" b="1" dirty="0">
+                <a:latin typeface="Century Schoolbook" panose="02040604050505020304" pitchFamily="18" charset="0"/>
+              </a:rPr>
+              <a:t> </a:t>
+            </a:r>
+            <a:r>
+              <a:rPr lang="pt-PT" b="1" dirty="0" err="1">
+                <a:latin typeface="Century Schoolbook" panose="02040604050505020304" pitchFamily="18" charset="0"/>
+              </a:rPr>
+              <a:t>phase</a:t>
+            </a:r>
+            <a:endParaRPr lang="pt-PT" b="1" dirty="0">
+              <a:latin typeface="Century Schoolbook" panose="02040604050505020304" pitchFamily="18" charset="0"/>
+            </a:endParaRPr>
+          </a:p>
+          <a:p>
+            <a:endParaRPr lang="pt-PT" dirty="0"/>
+          </a:p>
+        </p:txBody>
+      </p:sp>
+      <p:sp>
+        <p:nvSpPr>
+          <p:cNvPr id="4" name="Rectangle 6">
+            <a:extLst>
+              <a:ext uri="{FF2B5EF4-FFF2-40B4-BE49-F238E27FC236}">
+                <a16:creationId xmlns:a16="http://schemas.microsoft.com/office/drawing/2014/main" id="{116D08CD-E3B2-43AB-8943-2951447B5C55}"/>
+              </a:ext>
+            </a:extLst>
+          </p:cNvPr>
+          <p:cNvSpPr/>
+          <p:nvPr/>
+        </p:nvSpPr>
+        <p:spPr>
+          <a:xfrm>
+            <a:off x="10479505" y="-1"/>
+            <a:ext cx="421106" cy="6858001"/>
+          </a:xfrm>
+          <a:prstGeom prst="rect">
+            <a:avLst/>
+          </a:prstGeom>
+          <a:solidFill>
+            <a:srgbClr val="98220B"/>
+          </a:solidFill>
+          <a:ln>
+            <a:noFill/>
+          </a:ln>
+        </p:spPr>
+        <p:style>
+          <a:lnRef idx="2">
+            <a:schemeClr val="accent1">
+              <a:shade val="50000"/>
+            </a:schemeClr>
+          </a:lnRef>
+          <a:fillRef idx="1">
+            <a:schemeClr val="accent1"/>
+          </a:fillRef>
+          <a:effectRef idx="0">
+            <a:schemeClr val="accent1"/>
+          </a:effectRef>
+          <a:fontRef idx="minor">
+            <a:schemeClr val="lt1"/>
+          </a:fontRef>
+        </p:style>
+        <p:txBody>
+          <a:bodyPr rtlCol="0" anchor="ctr"/>
+          <a:lstStyle/>
+          <a:p>
+            <a:pPr algn="ctr"/>
+            <a:endParaRPr lang="en-US"/>
+          </a:p>
+        </p:txBody>
+      </p:sp>
+    </p:spTree>
+    <p:extLst>
+      <p:ext uri="{BB962C8B-B14F-4D97-AF65-F5344CB8AC3E}">
+        <p14:creationId xmlns:p14="http://schemas.microsoft.com/office/powerpoint/2010/main" val="3224802171"/>
+      </p:ext>
+    </p:extLst>
+  </p:cSld>
+  <p:clrMapOvr>
+    <a:masterClrMapping/>
+  </p:clrMapOvr>
+</p:sld>
+</file>
+
+<file path=ppt/slides/slide12.xml><?xml version="1.0" encoding="utf-8"?>
+<p:sld xmlns:a="http://schemas.openxmlformats.org/drawingml/2006/main" xmlns:r="http://schemas.openxmlformats.org/officeDocument/2006/relationships" xmlns:p="http://schemas.openxmlformats.org/presentationml/2006/main">
+  <p:cSld>
+    <p:spTree>
+      <p:nvGrpSpPr>
+        <p:cNvPr id="1" name=""/>
+        <p:cNvGrpSpPr/>
+        <p:nvPr/>
+      </p:nvGrpSpPr>
+      <p:grpSpPr>
+        <a:xfrm>
+          <a:off x="0" y="0"/>
+          <a:ext cx="0" cy="0"/>
+          <a:chOff x="0" y="0"/>
+          <a:chExt cx="0" cy="0"/>
+        </a:xfrm>
+      </p:grpSpPr>
+      <p:sp>
+        <p:nvSpPr>
+          <p:cNvPr id="2" name="Título 1">
+            <a:extLst>
+              <a:ext uri="{FF2B5EF4-FFF2-40B4-BE49-F238E27FC236}">
+                <a16:creationId xmlns:a16="http://schemas.microsoft.com/office/drawing/2014/main" id="{758A68C1-1D76-4B43-B7A8-269D5FDC683B}"/>
+              </a:ext>
+            </a:extLst>
+          </p:cNvPr>
+          <p:cNvSpPr>
+            <a:spLocks noGrp="1"/>
+          </p:cNvSpPr>
+          <p:nvPr>
+            <p:ph type="title"/>
+          </p:nvPr>
+        </p:nvSpPr>
+        <p:spPr/>
+        <p:txBody>
+          <a:bodyPr/>
+          <a:lstStyle/>
+          <a:p>
+            <a:pPr algn="ctr"/>
+            <a:r>
+              <a:rPr lang="pt-PT" dirty="0">
+                <a:latin typeface="Century Schoolbook" panose="02040604050505020304" pitchFamily="18" charset="0"/>
+              </a:rPr>
+              <a:t>Conception</a:t>
+            </a:r>
+            <a:endParaRPr lang="pt-PT" dirty="0"/>
+          </a:p>
+        </p:txBody>
+      </p:sp>
+      <p:sp>
+        <p:nvSpPr>
+          <p:cNvPr id="3" name="Marcador de Posição de Conteúdo 2">
+            <a:extLst>
+              <a:ext uri="{FF2B5EF4-FFF2-40B4-BE49-F238E27FC236}">
+                <a16:creationId xmlns:a16="http://schemas.microsoft.com/office/drawing/2014/main" id="{45B68C1C-E3B2-4802-8B6C-DE00520D1AAE}"/>
+              </a:ext>
+            </a:extLst>
+          </p:cNvPr>
+          <p:cNvSpPr>
+            <a:spLocks noGrp="1"/>
+          </p:cNvSpPr>
+          <p:nvPr>
+            <p:ph idx="1"/>
+          </p:nvPr>
+        </p:nvSpPr>
+        <p:spPr>
+          <a:xfrm>
+            <a:off x="838200" y="1825625"/>
+            <a:ext cx="10515600" cy="4822310"/>
+          </a:xfrm>
+        </p:spPr>
+        <p:txBody>
+          <a:bodyPr/>
+          <a:lstStyle/>
+          <a:p>
+            <a:pPr marL="0" indent="0">
+              <a:buNone/>
+            </a:pPr>
+            <a:r>
+              <a:rPr lang="pt-PT" b="1" dirty="0" err="1">
+                <a:latin typeface="Century Schoolbook" panose="02040604050505020304" pitchFamily="18" charset="0"/>
+              </a:rPr>
+              <a:t>What’s</a:t>
+            </a:r>
+            <a:r>
+              <a:rPr lang="pt-PT" b="1" dirty="0">
+                <a:latin typeface="Century Schoolbook" panose="02040604050505020304" pitchFamily="18" charset="0"/>
+              </a:rPr>
+              <a:t> </a:t>
+            </a:r>
+            <a:r>
+              <a:rPr lang="pt-PT" b="1" dirty="0" err="1">
+                <a:latin typeface="Century Schoolbook" panose="02040604050505020304" pitchFamily="18" charset="0"/>
+              </a:rPr>
+              <a:t>the</a:t>
+            </a:r>
+            <a:r>
+              <a:rPr lang="pt-PT" b="1" dirty="0">
+                <a:latin typeface="Century Schoolbook" panose="02040604050505020304" pitchFamily="18" charset="0"/>
+              </a:rPr>
+              <a:t> </a:t>
+            </a:r>
+            <a:r>
+              <a:rPr lang="pt-PT" b="1" dirty="0" err="1">
+                <a:latin typeface="Century Schoolbook" panose="02040604050505020304" pitchFamily="18" charset="0"/>
+              </a:rPr>
+              <a:t>primary</a:t>
+            </a:r>
+            <a:r>
+              <a:rPr lang="pt-PT" b="1" dirty="0">
+                <a:latin typeface="Century Schoolbook" panose="02040604050505020304" pitchFamily="18" charset="0"/>
+              </a:rPr>
+              <a:t> </a:t>
+            </a:r>
+            <a:r>
+              <a:rPr lang="pt-PT" b="1" dirty="0" err="1">
+                <a:latin typeface="Century Schoolbook" panose="02040604050505020304" pitchFamily="18" charset="0"/>
+              </a:rPr>
+              <a:t>goal</a:t>
+            </a:r>
+            <a:r>
+              <a:rPr lang="pt-PT" b="1" dirty="0">
+                <a:latin typeface="Century Schoolbook" panose="02040604050505020304" pitchFamily="18" charset="0"/>
+              </a:rPr>
+              <a:t>?</a:t>
+            </a:r>
+          </a:p>
+          <a:p>
+            <a:endParaRPr lang="pt-PT" dirty="0"/>
+          </a:p>
+          <a:p>
+            <a:pPr marL="0" indent="0">
+              <a:buNone/>
+            </a:pPr>
+            <a:r>
+              <a:rPr lang="pt-PT" sz="2000" dirty="0" err="1">
+                <a:latin typeface="Century Schoolbook" panose="02040604050505020304" pitchFamily="18" charset="0"/>
+              </a:rPr>
+              <a:t>Create</a:t>
+            </a:r>
+            <a:r>
+              <a:rPr lang="pt-PT" sz="2000" dirty="0">
+                <a:latin typeface="Century Schoolbook" panose="02040604050505020304" pitchFamily="18" charset="0"/>
+              </a:rPr>
+              <a:t> a </a:t>
+            </a:r>
+            <a:r>
+              <a:rPr lang="pt-PT" sz="2000" dirty="0" err="1">
+                <a:latin typeface="Century Schoolbook" panose="02040604050505020304" pitchFamily="18" charset="0"/>
+              </a:rPr>
+              <a:t>system</a:t>
+            </a:r>
+            <a:r>
+              <a:rPr lang="pt-PT" sz="2000" dirty="0">
+                <a:latin typeface="Century Schoolbook" panose="02040604050505020304" pitchFamily="18" charset="0"/>
+              </a:rPr>
+              <a:t> </a:t>
+            </a:r>
+            <a:r>
+              <a:rPr lang="pt-PT" sz="2000" dirty="0" err="1">
+                <a:latin typeface="Century Schoolbook" panose="02040604050505020304" pitchFamily="18" charset="0"/>
+              </a:rPr>
+              <a:t>capable</a:t>
+            </a:r>
+            <a:r>
+              <a:rPr lang="pt-PT" sz="2000" dirty="0">
+                <a:latin typeface="Century Schoolbook" panose="02040604050505020304" pitchFamily="18" charset="0"/>
+              </a:rPr>
+              <a:t> </a:t>
+            </a:r>
+            <a:r>
+              <a:rPr lang="pt-PT" sz="2000" dirty="0" err="1">
+                <a:latin typeface="Century Schoolbook" panose="02040604050505020304" pitchFamily="18" charset="0"/>
+              </a:rPr>
+              <a:t>of</a:t>
+            </a:r>
+            <a:r>
+              <a:rPr lang="pt-PT" sz="2000" dirty="0">
+                <a:latin typeface="Century Schoolbook" panose="02040604050505020304" pitchFamily="18" charset="0"/>
+              </a:rPr>
+              <a:t> </a:t>
+            </a:r>
+            <a:r>
+              <a:rPr lang="pt-PT" sz="2000" dirty="0" err="1">
+                <a:latin typeface="Century Schoolbook" panose="02040604050505020304" pitchFamily="18" charset="0"/>
+              </a:rPr>
+              <a:t>operating</a:t>
+            </a:r>
+            <a:r>
+              <a:rPr lang="pt-PT" sz="2000" dirty="0">
+                <a:latin typeface="Century Schoolbook" panose="02040604050505020304" pitchFamily="18" charset="0"/>
+              </a:rPr>
+              <a:t> in beta </a:t>
+            </a:r>
+          </a:p>
+          <a:p>
+            <a:pPr marL="0" indent="0">
+              <a:buNone/>
+            </a:pPr>
+            <a:r>
+              <a:rPr lang="pt-PT" sz="2000" dirty="0" err="1">
+                <a:latin typeface="Century Schoolbook" panose="02040604050505020304" pitchFamily="18" charset="0"/>
+              </a:rPr>
+              <a:t>customer</a:t>
+            </a:r>
+            <a:r>
+              <a:rPr lang="pt-PT" sz="2000" dirty="0">
+                <a:latin typeface="Century Schoolbook" panose="02040604050505020304" pitchFamily="18" charset="0"/>
+              </a:rPr>
+              <a:t> </a:t>
+            </a:r>
+            <a:r>
+              <a:rPr lang="pt-PT" sz="2000" dirty="0" err="1">
+                <a:latin typeface="Century Schoolbook" panose="02040604050505020304" pitchFamily="18" charset="0"/>
+              </a:rPr>
+              <a:t>environments</a:t>
+            </a:r>
+            <a:r>
+              <a:rPr lang="pt-PT" sz="2000" dirty="0">
+                <a:latin typeface="Century Schoolbook" panose="02040604050505020304" pitchFamily="18" charset="0"/>
+              </a:rPr>
+              <a:t>.</a:t>
+            </a:r>
+          </a:p>
+          <a:p>
+            <a:pPr marL="0" indent="0">
+              <a:buNone/>
+            </a:pPr>
+            <a:endParaRPr lang="pt-PT" sz="2000" u="sng" dirty="0">
+              <a:latin typeface="Century Schoolbook" panose="02040604050505020304" pitchFamily="18" charset="0"/>
+            </a:endParaRPr>
+          </a:p>
+          <a:p>
+            <a:pPr marL="0" indent="0">
+              <a:buNone/>
+            </a:pPr>
+            <a:r>
+              <a:rPr lang="pt-PT" b="1" dirty="0" err="1">
+                <a:latin typeface="Century Schoolbook" panose="02040604050505020304" pitchFamily="18" charset="0"/>
+              </a:rPr>
+              <a:t>How</a:t>
+            </a:r>
+            <a:r>
+              <a:rPr lang="pt-PT" sz="2000" b="1" dirty="0">
+                <a:latin typeface="Century Schoolbook" panose="02040604050505020304" pitchFamily="18" charset="0"/>
+              </a:rPr>
+              <a:t>?</a:t>
+            </a:r>
+          </a:p>
+          <a:p>
+            <a:pPr marL="0" indent="0">
+              <a:buNone/>
+            </a:pPr>
+            <a:endParaRPr lang="pt-PT" sz="2000" b="1" dirty="0">
+              <a:latin typeface="Century Schoolbook" panose="02040604050505020304" pitchFamily="18" charset="0"/>
+            </a:endParaRPr>
+          </a:p>
+          <a:p>
+            <a:pPr marL="0" indent="0">
+              <a:buNone/>
+            </a:pPr>
+            <a:r>
+              <a:rPr lang="pt-PT" sz="2000" dirty="0" err="1">
+                <a:latin typeface="Century Schoolbook" panose="02040604050505020304" pitchFamily="18" charset="0"/>
+              </a:rPr>
+              <a:t>Build</a:t>
+            </a:r>
+            <a:r>
+              <a:rPr lang="pt-PT" sz="2000" dirty="0">
+                <a:latin typeface="Century Schoolbook" panose="02040604050505020304" pitchFamily="18" charset="0"/>
+              </a:rPr>
+              <a:t> </a:t>
+            </a:r>
+            <a:r>
+              <a:rPr lang="pt-PT" sz="2000" dirty="0" err="1">
+                <a:latin typeface="Century Schoolbook" panose="02040604050505020304" pitchFamily="18" charset="0"/>
+              </a:rPr>
+              <a:t>the</a:t>
+            </a:r>
+            <a:r>
+              <a:rPr lang="pt-PT" sz="2000" dirty="0">
+                <a:latin typeface="Century Schoolbook" panose="02040604050505020304" pitchFamily="18" charset="0"/>
+              </a:rPr>
+              <a:t> </a:t>
+            </a:r>
+            <a:r>
+              <a:rPr lang="pt-PT" sz="2000" dirty="0" err="1">
+                <a:latin typeface="Century Schoolbook" panose="02040604050505020304" pitchFamily="18" charset="0"/>
+              </a:rPr>
+              <a:t>system</a:t>
+            </a:r>
+            <a:r>
+              <a:rPr lang="pt-PT" sz="2000" dirty="0">
+                <a:latin typeface="Century Schoolbook" panose="02040604050505020304" pitchFamily="18" charset="0"/>
+              </a:rPr>
+              <a:t> </a:t>
+            </a:r>
+            <a:r>
+              <a:rPr lang="pt-PT" sz="2000" dirty="0" err="1">
+                <a:latin typeface="Century Schoolbook" panose="02040604050505020304" pitchFamily="18" charset="0"/>
+              </a:rPr>
+              <a:t>iteratively</a:t>
+            </a:r>
+            <a:r>
+              <a:rPr lang="pt-PT" sz="2000" dirty="0">
+                <a:latin typeface="Century Schoolbook" panose="02040604050505020304" pitchFamily="18" charset="0"/>
+              </a:rPr>
+              <a:t> </a:t>
+            </a:r>
+            <a:r>
+              <a:rPr lang="pt-PT" sz="2000" dirty="0" err="1">
+                <a:latin typeface="Century Schoolbook" panose="02040604050505020304" pitchFamily="18" charset="0"/>
+              </a:rPr>
+              <a:t>and</a:t>
+            </a:r>
+            <a:r>
+              <a:rPr lang="pt-PT" sz="2000" dirty="0">
+                <a:latin typeface="Century Schoolbook" panose="02040604050505020304" pitchFamily="18" charset="0"/>
+              </a:rPr>
+              <a:t> </a:t>
+            </a:r>
+          </a:p>
+          <a:p>
+            <a:pPr marL="0" indent="0">
+              <a:buNone/>
+            </a:pPr>
+            <a:r>
+              <a:rPr lang="pt-PT" sz="2000" dirty="0" err="1">
+                <a:latin typeface="Century Schoolbook" panose="02040604050505020304" pitchFamily="18" charset="0"/>
+              </a:rPr>
+              <a:t>incrementally</a:t>
+            </a:r>
+            <a:r>
+              <a:rPr lang="pt-PT" sz="2000" dirty="0">
+                <a:latin typeface="Century Schoolbook" panose="02040604050505020304" pitchFamily="18" charset="0"/>
+              </a:rPr>
+              <a:t>, </a:t>
+            </a:r>
+            <a:r>
+              <a:rPr lang="pt-PT" sz="2000" dirty="0" err="1">
+                <a:latin typeface="Century Schoolbook" panose="02040604050505020304" pitchFamily="18" charset="0"/>
+              </a:rPr>
+              <a:t>making</a:t>
+            </a:r>
+            <a:r>
+              <a:rPr lang="pt-PT" sz="2000" dirty="0">
+                <a:latin typeface="Century Schoolbook" panose="02040604050505020304" pitchFamily="18" charset="0"/>
+              </a:rPr>
+              <a:t> </a:t>
+            </a:r>
+            <a:r>
+              <a:rPr lang="pt-PT" sz="2000" dirty="0" err="1">
+                <a:latin typeface="Century Schoolbook" panose="02040604050505020304" pitchFamily="18" charset="0"/>
+              </a:rPr>
+              <a:t>sure</a:t>
+            </a:r>
+            <a:r>
+              <a:rPr lang="pt-PT" sz="2000" dirty="0">
+                <a:latin typeface="Century Schoolbook" panose="02040604050505020304" pitchFamily="18" charset="0"/>
+              </a:rPr>
+              <a:t> </a:t>
+            </a:r>
+            <a:r>
+              <a:rPr lang="pt-PT" sz="2000" dirty="0" err="1">
+                <a:latin typeface="Century Schoolbook" panose="02040604050505020304" pitchFamily="18" charset="0"/>
+              </a:rPr>
+              <a:t>that</a:t>
+            </a:r>
+            <a:r>
+              <a:rPr lang="pt-PT" sz="2000" dirty="0">
+                <a:latin typeface="Century Schoolbook" panose="02040604050505020304" pitchFamily="18" charset="0"/>
+              </a:rPr>
+              <a:t> </a:t>
+            </a:r>
+            <a:r>
+              <a:rPr lang="pt-PT" sz="2000" dirty="0" err="1">
+                <a:latin typeface="Century Schoolbook" panose="02040604050505020304" pitchFamily="18" charset="0"/>
+              </a:rPr>
+              <a:t>the</a:t>
+            </a:r>
+            <a:r>
+              <a:rPr lang="pt-PT" sz="2000" dirty="0">
+                <a:latin typeface="Century Schoolbook" panose="02040604050505020304" pitchFamily="18" charset="0"/>
+              </a:rPr>
+              <a:t> </a:t>
+            </a:r>
+          </a:p>
+          <a:p>
+            <a:pPr marL="0" indent="0">
+              <a:buNone/>
+            </a:pPr>
+            <a:r>
+              <a:rPr lang="pt-PT" sz="2000" dirty="0" err="1">
+                <a:latin typeface="Century Schoolbook" panose="02040604050505020304" pitchFamily="18" charset="0"/>
+              </a:rPr>
+              <a:t>viability</a:t>
+            </a:r>
+            <a:r>
+              <a:rPr lang="pt-PT" sz="2000" dirty="0">
+                <a:latin typeface="Century Schoolbook" panose="02040604050505020304" pitchFamily="18" charset="0"/>
+              </a:rPr>
+              <a:t> </a:t>
+            </a:r>
+            <a:r>
+              <a:rPr lang="pt-PT" sz="2000" dirty="0" err="1">
+                <a:latin typeface="Century Schoolbook" panose="02040604050505020304" pitchFamily="18" charset="0"/>
+              </a:rPr>
+              <a:t>of</a:t>
+            </a:r>
+            <a:r>
+              <a:rPr lang="pt-PT" sz="2000" dirty="0">
+                <a:latin typeface="Century Schoolbook" panose="02040604050505020304" pitchFamily="18" charset="0"/>
+              </a:rPr>
+              <a:t> </a:t>
+            </a:r>
+            <a:r>
+              <a:rPr lang="pt-PT" sz="2000" dirty="0" err="1">
+                <a:latin typeface="Century Schoolbook" panose="02040604050505020304" pitchFamily="18" charset="0"/>
+              </a:rPr>
+              <a:t>the</a:t>
+            </a:r>
+            <a:r>
+              <a:rPr lang="pt-PT" sz="2000" dirty="0">
+                <a:latin typeface="Century Schoolbook" panose="02040604050505020304" pitchFamily="18" charset="0"/>
+              </a:rPr>
+              <a:t> </a:t>
+            </a:r>
+            <a:r>
+              <a:rPr lang="pt-PT" sz="2000" dirty="0" err="1">
+                <a:latin typeface="Century Schoolbook" panose="02040604050505020304" pitchFamily="18" charset="0"/>
+              </a:rPr>
+              <a:t>system</a:t>
+            </a:r>
+            <a:r>
+              <a:rPr lang="pt-PT" sz="2000" dirty="0">
+                <a:latin typeface="Century Schoolbook" panose="02040604050505020304" pitchFamily="18" charset="0"/>
+              </a:rPr>
+              <a:t> </a:t>
+            </a:r>
+            <a:r>
+              <a:rPr lang="pt-PT" sz="2000" dirty="0" err="1">
+                <a:latin typeface="Century Schoolbook" panose="02040604050505020304" pitchFamily="18" charset="0"/>
+              </a:rPr>
+              <a:t>is</a:t>
+            </a:r>
+            <a:r>
+              <a:rPr lang="pt-PT" sz="2000" dirty="0">
+                <a:latin typeface="Century Schoolbook" panose="02040604050505020304" pitchFamily="18" charset="0"/>
+              </a:rPr>
+              <a:t> </a:t>
+            </a:r>
+            <a:r>
+              <a:rPr lang="pt-PT" sz="2000" dirty="0" err="1">
+                <a:latin typeface="Century Schoolbook" panose="02040604050505020304" pitchFamily="18" charset="0"/>
+              </a:rPr>
+              <a:t>always</a:t>
+            </a:r>
+            <a:r>
+              <a:rPr lang="pt-PT" sz="2000" dirty="0">
+                <a:latin typeface="Century Schoolbook" panose="02040604050505020304" pitchFamily="18" charset="0"/>
+              </a:rPr>
+              <a:t> evidente </a:t>
+            </a:r>
+          </a:p>
+          <a:p>
+            <a:pPr marL="0" indent="0">
+              <a:buNone/>
+            </a:pPr>
+            <a:r>
+              <a:rPr lang="pt-PT" sz="2000" dirty="0">
+                <a:latin typeface="Century Schoolbook" panose="02040604050505020304" pitchFamily="18" charset="0"/>
+              </a:rPr>
+              <a:t>in </a:t>
+            </a:r>
+            <a:r>
+              <a:rPr lang="pt-PT" sz="2000" dirty="0" err="1">
+                <a:latin typeface="Century Schoolbook" panose="02040604050505020304" pitchFamily="18" charset="0"/>
+              </a:rPr>
+              <a:t>executable</a:t>
+            </a:r>
+            <a:r>
+              <a:rPr lang="pt-PT" sz="2000" dirty="0">
+                <a:latin typeface="Century Schoolbook" panose="02040604050505020304" pitchFamily="18" charset="0"/>
+              </a:rPr>
+              <a:t> </a:t>
+            </a:r>
+            <a:r>
+              <a:rPr lang="pt-PT" sz="2000" dirty="0" err="1">
+                <a:latin typeface="Century Schoolbook" panose="02040604050505020304" pitchFamily="18" charset="0"/>
+              </a:rPr>
+              <a:t>form</a:t>
+            </a:r>
+            <a:r>
+              <a:rPr lang="pt-PT" sz="2000" dirty="0">
+                <a:latin typeface="Century Schoolbook" panose="02040604050505020304" pitchFamily="18" charset="0"/>
+              </a:rPr>
+              <a:t>.</a:t>
+            </a:r>
+          </a:p>
+        </p:txBody>
+      </p:sp>
+      <p:sp>
+        <p:nvSpPr>
+          <p:cNvPr id="4" name="Rectangle 6">
+            <a:extLst>
+              <a:ext uri="{FF2B5EF4-FFF2-40B4-BE49-F238E27FC236}">
+                <a16:creationId xmlns:a16="http://schemas.microsoft.com/office/drawing/2014/main" id="{B95F5E7E-A278-412E-869C-49A4C1ADC2AF}"/>
+              </a:ext>
+            </a:extLst>
+          </p:cNvPr>
+          <p:cNvSpPr/>
+          <p:nvPr/>
+        </p:nvSpPr>
+        <p:spPr>
+          <a:xfrm>
+            <a:off x="10479505" y="-1"/>
+            <a:ext cx="421106" cy="6858001"/>
+          </a:xfrm>
+          <a:prstGeom prst="rect">
+            <a:avLst/>
+          </a:prstGeom>
+          <a:solidFill>
+            <a:srgbClr val="98220B"/>
+          </a:solidFill>
+          <a:ln>
+            <a:noFill/>
+          </a:ln>
+        </p:spPr>
+        <p:style>
+          <a:lnRef idx="2">
+            <a:schemeClr val="accent1">
+              <a:shade val="50000"/>
+            </a:schemeClr>
+          </a:lnRef>
+          <a:fillRef idx="1">
+            <a:schemeClr val="accent1"/>
+          </a:fillRef>
+          <a:effectRef idx="0">
+            <a:schemeClr val="accent1"/>
+          </a:effectRef>
+          <a:fontRef idx="minor">
+            <a:schemeClr val="lt1"/>
+          </a:fontRef>
+        </p:style>
+        <p:txBody>
+          <a:bodyPr rtlCol="0" anchor="ctr"/>
+          <a:lstStyle/>
+          <a:p>
+            <a:pPr algn="ctr"/>
+            <a:endParaRPr lang="en-US"/>
+          </a:p>
+        </p:txBody>
+      </p:sp>
+      <p:pic>
+        <p:nvPicPr>
+          <p:cNvPr id="6" name="Imagem 5">
+            <a:extLst>
+              <a:ext uri="{FF2B5EF4-FFF2-40B4-BE49-F238E27FC236}">
+                <a16:creationId xmlns:a16="http://schemas.microsoft.com/office/drawing/2014/main" id="{B94EB7F0-87CD-425F-9551-5B67913F9F76}"/>
+              </a:ext>
+            </a:extLst>
+          </p:cNvPr>
+          <p:cNvPicPr>
+            <a:picLocks noChangeAspect="1"/>
+          </p:cNvPicPr>
+          <p:nvPr/>
+        </p:nvPicPr>
+        <p:blipFill>
+          <a:blip r:embed="rId2"/>
+          <a:stretch>
+            <a:fillRect/>
+          </a:stretch>
+        </p:blipFill>
+        <p:spPr>
+          <a:xfrm>
+            <a:off x="6277233" y="1690688"/>
+            <a:ext cx="3962400" cy="4236720"/>
+          </a:xfrm>
+          <a:prstGeom prst="rect">
+            <a:avLst/>
+          </a:prstGeom>
+        </p:spPr>
+      </p:pic>
+    </p:spTree>
+    <p:extLst>
+      <p:ext uri="{BB962C8B-B14F-4D97-AF65-F5344CB8AC3E}">
+        <p14:creationId xmlns:p14="http://schemas.microsoft.com/office/powerpoint/2010/main" val="4282607989"/>
+      </p:ext>
+    </p:extLst>
+  </p:cSld>
+  <p:clrMapOvr>
+    <a:masterClrMapping/>
+  </p:clrMapOvr>
+</p:sld>
+</file>
+
+<file path=ppt/slides/slide13.xml><?xml version="1.0" encoding="utf-8"?>
+<p:sld xmlns:a="http://schemas.openxmlformats.org/drawingml/2006/main" xmlns:r="http://schemas.openxmlformats.org/officeDocument/2006/relationships" xmlns:p="http://schemas.openxmlformats.org/presentationml/2006/main">
+  <p:cSld>
+    <p:spTree>
+      <p:nvGrpSpPr>
+        <p:cNvPr id="1" name=""/>
+        <p:cNvGrpSpPr/>
+        <p:nvPr/>
+      </p:nvGrpSpPr>
+      <p:grpSpPr>
+        <a:xfrm>
+          <a:off x="0" y="0"/>
+          <a:ext cx="0" cy="0"/>
+          <a:chOff x="0" y="0"/>
+          <a:chExt cx="0" cy="0"/>
+        </a:xfrm>
+      </p:grpSpPr>
+      <p:sp>
+        <p:nvSpPr>
+          <p:cNvPr id="2" name="Título 1">
+            <a:extLst>
+              <a:ext uri="{FF2B5EF4-FFF2-40B4-BE49-F238E27FC236}">
+                <a16:creationId xmlns:a16="http://schemas.microsoft.com/office/drawing/2014/main" id="{69ED8F03-2F10-4228-BC8E-F1CE62568365}"/>
+              </a:ext>
+            </a:extLst>
+          </p:cNvPr>
+          <p:cNvSpPr>
+            <a:spLocks noGrp="1"/>
+          </p:cNvSpPr>
+          <p:nvPr>
+            <p:ph type="title"/>
+          </p:nvPr>
+        </p:nvSpPr>
+        <p:spPr/>
+        <p:txBody>
+          <a:bodyPr/>
+          <a:lstStyle/>
+          <a:p>
+            <a:pPr algn="ctr"/>
+            <a:r>
+              <a:rPr lang="pt-PT" dirty="0">
+                <a:latin typeface="Century Schoolbook" panose="02040604050505020304" pitchFamily="18" charset="0"/>
+              </a:rPr>
+              <a:t>Conception</a:t>
+            </a:r>
+            <a:endParaRPr lang="pt-PT" dirty="0"/>
+          </a:p>
+        </p:txBody>
+      </p:sp>
+      <p:sp>
+        <p:nvSpPr>
+          <p:cNvPr id="3" name="Marcador de Posição de Conteúdo 2">
+            <a:extLst>
+              <a:ext uri="{FF2B5EF4-FFF2-40B4-BE49-F238E27FC236}">
+                <a16:creationId xmlns:a16="http://schemas.microsoft.com/office/drawing/2014/main" id="{5EE169DC-CB3A-473C-8E99-2BB470A49017}"/>
+              </a:ext>
+            </a:extLst>
+          </p:cNvPr>
+          <p:cNvSpPr>
+            <a:spLocks noGrp="1"/>
+          </p:cNvSpPr>
+          <p:nvPr>
+            <p:ph idx="1"/>
+          </p:nvPr>
+        </p:nvSpPr>
+        <p:spPr/>
+        <p:txBody>
+          <a:bodyPr/>
+          <a:lstStyle/>
+          <a:p>
+            <a:pPr marL="0" indent="0">
+              <a:buNone/>
+            </a:pPr>
+            <a:r>
+              <a:rPr lang="pt-PT" b="1" dirty="0" err="1">
+                <a:latin typeface="Century Schoolbook" panose="02040604050505020304" pitchFamily="18" charset="0"/>
+              </a:rPr>
+              <a:t>What</a:t>
+            </a:r>
+            <a:r>
+              <a:rPr lang="pt-PT" b="1" dirty="0">
+                <a:latin typeface="Century Schoolbook" panose="02040604050505020304" pitchFamily="18" charset="0"/>
+              </a:rPr>
+              <a:t> must </a:t>
+            </a:r>
+            <a:r>
+              <a:rPr lang="pt-PT" b="1" dirty="0" err="1">
+                <a:latin typeface="Century Schoolbook" panose="02040604050505020304" pitchFamily="18" charset="0"/>
+              </a:rPr>
+              <a:t>be</a:t>
+            </a:r>
+            <a:r>
+              <a:rPr lang="pt-PT" b="1" dirty="0">
+                <a:latin typeface="Century Schoolbook" panose="02040604050505020304" pitchFamily="18" charset="0"/>
+              </a:rPr>
+              <a:t> </a:t>
+            </a:r>
+            <a:r>
+              <a:rPr lang="pt-PT" b="1" dirty="0" err="1">
+                <a:latin typeface="Century Schoolbook" panose="02040604050505020304" pitchFamily="18" charset="0"/>
+              </a:rPr>
+              <a:t>achieved</a:t>
+            </a:r>
+            <a:r>
+              <a:rPr lang="pt-PT" b="1" dirty="0">
+                <a:latin typeface="Century Schoolbook" panose="02040604050505020304" pitchFamily="18" charset="0"/>
+              </a:rPr>
+              <a:t>?</a:t>
+            </a:r>
+          </a:p>
+          <a:p>
+            <a:pPr marL="0" indent="0">
+              <a:buNone/>
+            </a:pPr>
+            <a:endParaRPr lang="pt-PT" dirty="0"/>
+          </a:p>
+          <a:p>
+            <a:pPr marL="0" indent="0">
+              <a:buNone/>
+            </a:pPr>
+            <a:r>
+              <a:rPr lang="pt-PT" sz="2400" dirty="0" err="1">
+                <a:latin typeface="Century Schoolbook" panose="02040604050505020304" pitchFamily="18" charset="0"/>
+              </a:rPr>
+              <a:t>The</a:t>
+            </a:r>
+            <a:r>
+              <a:rPr lang="pt-PT" sz="2400" dirty="0">
+                <a:latin typeface="Century Schoolbook" panose="02040604050505020304" pitchFamily="18" charset="0"/>
+              </a:rPr>
+              <a:t> </a:t>
+            </a:r>
+            <a:r>
+              <a:rPr lang="pt-PT" sz="2400" dirty="0" err="1">
+                <a:latin typeface="Century Schoolbook" panose="02040604050505020304" pitchFamily="18" charset="0"/>
+              </a:rPr>
+              <a:t>initial</a:t>
+            </a:r>
+            <a:r>
+              <a:rPr lang="pt-PT" sz="2400" dirty="0">
+                <a:latin typeface="Century Schoolbook" panose="02040604050505020304" pitchFamily="18" charset="0"/>
+              </a:rPr>
+              <a:t> </a:t>
+            </a:r>
+            <a:r>
+              <a:rPr lang="pt-PT" sz="2400" dirty="0" err="1">
+                <a:latin typeface="Century Schoolbook" panose="02040604050505020304" pitchFamily="18" charset="0"/>
+              </a:rPr>
+              <a:t>operational</a:t>
+            </a:r>
+            <a:r>
+              <a:rPr lang="pt-PT" sz="2400" dirty="0">
+                <a:latin typeface="Century Schoolbook" panose="02040604050505020304" pitchFamily="18" charset="0"/>
+              </a:rPr>
+              <a:t> </a:t>
+            </a:r>
+            <a:r>
+              <a:rPr lang="pt-PT" sz="2400" dirty="0" err="1">
+                <a:latin typeface="Century Schoolbook" panose="02040604050505020304" pitchFamily="18" charset="0"/>
+              </a:rPr>
+              <a:t>Capability</a:t>
+            </a:r>
+            <a:r>
+              <a:rPr lang="pt-PT" sz="2400" dirty="0">
+                <a:latin typeface="Century Schoolbook" panose="02040604050505020304" pitchFamily="18" charset="0"/>
+              </a:rPr>
+              <a:t>.</a:t>
+            </a:r>
+          </a:p>
+          <a:p>
+            <a:pPr marL="0" indent="0">
+              <a:buNone/>
+            </a:pPr>
+            <a:endParaRPr lang="pt-PT" sz="2400" dirty="0">
+              <a:latin typeface="Century Schoolbook" panose="02040604050505020304" pitchFamily="18" charset="0"/>
+            </a:endParaRPr>
+          </a:p>
+          <a:p>
+            <a:pPr marL="0" indent="0">
+              <a:buNone/>
+            </a:pPr>
+            <a:r>
+              <a:rPr lang="pt-PT" sz="2400" b="1" dirty="0" err="1">
+                <a:latin typeface="Century Schoolbook" panose="02040604050505020304" pitchFamily="18" charset="0"/>
+              </a:rPr>
+              <a:t>How</a:t>
+            </a:r>
+            <a:r>
+              <a:rPr lang="pt-PT" sz="2400" b="1" dirty="0">
+                <a:latin typeface="Century Schoolbook" panose="02040604050505020304" pitchFamily="18" charset="0"/>
+              </a:rPr>
+              <a:t> do </a:t>
+            </a:r>
+            <a:r>
+              <a:rPr lang="pt-PT" sz="2400" b="1" dirty="0" err="1">
+                <a:latin typeface="Century Schoolbook" panose="02040604050505020304" pitchFamily="18" charset="0"/>
+              </a:rPr>
+              <a:t>we</a:t>
+            </a:r>
+            <a:r>
+              <a:rPr lang="pt-PT" sz="2400" b="1" dirty="0">
+                <a:latin typeface="Century Schoolbook" panose="02040604050505020304" pitchFamily="18" charset="0"/>
+              </a:rPr>
+              <a:t> </a:t>
+            </a:r>
+            <a:r>
+              <a:rPr lang="pt-PT" sz="2400" b="1" dirty="0" err="1">
+                <a:latin typeface="Century Schoolbook" panose="02040604050505020304" pitchFamily="18" charset="0"/>
+              </a:rPr>
+              <a:t>know</a:t>
+            </a:r>
+            <a:r>
+              <a:rPr lang="pt-PT" sz="2400" b="1" dirty="0">
+                <a:latin typeface="Century Schoolbook" panose="02040604050505020304" pitchFamily="18" charset="0"/>
+              </a:rPr>
+              <a:t>?</a:t>
+            </a:r>
+          </a:p>
+          <a:p>
+            <a:pPr marL="0" indent="0">
+              <a:buNone/>
+            </a:pPr>
+            <a:endParaRPr lang="pt-PT" sz="2400" b="1" dirty="0">
+              <a:latin typeface="Century Schoolbook" panose="02040604050505020304" pitchFamily="18" charset="0"/>
+            </a:endParaRPr>
+          </a:p>
+          <a:p>
+            <a:r>
+              <a:rPr lang="pt-PT" sz="2000" dirty="0">
+                <a:latin typeface="Century Schoolbook" panose="02040604050505020304" pitchFamily="18" charset="0"/>
+              </a:rPr>
+              <a:t>A set </a:t>
+            </a:r>
+            <a:r>
+              <a:rPr lang="pt-PT" sz="2000" dirty="0" err="1">
+                <a:latin typeface="Century Schoolbook" panose="02040604050505020304" pitchFamily="18" charset="0"/>
+              </a:rPr>
+              <a:t>of</a:t>
+            </a:r>
+            <a:r>
+              <a:rPr lang="pt-PT" sz="2000" dirty="0">
+                <a:latin typeface="Century Schoolbook" panose="02040604050505020304" pitchFamily="18" charset="0"/>
+              </a:rPr>
+              <a:t> beta </a:t>
+            </a:r>
+            <a:r>
+              <a:rPr lang="pt-PT" sz="2000" dirty="0" err="1">
+                <a:latin typeface="Century Schoolbook" panose="02040604050505020304" pitchFamily="18" charset="0"/>
+              </a:rPr>
+              <a:t>customers</a:t>
+            </a:r>
+            <a:r>
+              <a:rPr lang="pt-PT" sz="2000" dirty="0">
+                <a:latin typeface="Century Schoolbook" panose="02040604050505020304" pitchFamily="18" charset="0"/>
+              </a:rPr>
+              <a:t> </a:t>
+            </a:r>
+            <a:r>
+              <a:rPr lang="pt-PT" sz="2000" dirty="0" err="1">
+                <a:latin typeface="Century Schoolbook" panose="02040604050505020304" pitchFamily="18" charset="0"/>
+              </a:rPr>
+              <a:t>has</a:t>
+            </a:r>
+            <a:r>
+              <a:rPr lang="pt-PT" sz="2000" dirty="0">
+                <a:latin typeface="Century Schoolbook" panose="02040604050505020304" pitchFamily="18" charset="0"/>
+              </a:rPr>
+              <a:t> a more </a:t>
+            </a:r>
+            <a:r>
+              <a:rPr lang="pt-PT" sz="2000" dirty="0" err="1">
+                <a:latin typeface="Century Schoolbook" panose="02040604050505020304" pitchFamily="18" charset="0"/>
+              </a:rPr>
+              <a:t>or</a:t>
+            </a:r>
+            <a:r>
+              <a:rPr lang="pt-PT" sz="2000" dirty="0">
+                <a:latin typeface="Century Schoolbook" panose="02040604050505020304" pitchFamily="18" charset="0"/>
+              </a:rPr>
+              <a:t> </a:t>
+            </a:r>
+            <a:r>
+              <a:rPr lang="pt-PT" sz="2000" dirty="0" err="1">
+                <a:latin typeface="Century Schoolbook" panose="02040604050505020304" pitchFamily="18" charset="0"/>
+              </a:rPr>
+              <a:t>less</a:t>
+            </a:r>
+            <a:r>
+              <a:rPr lang="pt-PT" sz="2000" dirty="0">
+                <a:latin typeface="Century Schoolbook" panose="02040604050505020304" pitchFamily="18" charset="0"/>
+              </a:rPr>
+              <a:t> </a:t>
+            </a:r>
+            <a:r>
+              <a:rPr lang="pt-PT" sz="2000" dirty="0" err="1">
+                <a:latin typeface="Century Schoolbook" panose="02040604050505020304" pitchFamily="18" charset="0"/>
+              </a:rPr>
+              <a:t>fully</a:t>
+            </a:r>
+            <a:r>
+              <a:rPr lang="pt-PT" sz="2000" dirty="0">
+                <a:latin typeface="Century Schoolbook" panose="02040604050505020304" pitchFamily="18" charset="0"/>
+              </a:rPr>
+              <a:t> </a:t>
+            </a:r>
+            <a:r>
+              <a:rPr lang="pt-PT" sz="2000" dirty="0" err="1">
+                <a:latin typeface="Century Schoolbook" panose="02040604050505020304" pitchFamily="18" charset="0"/>
+              </a:rPr>
+              <a:t>operational</a:t>
+            </a:r>
+            <a:r>
+              <a:rPr lang="pt-PT" sz="2000" dirty="0">
+                <a:latin typeface="Century Schoolbook" panose="02040604050505020304" pitchFamily="18" charset="0"/>
+              </a:rPr>
+              <a:t> </a:t>
+            </a:r>
+            <a:r>
+              <a:rPr lang="pt-PT" sz="2000" dirty="0" err="1">
+                <a:latin typeface="Century Schoolbook" panose="02040604050505020304" pitchFamily="18" charset="0"/>
+              </a:rPr>
+              <a:t>system</a:t>
+            </a:r>
+            <a:r>
+              <a:rPr lang="pt-PT" sz="2000" dirty="0">
+                <a:latin typeface="Century Schoolbook" panose="02040604050505020304" pitchFamily="18" charset="0"/>
+              </a:rPr>
+              <a:t> in </a:t>
+            </a:r>
+            <a:r>
+              <a:rPr lang="pt-PT" sz="2000" dirty="0" err="1">
+                <a:latin typeface="Century Schoolbook" panose="02040604050505020304" pitchFamily="18" charset="0"/>
+              </a:rPr>
+              <a:t>their</a:t>
+            </a:r>
+            <a:endParaRPr lang="pt-PT" sz="2000" dirty="0">
+              <a:latin typeface="Century Schoolbook" panose="02040604050505020304" pitchFamily="18" charset="0"/>
+            </a:endParaRPr>
+          </a:p>
+          <a:p>
+            <a:pPr marL="0" indent="0">
+              <a:buNone/>
+            </a:pPr>
+            <a:r>
+              <a:rPr lang="pt-PT" sz="2000" dirty="0">
+                <a:latin typeface="Century Schoolbook" panose="02040604050505020304" pitchFamily="18" charset="0"/>
+              </a:rPr>
+              <a:t> </a:t>
+            </a:r>
+            <a:r>
+              <a:rPr lang="pt-PT" sz="2000" dirty="0" err="1">
+                <a:latin typeface="Century Schoolbook" panose="02040604050505020304" pitchFamily="18" charset="0"/>
+              </a:rPr>
+              <a:t>hands</a:t>
+            </a:r>
+            <a:r>
+              <a:rPr lang="pt-PT" sz="2000" dirty="0">
+                <a:latin typeface="Century Schoolbook" panose="02040604050505020304" pitchFamily="18" charset="0"/>
+              </a:rPr>
+              <a:t>.</a:t>
+            </a:r>
+          </a:p>
+          <a:p>
+            <a:pPr marL="0" indent="0">
+              <a:buNone/>
+            </a:pPr>
+            <a:endParaRPr lang="pt-PT" sz="2400" dirty="0"/>
+          </a:p>
+        </p:txBody>
+      </p:sp>
+      <p:sp>
+        <p:nvSpPr>
+          <p:cNvPr id="4" name="Rectangle 6">
+            <a:extLst>
+              <a:ext uri="{FF2B5EF4-FFF2-40B4-BE49-F238E27FC236}">
+                <a16:creationId xmlns:a16="http://schemas.microsoft.com/office/drawing/2014/main" id="{49276159-9C17-4871-9F73-1E527DE41B5A}"/>
+              </a:ext>
+            </a:extLst>
+          </p:cNvPr>
+          <p:cNvSpPr/>
+          <p:nvPr/>
+        </p:nvSpPr>
+        <p:spPr>
+          <a:xfrm>
+            <a:off x="10479505" y="-1"/>
+            <a:ext cx="421106" cy="6858001"/>
+          </a:xfrm>
+          <a:prstGeom prst="rect">
+            <a:avLst/>
+          </a:prstGeom>
+          <a:solidFill>
+            <a:srgbClr val="98220B"/>
+          </a:solidFill>
+          <a:ln>
+            <a:noFill/>
+          </a:ln>
+        </p:spPr>
+        <p:style>
+          <a:lnRef idx="2">
+            <a:schemeClr val="accent1">
+              <a:shade val="50000"/>
+            </a:schemeClr>
+          </a:lnRef>
+          <a:fillRef idx="1">
+            <a:schemeClr val="accent1"/>
+          </a:fillRef>
+          <a:effectRef idx="0">
+            <a:schemeClr val="accent1"/>
+          </a:effectRef>
+          <a:fontRef idx="minor">
+            <a:schemeClr val="lt1"/>
+          </a:fontRef>
+        </p:style>
+        <p:txBody>
+          <a:bodyPr rtlCol="0" anchor="ctr"/>
+          <a:lstStyle/>
+          <a:p>
+            <a:pPr algn="ctr"/>
+            <a:endParaRPr lang="en-US"/>
+          </a:p>
+        </p:txBody>
+      </p:sp>
+    </p:spTree>
+    <p:extLst>
+      <p:ext uri="{BB962C8B-B14F-4D97-AF65-F5344CB8AC3E}">
+        <p14:creationId xmlns:p14="http://schemas.microsoft.com/office/powerpoint/2010/main" val="2093306417"/>
+      </p:ext>
+    </p:extLst>
+  </p:cSld>
+  <p:clrMapOvr>
+    <a:masterClrMapping/>
+  </p:clrMapOvr>
+</p:sld>
+</file>
+
+<file path=ppt/slides/slide14.xml><?xml version="1.0" encoding="utf-8"?>
+<p:sld xmlns:a="http://schemas.openxmlformats.org/drawingml/2006/main" xmlns:r="http://schemas.openxmlformats.org/officeDocument/2006/relationships" xmlns:p="http://schemas.openxmlformats.org/presentationml/2006/main">
+  <p:cSld>
+    <p:spTree>
+      <p:nvGrpSpPr>
+        <p:cNvPr id="1" name=""/>
+        <p:cNvGrpSpPr/>
+        <p:nvPr/>
+      </p:nvGrpSpPr>
+      <p:grpSpPr>
+        <a:xfrm>
+          <a:off x="0" y="0"/>
+          <a:ext cx="0" cy="0"/>
+          <a:chOff x="0" y="0"/>
+          <a:chExt cx="0" cy="0"/>
+        </a:xfrm>
+      </p:grpSpPr>
+      <p:sp>
+        <p:nvSpPr>
+          <p:cNvPr id="2" name="Título 1">
+            <a:extLst>
+              <a:ext uri="{FF2B5EF4-FFF2-40B4-BE49-F238E27FC236}">
+                <a16:creationId xmlns:a16="http://schemas.microsoft.com/office/drawing/2014/main" id="{26ABAD5D-03B2-43C3-A055-1979A2AFB306}"/>
+              </a:ext>
+            </a:extLst>
+          </p:cNvPr>
+          <p:cNvSpPr>
+            <a:spLocks noGrp="1"/>
+          </p:cNvSpPr>
+          <p:nvPr>
+            <p:ph type="ctrTitle"/>
+          </p:nvPr>
+        </p:nvSpPr>
+        <p:spPr>
+          <a:xfrm>
+            <a:off x="1524000" y="1395663"/>
+            <a:ext cx="9144000" cy="1135731"/>
+          </a:xfrm>
+        </p:spPr>
+        <p:txBody>
+          <a:bodyPr/>
+          <a:lstStyle/>
+          <a:p>
+            <a:r>
+              <a:rPr lang="pt-PT" dirty="0" err="1">
+                <a:latin typeface="Century Schoolbook" panose="02040604050505020304" pitchFamily="18" charset="0"/>
+              </a:rPr>
+              <a:t>Transition</a:t>
+            </a:r>
+            <a:endParaRPr lang="pt-PT" dirty="0"/>
+          </a:p>
+        </p:txBody>
+      </p:sp>
+      <p:sp>
+        <p:nvSpPr>
+          <p:cNvPr id="3" name="Subtítulo 2">
+            <a:extLst>
+              <a:ext uri="{FF2B5EF4-FFF2-40B4-BE49-F238E27FC236}">
+                <a16:creationId xmlns:a16="http://schemas.microsoft.com/office/drawing/2014/main" id="{F50FC366-DFA6-43AD-85C0-4F5B2029DE91}"/>
+              </a:ext>
+            </a:extLst>
+          </p:cNvPr>
+          <p:cNvSpPr>
+            <a:spLocks noGrp="1"/>
+          </p:cNvSpPr>
+          <p:nvPr>
+            <p:ph type="subTitle" idx="1"/>
+          </p:nvPr>
+        </p:nvSpPr>
+        <p:spPr/>
+        <p:txBody>
+          <a:bodyPr/>
+          <a:lstStyle/>
+          <a:p>
+            <a:r>
+              <a:rPr lang="pt-PT" b="1" dirty="0" err="1">
+                <a:latin typeface="Century Schoolbook" panose="02040604050505020304" pitchFamily="18" charset="0"/>
+              </a:rPr>
+              <a:t>The</a:t>
+            </a:r>
+            <a:r>
+              <a:rPr lang="pt-PT" b="1" dirty="0">
+                <a:latin typeface="Century Schoolbook" panose="02040604050505020304" pitchFamily="18" charset="0"/>
+              </a:rPr>
+              <a:t> final </a:t>
+            </a:r>
+            <a:r>
+              <a:rPr lang="pt-PT" b="1" dirty="0" err="1">
+                <a:latin typeface="Century Schoolbook" panose="02040604050505020304" pitchFamily="18" charset="0"/>
+              </a:rPr>
+              <a:t>phase</a:t>
+            </a:r>
+            <a:endParaRPr lang="pt-PT" b="1" dirty="0">
+              <a:latin typeface="Century Schoolbook" panose="02040604050505020304" pitchFamily="18" charset="0"/>
+            </a:endParaRPr>
+          </a:p>
+          <a:p>
+            <a:endParaRPr lang="pt-PT" dirty="0"/>
+          </a:p>
+        </p:txBody>
+      </p:sp>
+      <p:sp>
+        <p:nvSpPr>
+          <p:cNvPr id="4" name="Rectangle 6">
+            <a:extLst>
+              <a:ext uri="{FF2B5EF4-FFF2-40B4-BE49-F238E27FC236}">
+                <a16:creationId xmlns:a16="http://schemas.microsoft.com/office/drawing/2014/main" id="{6DD38162-EB1B-4436-B7C4-2814FA1C8708}"/>
+              </a:ext>
+            </a:extLst>
+          </p:cNvPr>
+          <p:cNvSpPr/>
+          <p:nvPr/>
+        </p:nvSpPr>
+        <p:spPr>
+          <a:xfrm>
+            <a:off x="10479505" y="-1"/>
+            <a:ext cx="421106" cy="6858001"/>
+          </a:xfrm>
+          <a:prstGeom prst="rect">
+            <a:avLst/>
+          </a:prstGeom>
+          <a:solidFill>
+            <a:srgbClr val="98220B"/>
+          </a:solidFill>
+          <a:ln>
+            <a:noFill/>
+          </a:ln>
+        </p:spPr>
+        <p:style>
+          <a:lnRef idx="2">
+            <a:schemeClr val="accent1">
+              <a:shade val="50000"/>
+            </a:schemeClr>
+          </a:lnRef>
+          <a:fillRef idx="1">
+            <a:schemeClr val="accent1"/>
+          </a:fillRef>
+          <a:effectRef idx="0">
+            <a:schemeClr val="accent1"/>
+          </a:effectRef>
+          <a:fontRef idx="minor">
+            <a:schemeClr val="lt1"/>
+          </a:fontRef>
+        </p:style>
+        <p:txBody>
+          <a:bodyPr rtlCol="0" anchor="ctr"/>
+          <a:lstStyle/>
+          <a:p>
+            <a:pPr algn="ctr"/>
+            <a:endParaRPr lang="en-US"/>
+          </a:p>
+        </p:txBody>
+      </p:sp>
+    </p:spTree>
+    <p:extLst>
+      <p:ext uri="{BB962C8B-B14F-4D97-AF65-F5344CB8AC3E}">
+        <p14:creationId xmlns:p14="http://schemas.microsoft.com/office/powerpoint/2010/main" val="1729433694"/>
+      </p:ext>
+    </p:extLst>
+  </p:cSld>
+  <p:clrMapOvr>
+    <a:masterClrMapping/>
+  </p:clrMapOvr>
+</p:sld>
+</file>
+
+<file path=ppt/slides/slide15.xml><?xml version="1.0" encoding="utf-8"?>
+<p:sld xmlns:a="http://schemas.openxmlformats.org/drawingml/2006/main" xmlns:r="http://schemas.openxmlformats.org/officeDocument/2006/relationships" xmlns:p="http://schemas.openxmlformats.org/presentationml/2006/main">
+  <p:cSld>
+    <p:spTree>
+      <p:nvGrpSpPr>
+        <p:cNvPr id="1" name=""/>
+        <p:cNvGrpSpPr/>
+        <p:nvPr/>
+      </p:nvGrpSpPr>
+      <p:grpSpPr>
+        <a:xfrm>
+          <a:off x="0" y="0"/>
+          <a:ext cx="0" cy="0"/>
+          <a:chOff x="0" y="0"/>
+          <a:chExt cx="0" cy="0"/>
+        </a:xfrm>
+      </p:grpSpPr>
+      <p:sp>
+        <p:nvSpPr>
+          <p:cNvPr id="2" name="Título 1">
+            <a:extLst>
+              <a:ext uri="{FF2B5EF4-FFF2-40B4-BE49-F238E27FC236}">
+                <a16:creationId xmlns:a16="http://schemas.microsoft.com/office/drawing/2014/main" id="{3187A505-1E79-4D69-AAE1-EAD052902126}"/>
+              </a:ext>
+            </a:extLst>
+          </p:cNvPr>
+          <p:cNvSpPr>
+            <a:spLocks noGrp="1"/>
+          </p:cNvSpPr>
+          <p:nvPr>
+            <p:ph type="title"/>
+          </p:nvPr>
+        </p:nvSpPr>
+        <p:spPr/>
+        <p:txBody>
+          <a:bodyPr/>
+          <a:lstStyle/>
+          <a:p>
+            <a:pPr algn="ctr"/>
+            <a:r>
+              <a:rPr lang="pt-PT" dirty="0" err="1">
+                <a:latin typeface="Century Schoolbook" panose="02040604050505020304" pitchFamily="18" charset="0"/>
+              </a:rPr>
+              <a:t>Transition</a:t>
+            </a:r>
+            <a:endParaRPr lang="pt-PT" dirty="0"/>
+          </a:p>
+        </p:txBody>
+      </p:sp>
+      <p:sp>
+        <p:nvSpPr>
+          <p:cNvPr id="3" name="Marcador de Posição de Conteúdo 2">
+            <a:extLst>
+              <a:ext uri="{FF2B5EF4-FFF2-40B4-BE49-F238E27FC236}">
+                <a16:creationId xmlns:a16="http://schemas.microsoft.com/office/drawing/2014/main" id="{566F17F1-DB18-4C65-910E-47C59C88435A}"/>
+              </a:ext>
+            </a:extLst>
+          </p:cNvPr>
+          <p:cNvSpPr>
+            <a:spLocks noGrp="1"/>
+          </p:cNvSpPr>
+          <p:nvPr>
+            <p:ph idx="1"/>
+          </p:nvPr>
+        </p:nvSpPr>
+        <p:spPr>
+          <a:xfrm>
+            <a:off x="176463" y="1825625"/>
+            <a:ext cx="11662611" cy="4351338"/>
+          </a:xfrm>
+        </p:spPr>
+        <p:txBody>
+          <a:bodyPr/>
+          <a:lstStyle/>
+          <a:p>
+            <a:pPr marL="0" indent="0">
+              <a:buNone/>
+            </a:pPr>
+            <a:r>
+              <a:rPr lang="pt-PT" b="1" dirty="0" err="1">
+                <a:latin typeface="Century Schoolbook" panose="02040604050505020304" pitchFamily="18" charset="0"/>
+              </a:rPr>
+              <a:t>What’s</a:t>
+            </a:r>
+            <a:r>
+              <a:rPr lang="pt-PT" b="1" dirty="0">
+                <a:latin typeface="Century Schoolbook" panose="02040604050505020304" pitchFamily="18" charset="0"/>
+              </a:rPr>
+              <a:t> </a:t>
+            </a:r>
+            <a:r>
+              <a:rPr lang="pt-PT" b="1" dirty="0" err="1">
+                <a:latin typeface="Century Schoolbook" panose="02040604050505020304" pitchFamily="18" charset="0"/>
+              </a:rPr>
+              <a:t>the</a:t>
+            </a:r>
+            <a:r>
+              <a:rPr lang="pt-PT" b="1" dirty="0">
+                <a:latin typeface="Century Schoolbook" panose="02040604050505020304" pitchFamily="18" charset="0"/>
+              </a:rPr>
+              <a:t> </a:t>
+            </a:r>
+            <a:r>
+              <a:rPr lang="pt-PT" b="1" dirty="0" err="1">
+                <a:latin typeface="Century Schoolbook" panose="02040604050505020304" pitchFamily="18" charset="0"/>
+              </a:rPr>
+              <a:t>purpose</a:t>
+            </a:r>
+            <a:r>
+              <a:rPr lang="pt-PT" b="1" dirty="0">
+                <a:latin typeface="Century Schoolbook" panose="02040604050505020304" pitchFamily="18" charset="0"/>
+              </a:rPr>
+              <a:t>?</a:t>
+            </a:r>
+          </a:p>
+          <a:p>
+            <a:pPr marL="0" indent="0">
+              <a:buNone/>
+            </a:pPr>
+            <a:endParaRPr lang="pt-PT" dirty="0"/>
+          </a:p>
+          <a:p>
+            <a:pPr marL="0" indent="0">
+              <a:buNone/>
+            </a:pPr>
+            <a:r>
+              <a:rPr lang="pt-PT" dirty="0" err="1">
+                <a:latin typeface="Century Schoolbook" panose="02040604050505020304" pitchFamily="18" charset="0"/>
+              </a:rPr>
+              <a:t>The</a:t>
+            </a:r>
+            <a:r>
+              <a:rPr lang="pt-PT" dirty="0">
+                <a:latin typeface="Century Schoolbook" panose="02040604050505020304" pitchFamily="18" charset="0"/>
+              </a:rPr>
+              <a:t> </a:t>
+            </a:r>
+            <a:r>
+              <a:rPr lang="pt-PT" dirty="0" err="1">
+                <a:latin typeface="Century Schoolbook" panose="02040604050505020304" pitchFamily="18" charset="0"/>
+              </a:rPr>
+              <a:t>roll</a:t>
+            </a:r>
+            <a:r>
+              <a:rPr lang="pt-PT" dirty="0">
+                <a:latin typeface="Century Schoolbook" panose="02040604050505020304" pitchFamily="18" charset="0"/>
+              </a:rPr>
+              <a:t> out </a:t>
+            </a:r>
+            <a:r>
+              <a:rPr lang="pt-PT" dirty="0" err="1">
+                <a:latin typeface="Century Schoolbook" panose="02040604050505020304" pitchFamily="18" charset="0"/>
+              </a:rPr>
+              <a:t>of</a:t>
+            </a:r>
+            <a:r>
+              <a:rPr lang="pt-PT" dirty="0">
+                <a:latin typeface="Century Schoolbook" panose="02040604050505020304" pitchFamily="18" charset="0"/>
+              </a:rPr>
+              <a:t> </a:t>
+            </a:r>
+            <a:r>
+              <a:rPr lang="pt-PT" dirty="0" err="1">
+                <a:latin typeface="Century Schoolbook" panose="02040604050505020304" pitchFamily="18" charset="0"/>
+              </a:rPr>
+              <a:t>the</a:t>
+            </a:r>
+            <a:r>
+              <a:rPr lang="pt-PT" dirty="0">
+                <a:latin typeface="Century Schoolbook" panose="02040604050505020304" pitchFamily="18" charset="0"/>
+              </a:rPr>
+              <a:t> </a:t>
+            </a:r>
+            <a:r>
+              <a:rPr lang="pt-PT" dirty="0" err="1">
+                <a:latin typeface="Century Schoolbook" panose="02040604050505020304" pitchFamily="18" charset="0"/>
+              </a:rPr>
+              <a:t>fully</a:t>
+            </a:r>
+            <a:r>
+              <a:rPr lang="pt-PT" dirty="0">
+                <a:latin typeface="Century Schoolbook" panose="02040604050505020304" pitchFamily="18" charset="0"/>
+              </a:rPr>
+              <a:t> </a:t>
+            </a:r>
+            <a:r>
+              <a:rPr lang="pt-PT" dirty="0" err="1">
+                <a:latin typeface="Century Schoolbook" panose="02040604050505020304" pitchFamily="18" charset="0"/>
+              </a:rPr>
+              <a:t>functional</a:t>
+            </a:r>
+            <a:r>
+              <a:rPr lang="pt-PT" dirty="0">
+                <a:latin typeface="Century Schoolbook" panose="02040604050505020304" pitchFamily="18" charset="0"/>
+              </a:rPr>
+              <a:t> </a:t>
+            </a:r>
+            <a:r>
+              <a:rPr lang="pt-PT" dirty="0" err="1">
+                <a:latin typeface="Century Schoolbook" panose="02040604050505020304" pitchFamily="18" charset="0"/>
+              </a:rPr>
+              <a:t>system</a:t>
+            </a:r>
+            <a:r>
+              <a:rPr lang="pt-PT" dirty="0">
+                <a:latin typeface="Century Schoolbook" panose="02040604050505020304" pitchFamily="18" charset="0"/>
+              </a:rPr>
+              <a:t> to </a:t>
+            </a:r>
+            <a:r>
+              <a:rPr lang="pt-PT" dirty="0" err="1">
+                <a:latin typeface="Century Schoolbook" panose="02040604050505020304" pitchFamily="18" charset="0"/>
+              </a:rPr>
+              <a:t>customers</a:t>
+            </a:r>
+            <a:r>
+              <a:rPr lang="pt-PT" dirty="0">
+                <a:latin typeface="Century Schoolbook" panose="02040604050505020304" pitchFamily="18" charset="0"/>
+              </a:rPr>
+              <a:t>.</a:t>
+            </a:r>
+          </a:p>
+          <a:p>
+            <a:pPr marL="0" indent="0">
+              <a:buNone/>
+            </a:pPr>
+            <a:endParaRPr lang="pt-PT" dirty="0">
+              <a:latin typeface="Century Schoolbook" panose="02040604050505020304" pitchFamily="18" charset="0"/>
+            </a:endParaRPr>
+          </a:p>
+          <a:p>
+            <a:pPr marL="0" indent="0">
+              <a:buNone/>
+            </a:pPr>
+            <a:r>
+              <a:rPr lang="pt-PT" b="1" dirty="0" err="1">
+                <a:latin typeface="Century Schoolbook" panose="02040604050505020304" pitchFamily="18" charset="0"/>
+              </a:rPr>
+              <a:t>How</a:t>
+            </a:r>
+            <a:r>
+              <a:rPr lang="pt-PT" b="1" dirty="0">
+                <a:latin typeface="Century Schoolbook" panose="02040604050505020304" pitchFamily="18" charset="0"/>
+              </a:rPr>
+              <a:t> do </a:t>
+            </a:r>
+            <a:r>
+              <a:rPr lang="pt-PT" b="1" dirty="0" err="1">
+                <a:latin typeface="Century Schoolbook" panose="02040604050505020304" pitchFamily="18" charset="0"/>
+              </a:rPr>
+              <a:t>we</a:t>
+            </a:r>
+            <a:r>
+              <a:rPr lang="pt-PT" b="1" dirty="0">
+                <a:latin typeface="Century Schoolbook" panose="02040604050505020304" pitchFamily="18" charset="0"/>
+              </a:rPr>
+              <a:t> do </a:t>
+            </a:r>
+            <a:r>
+              <a:rPr lang="pt-PT" b="1" dirty="0" err="1">
+                <a:latin typeface="Century Schoolbook" panose="02040604050505020304" pitchFamily="18" charset="0"/>
+              </a:rPr>
+              <a:t>it</a:t>
+            </a:r>
+            <a:r>
+              <a:rPr lang="pt-PT" b="1" dirty="0">
+                <a:latin typeface="Century Schoolbook" panose="02040604050505020304" pitchFamily="18" charset="0"/>
+              </a:rPr>
+              <a:t>?</a:t>
+            </a:r>
+          </a:p>
+          <a:p>
+            <a:pPr marL="0" indent="0">
+              <a:buNone/>
+            </a:pPr>
+            <a:endParaRPr lang="pt-PT" b="1" dirty="0">
+              <a:latin typeface="Century Schoolbook" panose="02040604050505020304" pitchFamily="18" charset="0"/>
+            </a:endParaRPr>
+          </a:p>
+          <a:p>
+            <a:r>
+              <a:rPr lang="pt-PT" sz="2400" dirty="0" err="1">
+                <a:latin typeface="Century Schoolbook" panose="02040604050505020304" pitchFamily="18" charset="0"/>
+              </a:rPr>
+              <a:t>Correct</a:t>
+            </a:r>
+            <a:r>
+              <a:rPr lang="pt-PT" sz="2400" dirty="0">
+                <a:latin typeface="Century Schoolbook" panose="02040604050505020304" pitchFamily="18" charset="0"/>
+              </a:rPr>
+              <a:t> </a:t>
+            </a:r>
+            <a:r>
+              <a:rPr lang="pt-PT" sz="2400" dirty="0" err="1">
+                <a:latin typeface="Century Schoolbook" panose="02040604050505020304" pitchFamily="18" charset="0"/>
+              </a:rPr>
+              <a:t>defects</a:t>
+            </a:r>
+            <a:r>
+              <a:rPr lang="pt-PT" sz="2400" dirty="0">
+                <a:latin typeface="Century Schoolbook" panose="02040604050505020304" pitchFamily="18" charset="0"/>
+              </a:rPr>
+              <a:t>, </a:t>
+            </a:r>
+            <a:r>
+              <a:rPr lang="pt-PT" sz="2400" dirty="0" err="1">
+                <a:latin typeface="Century Schoolbook" panose="02040604050505020304" pitchFamily="18" charset="0"/>
+              </a:rPr>
+              <a:t>modify</a:t>
+            </a:r>
+            <a:r>
+              <a:rPr lang="pt-PT" sz="2400" dirty="0">
+                <a:latin typeface="Century Schoolbook" panose="02040604050505020304" pitchFamily="18" charset="0"/>
+              </a:rPr>
+              <a:t> </a:t>
+            </a:r>
+            <a:r>
+              <a:rPr lang="pt-PT" sz="2400" dirty="0" err="1">
+                <a:latin typeface="Century Schoolbook" panose="02040604050505020304" pitchFamily="18" charset="0"/>
+              </a:rPr>
+              <a:t>the</a:t>
+            </a:r>
+            <a:r>
+              <a:rPr lang="pt-PT" sz="2400" dirty="0">
+                <a:latin typeface="Century Schoolbook" panose="02040604050505020304" pitchFamily="18" charset="0"/>
+              </a:rPr>
+              <a:t> </a:t>
+            </a:r>
+            <a:r>
+              <a:rPr lang="pt-PT" sz="2400" dirty="0" err="1">
+                <a:latin typeface="Century Schoolbook" panose="02040604050505020304" pitchFamily="18" charset="0"/>
+              </a:rPr>
+              <a:t>system</a:t>
+            </a:r>
+            <a:r>
+              <a:rPr lang="pt-PT" sz="2400" dirty="0">
+                <a:latin typeface="Century Schoolbook" panose="02040604050505020304" pitchFamily="18" charset="0"/>
+              </a:rPr>
+              <a:t> to </a:t>
+            </a:r>
+            <a:r>
+              <a:rPr lang="pt-PT" sz="2400" dirty="0" err="1">
+                <a:latin typeface="Century Schoolbook" panose="02040604050505020304" pitchFamily="18" charset="0"/>
+              </a:rPr>
+              <a:t>correct</a:t>
+            </a:r>
+            <a:r>
+              <a:rPr lang="pt-PT" sz="2400" dirty="0">
+                <a:latin typeface="Century Schoolbook" panose="02040604050505020304" pitchFamily="18" charset="0"/>
+              </a:rPr>
+              <a:t> </a:t>
+            </a:r>
+            <a:r>
+              <a:rPr lang="pt-PT" sz="2400" dirty="0" err="1">
+                <a:latin typeface="Century Schoolbook" panose="02040604050505020304" pitchFamily="18" charset="0"/>
+              </a:rPr>
+              <a:t>previously</a:t>
+            </a:r>
+            <a:r>
+              <a:rPr lang="pt-PT" sz="2400" dirty="0">
+                <a:latin typeface="Century Schoolbook" panose="02040604050505020304" pitchFamily="18" charset="0"/>
+              </a:rPr>
+              <a:t> </a:t>
+            </a:r>
+            <a:r>
+              <a:rPr lang="pt-PT" sz="2400" dirty="0" err="1">
+                <a:latin typeface="Century Schoolbook" panose="02040604050505020304" pitchFamily="18" charset="0"/>
+              </a:rPr>
+              <a:t>unidentified</a:t>
+            </a:r>
+            <a:r>
+              <a:rPr lang="pt-PT" sz="2400" dirty="0">
+                <a:latin typeface="Century Schoolbook" panose="02040604050505020304" pitchFamily="18" charset="0"/>
+              </a:rPr>
+              <a:t> </a:t>
+            </a:r>
+          </a:p>
+          <a:p>
+            <a:pPr marL="0" indent="0">
+              <a:buNone/>
+            </a:pPr>
+            <a:r>
+              <a:rPr lang="pt-PT" sz="2400" dirty="0" err="1">
+                <a:latin typeface="Century Schoolbook" panose="02040604050505020304" pitchFamily="18" charset="0"/>
+              </a:rPr>
+              <a:t>problems</a:t>
+            </a:r>
+            <a:r>
+              <a:rPr lang="pt-PT" sz="2400" dirty="0">
+                <a:latin typeface="Century Schoolbook" panose="02040604050505020304" pitchFamily="18" charset="0"/>
+              </a:rPr>
+              <a:t>.</a:t>
+            </a:r>
+            <a:endParaRPr lang="pt-PT" dirty="0"/>
+          </a:p>
+        </p:txBody>
+      </p:sp>
+      <p:sp>
+        <p:nvSpPr>
+          <p:cNvPr id="4" name="Rectangle 6">
+            <a:extLst>
+              <a:ext uri="{FF2B5EF4-FFF2-40B4-BE49-F238E27FC236}">
+                <a16:creationId xmlns:a16="http://schemas.microsoft.com/office/drawing/2014/main" id="{D2F08CC3-1B76-495A-8E49-6E7D76D4E2B9}"/>
+              </a:ext>
+            </a:extLst>
+          </p:cNvPr>
+          <p:cNvSpPr/>
+          <p:nvPr/>
+        </p:nvSpPr>
+        <p:spPr>
+          <a:xfrm>
+            <a:off x="10479505" y="-1"/>
+            <a:ext cx="421106" cy="6858001"/>
+          </a:xfrm>
+          <a:prstGeom prst="rect">
+            <a:avLst/>
+          </a:prstGeom>
+          <a:solidFill>
+            <a:srgbClr val="98220B"/>
+          </a:solidFill>
+          <a:ln>
+            <a:noFill/>
+          </a:ln>
+        </p:spPr>
+        <p:style>
+          <a:lnRef idx="2">
+            <a:schemeClr val="accent1">
+              <a:shade val="50000"/>
+            </a:schemeClr>
+          </a:lnRef>
+          <a:fillRef idx="1">
+            <a:schemeClr val="accent1"/>
+          </a:fillRef>
+          <a:effectRef idx="0">
+            <a:schemeClr val="accent1"/>
+          </a:effectRef>
+          <a:fontRef idx="minor">
+            <a:schemeClr val="lt1"/>
+          </a:fontRef>
+        </p:style>
+        <p:txBody>
+          <a:bodyPr rtlCol="0" anchor="ctr"/>
+          <a:lstStyle/>
+          <a:p>
+            <a:pPr algn="ctr"/>
+            <a:endParaRPr lang="en-US"/>
+          </a:p>
+        </p:txBody>
+      </p:sp>
+    </p:spTree>
+    <p:extLst>
+      <p:ext uri="{BB962C8B-B14F-4D97-AF65-F5344CB8AC3E}">
+        <p14:creationId xmlns:p14="http://schemas.microsoft.com/office/powerpoint/2010/main" val="2847123226"/>
+      </p:ext>
+    </p:extLst>
+  </p:cSld>
+  <p:clrMapOvr>
+    <a:masterClrMapping/>
+  </p:clrMapOvr>
+</p:sld>
+</file>
+
+<file path=ppt/slides/slide16.xml><?xml version="1.0" encoding="utf-8"?>
+<p:sld xmlns:a="http://schemas.openxmlformats.org/drawingml/2006/main" xmlns:r="http://schemas.openxmlformats.org/officeDocument/2006/relationships" xmlns:p="http://schemas.openxmlformats.org/presentationml/2006/main">
+  <p:cSld>
+    <p:spTree>
+      <p:nvGrpSpPr>
+        <p:cNvPr id="1" name=""/>
+        <p:cNvGrpSpPr/>
+        <p:nvPr/>
+      </p:nvGrpSpPr>
+      <p:grpSpPr>
+        <a:xfrm>
+          <a:off x="0" y="0"/>
+          <a:ext cx="0" cy="0"/>
+          <a:chOff x="0" y="0"/>
+          <a:chExt cx="0" cy="0"/>
+        </a:xfrm>
+      </p:grpSpPr>
+      <p:sp>
+        <p:nvSpPr>
+          <p:cNvPr id="2" name="Título 1">
+            <a:extLst>
+              <a:ext uri="{FF2B5EF4-FFF2-40B4-BE49-F238E27FC236}">
+                <a16:creationId xmlns:a16="http://schemas.microsoft.com/office/drawing/2014/main" id="{25863F38-C138-4C7A-85F9-C4DD238C046F}"/>
+              </a:ext>
+            </a:extLst>
+          </p:cNvPr>
+          <p:cNvSpPr>
+            <a:spLocks noGrp="1"/>
+          </p:cNvSpPr>
+          <p:nvPr>
+            <p:ph type="title"/>
+          </p:nvPr>
+        </p:nvSpPr>
+        <p:spPr/>
+        <p:txBody>
+          <a:bodyPr/>
+          <a:lstStyle/>
+          <a:p>
+            <a:pPr algn="ctr"/>
+            <a:r>
+              <a:rPr lang="pt-PT" dirty="0" err="1">
+                <a:latin typeface="Century Schoolbook" panose="02040604050505020304" pitchFamily="18" charset="0"/>
+              </a:rPr>
+              <a:t>Transition</a:t>
+            </a:r>
+            <a:endParaRPr lang="pt-PT" dirty="0"/>
+          </a:p>
+        </p:txBody>
+      </p:sp>
+      <p:sp>
+        <p:nvSpPr>
+          <p:cNvPr id="3" name="Marcador de Posição de Conteúdo 2">
+            <a:extLst>
+              <a:ext uri="{FF2B5EF4-FFF2-40B4-BE49-F238E27FC236}">
+                <a16:creationId xmlns:a16="http://schemas.microsoft.com/office/drawing/2014/main" id="{9A7DE11F-9E59-4D7D-98C6-6A82A7D11511}"/>
+              </a:ext>
+            </a:extLst>
+          </p:cNvPr>
+          <p:cNvSpPr>
+            <a:spLocks noGrp="1"/>
+          </p:cNvSpPr>
+          <p:nvPr>
+            <p:ph idx="1"/>
+          </p:nvPr>
+        </p:nvSpPr>
+        <p:spPr>
+          <a:xfrm>
+            <a:off x="815050" y="2902070"/>
+            <a:ext cx="10515600" cy="2005595"/>
+          </a:xfrm>
+        </p:spPr>
+        <p:txBody>
+          <a:bodyPr/>
+          <a:lstStyle/>
+          <a:p>
+            <a:pPr marL="0" indent="0">
+              <a:buNone/>
+            </a:pPr>
+            <a:r>
+              <a:rPr lang="pt-PT" b="1" dirty="0" err="1">
+                <a:latin typeface="Century Schoolbook" panose="02040604050505020304" pitchFamily="18" charset="0"/>
+              </a:rPr>
+              <a:t>What</a:t>
+            </a:r>
+            <a:r>
+              <a:rPr lang="pt-PT" b="1" dirty="0">
+                <a:latin typeface="Century Schoolbook" panose="02040604050505020304" pitchFamily="18" charset="0"/>
+              </a:rPr>
+              <a:t> comes </a:t>
+            </a:r>
+            <a:r>
+              <a:rPr lang="pt-PT" b="1" dirty="0" err="1">
+                <a:latin typeface="Century Schoolbook" panose="02040604050505020304" pitchFamily="18" charset="0"/>
+              </a:rPr>
+              <a:t>next</a:t>
+            </a:r>
+            <a:r>
+              <a:rPr lang="pt-PT" b="1" dirty="0">
+                <a:latin typeface="Century Schoolbook" panose="02040604050505020304" pitchFamily="18" charset="0"/>
+              </a:rPr>
+              <a:t>?</a:t>
+            </a:r>
+          </a:p>
+          <a:p>
+            <a:pPr marL="0" indent="0">
+              <a:buNone/>
+            </a:pPr>
+            <a:endParaRPr lang="pt-PT" dirty="0"/>
+          </a:p>
+          <a:p>
+            <a:pPr marL="0" indent="0">
+              <a:buNone/>
+            </a:pPr>
+            <a:r>
+              <a:rPr lang="pt-PT" sz="3200" dirty="0" err="1">
+                <a:latin typeface="Century Schoolbook" panose="02040604050505020304" pitchFamily="18" charset="0"/>
+              </a:rPr>
+              <a:t>Product</a:t>
+            </a:r>
+            <a:r>
+              <a:rPr lang="pt-PT" sz="3200" dirty="0">
+                <a:latin typeface="Century Schoolbook" panose="02040604050505020304" pitchFamily="18" charset="0"/>
+              </a:rPr>
+              <a:t> </a:t>
+            </a:r>
+            <a:r>
+              <a:rPr lang="pt-PT" sz="3200" dirty="0" err="1">
+                <a:latin typeface="Century Schoolbook" panose="02040604050505020304" pitchFamily="18" charset="0"/>
+              </a:rPr>
+              <a:t>release</a:t>
+            </a:r>
+            <a:r>
+              <a:rPr lang="pt-PT" sz="3200" dirty="0">
+                <a:latin typeface="Century Schoolbook" panose="02040604050505020304" pitchFamily="18" charset="0"/>
+              </a:rPr>
+              <a:t>!</a:t>
+            </a:r>
+            <a:endParaRPr lang="pt-PT" sz="3200" u="sng" dirty="0">
+              <a:latin typeface="Century Schoolbook" panose="02040604050505020304" pitchFamily="18" charset="0"/>
+            </a:endParaRPr>
+          </a:p>
+          <a:p>
+            <a:pPr marL="0" indent="0">
+              <a:buNone/>
+            </a:pPr>
+            <a:endParaRPr lang="pt-PT" dirty="0"/>
+          </a:p>
+        </p:txBody>
+      </p:sp>
+      <p:sp>
+        <p:nvSpPr>
+          <p:cNvPr id="4" name="Rectangle 6">
+            <a:extLst>
+              <a:ext uri="{FF2B5EF4-FFF2-40B4-BE49-F238E27FC236}">
+                <a16:creationId xmlns:a16="http://schemas.microsoft.com/office/drawing/2014/main" id="{68C8E0E5-2477-4AEE-9F7B-8998B9E3B10A}"/>
+              </a:ext>
+            </a:extLst>
+          </p:cNvPr>
+          <p:cNvSpPr/>
+          <p:nvPr/>
+        </p:nvSpPr>
+        <p:spPr>
+          <a:xfrm>
+            <a:off x="10479505" y="-1"/>
+            <a:ext cx="421106" cy="6858001"/>
+          </a:xfrm>
+          <a:prstGeom prst="rect">
+            <a:avLst/>
+          </a:prstGeom>
+          <a:solidFill>
+            <a:srgbClr val="98220B"/>
+          </a:solidFill>
+          <a:ln>
+            <a:noFill/>
+          </a:ln>
+        </p:spPr>
+        <p:style>
+          <a:lnRef idx="2">
+            <a:schemeClr val="accent1">
+              <a:shade val="50000"/>
+            </a:schemeClr>
+          </a:lnRef>
+          <a:fillRef idx="1">
+            <a:schemeClr val="accent1"/>
+          </a:fillRef>
+          <a:effectRef idx="0">
+            <a:schemeClr val="accent1"/>
+          </a:effectRef>
+          <a:fontRef idx="minor">
+            <a:schemeClr val="lt1"/>
+          </a:fontRef>
+        </p:style>
+        <p:txBody>
+          <a:bodyPr rtlCol="0" anchor="ctr"/>
+          <a:lstStyle/>
+          <a:p>
+            <a:pPr algn="ctr"/>
+            <a:endParaRPr lang="en-US"/>
+          </a:p>
+        </p:txBody>
+      </p:sp>
+      <p:pic>
+        <p:nvPicPr>
+          <p:cNvPr id="6" name="Imagem 5">
+            <a:extLst>
+              <a:ext uri="{FF2B5EF4-FFF2-40B4-BE49-F238E27FC236}">
+                <a16:creationId xmlns:a16="http://schemas.microsoft.com/office/drawing/2014/main" id="{51AAE4D9-0038-423C-896F-4E0193F746B1}"/>
+              </a:ext>
+            </a:extLst>
+          </p:cNvPr>
+          <p:cNvPicPr>
+            <a:picLocks noChangeAspect="1"/>
+          </p:cNvPicPr>
+          <p:nvPr/>
+        </p:nvPicPr>
+        <p:blipFill>
+          <a:blip r:embed="rId2"/>
+          <a:stretch>
+            <a:fillRect/>
+          </a:stretch>
+        </p:blipFill>
+        <p:spPr>
+          <a:xfrm>
+            <a:off x="5040194" y="1636789"/>
+            <a:ext cx="4900528" cy="4621199"/>
+          </a:xfrm>
+          <a:prstGeom prst="rect">
+            <a:avLst/>
+          </a:prstGeom>
+        </p:spPr>
+      </p:pic>
+    </p:spTree>
+    <p:extLst>
+      <p:ext uri="{BB962C8B-B14F-4D97-AF65-F5344CB8AC3E}">
+        <p14:creationId xmlns:p14="http://schemas.microsoft.com/office/powerpoint/2010/main" val="2768629641"/>
+      </p:ext>
+    </p:extLst>
+  </p:cSld>
+  <p:clrMapOvr>
+    <a:masterClrMapping/>
+  </p:clrMapOvr>
+</p:sld>
+</file>
+
+<file path=ppt/slides/slide17.xml><?xml version="1.0" encoding="utf-8"?>
+<p:sld xmlns:a="http://schemas.openxmlformats.org/drawingml/2006/main" xmlns:r="http://schemas.openxmlformats.org/officeDocument/2006/relationships" xmlns:p="http://schemas.openxmlformats.org/presentationml/2006/main">
+  <p:cSld>
+    <p:spTree>
+      <p:nvGrpSpPr>
+        <p:cNvPr id="1" name=""/>
+        <p:cNvGrpSpPr/>
+        <p:nvPr/>
+      </p:nvGrpSpPr>
+      <p:grpSpPr>
+        <a:xfrm>
+          <a:off x="0" y="0"/>
+          <a:ext cx="0" cy="0"/>
+          <a:chOff x="0" y="0"/>
+          <a:chExt cx="0" cy="0"/>
+        </a:xfrm>
+      </p:grpSpPr>
+      <p:sp>
+        <p:nvSpPr>
+          <p:cNvPr id="2" name="Título 1">
+            <a:extLst>
+              <a:ext uri="{FF2B5EF4-FFF2-40B4-BE49-F238E27FC236}">
+                <a16:creationId xmlns:a16="http://schemas.microsoft.com/office/drawing/2014/main" id="{31BE847B-7B05-47E0-A271-41A867A50202}"/>
+              </a:ext>
+            </a:extLst>
+          </p:cNvPr>
+          <p:cNvSpPr>
+            <a:spLocks noGrp="1"/>
+          </p:cNvSpPr>
+          <p:nvPr>
+            <p:ph type="ctrTitle"/>
+          </p:nvPr>
+        </p:nvSpPr>
+        <p:spPr>
+          <a:xfrm>
+            <a:off x="1524000" y="818147"/>
+            <a:ext cx="9144000" cy="3064042"/>
+          </a:xfrm>
+        </p:spPr>
+        <p:txBody>
+          <a:bodyPr>
+            <a:normAutofit/>
+          </a:bodyPr>
+          <a:lstStyle/>
+          <a:p>
+            <a:r>
+              <a:rPr lang="pt-PT" dirty="0" err="1">
+                <a:latin typeface="Century Schoolbook" panose="02040604050505020304" pitchFamily="18" charset="0"/>
+              </a:rPr>
+              <a:t>Characteristics</a:t>
+            </a:r>
+            <a:endParaRPr lang="pt-PT" dirty="0"/>
+          </a:p>
+        </p:txBody>
+      </p:sp>
+      <p:sp>
+        <p:nvSpPr>
+          <p:cNvPr id="3" name="Rectangle 6">
+            <a:extLst>
+              <a:ext uri="{FF2B5EF4-FFF2-40B4-BE49-F238E27FC236}">
+                <a16:creationId xmlns:a16="http://schemas.microsoft.com/office/drawing/2014/main" id="{11A4848F-9579-4067-B157-82C2025B432A}"/>
+              </a:ext>
+            </a:extLst>
+          </p:cNvPr>
+          <p:cNvSpPr/>
+          <p:nvPr/>
+        </p:nvSpPr>
+        <p:spPr>
+          <a:xfrm>
+            <a:off x="10479505" y="-1"/>
+            <a:ext cx="421106" cy="6858001"/>
+          </a:xfrm>
+          <a:prstGeom prst="rect">
+            <a:avLst/>
+          </a:prstGeom>
+          <a:solidFill>
+            <a:srgbClr val="98220B"/>
+          </a:solidFill>
+          <a:ln>
+            <a:noFill/>
+          </a:ln>
+        </p:spPr>
+        <p:style>
+          <a:lnRef idx="2">
+            <a:schemeClr val="accent1">
+              <a:shade val="50000"/>
+            </a:schemeClr>
+          </a:lnRef>
+          <a:fillRef idx="1">
+            <a:schemeClr val="accent1"/>
+          </a:fillRef>
+          <a:effectRef idx="0">
+            <a:schemeClr val="accent1"/>
+          </a:effectRef>
+          <a:fontRef idx="minor">
+            <a:schemeClr val="lt1"/>
+          </a:fontRef>
+        </p:style>
+        <p:txBody>
+          <a:bodyPr rtlCol="0" anchor="ctr"/>
+          <a:lstStyle/>
+          <a:p>
+            <a:pPr algn="ctr"/>
+            <a:endParaRPr lang="en-US"/>
+          </a:p>
+        </p:txBody>
+      </p:sp>
+    </p:spTree>
+    <p:extLst>
+      <p:ext uri="{BB962C8B-B14F-4D97-AF65-F5344CB8AC3E}">
+        <p14:creationId xmlns:p14="http://schemas.microsoft.com/office/powerpoint/2010/main" val="1744508096"/>
+      </p:ext>
+    </p:extLst>
+  </p:cSld>
+  <p:clrMapOvr>
+    <a:masterClrMapping/>
+  </p:clrMapOvr>
+</p:sld>
+</file>
+
+<file path=ppt/slides/slide18.xml><?xml version="1.0" encoding="utf-8"?>
+<p:sld xmlns:a="http://schemas.openxmlformats.org/drawingml/2006/main" xmlns:r="http://schemas.openxmlformats.org/officeDocument/2006/relationships" xmlns:p="http://schemas.openxmlformats.org/presentationml/2006/main">
+  <p:cSld>
+    <p:spTree>
+      <p:nvGrpSpPr>
+        <p:cNvPr id="1" name=""/>
+        <p:cNvGrpSpPr/>
+        <p:nvPr/>
+      </p:nvGrpSpPr>
+      <p:grpSpPr>
+        <a:xfrm>
+          <a:off x="0" y="0"/>
+          <a:ext cx="0" cy="0"/>
+          <a:chOff x="0" y="0"/>
+          <a:chExt cx="0" cy="0"/>
+        </a:xfrm>
+      </p:grpSpPr>
+      <p:sp>
+        <p:nvSpPr>
+          <p:cNvPr id="2" name="Título 1">
+            <a:extLst>
+              <a:ext uri="{FF2B5EF4-FFF2-40B4-BE49-F238E27FC236}">
+                <a16:creationId xmlns:a16="http://schemas.microsoft.com/office/drawing/2014/main" id="{EB8D7A74-9D37-4AF8-B9DE-49497C9D5B22}"/>
+              </a:ext>
+            </a:extLst>
+          </p:cNvPr>
+          <p:cNvSpPr>
+            <a:spLocks noGrp="1"/>
+          </p:cNvSpPr>
+          <p:nvPr>
+            <p:ph type="ctrTitle"/>
+          </p:nvPr>
+        </p:nvSpPr>
+        <p:spPr>
+          <a:xfrm>
+            <a:off x="1524000" y="2133016"/>
+            <a:ext cx="9144000" cy="2387600"/>
+          </a:xfrm>
+        </p:spPr>
+        <p:txBody>
+          <a:bodyPr/>
+          <a:lstStyle/>
+          <a:p>
+            <a:r>
+              <a:rPr lang="pt-PT" dirty="0" err="1">
+                <a:latin typeface="Century Schoolbook" panose="02040604050505020304" pitchFamily="18" charset="0"/>
+              </a:rPr>
+              <a:t>Iterative</a:t>
+            </a:r>
+            <a:r>
+              <a:rPr lang="pt-PT" dirty="0">
+                <a:latin typeface="Century Schoolbook" panose="02040604050505020304" pitchFamily="18" charset="0"/>
+              </a:rPr>
+              <a:t> </a:t>
+            </a:r>
+            <a:br>
+              <a:rPr lang="pt-PT" dirty="0">
+                <a:latin typeface="Century Schoolbook" panose="02040604050505020304" pitchFamily="18" charset="0"/>
+              </a:rPr>
+            </a:br>
+            <a:r>
+              <a:rPr lang="pt-PT" dirty="0">
+                <a:latin typeface="Century Schoolbook" panose="02040604050505020304" pitchFamily="18" charset="0"/>
+              </a:rPr>
+              <a:t>Incremental</a:t>
+            </a:r>
+            <a:endParaRPr lang="pt-PT" dirty="0"/>
+          </a:p>
+        </p:txBody>
+      </p:sp>
+      <p:sp>
+        <p:nvSpPr>
+          <p:cNvPr id="3" name="Rectangle 6">
+            <a:extLst>
+              <a:ext uri="{FF2B5EF4-FFF2-40B4-BE49-F238E27FC236}">
+                <a16:creationId xmlns:a16="http://schemas.microsoft.com/office/drawing/2014/main" id="{1C0BF358-5CB3-4CC4-92F9-0EEB2D09E4C1}"/>
+              </a:ext>
+            </a:extLst>
+          </p:cNvPr>
+          <p:cNvSpPr/>
+          <p:nvPr/>
+        </p:nvSpPr>
+        <p:spPr>
+          <a:xfrm>
+            <a:off x="10479505" y="-1"/>
+            <a:ext cx="421106" cy="6858001"/>
+          </a:xfrm>
+          <a:prstGeom prst="rect">
+            <a:avLst/>
+          </a:prstGeom>
+          <a:solidFill>
+            <a:srgbClr val="98220B"/>
+          </a:solidFill>
+          <a:ln>
+            <a:noFill/>
+          </a:ln>
+        </p:spPr>
+        <p:style>
+          <a:lnRef idx="2">
+            <a:schemeClr val="accent1">
+              <a:shade val="50000"/>
+            </a:schemeClr>
+          </a:lnRef>
+          <a:fillRef idx="1">
+            <a:schemeClr val="accent1"/>
+          </a:fillRef>
+          <a:effectRef idx="0">
+            <a:schemeClr val="accent1"/>
+          </a:effectRef>
+          <a:fontRef idx="minor">
+            <a:schemeClr val="lt1"/>
+          </a:fontRef>
+        </p:style>
+        <p:txBody>
+          <a:bodyPr rtlCol="0" anchor="ctr"/>
+          <a:lstStyle/>
+          <a:p>
+            <a:pPr algn="ctr"/>
+            <a:endParaRPr lang="en-US"/>
+          </a:p>
+        </p:txBody>
+      </p:sp>
+    </p:spTree>
+    <p:extLst>
+      <p:ext uri="{BB962C8B-B14F-4D97-AF65-F5344CB8AC3E}">
+        <p14:creationId xmlns:p14="http://schemas.microsoft.com/office/powerpoint/2010/main" val="1133113655"/>
+      </p:ext>
+    </p:extLst>
+  </p:cSld>
+  <p:clrMapOvr>
+    <a:masterClrMapping/>
+  </p:clrMapOvr>
+</p:sld>
+</file>
+
+<file path=ppt/slides/slide19.xml><?xml version="1.0" encoding="utf-8"?>
+<p:sld xmlns:a="http://schemas.openxmlformats.org/drawingml/2006/main" xmlns:r="http://schemas.openxmlformats.org/officeDocument/2006/relationships" xmlns:p="http://schemas.openxmlformats.org/presentationml/2006/main">
+  <p:cSld>
+    <p:spTree>
+      <p:nvGrpSpPr>
+        <p:cNvPr id="1" name=""/>
+        <p:cNvGrpSpPr/>
+        <p:nvPr/>
+      </p:nvGrpSpPr>
+      <p:grpSpPr>
+        <a:xfrm>
+          <a:off x="0" y="0"/>
+          <a:ext cx="0" cy="0"/>
+          <a:chOff x="0" y="0"/>
+          <a:chExt cx="0" cy="0"/>
+        </a:xfrm>
+      </p:grpSpPr>
+      <p:sp>
+        <p:nvSpPr>
+          <p:cNvPr id="2" name="Título 1">
+            <a:extLst>
+              <a:ext uri="{FF2B5EF4-FFF2-40B4-BE49-F238E27FC236}">
+                <a16:creationId xmlns:a16="http://schemas.microsoft.com/office/drawing/2014/main" id="{4B3DB30E-3884-4095-8CC3-AD788D06D048}"/>
+              </a:ext>
+            </a:extLst>
+          </p:cNvPr>
+          <p:cNvSpPr>
+            <a:spLocks noGrp="1"/>
+          </p:cNvSpPr>
+          <p:nvPr>
+            <p:ph type="title"/>
+          </p:nvPr>
+        </p:nvSpPr>
+        <p:spPr/>
+        <p:txBody>
+          <a:bodyPr/>
+          <a:lstStyle/>
+          <a:p>
+            <a:pPr algn="ctr"/>
+            <a:r>
+              <a:rPr lang="pt-PT" dirty="0" err="1">
+                <a:latin typeface="Century Schoolbook" panose="02040604050505020304" pitchFamily="18" charset="0"/>
+              </a:rPr>
+              <a:t>Iterative</a:t>
+            </a:r>
+            <a:r>
+              <a:rPr lang="pt-PT" dirty="0">
+                <a:latin typeface="Century Schoolbook" panose="02040604050505020304" pitchFamily="18" charset="0"/>
+              </a:rPr>
+              <a:t> </a:t>
+            </a:r>
+            <a:r>
+              <a:rPr lang="pt-PT" dirty="0" err="1">
+                <a:latin typeface="Century Schoolbook" panose="02040604050505020304" pitchFamily="18" charset="0"/>
+              </a:rPr>
+              <a:t>and</a:t>
+            </a:r>
+            <a:r>
+              <a:rPr lang="pt-PT" dirty="0">
+                <a:latin typeface="Century Schoolbook" panose="02040604050505020304" pitchFamily="18" charset="0"/>
+              </a:rPr>
+              <a:t> incremental</a:t>
+            </a:r>
+            <a:endParaRPr lang="pt-PT" dirty="0"/>
+          </a:p>
+        </p:txBody>
+      </p:sp>
+      <p:sp>
+        <p:nvSpPr>
+          <p:cNvPr id="3" name="Marcador de Posição de Conteúdo 2">
+            <a:extLst>
+              <a:ext uri="{FF2B5EF4-FFF2-40B4-BE49-F238E27FC236}">
+                <a16:creationId xmlns:a16="http://schemas.microsoft.com/office/drawing/2014/main" id="{B804AD91-AE1A-44DE-B44B-916CC122A4F8}"/>
+              </a:ext>
+            </a:extLst>
+          </p:cNvPr>
+          <p:cNvSpPr>
+            <a:spLocks noGrp="1"/>
+          </p:cNvSpPr>
+          <p:nvPr>
+            <p:ph idx="1"/>
+          </p:nvPr>
+        </p:nvSpPr>
+        <p:spPr>
+          <a:xfrm>
+            <a:off x="166255" y="1825625"/>
+            <a:ext cx="11853949" cy="4351338"/>
+          </a:xfrm>
+        </p:spPr>
+        <p:txBody>
+          <a:bodyPr>
+            <a:normAutofit/>
+          </a:bodyPr>
+          <a:lstStyle/>
+          <a:p>
+            <a:pPr marL="0" indent="0">
+              <a:buNone/>
+            </a:pPr>
+            <a:r>
+              <a:rPr lang="pt-PT" sz="2400" dirty="0" err="1">
+                <a:latin typeface="Century Schoolbook" panose="02040604050505020304" pitchFamily="18" charset="0"/>
+              </a:rPr>
+              <a:t>The</a:t>
+            </a:r>
+            <a:r>
+              <a:rPr lang="pt-PT" sz="2400" dirty="0">
+                <a:latin typeface="Century Schoolbook" panose="02040604050505020304" pitchFamily="18" charset="0"/>
+              </a:rPr>
+              <a:t> </a:t>
+            </a:r>
+            <a:r>
+              <a:rPr lang="pt-PT" sz="2400" dirty="0" err="1">
+                <a:latin typeface="Century Schoolbook" panose="02040604050505020304" pitchFamily="18" charset="0"/>
+              </a:rPr>
+              <a:t>last</a:t>
+            </a:r>
+            <a:r>
+              <a:rPr lang="pt-PT" sz="2400" dirty="0">
+                <a:latin typeface="Century Schoolbook" panose="02040604050505020304" pitchFamily="18" charset="0"/>
+              </a:rPr>
+              <a:t> </a:t>
+            </a:r>
+            <a:r>
+              <a:rPr lang="pt-PT" sz="2400" dirty="0" err="1">
+                <a:latin typeface="Century Schoolbook" panose="02040604050505020304" pitchFamily="18" charset="0"/>
+              </a:rPr>
+              <a:t>three</a:t>
+            </a:r>
+            <a:r>
+              <a:rPr lang="pt-PT" sz="2400" dirty="0">
+                <a:latin typeface="Century Schoolbook" panose="02040604050505020304" pitchFamily="18" charset="0"/>
+              </a:rPr>
+              <a:t> </a:t>
+            </a:r>
+            <a:r>
+              <a:rPr lang="pt-PT" sz="2400" dirty="0" err="1">
+                <a:latin typeface="Century Schoolbook" panose="02040604050505020304" pitchFamily="18" charset="0"/>
+              </a:rPr>
+              <a:t>phases</a:t>
+            </a:r>
+            <a:r>
+              <a:rPr lang="pt-PT" sz="2400" dirty="0">
+                <a:latin typeface="Century Schoolbook" panose="02040604050505020304" pitchFamily="18" charset="0"/>
+              </a:rPr>
+              <a:t> </a:t>
+            </a:r>
+            <a:r>
+              <a:rPr lang="pt-PT" sz="2400" dirty="0" err="1">
+                <a:latin typeface="Century Schoolbook" panose="02040604050505020304" pitchFamily="18" charset="0"/>
+              </a:rPr>
+              <a:t>that</a:t>
+            </a:r>
+            <a:r>
+              <a:rPr lang="pt-PT" sz="2400" dirty="0">
+                <a:latin typeface="Century Schoolbook" panose="02040604050505020304" pitchFamily="18" charset="0"/>
+              </a:rPr>
+              <a:t> </a:t>
+            </a:r>
+            <a:r>
+              <a:rPr lang="pt-PT" sz="2400" dirty="0" err="1">
+                <a:latin typeface="Century Schoolbook" panose="02040604050505020304" pitchFamily="18" charset="0"/>
+              </a:rPr>
+              <a:t>we’ve</a:t>
+            </a:r>
+            <a:r>
+              <a:rPr lang="pt-PT" sz="2400" dirty="0">
+                <a:latin typeface="Century Schoolbook" panose="02040604050505020304" pitchFamily="18" charset="0"/>
+              </a:rPr>
+              <a:t> </a:t>
+            </a:r>
+            <a:r>
+              <a:rPr lang="pt-PT" sz="2400" dirty="0" err="1">
+                <a:latin typeface="Century Schoolbook" panose="02040604050505020304" pitchFamily="18" charset="0"/>
+              </a:rPr>
+              <a:t>seen</a:t>
+            </a:r>
+            <a:endParaRPr lang="pt-PT" sz="2400" dirty="0">
+              <a:latin typeface="Century Schoolbook" panose="02040604050505020304" pitchFamily="18" charset="0"/>
+            </a:endParaRPr>
+          </a:p>
+          <a:p>
+            <a:pPr marL="0" indent="0">
+              <a:buNone/>
+            </a:pPr>
+            <a:r>
+              <a:rPr lang="pt-PT" sz="2400" dirty="0">
+                <a:latin typeface="Century Schoolbook" panose="02040604050505020304" pitchFamily="18" charset="0"/>
+              </a:rPr>
+              <a:t> are </a:t>
+            </a:r>
+            <a:r>
+              <a:rPr lang="pt-PT" sz="2400" dirty="0" err="1">
+                <a:latin typeface="Century Schoolbook" panose="02040604050505020304" pitchFamily="18" charset="0"/>
+              </a:rPr>
+              <a:t>divided</a:t>
+            </a:r>
+            <a:r>
+              <a:rPr lang="pt-PT" sz="2400" dirty="0">
+                <a:latin typeface="Century Schoolbook" panose="02040604050505020304" pitchFamily="18" charset="0"/>
+              </a:rPr>
+              <a:t> </a:t>
+            </a:r>
+            <a:r>
+              <a:rPr lang="pt-PT" sz="2400" dirty="0" err="1">
+                <a:latin typeface="Century Schoolbook" panose="02040604050505020304" pitchFamily="18" charset="0"/>
+              </a:rPr>
+              <a:t>into</a:t>
+            </a:r>
+            <a:r>
+              <a:rPr lang="pt-PT" sz="2400" dirty="0">
+                <a:latin typeface="Century Schoolbook" panose="02040604050505020304" pitchFamily="18" charset="0"/>
+              </a:rPr>
+              <a:t> a series </a:t>
+            </a:r>
+            <a:r>
+              <a:rPr lang="pt-PT" sz="2400" dirty="0" err="1">
+                <a:latin typeface="Century Schoolbook" panose="02040604050505020304" pitchFamily="18" charset="0"/>
+              </a:rPr>
+              <a:t>of</a:t>
+            </a:r>
+            <a:r>
+              <a:rPr lang="pt-PT" sz="2400" dirty="0">
+                <a:latin typeface="Century Schoolbook" panose="02040604050505020304" pitchFamily="18" charset="0"/>
+              </a:rPr>
+              <a:t> </a:t>
+            </a:r>
+          </a:p>
+          <a:p>
+            <a:pPr marL="0" indent="0">
+              <a:buNone/>
+            </a:pPr>
+            <a:r>
+              <a:rPr lang="pt-PT" sz="2400" dirty="0" err="1">
+                <a:latin typeface="Century Schoolbook" panose="02040604050505020304" pitchFamily="18" charset="0"/>
+              </a:rPr>
+              <a:t>timeboxed</a:t>
+            </a:r>
+            <a:r>
+              <a:rPr lang="pt-PT" sz="2400" dirty="0">
+                <a:latin typeface="Century Schoolbook" panose="02040604050505020304" pitchFamily="18" charset="0"/>
+              </a:rPr>
+              <a:t> </a:t>
+            </a:r>
+            <a:r>
+              <a:rPr lang="pt-PT" sz="2400" dirty="0" err="1">
+                <a:latin typeface="Century Schoolbook" panose="02040604050505020304" pitchFamily="18" charset="0"/>
+              </a:rPr>
+              <a:t>iterations</a:t>
+            </a:r>
+            <a:r>
+              <a:rPr lang="pt-PT" sz="2400" dirty="0">
+                <a:latin typeface="Century Schoolbook" panose="02040604050505020304" pitchFamily="18" charset="0"/>
+              </a:rPr>
+              <a:t>.</a:t>
+            </a:r>
+          </a:p>
+          <a:p>
+            <a:pPr marL="0" indent="0">
+              <a:buNone/>
+            </a:pPr>
+            <a:endParaRPr lang="pt-PT" sz="2400" dirty="0">
+              <a:latin typeface="Century Schoolbook" panose="02040604050505020304" pitchFamily="18" charset="0"/>
+            </a:endParaRPr>
+          </a:p>
+          <a:p>
+            <a:pPr marL="0" indent="0">
+              <a:buNone/>
+            </a:pPr>
+            <a:r>
+              <a:rPr lang="pt-PT" sz="2400" dirty="0" err="1">
+                <a:latin typeface="Century Schoolbook" panose="02040604050505020304" pitchFamily="18" charset="0"/>
+              </a:rPr>
+              <a:t>Each</a:t>
+            </a:r>
+            <a:r>
+              <a:rPr lang="pt-PT" sz="2400" dirty="0">
+                <a:latin typeface="Century Schoolbook" panose="02040604050505020304" pitchFamily="18" charset="0"/>
+              </a:rPr>
+              <a:t> </a:t>
+            </a:r>
+            <a:r>
+              <a:rPr lang="pt-PT" sz="2400" dirty="0" err="1">
+                <a:latin typeface="Century Schoolbook" panose="02040604050505020304" pitchFamily="18" charset="0"/>
+              </a:rPr>
+              <a:t>iteration</a:t>
+            </a:r>
+            <a:r>
+              <a:rPr lang="pt-PT" sz="2400" dirty="0">
+                <a:latin typeface="Century Schoolbook" panose="02040604050505020304" pitchFamily="18" charset="0"/>
+              </a:rPr>
+              <a:t> </a:t>
+            </a:r>
+            <a:r>
+              <a:rPr lang="pt-PT" sz="2400" dirty="0" err="1">
+                <a:latin typeface="Century Schoolbook" panose="02040604050505020304" pitchFamily="18" charset="0"/>
+              </a:rPr>
+              <a:t>results</a:t>
+            </a:r>
+            <a:r>
+              <a:rPr lang="pt-PT" sz="2400" dirty="0">
+                <a:latin typeface="Century Schoolbook" panose="02040604050505020304" pitchFamily="18" charset="0"/>
+              </a:rPr>
+              <a:t> in </a:t>
+            </a:r>
+            <a:r>
+              <a:rPr lang="pt-PT" sz="2400" dirty="0" err="1">
+                <a:latin typeface="Century Schoolbook" panose="02040604050505020304" pitchFamily="18" charset="0"/>
+              </a:rPr>
+              <a:t>an</a:t>
+            </a:r>
+            <a:r>
+              <a:rPr lang="pt-PT" sz="2400" dirty="0">
+                <a:latin typeface="Century Schoolbook" panose="02040604050505020304" pitchFamily="18" charset="0"/>
+              </a:rPr>
+              <a:t> </a:t>
+            </a:r>
+            <a:r>
+              <a:rPr lang="pt-PT" sz="2400" dirty="0" err="1">
+                <a:latin typeface="Century Schoolbook" panose="02040604050505020304" pitchFamily="18" charset="0"/>
+              </a:rPr>
+              <a:t>increment</a:t>
+            </a:r>
+            <a:r>
+              <a:rPr lang="pt-PT" sz="2400" dirty="0">
+                <a:latin typeface="Century Schoolbook" panose="02040604050505020304" pitchFamily="18" charset="0"/>
+              </a:rPr>
+              <a:t>.</a:t>
+            </a:r>
+          </a:p>
+          <a:p>
+            <a:pPr marL="0" indent="0">
+              <a:buNone/>
+            </a:pPr>
+            <a:endParaRPr lang="pt-PT" sz="2400" dirty="0">
+              <a:latin typeface="Century Schoolbook" panose="02040604050505020304" pitchFamily="18" charset="0"/>
+            </a:endParaRPr>
+          </a:p>
+          <a:p>
+            <a:pPr marL="0" indent="0">
+              <a:buNone/>
+            </a:pPr>
+            <a:r>
+              <a:rPr lang="pt-PT" sz="2400" dirty="0" err="1">
+                <a:latin typeface="Century Schoolbook" panose="02040604050505020304" pitchFamily="18" charset="0"/>
+              </a:rPr>
+              <a:t>It</a:t>
+            </a:r>
+            <a:r>
+              <a:rPr lang="pt-PT" sz="2400" dirty="0">
+                <a:latin typeface="Century Schoolbook" panose="02040604050505020304" pitchFamily="18" charset="0"/>
+              </a:rPr>
+              <a:t> </a:t>
+            </a:r>
+            <a:r>
+              <a:rPr lang="pt-PT" sz="2400" dirty="0" err="1">
+                <a:latin typeface="Century Schoolbook" panose="02040604050505020304" pitchFamily="18" charset="0"/>
+              </a:rPr>
+              <a:t>represents</a:t>
+            </a:r>
+            <a:r>
+              <a:rPr lang="pt-PT" sz="2400" dirty="0">
+                <a:latin typeface="Century Schoolbook" panose="02040604050505020304" pitchFamily="18" charset="0"/>
+              </a:rPr>
+              <a:t> </a:t>
+            </a:r>
+            <a:r>
+              <a:rPr lang="pt-PT" sz="2400" dirty="0" err="1">
+                <a:latin typeface="Century Schoolbook" panose="02040604050505020304" pitchFamily="18" charset="0"/>
+              </a:rPr>
+              <a:t>added</a:t>
+            </a:r>
+            <a:r>
+              <a:rPr lang="pt-PT" sz="2400" dirty="0">
+                <a:latin typeface="Century Schoolbook" panose="02040604050505020304" pitchFamily="18" charset="0"/>
+              </a:rPr>
+              <a:t> </a:t>
+            </a:r>
+            <a:r>
+              <a:rPr lang="pt-PT" sz="2400" dirty="0" err="1">
+                <a:latin typeface="Century Schoolbook" panose="02040604050505020304" pitchFamily="18" charset="0"/>
+              </a:rPr>
+              <a:t>or</a:t>
+            </a:r>
+            <a:r>
+              <a:rPr lang="pt-PT" sz="2400" dirty="0">
+                <a:latin typeface="Century Schoolbook" panose="02040604050505020304" pitchFamily="18" charset="0"/>
+              </a:rPr>
+              <a:t> </a:t>
+            </a:r>
+            <a:r>
+              <a:rPr lang="pt-PT" sz="2400" dirty="0" err="1">
+                <a:latin typeface="Century Schoolbook" panose="02040604050505020304" pitchFamily="18" charset="0"/>
+              </a:rPr>
+              <a:t>improved</a:t>
+            </a:r>
+            <a:r>
+              <a:rPr lang="pt-PT" sz="2400" dirty="0">
+                <a:latin typeface="Century Schoolbook" panose="02040604050505020304" pitchFamily="18" charset="0"/>
+              </a:rPr>
+              <a:t> </a:t>
+            </a:r>
+          </a:p>
+          <a:p>
+            <a:pPr marL="0" indent="0">
+              <a:buNone/>
+            </a:pPr>
+            <a:r>
+              <a:rPr lang="pt-PT" sz="2400" dirty="0" err="1">
+                <a:latin typeface="Century Schoolbook" panose="02040604050505020304" pitchFamily="18" charset="0"/>
+              </a:rPr>
+              <a:t>functionalities</a:t>
+            </a:r>
+            <a:r>
+              <a:rPr lang="pt-PT" sz="2400" dirty="0">
+                <a:latin typeface="Century Schoolbook" panose="02040604050505020304" pitchFamily="18" charset="0"/>
+              </a:rPr>
+              <a:t> </a:t>
+            </a:r>
+            <a:r>
+              <a:rPr lang="pt-PT" sz="2400" dirty="0" err="1">
+                <a:latin typeface="Century Schoolbook" panose="02040604050505020304" pitchFamily="18" charset="0"/>
+              </a:rPr>
+              <a:t>compared</a:t>
+            </a:r>
+            <a:r>
+              <a:rPr lang="pt-PT" sz="2400" dirty="0">
+                <a:latin typeface="Century Schoolbook" panose="02040604050505020304" pitchFamily="18" charset="0"/>
+              </a:rPr>
+              <a:t> </a:t>
+            </a:r>
+            <a:r>
+              <a:rPr lang="pt-PT" sz="2400" dirty="0" err="1">
+                <a:latin typeface="Century Schoolbook" panose="02040604050505020304" pitchFamily="18" charset="0"/>
+              </a:rPr>
+              <a:t>with</a:t>
+            </a:r>
+            <a:r>
+              <a:rPr lang="pt-PT" sz="2400" dirty="0">
+                <a:latin typeface="Century Schoolbook" panose="02040604050505020304" pitchFamily="18" charset="0"/>
+              </a:rPr>
+              <a:t> </a:t>
+            </a:r>
+            <a:r>
+              <a:rPr lang="pt-PT" sz="2400" dirty="0" err="1">
+                <a:latin typeface="Century Schoolbook" panose="02040604050505020304" pitchFamily="18" charset="0"/>
+              </a:rPr>
+              <a:t>the</a:t>
+            </a:r>
+            <a:r>
+              <a:rPr lang="pt-PT" sz="2400" dirty="0">
+                <a:latin typeface="Century Schoolbook" panose="02040604050505020304" pitchFamily="18" charset="0"/>
+              </a:rPr>
+              <a:t> </a:t>
+            </a:r>
+          </a:p>
+          <a:p>
+            <a:pPr marL="0" indent="0">
+              <a:buNone/>
+            </a:pPr>
+            <a:r>
+              <a:rPr lang="pt-PT" sz="2400" dirty="0" err="1">
+                <a:latin typeface="Century Schoolbook" panose="02040604050505020304" pitchFamily="18" charset="0"/>
+              </a:rPr>
+              <a:t>previous</a:t>
+            </a:r>
+            <a:r>
+              <a:rPr lang="pt-PT" sz="2400" dirty="0">
+                <a:latin typeface="Century Schoolbook" panose="02040604050505020304" pitchFamily="18" charset="0"/>
+              </a:rPr>
+              <a:t> </a:t>
+            </a:r>
+            <a:r>
+              <a:rPr lang="pt-PT" sz="2400" dirty="0" err="1">
+                <a:latin typeface="Century Schoolbook" panose="02040604050505020304" pitchFamily="18" charset="0"/>
+              </a:rPr>
+              <a:t>release</a:t>
+            </a:r>
+            <a:r>
+              <a:rPr lang="pt-PT" sz="2400" dirty="0">
+                <a:latin typeface="Century Schoolbook" panose="02040604050505020304" pitchFamily="18" charset="0"/>
+              </a:rPr>
+              <a:t>.</a:t>
+            </a:r>
+          </a:p>
+        </p:txBody>
+      </p:sp>
+      <p:sp>
+        <p:nvSpPr>
+          <p:cNvPr id="4" name="Rectangle 6">
+            <a:extLst>
+              <a:ext uri="{FF2B5EF4-FFF2-40B4-BE49-F238E27FC236}">
+                <a16:creationId xmlns:a16="http://schemas.microsoft.com/office/drawing/2014/main" id="{FEA15E21-415D-4FEF-87FC-E9F426BCFE3F}"/>
+              </a:ext>
+            </a:extLst>
+          </p:cNvPr>
+          <p:cNvSpPr/>
+          <p:nvPr/>
+        </p:nvSpPr>
+        <p:spPr>
+          <a:xfrm>
+            <a:off x="10479505" y="-1"/>
+            <a:ext cx="421106" cy="6858001"/>
+          </a:xfrm>
+          <a:prstGeom prst="rect">
+            <a:avLst/>
+          </a:prstGeom>
+          <a:solidFill>
+            <a:srgbClr val="98220B"/>
+          </a:solidFill>
+          <a:ln>
+            <a:noFill/>
+          </a:ln>
+        </p:spPr>
+        <p:style>
+          <a:lnRef idx="2">
+            <a:schemeClr val="accent1">
+              <a:shade val="50000"/>
+            </a:schemeClr>
+          </a:lnRef>
+          <a:fillRef idx="1">
+            <a:schemeClr val="accent1"/>
+          </a:fillRef>
+          <a:effectRef idx="0">
+            <a:schemeClr val="accent1"/>
+          </a:effectRef>
+          <a:fontRef idx="minor">
+            <a:schemeClr val="lt1"/>
+          </a:fontRef>
+        </p:style>
+        <p:txBody>
+          <a:bodyPr rtlCol="0" anchor="ctr"/>
+          <a:lstStyle/>
+          <a:p>
+            <a:pPr algn="ctr"/>
+            <a:endParaRPr lang="en-US"/>
+          </a:p>
+        </p:txBody>
+      </p:sp>
+      <p:pic>
+        <p:nvPicPr>
+          <p:cNvPr id="8" name="Imagem 7">
+            <a:extLst>
+              <a:ext uri="{FF2B5EF4-FFF2-40B4-BE49-F238E27FC236}">
+                <a16:creationId xmlns:a16="http://schemas.microsoft.com/office/drawing/2014/main" id="{CF73101B-5A8C-4AD7-9DAF-B57E1996E21B}"/>
+              </a:ext>
+            </a:extLst>
+          </p:cNvPr>
+          <p:cNvPicPr>
+            <a:picLocks noChangeAspect="1"/>
+          </p:cNvPicPr>
+          <p:nvPr/>
+        </p:nvPicPr>
+        <p:blipFill>
+          <a:blip r:embed="rId2"/>
+          <a:stretch>
+            <a:fillRect/>
+          </a:stretch>
+        </p:blipFill>
+        <p:spPr>
+          <a:xfrm>
+            <a:off x="5845721" y="2177791"/>
+            <a:ext cx="4633784" cy="4297150"/>
+          </a:xfrm>
+          <a:prstGeom prst="rect">
+            <a:avLst/>
+          </a:prstGeom>
+        </p:spPr>
+      </p:pic>
+    </p:spTree>
+    <p:extLst>
+      <p:ext uri="{BB962C8B-B14F-4D97-AF65-F5344CB8AC3E}">
+        <p14:creationId xmlns:p14="http://schemas.microsoft.com/office/powerpoint/2010/main" val="2601057902"/>
+      </p:ext>
+    </p:extLst>
+  </p:cSld>
+  <p:clrMapOvr>
+    <a:masterClrMapping/>
+  </p:clrMapOvr>
+</p:sld>
+</file>
+
+<file path=ppt/slides/slide2.xml><?xml version="1.0" encoding="utf-8"?>
+<p:sld xmlns:a="http://schemas.openxmlformats.org/drawingml/2006/main" xmlns:r="http://schemas.openxmlformats.org/officeDocument/2006/relationships" xmlns:p="http://schemas.openxmlformats.org/presentationml/2006/main">
+  <p:cSld>
+    <p:spTree>
+      <p:nvGrpSpPr>
+        <p:cNvPr id="1" name=""/>
+        <p:cNvGrpSpPr/>
+        <p:nvPr/>
+      </p:nvGrpSpPr>
+      <p:grpSpPr>
+        <a:xfrm>
+          <a:off x="0" y="0"/>
+          <a:ext cx="0" cy="0"/>
+          <a:chOff x="0" y="0"/>
+          <a:chExt cx="0" cy="0"/>
+        </a:xfrm>
+      </p:grpSpPr>
+      <p:sp>
+        <p:nvSpPr>
+          <p:cNvPr id="2" name="Title 1"/>
+          <p:cNvSpPr>
+            <a:spLocks noGrp="1"/>
+          </p:cNvSpPr>
+          <p:nvPr>
+            <p:ph type="title"/>
+          </p:nvPr>
+        </p:nvSpPr>
+        <p:spPr/>
+        <p:txBody>
+          <a:bodyPr>
+            <a:normAutofit/>
+          </a:bodyPr>
+          <a:lstStyle/>
+          <a:p>
+            <a:r>
+              <a:rPr lang="en-US" sz="2800" dirty="0">
+                <a:latin typeface="Century Schoolbook" panose="02040604050505020304" pitchFamily="18" charset="0"/>
+              </a:rPr>
+              <a:t>               </a:t>
+            </a:r>
+            <a:r>
+              <a:rPr lang="en-US" sz="2800" b="1" dirty="0">
+                <a:latin typeface="Century Schoolbook" panose="02040604050505020304" pitchFamily="18" charset="0"/>
+              </a:rPr>
+              <a:t>Unified Software Development Process</a:t>
+            </a:r>
+            <a:endParaRPr lang="en-US" sz="2800" dirty="0">
+              <a:latin typeface="Century Schoolbook" panose="02040604050505020304" pitchFamily="18" charset="0"/>
+            </a:endParaRPr>
+          </a:p>
+        </p:txBody>
+      </p:sp>
+      <p:sp>
+        <p:nvSpPr>
+          <p:cNvPr id="3" name="Content Placeholder 2"/>
+          <p:cNvSpPr>
+            <a:spLocks noGrp="1"/>
+          </p:cNvSpPr>
+          <p:nvPr>
+            <p:ph idx="1"/>
+          </p:nvPr>
+        </p:nvSpPr>
+        <p:spPr>
+          <a:xfrm>
+            <a:off x="838200" y="1825625"/>
+            <a:ext cx="10515600" cy="4351338"/>
+          </a:xfrm>
+        </p:spPr>
+        <p:txBody>
+          <a:bodyPr/>
+          <a:lstStyle/>
+          <a:p>
+            <a:r>
+              <a:rPr lang="en-US" dirty="0">
+                <a:latin typeface="Century Schoolbook" panose="02040604050505020304" pitchFamily="18" charset="0"/>
+              </a:rPr>
+              <a:t>The Four Phases:</a:t>
+            </a:r>
+          </a:p>
+          <a:p>
+            <a:pPr marL="971550" lvl="1" indent="-514350">
+              <a:buFont typeface="+mj-lt"/>
+              <a:buAutoNum type="arabicPeriod"/>
+            </a:pPr>
+            <a:r>
+              <a:rPr lang="en-US" sz="2800" dirty="0">
+                <a:latin typeface="Century Schoolbook" panose="02040604050505020304" pitchFamily="18" charset="0"/>
+              </a:rPr>
+              <a:t>Inception;</a:t>
+            </a:r>
+          </a:p>
+          <a:p>
+            <a:pPr marL="971550" lvl="1" indent="-514350">
+              <a:buFont typeface="+mj-lt"/>
+              <a:buAutoNum type="arabicPeriod"/>
+            </a:pPr>
+            <a:r>
+              <a:rPr lang="en-US" sz="2800" dirty="0">
+                <a:latin typeface="Century Schoolbook" panose="02040604050505020304" pitchFamily="18" charset="0"/>
+              </a:rPr>
+              <a:t>Elaboration;</a:t>
+            </a:r>
+          </a:p>
+          <a:p>
+            <a:pPr marL="971550" lvl="1" indent="-514350">
+              <a:buFont typeface="+mj-lt"/>
+              <a:buAutoNum type="arabicPeriod"/>
+            </a:pPr>
+            <a:r>
+              <a:rPr lang="en-US" sz="2800" dirty="0">
+                <a:latin typeface="Century Schoolbook" panose="02040604050505020304" pitchFamily="18" charset="0"/>
+              </a:rPr>
+              <a:t>Conception;</a:t>
+            </a:r>
+          </a:p>
+          <a:p>
+            <a:pPr marL="971550" lvl="1" indent="-514350">
+              <a:buFont typeface="+mj-lt"/>
+              <a:buAutoNum type="arabicPeriod"/>
+            </a:pPr>
+            <a:r>
+              <a:rPr lang="en-US" sz="2800" dirty="0">
+                <a:latin typeface="Century Schoolbook" panose="02040604050505020304" pitchFamily="18" charset="0"/>
+              </a:rPr>
+              <a:t>Transition.</a:t>
+            </a:r>
+          </a:p>
+          <a:p>
+            <a:endParaRPr lang="en-US" dirty="0">
+              <a:latin typeface="Century Schoolbook" panose="02040604050505020304" pitchFamily="18" charset="0"/>
+            </a:endParaRPr>
+          </a:p>
+          <a:p>
+            <a:r>
+              <a:rPr lang="en-US" dirty="0">
+                <a:latin typeface="Century Schoolbook" panose="02040604050505020304" pitchFamily="18" charset="0"/>
+              </a:rPr>
+              <a:t>Characteristics</a:t>
+            </a:r>
+          </a:p>
+        </p:txBody>
+      </p:sp>
+      <p:sp>
+        <p:nvSpPr>
+          <p:cNvPr id="4" name="Rectangle 6">
+            <a:extLst>
+              <a:ext uri="{FF2B5EF4-FFF2-40B4-BE49-F238E27FC236}">
+                <a16:creationId xmlns:a16="http://schemas.microsoft.com/office/drawing/2014/main" id="{BC55D891-435B-470C-905B-75E27C130853}"/>
+              </a:ext>
+            </a:extLst>
+          </p:cNvPr>
+          <p:cNvSpPr/>
+          <p:nvPr/>
+        </p:nvSpPr>
+        <p:spPr>
+          <a:xfrm>
+            <a:off x="10479505" y="-1"/>
+            <a:ext cx="421106" cy="6858001"/>
+          </a:xfrm>
+          <a:prstGeom prst="rect">
+            <a:avLst/>
+          </a:prstGeom>
+          <a:solidFill>
+            <a:srgbClr val="98220B"/>
+          </a:solidFill>
+          <a:ln>
+            <a:noFill/>
+          </a:ln>
+        </p:spPr>
+        <p:style>
+          <a:lnRef idx="2">
+            <a:schemeClr val="accent1">
+              <a:shade val="50000"/>
+            </a:schemeClr>
+          </a:lnRef>
+          <a:fillRef idx="1">
+            <a:schemeClr val="accent1"/>
+          </a:fillRef>
+          <a:effectRef idx="0">
+            <a:schemeClr val="accent1"/>
+          </a:effectRef>
+          <a:fontRef idx="minor">
+            <a:schemeClr val="lt1"/>
+          </a:fontRef>
+        </p:style>
+        <p:txBody>
+          <a:bodyPr rtlCol="0" anchor="ctr"/>
+          <a:lstStyle/>
+          <a:p>
+            <a:pPr algn="ctr"/>
             <a:endParaRPr lang="en-US"/>
           </a:p>
         </p:txBody>
@@ -3566,13 +7185,4905 @@
   <p:clrMapOvr>
     <a:masterClrMapping/>
   </p:clrMapOvr>
-  <p:timing>
-    <p:tnLst>
-      <p:par>
-        <p:cTn id="1" dur="indefinite" restart="never" nodeType="tmRoot"/>
-      </p:par>
-    </p:tnLst>
-  </p:timing>
+</p:sld>
+</file>
+
+<file path=ppt/slides/slide20.xml><?xml version="1.0" encoding="utf-8"?>
+<p:sld xmlns:a="http://schemas.openxmlformats.org/drawingml/2006/main" xmlns:r="http://schemas.openxmlformats.org/officeDocument/2006/relationships" xmlns:p="http://schemas.openxmlformats.org/presentationml/2006/main">
+  <p:cSld>
+    <p:spTree>
+      <p:nvGrpSpPr>
+        <p:cNvPr id="1" name=""/>
+        <p:cNvGrpSpPr/>
+        <p:nvPr/>
+      </p:nvGrpSpPr>
+      <p:grpSpPr>
+        <a:xfrm>
+          <a:off x="0" y="0"/>
+          <a:ext cx="0" cy="0"/>
+          <a:chOff x="0" y="0"/>
+          <a:chExt cx="0" cy="0"/>
+        </a:xfrm>
+      </p:grpSpPr>
+      <p:sp>
+        <p:nvSpPr>
+          <p:cNvPr id="2" name="Título 1">
+            <a:extLst>
+              <a:ext uri="{FF2B5EF4-FFF2-40B4-BE49-F238E27FC236}">
+                <a16:creationId xmlns:a16="http://schemas.microsoft.com/office/drawing/2014/main" id="{E4F20E64-7394-451C-AD6A-E170041F82F0}"/>
+              </a:ext>
+            </a:extLst>
+          </p:cNvPr>
+          <p:cNvSpPr>
+            <a:spLocks noGrp="1"/>
+          </p:cNvSpPr>
+          <p:nvPr>
+            <p:ph type="ctrTitle"/>
+          </p:nvPr>
+        </p:nvSpPr>
+        <p:spPr>
+          <a:xfrm>
+            <a:off x="1341120" y="2543694"/>
+            <a:ext cx="9144000" cy="1381905"/>
+          </a:xfrm>
+        </p:spPr>
+        <p:txBody>
+          <a:bodyPr/>
+          <a:lstStyle/>
+          <a:p>
+            <a:r>
+              <a:rPr lang="pt-PT" dirty="0">
+                <a:latin typeface="Century Schoolbook" panose="02040604050505020304" pitchFamily="18" charset="0"/>
+              </a:rPr>
+              <a:t>Use-case </a:t>
+            </a:r>
+            <a:r>
+              <a:rPr lang="pt-PT" dirty="0" err="1">
+                <a:latin typeface="Century Schoolbook" panose="02040604050505020304" pitchFamily="18" charset="0"/>
+              </a:rPr>
+              <a:t>driven</a:t>
+            </a:r>
+            <a:endParaRPr lang="pt-PT" dirty="0"/>
+          </a:p>
+        </p:txBody>
+      </p:sp>
+      <p:sp>
+        <p:nvSpPr>
+          <p:cNvPr id="4" name="Rectangle 6">
+            <a:extLst>
+              <a:ext uri="{FF2B5EF4-FFF2-40B4-BE49-F238E27FC236}">
+                <a16:creationId xmlns:a16="http://schemas.microsoft.com/office/drawing/2014/main" id="{2A7764E9-64D2-460E-A2A3-2D190617D535}"/>
+              </a:ext>
+            </a:extLst>
+          </p:cNvPr>
+          <p:cNvSpPr/>
+          <p:nvPr/>
+        </p:nvSpPr>
+        <p:spPr>
+          <a:xfrm>
+            <a:off x="10479505" y="-1"/>
+            <a:ext cx="421106" cy="6858001"/>
+          </a:xfrm>
+          <a:prstGeom prst="rect">
+            <a:avLst/>
+          </a:prstGeom>
+          <a:solidFill>
+            <a:srgbClr val="98220B"/>
+          </a:solidFill>
+          <a:ln>
+            <a:noFill/>
+          </a:ln>
+        </p:spPr>
+        <p:style>
+          <a:lnRef idx="2">
+            <a:schemeClr val="accent1">
+              <a:shade val="50000"/>
+            </a:schemeClr>
+          </a:lnRef>
+          <a:fillRef idx="1">
+            <a:schemeClr val="accent1"/>
+          </a:fillRef>
+          <a:effectRef idx="0">
+            <a:schemeClr val="accent1"/>
+          </a:effectRef>
+          <a:fontRef idx="minor">
+            <a:schemeClr val="lt1"/>
+          </a:fontRef>
+        </p:style>
+        <p:txBody>
+          <a:bodyPr rtlCol="0" anchor="ctr"/>
+          <a:lstStyle/>
+          <a:p>
+            <a:pPr algn="ctr"/>
+            <a:endParaRPr lang="en-US"/>
+          </a:p>
+        </p:txBody>
+      </p:sp>
+    </p:spTree>
+    <p:extLst>
+      <p:ext uri="{BB962C8B-B14F-4D97-AF65-F5344CB8AC3E}">
+        <p14:creationId xmlns:p14="http://schemas.microsoft.com/office/powerpoint/2010/main" val="3028359968"/>
+      </p:ext>
+    </p:extLst>
+  </p:cSld>
+  <p:clrMapOvr>
+    <a:masterClrMapping/>
+  </p:clrMapOvr>
+</p:sld>
+</file>
+
+<file path=ppt/slides/slide21.xml><?xml version="1.0" encoding="utf-8"?>
+<p:sld xmlns:a="http://schemas.openxmlformats.org/drawingml/2006/main" xmlns:r="http://schemas.openxmlformats.org/officeDocument/2006/relationships" xmlns:p="http://schemas.openxmlformats.org/presentationml/2006/main">
+  <p:cSld>
+    <p:spTree>
+      <p:nvGrpSpPr>
+        <p:cNvPr id="1" name=""/>
+        <p:cNvGrpSpPr/>
+        <p:nvPr/>
+      </p:nvGrpSpPr>
+      <p:grpSpPr>
+        <a:xfrm>
+          <a:off x="0" y="0"/>
+          <a:ext cx="0" cy="0"/>
+          <a:chOff x="0" y="0"/>
+          <a:chExt cx="0" cy="0"/>
+        </a:xfrm>
+      </p:grpSpPr>
+      <p:sp>
+        <p:nvSpPr>
+          <p:cNvPr id="2" name="Título 1">
+            <a:extLst>
+              <a:ext uri="{FF2B5EF4-FFF2-40B4-BE49-F238E27FC236}">
+                <a16:creationId xmlns:a16="http://schemas.microsoft.com/office/drawing/2014/main" id="{F070B478-2A8F-4A97-823A-506638CCE332}"/>
+              </a:ext>
+            </a:extLst>
+          </p:cNvPr>
+          <p:cNvSpPr>
+            <a:spLocks noGrp="1"/>
+          </p:cNvSpPr>
+          <p:nvPr>
+            <p:ph type="title"/>
+          </p:nvPr>
+        </p:nvSpPr>
+        <p:spPr/>
+        <p:txBody>
+          <a:bodyPr/>
+          <a:lstStyle/>
+          <a:p>
+            <a:pPr algn="ctr"/>
+            <a:r>
+              <a:rPr lang="pt-PT" dirty="0">
+                <a:latin typeface="Century Schoolbook" panose="02040604050505020304" pitchFamily="18" charset="0"/>
+              </a:rPr>
+              <a:t>Use-case </a:t>
+            </a:r>
+            <a:r>
+              <a:rPr lang="pt-PT" dirty="0" err="1">
+                <a:latin typeface="Century Schoolbook" panose="02040604050505020304" pitchFamily="18" charset="0"/>
+              </a:rPr>
+              <a:t>driven</a:t>
+            </a:r>
+            <a:endParaRPr lang="pt-PT" dirty="0"/>
+          </a:p>
+        </p:txBody>
+      </p:sp>
+      <p:sp>
+        <p:nvSpPr>
+          <p:cNvPr id="3" name="Marcador de Posição de Conteúdo 2">
+            <a:extLst>
+              <a:ext uri="{FF2B5EF4-FFF2-40B4-BE49-F238E27FC236}">
+                <a16:creationId xmlns:a16="http://schemas.microsoft.com/office/drawing/2014/main" id="{EA613663-1D55-46C9-8765-45625CD7D090}"/>
+              </a:ext>
+            </a:extLst>
+          </p:cNvPr>
+          <p:cNvSpPr>
+            <a:spLocks noGrp="1"/>
+          </p:cNvSpPr>
+          <p:nvPr>
+            <p:ph sz="half" idx="1"/>
+          </p:nvPr>
+        </p:nvSpPr>
+        <p:spPr/>
+        <p:txBody>
+          <a:bodyPr/>
+          <a:lstStyle/>
+          <a:p>
+            <a:r>
+              <a:rPr lang="pt-PT" dirty="0" err="1"/>
+              <a:t>Used</a:t>
+            </a:r>
+            <a:r>
+              <a:rPr lang="pt-PT" dirty="0"/>
+              <a:t> to capture </a:t>
+            </a:r>
+            <a:r>
+              <a:rPr lang="pt-PT" dirty="0" err="1"/>
+              <a:t>functional</a:t>
+            </a:r>
+            <a:r>
+              <a:rPr lang="pt-PT" dirty="0"/>
+              <a:t> </a:t>
+            </a:r>
+            <a:r>
+              <a:rPr lang="pt-PT" dirty="0" err="1"/>
+              <a:t>requirements</a:t>
+            </a:r>
+            <a:r>
+              <a:rPr lang="pt-PT" dirty="0"/>
+              <a:t>;</a:t>
+            </a:r>
+          </a:p>
+          <a:p>
+            <a:r>
+              <a:rPr lang="pt-PT" dirty="0"/>
+              <a:t>Refine </a:t>
+            </a:r>
+            <a:r>
+              <a:rPr lang="pt-PT" dirty="0" err="1"/>
+              <a:t>the</a:t>
+            </a:r>
+            <a:r>
+              <a:rPr lang="pt-PT" dirty="0"/>
+              <a:t> </a:t>
+            </a:r>
+            <a:r>
+              <a:rPr lang="pt-PT" u="sng" dirty="0" err="1"/>
+              <a:t>content</a:t>
+            </a:r>
+            <a:r>
+              <a:rPr lang="pt-PT" dirty="0"/>
+              <a:t> </a:t>
+            </a:r>
+            <a:r>
+              <a:rPr lang="pt-PT" dirty="0" err="1"/>
+              <a:t>of</a:t>
+            </a:r>
+            <a:r>
+              <a:rPr lang="pt-PT" dirty="0"/>
+              <a:t> </a:t>
+            </a:r>
+            <a:r>
+              <a:rPr lang="pt-PT" dirty="0" err="1"/>
+              <a:t>the</a:t>
+            </a:r>
+            <a:r>
+              <a:rPr lang="pt-PT" dirty="0"/>
+              <a:t> </a:t>
+            </a:r>
+            <a:r>
+              <a:rPr lang="pt-PT" dirty="0" err="1"/>
+              <a:t>iterations</a:t>
+            </a:r>
+            <a:r>
+              <a:rPr lang="pt-PT" dirty="0"/>
+              <a:t>;</a:t>
+            </a:r>
+          </a:p>
+          <a:p>
+            <a:r>
+              <a:rPr lang="pt-PT" dirty="0"/>
+              <a:t>Set </a:t>
+            </a:r>
+            <a:r>
+              <a:rPr lang="pt-PT" dirty="0" err="1"/>
+              <a:t>of</a:t>
+            </a:r>
+            <a:r>
+              <a:rPr lang="pt-PT" dirty="0"/>
+              <a:t> use cases </a:t>
+            </a:r>
+            <a:r>
+              <a:rPr lang="pt-PT" dirty="0" err="1"/>
+              <a:t>or</a:t>
+            </a:r>
+            <a:r>
+              <a:rPr lang="pt-PT" dirty="0"/>
+              <a:t> </a:t>
+            </a:r>
+            <a:r>
+              <a:rPr lang="pt-PT" dirty="0" err="1"/>
+              <a:t>requirements</a:t>
+            </a:r>
+            <a:r>
+              <a:rPr lang="pt-PT" dirty="0"/>
+              <a:t> </a:t>
+            </a:r>
+            <a:r>
+              <a:rPr lang="pt-PT" dirty="0" err="1"/>
+              <a:t>scenarios</a:t>
+            </a:r>
+            <a:r>
+              <a:rPr lang="pt-PT" dirty="0"/>
+              <a:t>.</a:t>
+            </a:r>
+          </a:p>
+        </p:txBody>
+      </p:sp>
+      <p:pic>
+        <p:nvPicPr>
+          <p:cNvPr id="7" name="Marcador de Posição de Conteúdo 6">
+            <a:extLst>
+              <a:ext uri="{FF2B5EF4-FFF2-40B4-BE49-F238E27FC236}">
+                <a16:creationId xmlns:a16="http://schemas.microsoft.com/office/drawing/2014/main" id="{F78277D8-38BB-4D8B-82DE-C680351417B1}"/>
+              </a:ext>
+            </a:extLst>
+          </p:cNvPr>
+          <p:cNvPicPr>
+            <a:picLocks noGrp="1" noChangeAspect="1"/>
+          </p:cNvPicPr>
+          <p:nvPr>
+            <p:ph sz="half" idx="2"/>
+          </p:nvPr>
+        </p:nvPicPr>
+        <p:blipFill>
+          <a:blip r:embed="rId2"/>
+          <a:stretch>
+            <a:fillRect/>
+          </a:stretch>
+        </p:blipFill>
+        <p:spPr>
+          <a:xfrm>
+            <a:off x="6096000" y="2058194"/>
+            <a:ext cx="5181600" cy="3886200"/>
+          </a:xfrm>
+        </p:spPr>
+      </p:pic>
+      <p:sp>
+        <p:nvSpPr>
+          <p:cNvPr id="5" name="Rectangle 6">
+            <a:extLst>
+              <a:ext uri="{FF2B5EF4-FFF2-40B4-BE49-F238E27FC236}">
+                <a16:creationId xmlns:a16="http://schemas.microsoft.com/office/drawing/2014/main" id="{4C25B240-78E5-482E-B7A5-747825EBC1FF}"/>
+              </a:ext>
+            </a:extLst>
+          </p:cNvPr>
+          <p:cNvSpPr/>
+          <p:nvPr/>
+        </p:nvSpPr>
+        <p:spPr>
+          <a:xfrm>
+            <a:off x="10479505" y="-1"/>
+            <a:ext cx="421106" cy="6858001"/>
+          </a:xfrm>
+          <a:prstGeom prst="rect">
+            <a:avLst/>
+          </a:prstGeom>
+          <a:solidFill>
+            <a:srgbClr val="98220B"/>
+          </a:solidFill>
+          <a:ln>
+            <a:noFill/>
+          </a:ln>
+        </p:spPr>
+        <p:style>
+          <a:lnRef idx="2">
+            <a:schemeClr val="accent1">
+              <a:shade val="50000"/>
+            </a:schemeClr>
+          </a:lnRef>
+          <a:fillRef idx="1">
+            <a:schemeClr val="accent1"/>
+          </a:fillRef>
+          <a:effectRef idx="0">
+            <a:schemeClr val="accent1"/>
+          </a:effectRef>
+          <a:fontRef idx="minor">
+            <a:schemeClr val="lt1"/>
+          </a:fontRef>
+        </p:style>
+        <p:txBody>
+          <a:bodyPr rtlCol="0" anchor="ctr"/>
+          <a:lstStyle/>
+          <a:p>
+            <a:pPr algn="ctr"/>
+            <a:endParaRPr lang="en-US"/>
+          </a:p>
+        </p:txBody>
+      </p:sp>
+    </p:spTree>
+    <p:extLst>
+      <p:ext uri="{BB962C8B-B14F-4D97-AF65-F5344CB8AC3E}">
+        <p14:creationId xmlns:p14="http://schemas.microsoft.com/office/powerpoint/2010/main" val="1315313880"/>
+      </p:ext>
+    </p:extLst>
+  </p:cSld>
+  <p:clrMapOvr>
+    <a:masterClrMapping/>
+  </p:clrMapOvr>
+</p:sld>
+</file>
+
+<file path=ppt/slides/slide22.xml><?xml version="1.0" encoding="utf-8"?>
+<p:sld xmlns:a="http://schemas.openxmlformats.org/drawingml/2006/main" xmlns:r="http://schemas.openxmlformats.org/officeDocument/2006/relationships" xmlns:p="http://schemas.openxmlformats.org/presentationml/2006/main">
+  <p:cSld>
+    <p:spTree>
+      <p:nvGrpSpPr>
+        <p:cNvPr id="1" name=""/>
+        <p:cNvGrpSpPr/>
+        <p:nvPr/>
+      </p:nvGrpSpPr>
+      <p:grpSpPr>
+        <a:xfrm>
+          <a:off x="0" y="0"/>
+          <a:ext cx="0" cy="0"/>
+          <a:chOff x="0" y="0"/>
+          <a:chExt cx="0" cy="0"/>
+        </a:xfrm>
+      </p:grpSpPr>
+      <p:sp>
+        <p:nvSpPr>
+          <p:cNvPr id="2" name="Título 1">
+            <a:extLst>
+              <a:ext uri="{FF2B5EF4-FFF2-40B4-BE49-F238E27FC236}">
+                <a16:creationId xmlns:a16="http://schemas.microsoft.com/office/drawing/2014/main" id="{BA3725F2-535D-4C81-A977-E356AF3DD8F4}"/>
+              </a:ext>
+            </a:extLst>
+          </p:cNvPr>
+          <p:cNvSpPr>
+            <a:spLocks noGrp="1"/>
+          </p:cNvSpPr>
+          <p:nvPr>
+            <p:ph type="ctrTitle"/>
+          </p:nvPr>
+        </p:nvSpPr>
+        <p:spPr>
+          <a:xfrm>
+            <a:off x="1524000" y="1662546"/>
+            <a:ext cx="9144000" cy="2244436"/>
+          </a:xfrm>
+        </p:spPr>
+        <p:txBody>
+          <a:bodyPr/>
+          <a:lstStyle/>
+          <a:p>
+            <a:r>
+              <a:rPr lang="pt-PT" dirty="0" err="1">
+                <a:latin typeface="Century Schoolbook" panose="02040604050505020304" pitchFamily="18" charset="0"/>
+              </a:rPr>
+              <a:t>Architecture-centric</a:t>
+            </a:r>
+            <a:endParaRPr lang="pt-PT" dirty="0"/>
+          </a:p>
+        </p:txBody>
+      </p:sp>
+      <p:sp>
+        <p:nvSpPr>
+          <p:cNvPr id="4" name="Rectangle 6">
+            <a:extLst>
+              <a:ext uri="{FF2B5EF4-FFF2-40B4-BE49-F238E27FC236}">
+                <a16:creationId xmlns:a16="http://schemas.microsoft.com/office/drawing/2014/main" id="{7A8C8A6A-435F-4BBC-A6EB-4A80C2C780E7}"/>
+              </a:ext>
+            </a:extLst>
+          </p:cNvPr>
+          <p:cNvSpPr/>
+          <p:nvPr/>
+        </p:nvSpPr>
+        <p:spPr>
+          <a:xfrm>
+            <a:off x="10479505" y="-1"/>
+            <a:ext cx="421106" cy="6858001"/>
+          </a:xfrm>
+          <a:prstGeom prst="rect">
+            <a:avLst/>
+          </a:prstGeom>
+          <a:solidFill>
+            <a:srgbClr val="98220B"/>
+          </a:solidFill>
+          <a:ln>
+            <a:noFill/>
+          </a:ln>
+        </p:spPr>
+        <p:style>
+          <a:lnRef idx="2">
+            <a:schemeClr val="accent1">
+              <a:shade val="50000"/>
+            </a:schemeClr>
+          </a:lnRef>
+          <a:fillRef idx="1">
+            <a:schemeClr val="accent1"/>
+          </a:fillRef>
+          <a:effectRef idx="0">
+            <a:schemeClr val="accent1"/>
+          </a:effectRef>
+          <a:fontRef idx="minor">
+            <a:schemeClr val="lt1"/>
+          </a:fontRef>
+        </p:style>
+        <p:txBody>
+          <a:bodyPr rtlCol="0" anchor="ctr"/>
+          <a:lstStyle/>
+          <a:p>
+            <a:pPr algn="ctr"/>
+            <a:endParaRPr lang="en-US"/>
+          </a:p>
+        </p:txBody>
+      </p:sp>
+    </p:spTree>
+    <p:extLst>
+      <p:ext uri="{BB962C8B-B14F-4D97-AF65-F5344CB8AC3E}">
+        <p14:creationId xmlns:p14="http://schemas.microsoft.com/office/powerpoint/2010/main" val="2775931952"/>
+      </p:ext>
+    </p:extLst>
+  </p:cSld>
+  <p:clrMapOvr>
+    <a:masterClrMapping/>
+  </p:clrMapOvr>
+</p:sld>
+</file>
+
+<file path=ppt/slides/slide23.xml><?xml version="1.0" encoding="utf-8"?>
+<p:sld xmlns:a="http://schemas.openxmlformats.org/drawingml/2006/main" xmlns:r="http://schemas.openxmlformats.org/officeDocument/2006/relationships" xmlns:p="http://schemas.openxmlformats.org/presentationml/2006/main">
+  <p:cSld>
+    <p:spTree>
+      <p:nvGrpSpPr>
+        <p:cNvPr id="1" name=""/>
+        <p:cNvGrpSpPr/>
+        <p:nvPr/>
+      </p:nvGrpSpPr>
+      <p:grpSpPr>
+        <a:xfrm>
+          <a:off x="0" y="0"/>
+          <a:ext cx="0" cy="0"/>
+          <a:chOff x="0" y="0"/>
+          <a:chExt cx="0" cy="0"/>
+        </a:xfrm>
+      </p:grpSpPr>
+      <p:sp>
+        <p:nvSpPr>
+          <p:cNvPr id="2" name="Título 1">
+            <a:extLst>
+              <a:ext uri="{FF2B5EF4-FFF2-40B4-BE49-F238E27FC236}">
+                <a16:creationId xmlns:a16="http://schemas.microsoft.com/office/drawing/2014/main" id="{47EE9427-777E-492E-8C02-59599A77A891}"/>
+              </a:ext>
+            </a:extLst>
+          </p:cNvPr>
+          <p:cNvSpPr>
+            <a:spLocks noGrp="1"/>
+          </p:cNvSpPr>
+          <p:nvPr>
+            <p:ph type="title"/>
+          </p:nvPr>
+        </p:nvSpPr>
+        <p:spPr/>
+        <p:txBody>
+          <a:bodyPr/>
+          <a:lstStyle/>
+          <a:p>
+            <a:pPr algn="ctr"/>
+            <a:r>
+              <a:rPr lang="pt-PT" dirty="0" err="1">
+                <a:latin typeface="Century Schoolbook" panose="02040604050505020304" pitchFamily="18" charset="0"/>
+              </a:rPr>
+              <a:t>Architecture-centric</a:t>
+            </a:r>
+            <a:endParaRPr lang="pt-PT" dirty="0"/>
+          </a:p>
+        </p:txBody>
+      </p:sp>
+      <p:sp>
+        <p:nvSpPr>
+          <p:cNvPr id="3" name="Marcador de Posição de Conteúdo 2">
+            <a:extLst>
+              <a:ext uri="{FF2B5EF4-FFF2-40B4-BE49-F238E27FC236}">
+                <a16:creationId xmlns:a16="http://schemas.microsoft.com/office/drawing/2014/main" id="{09BEC37F-E130-4943-B37B-F5B831D64AC4}"/>
+              </a:ext>
+            </a:extLst>
+          </p:cNvPr>
+          <p:cNvSpPr>
+            <a:spLocks noGrp="1"/>
+          </p:cNvSpPr>
+          <p:nvPr>
+            <p:ph idx="1"/>
+          </p:nvPr>
+        </p:nvSpPr>
+        <p:spPr/>
+        <p:txBody>
+          <a:bodyPr>
+            <a:normAutofit/>
+          </a:bodyPr>
+          <a:lstStyle/>
+          <a:p>
+            <a:pPr marL="0" indent="0">
+              <a:buNone/>
+            </a:pPr>
+            <a:r>
+              <a:rPr lang="pt-PT" sz="2400" dirty="0" err="1">
+                <a:latin typeface="Century Schoolbook" panose="02040604050505020304" pitchFamily="18" charset="0"/>
+              </a:rPr>
+              <a:t>Since</a:t>
+            </a:r>
+            <a:r>
+              <a:rPr lang="pt-PT" sz="2400" dirty="0">
+                <a:latin typeface="Century Schoolbook" panose="02040604050505020304" pitchFamily="18" charset="0"/>
+              </a:rPr>
+              <a:t> no single </a:t>
+            </a:r>
+            <a:r>
+              <a:rPr lang="pt-PT" sz="2400" dirty="0" err="1">
+                <a:latin typeface="Century Schoolbook" panose="02040604050505020304" pitchFamily="18" charset="0"/>
+              </a:rPr>
+              <a:t>model</a:t>
+            </a:r>
+            <a:r>
+              <a:rPr lang="pt-PT" sz="2400" dirty="0">
+                <a:latin typeface="Century Schoolbook" panose="02040604050505020304" pitchFamily="18" charset="0"/>
+              </a:rPr>
+              <a:t> </a:t>
+            </a:r>
+            <a:r>
+              <a:rPr lang="pt-PT" sz="2400" dirty="0" err="1">
+                <a:latin typeface="Century Schoolbook" panose="02040604050505020304" pitchFamily="18" charset="0"/>
+              </a:rPr>
+              <a:t>is</a:t>
+            </a:r>
+            <a:r>
+              <a:rPr lang="pt-PT" sz="2400" dirty="0">
+                <a:latin typeface="Century Schoolbook" panose="02040604050505020304" pitchFamily="18" charset="0"/>
+              </a:rPr>
+              <a:t> suficiente to cover </a:t>
+            </a:r>
+            <a:r>
+              <a:rPr lang="pt-PT" sz="2400" dirty="0" err="1">
+                <a:latin typeface="Century Schoolbook" panose="02040604050505020304" pitchFamily="18" charset="0"/>
+              </a:rPr>
+              <a:t>all</a:t>
+            </a:r>
+            <a:r>
+              <a:rPr lang="pt-PT" sz="2400" dirty="0">
+                <a:latin typeface="Century Schoolbook" panose="02040604050505020304" pitchFamily="18" charset="0"/>
+              </a:rPr>
+              <a:t> </a:t>
+            </a:r>
+            <a:r>
+              <a:rPr lang="pt-PT" sz="2400" dirty="0" err="1">
+                <a:latin typeface="Century Schoolbook" panose="02040604050505020304" pitchFamily="18" charset="0"/>
+              </a:rPr>
+              <a:t>aspects</a:t>
+            </a:r>
+            <a:r>
+              <a:rPr lang="pt-PT" sz="2400" dirty="0">
+                <a:latin typeface="Century Schoolbook" panose="02040604050505020304" pitchFamily="18" charset="0"/>
+              </a:rPr>
+              <a:t> </a:t>
+            </a:r>
+            <a:r>
+              <a:rPr lang="pt-PT" sz="2400" dirty="0" err="1">
+                <a:latin typeface="Century Schoolbook" panose="02040604050505020304" pitchFamily="18" charset="0"/>
+              </a:rPr>
+              <a:t>of</a:t>
+            </a:r>
+            <a:r>
+              <a:rPr lang="pt-PT" sz="2400" dirty="0">
+                <a:latin typeface="Century Schoolbook" panose="02040604050505020304" pitchFamily="18" charset="0"/>
+              </a:rPr>
+              <a:t> a </a:t>
+            </a:r>
+            <a:r>
+              <a:rPr lang="pt-PT" sz="2400" dirty="0" err="1">
+                <a:latin typeface="Century Schoolbook" panose="02040604050505020304" pitchFamily="18" charset="0"/>
+              </a:rPr>
+              <a:t>system</a:t>
+            </a:r>
+            <a:r>
+              <a:rPr lang="pt-PT" sz="2400" dirty="0">
+                <a:latin typeface="Century Schoolbook" panose="02040604050505020304" pitchFamily="18" charset="0"/>
+              </a:rPr>
+              <a:t>,</a:t>
+            </a:r>
+          </a:p>
+          <a:p>
+            <a:pPr marL="0" indent="0">
+              <a:buNone/>
+            </a:pPr>
+            <a:r>
+              <a:rPr lang="pt-PT" sz="2400" dirty="0">
+                <a:latin typeface="Century Schoolbook" panose="02040604050505020304" pitchFamily="18" charset="0"/>
+              </a:rPr>
+              <a:t> </a:t>
+            </a:r>
+            <a:r>
+              <a:rPr lang="pt-PT" sz="2400" dirty="0" err="1">
+                <a:latin typeface="Century Schoolbook" panose="02040604050505020304" pitchFamily="18" charset="0"/>
+              </a:rPr>
+              <a:t>the</a:t>
+            </a:r>
+            <a:r>
+              <a:rPr lang="pt-PT" sz="2400" dirty="0">
+                <a:latin typeface="Century Schoolbook" panose="02040604050505020304" pitchFamily="18" charset="0"/>
+              </a:rPr>
+              <a:t> </a:t>
+            </a:r>
+            <a:r>
+              <a:rPr lang="pt-PT" sz="2400" dirty="0" err="1">
+                <a:latin typeface="Century Schoolbook" panose="02040604050505020304" pitchFamily="18" charset="0"/>
+              </a:rPr>
+              <a:t>Unified</a:t>
+            </a:r>
+            <a:r>
+              <a:rPr lang="pt-PT" sz="2400" dirty="0">
+                <a:latin typeface="Century Schoolbook" panose="02040604050505020304" pitchFamily="18" charset="0"/>
+              </a:rPr>
+              <a:t> </a:t>
+            </a:r>
+            <a:r>
+              <a:rPr lang="pt-PT" sz="2400" dirty="0" err="1">
+                <a:latin typeface="Century Schoolbook" panose="02040604050505020304" pitchFamily="18" charset="0"/>
+              </a:rPr>
+              <a:t>Process</a:t>
+            </a:r>
+            <a:r>
+              <a:rPr lang="pt-PT" sz="2400" dirty="0">
+                <a:latin typeface="Century Schoolbook" panose="02040604050505020304" pitchFamily="18" charset="0"/>
+              </a:rPr>
+              <a:t> </a:t>
+            </a:r>
+            <a:r>
+              <a:rPr lang="pt-PT" sz="2400" dirty="0" err="1">
+                <a:latin typeface="Century Schoolbook" panose="02040604050505020304" pitchFamily="18" charset="0"/>
+              </a:rPr>
+              <a:t>supports</a:t>
+            </a:r>
+            <a:r>
+              <a:rPr lang="pt-PT" sz="2400" dirty="0">
+                <a:latin typeface="Century Schoolbook" panose="02040604050505020304" pitchFamily="18" charset="0"/>
+              </a:rPr>
+              <a:t> </a:t>
+            </a:r>
+            <a:r>
+              <a:rPr lang="pt-PT" sz="2400" dirty="0" err="1">
+                <a:latin typeface="Century Schoolbook" panose="02040604050505020304" pitchFamily="18" charset="0"/>
+              </a:rPr>
+              <a:t>multiple</a:t>
+            </a:r>
+            <a:r>
+              <a:rPr lang="pt-PT" sz="2400" dirty="0">
+                <a:latin typeface="Century Schoolbook" panose="02040604050505020304" pitchFamily="18" charset="0"/>
+              </a:rPr>
+              <a:t> </a:t>
+            </a:r>
+            <a:r>
+              <a:rPr lang="pt-PT" sz="2400" dirty="0" err="1">
+                <a:latin typeface="Century Schoolbook" panose="02040604050505020304" pitchFamily="18" charset="0"/>
+              </a:rPr>
+              <a:t>architectural</a:t>
+            </a:r>
+            <a:r>
+              <a:rPr lang="pt-PT" sz="2400" dirty="0">
+                <a:latin typeface="Century Schoolbook" panose="02040604050505020304" pitchFamily="18" charset="0"/>
+              </a:rPr>
+              <a:t> </a:t>
+            </a:r>
+            <a:r>
+              <a:rPr lang="pt-PT" sz="2400" dirty="0" err="1">
+                <a:latin typeface="Century Schoolbook" panose="02040604050505020304" pitchFamily="18" charset="0"/>
+              </a:rPr>
+              <a:t>models</a:t>
+            </a:r>
+            <a:r>
+              <a:rPr lang="pt-PT" sz="2400" dirty="0">
+                <a:latin typeface="Century Schoolbook" panose="02040604050505020304" pitchFamily="18" charset="0"/>
+              </a:rPr>
+              <a:t> </a:t>
+            </a:r>
+          </a:p>
+          <a:p>
+            <a:pPr marL="0" indent="0">
+              <a:buNone/>
+            </a:pPr>
+            <a:r>
+              <a:rPr lang="pt-PT" sz="2400" dirty="0" err="1">
+                <a:latin typeface="Century Schoolbook" panose="02040604050505020304" pitchFamily="18" charset="0"/>
+              </a:rPr>
+              <a:t>and</a:t>
+            </a:r>
+            <a:r>
+              <a:rPr lang="pt-PT" sz="2400" dirty="0">
+                <a:latin typeface="Century Schoolbook" panose="02040604050505020304" pitchFamily="18" charset="0"/>
+              </a:rPr>
+              <a:t> </a:t>
+            </a:r>
+            <a:r>
+              <a:rPr lang="pt-PT" sz="2400" dirty="0" err="1">
+                <a:latin typeface="Century Schoolbook" panose="02040604050505020304" pitchFamily="18" charset="0"/>
+              </a:rPr>
+              <a:t>views</a:t>
+            </a:r>
+            <a:r>
+              <a:rPr lang="pt-PT" sz="2400" dirty="0">
+                <a:latin typeface="Century Schoolbook" panose="02040604050505020304" pitchFamily="18" charset="0"/>
+              </a:rPr>
+              <a:t>.</a:t>
+            </a:r>
+          </a:p>
+          <a:p>
+            <a:pPr marL="0" indent="0">
+              <a:buNone/>
+            </a:pPr>
+            <a:endParaRPr lang="pt-PT" sz="2400" dirty="0">
+              <a:latin typeface="Century Schoolbook" panose="02040604050505020304" pitchFamily="18" charset="0"/>
+            </a:endParaRPr>
+          </a:p>
+          <a:p>
+            <a:r>
+              <a:rPr lang="pt-PT" sz="2400" dirty="0" err="1">
+                <a:latin typeface="Century Schoolbook" panose="02040604050505020304" pitchFamily="18" charset="0"/>
+              </a:rPr>
+              <a:t>Created</a:t>
+            </a:r>
+            <a:r>
+              <a:rPr lang="pt-PT" sz="2400" dirty="0">
+                <a:latin typeface="Century Schoolbook" panose="02040604050505020304" pitchFamily="18" charset="0"/>
+              </a:rPr>
+              <a:t> </a:t>
+            </a:r>
+            <a:r>
+              <a:rPr lang="pt-PT" sz="2400" dirty="0" err="1">
+                <a:latin typeface="Century Schoolbook" panose="02040604050505020304" pitchFamily="18" charset="0"/>
+              </a:rPr>
+              <a:t>during</a:t>
+            </a:r>
+            <a:r>
+              <a:rPr lang="pt-PT" sz="2400" dirty="0">
+                <a:latin typeface="Century Schoolbook" panose="02040604050505020304" pitchFamily="18" charset="0"/>
+              </a:rPr>
+              <a:t> </a:t>
+            </a:r>
+            <a:r>
+              <a:rPr lang="pt-PT" sz="2400" dirty="0" err="1">
+                <a:latin typeface="Century Schoolbook" panose="02040604050505020304" pitchFamily="18" charset="0"/>
+              </a:rPr>
+              <a:t>the</a:t>
+            </a:r>
+            <a:r>
+              <a:rPr lang="pt-PT" sz="2400" dirty="0">
+                <a:latin typeface="Century Schoolbook" panose="02040604050505020304" pitchFamily="18" charset="0"/>
+              </a:rPr>
+              <a:t> </a:t>
+            </a:r>
+            <a:r>
+              <a:rPr lang="pt-PT" sz="2400" dirty="0" err="1">
+                <a:latin typeface="Century Schoolbook" panose="02040604050505020304" pitchFamily="18" charset="0"/>
+              </a:rPr>
+              <a:t>Elaboration</a:t>
+            </a:r>
+            <a:r>
+              <a:rPr lang="pt-PT" sz="2400" dirty="0">
+                <a:latin typeface="Century Schoolbook" panose="02040604050505020304" pitchFamily="18" charset="0"/>
+              </a:rPr>
+              <a:t> </a:t>
+            </a:r>
+            <a:r>
+              <a:rPr lang="pt-PT" sz="2400" dirty="0" err="1">
+                <a:latin typeface="Century Schoolbook" panose="02040604050505020304" pitchFamily="18" charset="0"/>
+              </a:rPr>
+              <a:t>phase</a:t>
+            </a:r>
+            <a:r>
+              <a:rPr lang="pt-PT" sz="2400" dirty="0">
+                <a:latin typeface="Century Schoolbook" panose="02040604050505020304" pitchFamily="18" charset="0"/>
+              </a:rPr>
+              <a:t>;</a:t>
+            </a:r>
+          </a:p>
+          <a:p>
+            <a:endParaRPr lang="pt-PT" sz="2400" dirty="0">
+              <a:latin typeface="Century Schoolbook" panose="02040604050505020304" pitchFamily="18" charset="0"/>
+            </a:endParaRPr>
+          </a:p>
+          <a:p>
+            <a:r>
+              <a:rPr lang="pt-PT" sz="2400" dirty="0" err="1">
+                <a:latin typeface="Century Schoolbook" panose="02040604050505020304" pitchFamily="18" charset="0"/>
+              </a:rPr>
+              <a:t>Partial</a:t>
+            </a:r>
+            <a:r>
+              <a:rPr lang="pt-PT" sz="2400" dirty="0">
+                <a:latin typeface="Century Schoolbook" panose="02040604050505020304" pitchFamily="18" charset="0"/>
+              </a:rPr>
+              <a:t> </a:t>
+            </a:r>
+            <a:r>
+              <a:rPr lang="pt-PT" sz="2400" dirty="0" err="1">
+                <a:latin typeface="Century Schoolbook" panose="02040604050505020304" pitchFamily="18" charset="0"/>
+              </a:rPr>
+              <a:t>implementation</a:t>
+            </a:r>
+            <a:r>
+              <a:rPr lang="pt-PT" sz="2400" dirty="0">
+                <a:latin typeface="Century Schoolbook" panose="02040604050505020304" pitchFamily="18" charset="0"/>
+              </a:rPr>
+              <a:t> </a:t>
+            </a:r>
+            <a:r>
+              <a:rPr lang="pt-PT" sz="2400" dirty="0" err="1">
+                <a:latin typeface="Century Schoolbook" panose="02040604050505020304" pitchFamily="18" charset="0"/>
+              </a:rPr>
+              <a:t>of</a:t>
+            </a:r>
+            <a:r>
+              <a:rPr lang="pt-PT" sz="2400" dirty="0">
+                <a:latin typeface="Century Schoolbook" panose="02040604050505020304" pitchFamily="18" charset="0"/>
+              </a:rPr>
+              <a:t> </a:t>
+            </a:r>
+            <a:r>
+              <a:rPr lang="pt-PT" sz="2400" dirty="0" err="1">
+                <a:latin typeface="Century Schoolbook" panose="02040604050505020304" pitchFamily="18" charset="0"/>
+              </a:rPr>
+              <a:t>the</a:t>
+            </a:r>
+            <a:r>
+              <a:rPr lang="pt-PT" sz="2400" dirty="0">
+                <a:latin typeface="Century Schoolbook" panose="02040604050505020304" pitchFamily="18" charset="0"/>
+              </a:rPr>
+              <a:t> </a:t>
+            </a:r>
+            <a:r>
+              <a:rPr lang="pt-PT" sz="2400" dirty="0" err="1">
+                <a:latin typeface="Century Schoolbook" panose="02040604050505020304" pitchFamily="18" charset="0"/>
+              </a:rPr>
+              <a:t>system</a:t>
+            </a:r>
+            <a:r>
+              <a:rPr lang="pt-PT" sz="2400" dirty="0">
+                <a:latin typeface="Century Schoolbook" panose="02040604050505020304" pitchFamily="18" charset="0"/>
+              </a:rPr>
+              <a:t> serves to </a:t>
+            </a:r>
+            <a:r>
+              <a:rPr lang="pt-PT" sz="2400" dirty="0" err="1">
+                <a:latin typeface="Century Schoolbook" panose="02040604050505020304" pitchFamily="18" charset="0"/>
+              </a:rPr>
+              <a:t>validate</a:t>
+            </a:r>
+            <a:r>
+              <a:rPr lang="pt-PT" sz="2400" dirty="0">
+                <a:latin typeface="Century Schoolbook" panose="02040604050505020304" pitchFamily="18" charset="0"/>
+              </a:rPr>
+              <a:t> </a:t>
+            </a:r>
+            <a:r>
+              <a:rPr lang="pt-PT" sz="2400" dirty="0" err="1">
+                <a:latin typeface="Century Schoolbook" panose="02040604050505020304" pitchFamily="18" charset="0"/>
+              </a:rPr>
+              <a:t>the</a:t>
+            </a:r>
+            <a:r>
+              <a:rPr lang="pt-PT" sz="2400" dirty="0">
+                <a:latin typeface="Century Schoolbook" panose="02040604050505020304" pitchFamily="18" charset="0"/>
+              </a:rPr>
+              <a:t> </a:t>
+            </a:r>
+            <a:r>
+              <a:rPr lang="pt-PT" sz="2400" dirty="0" err="1">
+                <a:latin typeface="Century Schoolbook" panose="02040604050505020304" pitchFamily="18" charset="0"/>
+              </a:rPr>
+              <a:t>architecture</a:t>
+            </a:r>
+            <a:r>
+              <a:rPr lang="pt-PT" sz="2400" dirty="0">
+                <a:latin typeface="Century Schoolbook" panose="02040604050505020304" pitchFamily="18" charset="0"/>
+              </a:rPr>
+              <a:t> </a:t>
+            </a:r>
+            <a:r>
+              <a:rPr lang="pt-PT" sz="2400" dirty="0" err="1">
+                <a:latin typeface="Century Schoolbook" panose="02040604050505020304" pitchFamily="18" charset="0"/>
+              </a:rPr>
+              <a:t>and</a:t>
+            </a:r>
+            <a:r>
+              <a:rPr lang="pt-PT" sz="2400" dirty="0">
+                <a:latin typeface="Century Schoolbook" panose="02040604050505020304" pitchFamily="18" charset="0"/>
+              </a:rPr>
+              <a:t> </a:t>
+            </a:r>
+            <a:r>
+              <a:rPr lang="pt-PT" sz="2400" dirty="0" err="1">
+                <a:latin typeface="Century Schoolbook" panose="02040604050505020304" pitchFamily="18" charset="0"/>
+              </a:rPr>
+              <a:t>act</a:t>
+            </a:r>
+            <a:r>
+              <a:rPr lang="pt-PT" sz="2400" dirty="0">
+                <a:latin typeface="Century Schoolbook" panose="02040604050505020304" pitchFamily="18" charset="0"/>
+              </a:rPr>
+              <a:t> as a Foundation for </a:t>
+            </a:r>
+            <a:r>
+              <a:rPr lang="pt-PT" sz="2400" dirty="0" err="1">
+                <a:latin typeface="Century Schoolbook" panose="02040604050505020304" pitchFamily="18" charset="0"/>
+              </a:rPr>
+              <a:t>the</a:t>
+            </a:r>
+            <a:r>
+              <a:rPr lang="pt-PT" sz="2400" dirty="0">
+                <a:latin typeface="Century Schoolbook" panose="02040604050505020304" pitchFamily="18" charset="0"/>
+              </a:rPr>
+              <a:t> </a:t>
+            </a:r>
+          </a:p>
+          <a:p>
+            <a:pPr marL="0" indent="0">
+              <a:buNone/>
+            </a:pPr>
+            <a:r>
+              <a:rPr lang="pt-PT" sz="2400" dirty="0" err="1">
+                <a:latin typeface="Century Schoolbook" panose="02040604050505020304" pitchFamily="18" charset="0"/>
+              </a:rPr>
+              <a:t>rest</a:t>
+            </a:r>
+            <a:r>
+              <a:rPr lang="pt-PT" sz="2400" dirty="0">
+                <a:latin typeface="Century Schoolbook" panose="02040604050505020304" pitchFamily="18" charset="0"/>
+              </a:rPr>
+              <a:t> </a:t>
+            </a:r>
+            <a:r>
+              <a:rPr lang="pt-PT" sz="2400" dirty="0" err="1">
+                <a:latin typeface="Century Schoolbook" panose="02040604050505020304" pitchFamily="18" charset="0"/>
+              </a:rPr>
+              <a:t>of</a:t>
+            </a:r>
+            <a:r>
+              <a:rPr lang="pt-PT" sz="2400" dirty="0">
+                <a:latin typeface="Century Schoolbook" panose="02040604050505020304" pitchFamily="18" charset="0"/>
+              </a:rPr>
+              <a:t> </a:t>
+            </a:r>
+            <a:r>
+              <a:rPr lang="pt-PT" sz="2400" dirty="0" err="1">
+                <a:latin typeface="Century Schoolbook" panose="02040604050505020304" pitchFamily="18" charset="0"/>
+              </a:rPr>
+              <a:t>the</a:t>
+            </a:r>
+            <a:r>
+              <a:rPr lang="pt-PT" sz="2400" dirty="0">
+                <a:latin typeface="Century Schoolbook" panose="02040604050505020304" pitchFamily="18" charset="0"/>
+              </a:rPr>
+              <a:t> </a:t>
+            </a:r>
+            <a:r>
+              <a:rPr lang="pt-PT" sz="2400" dirty="0" err="1">
+                <a:latin typeface="Century Schoolbook" panose="02040604050505020304" pitchFamily="18" charset="0"/>
+              </a:rPr>
+              <a:t>development</a:t>
+            </a:r>
+            <a:r>
+              <a:rPr lang="pt-PT" sz="2400" dirty="0">
+                <a:latin typeface="Century Schoolbook" panose="02040604050505020304" pitchFamily="18" charset="0"/>
+              </a:rPr>
+              <a:t>.</a:t>
+            </a:r>
+          </a:p>
+        </p:txBody>
+      </p:sp>
+      <p:sp>
+        <p:nvSpPr>
+          <p:cNvPr id="4" name="Rectangle 6">
+            <a:extLst>
+              <a:ext uri="{FF2B5EF4-FFF2-40B4-BE49-F238E27FC236}">
+                <a16:creationId xmlns:a16="http://schemas.microsoft.com/office/drawing/2014/main" id="{88334FE6-E057-458F-A00E-79224B117DB5}"/>
+              </a:ext>
+            </a:extLst>
+          </p:cNvPr>
+          <p:cNvSpPr/>
+          <p:nvPr/>
+        </p:nvSpPr>
+        <p:spPr>
+          <a:xfrm>
+            <a:off x="10479505" y="-1"/>
+            <a:ext cx="421106" cy="6858001"/>
+          </a:xfrm>
+          <a:prstGeom prst="rect">
+            <a:avLst/>
+          </a:prstGeom>
+          <a:solidFill>
+            <a:srgbClr val="98220B"/>
+          </a:solidFill>
+          <a:ln>
+            <a:noFill/>
+          </a:ln>
+        </p:spPr>
+        <p:style>
+          <a:lnRef idx="2">
+            <a:schemeClr val="accent1">
+              <a:shade val="50000"/>
+            </a:schemeClr>
+          </a:lnRef>
+          <a:fillRef idx="1">
+            <a:schemeClr val="accent1"/>
+          </a:fillRef>
+          <a:effectRef idx="0">
+            <a:schemeClr val="accent1"/>
+          </a:effectRef>
+          <a:fontRef idx="minor">
+            <a:schemeClr val="lt1"/>
+          </a:fontRef>
+        </p:style>
+        <p:txBody>
+          <a:bodyPr rtlCol="0" anchor="ctr"/>
+          <a:lstStyle/>
+          <a:p>
+            <a:pPr algn="ctr"/>
+            <a:endParaRPr lang="en-US"/>
+          </a:p>
+        </p:txBody>
+      </p:sp>
+    </p:spTree>
+    <p:extLst>
+      <p:ext uri="{BB962C8B-B14F-4D97-AF65-F5344CB8AC3E}">
+        <p14:creationId xmlns:p14="http://schemas.microsoft.com/office/powerpoint/2010/main" val="1199892778"/>
+      </p:ext>
+    </p:extLst>
+  </p:cSld>
+  <p:clrMapOvr>
+    <a:masterClrMapping/>
+  </p:clrMapOvr>
+</p:sld>
+</file>
+
+<file path=ppt/slides/slide24.xml><?xml version="1.0" encoding="utf-8"?>
+<p:sld xmlns:a="http://schemas.openxmlformats.org/drawingml/2006/main" xmlns:r="http://schemas.openxmlformats.org/officeDocument/2006/relationships" xmlns:p="http://schemas.openxmlformats.org/presentationml/2006/main">
+  <p:cSld>
+    <p:spTree>
+      <p:nvGrpSpPr>
+        <p:cNvPr id="1" name=""/>
+        <p:cNvGrpSpPr/>
+        <p:nvPr/>
+      </p:nvGrpSpPr>
+      <p:grpSpPr>
+        <a:xfrm>
+          <a:off x="0" y="0"/>
+          <a:ext cx="0" cy="0"/>
+          <a:chOff x="0" y="0"/>
+          <a:chExt cx="0" cy="0"/>
+        </a:xfrm>
+      </p:grpSpPr>
+      <p:sp>
+        <p:nvSpPr>
+          <p:cNvPr id="2" name="Título 1">
+            <a:extLst>
+              <a:ext uri="{FF2B5EF4-FFF2-40B4-BE49-F238E27FC236}">
+                <a16:creationId xmlns:a16="http://schemas.microsoft.com/office/drawing/2014/main" id="{C57AFC85-B9F4-49BB-8585-5F26FC18AA93}"/>
+              </a:ext>
+            </a:extLst>
+          </p:cNvPr>
+          <p:cNvSpPr>
+            <a:spLocks noGrp="1"/>
+          </p:cNvSpPr>
+          <p:nvPr>
+            <p:ph type="ctrTitle"/>
+          </p:nvPr>
+        </p:nvSpPr>
+        <p:spPr/>
+        <p:txBody>
+          <a:bodyPr/>
+          <a:lstStyle/>
+          <a:p>
+            <a:r>
+              <a:rPr lang="pt-PT" dirty="0" err="1">
+                <a:latin typeface="Century Schoolbook" panose="02040604050505020304" pitchFamily="18" charset="0"/>
+              </a:rPr>
+              <a:t>Risk-focused</a:t>
+            </a:r>
+            <a:endParaRPr lang="pt-PT" dirty="0"/>
+          </a:p>
+        </p:txBody>
+      </p:sp>
+      <p:sp>
+        <p:nvSpPr>
+          <p:cNvPr id="4" name="Rectangle 6">
+            <a:extLst>
+              <a:ext uri="{FF2B5EF4-FFF2-40B4-BE49-F238E27FC236}">
+                <a16:creationId xmlns:a16="http://schemas.microsoft.com/office/drawing/2014/main" id="{AA4B0F60-F94B-46DA-A69A-83BAE2140297}"/>
+              </a:ext>
+            </a:extLst>
+          </p:cNvPr>
+          <p:cNvSpPr/>
+          <p:nvPr/>
+        </p:nvSpPr>
+        <p:spPr>
+          <a:xfrm>
+            <a:off x="10479505" y="-1"/>
+            <a:ext cx="421106" cy="6858001"/>
+          </a:xfrm>
+          <a:prstGeom prst="rect">
+            <a:avLst/>
+          </a:prstGeom>
+          <a:solidFill>
+            <a:srgbClr val="98220B"/>
+          </a:solidFill>
+          <a:ln>
+            <a:noFill/>
+          </a:ln>
+        </p:spPr>
+        <p:style>
+          <a:lnRef idx="2">
+            <a:schemeClr val="accent1">
+              <a:shade val="50000"/>
+            </a:schemeClr>
+          </a:lnRef>
+          <a:fillRef idx="1">
+            <a:schemeClr val="accent1"/>
+          </a:fillRef>
+          <a:effectRef idx="0">
+            <a:schemeClr val="accent1"/>
+          </a:effectRef>
+          <a:fontRef idx="minor">
+            <a:schemeClr val="lt1"/>
+          </a:fontRef>
+        </p:style>
+        <p:txBody>
+          <a:bodyPr rtlCol="0" anchor="ctr"/>
+          <a:lstStyle/>
+          <a:p>
+            <a:pPr algn="ctr"/>
+            <a:endParaRPr lang="en-US"/>
+          </a:p>
+        </p:txBody>
+      </p:sp>
+    </p:spTree>
+    <p:extLst>
+      <p:ext uri="{BB962C8B-B14F-4D97-AF65-F5344CB8AC3E}">
+        <p14:creationId xmlns:p14="http://schemas.microsoft.com/office/powerpoint/2010/main" val="1785996524"/>
+      </p:ext>
+    </p:extLst>
+  </p:cSld>
+  <p:clrMapOvr>
+    <a:masterClrMapping/>
+  </p:clrMapOvr>
+</p:sld>
+</file>
+
+<file path=ppt/slides/slide25.xml><?xml version="1.0" encoding="utf-8"?>
+<p:sld xmlns:a="http://schemas.openxmlformats.org/drawingml/2006/main" xmlns:r="http://schemas.openxmlformats.org/officeDocument/2006/relationships" xmlns:p="http://schemas.openxmlformats.org/presentationml/2006/main">
+  <p:cSld>
+    <p:spTree>
+      <p:nvGrpSpPr>
+        <p:cNvPr id="1" name=""/>
+        <p:cNvGrpSpPr/>
+        <p:nvPr/>
+      </p:nvGrpSpPr>
+      <p:grpSpPr>
+        <a:xfrm>
+          <a:off x="0" y="0"/>
+          <a:ext cx="0" cy="0"/>
+          <a:chOff x="0" y="0"/>
+          <a:chExt cx="0" cy="0"/>
+        </a:xfrm>
+      </p:grpSpPr>
+      <p:sp>
+        <p:nvSpPr>
+          <p:cNvPr id="2" name="Título 1">
+            <a:extLst>
+              <a:ext uri="{FF2B5EF4-FFF2-40B4-BE49-F238E27FC236}">
+                <a16:creationId xmlns:a16="http://schemas.microsoft.com/office/drawing/2014/main" id="{1663931B-832A-4ED2-AE45-7FCC5E9F10A6}"/>
+              </a:ext>
+            </a:extLst>
+          </p:cNvPr>
+          <p:cNvSpPr>
+            <a:spLocks noGrp="1"/>
+          </p:cNvSpPr>
+          <p:nvPr>
+            <p:ph type="title"/>
+          </p:nvPr>
+        </p:nvSpPr>
+        <p:spPr/>
+        <p:txBody>
+          <a:bodyPr/>
+          <a:lstStyle/>
+          <a:p>
+            <a:pPr algn="ctr"/>
+            <a:r>
+              <a:rPr lang="pt-PT" dirty="0" err="1">
+                <a:latin typeface="Century Schoolbook" panose="02040604050505020304" pitchFamily="18" charset="0"/>
+              </a:rPr>
+              <a:t>Risk-focused</a:t>
+            </a:r>
+            <a:endParaRPr lang="pt-PT" dirty="0"/>
+          </a:p>
+        </p:txBody>
+      </p:sp>
+      <p:sp>
+        <p:nvSpPr>
+          <p:cNvPr id="3" name="Marcador de Posição de Conteúdo 2">
+            <a:extLst>
+              <a:ext uri="{FF2B5EF4-FFF2-40B4-BE49-F238E27FC236}">
+                <a16:creationId xmlns:a16="http://schemas.microsoft.com/office/drawing/2014/main" id="{AC251315-952E-44D1-8953-7121DAA17816}"/>
+              </a:ext>
+            </a:extLst>
+          </p:cNvPr>
+          <p:cNvSpPr>
+            <a:spLocks noGrp="1"/>
+          </p:cNvSpPr>
+          <p:nvPr>
+            <p:ph idx="1"/>
+          </p:nvPr>
+        </p:nvSpPr>
+        <p:spPr/>
+        <p:txBody>
+          <a:bodyPr>
+            <a:normAutofit/>
+          </a:bodyPr>
+          <a:lstStyle/>
+          <a:p>
+            <a:r>
+              <a:rPr lang="pt-PT" sz="2400" dirty="0" err="1">
+                <a:latin typeface="Century Schoolbook" panose="02040604050505020304" pitchFamily="18" charset="0"/>
+              </a:rPr>
+              <a:t>The</a:t>
+            </a:r>
+            <a:r>
+              <a:rPr lang="pt-PT" sz="2400" dirty="0">
+                <a:latin typeface="Century Schoolbook" panose="02040604050505020304" pitchFamily="18" charset="0"/>
+              </a:rPr>
+              <a:t> </a:t>
+            </a:r>
+            <a:r>
+              <a:rPr lang="pt-PT" sz="2400" dirty="0" err="1">
+                <a:latin typeface="Century Schoolbook" panose="02040604050505020304" pitchFamily="18" charset="0"/>
+              </a:rPr>
+              <a:t>project</a:t>
+            </a:r>
+            <a:r>
+              <a:rPr lang="pt-PT" sz="2400" dirty="0">
+                <a:latin typeface="Century Schoolbook" panose="02040604050505020304" pitchFamily="18" charset="0"/>
+              </a:rPr>
+              <a:t> team must </a:t>
+            </a:r>
+            <a:r>
+              <a:rPr lang="pt-PT" sz="2400" dirty="0" err="1">
+                <a:latin typeface="Century Schoolbook" panose="02040604050505020304" pitchFamily="18" charset="0"/>
+              </a:rPr>
+              <a:t>focus</a:t>
+            </a:r>
+            <a:r>
+              <a:rPr lang="pt-PT" sz="2400" dirty="0">
+                <a:latin typeface="Century Schoolbook" panose="02040604050505020304" pitchFamily="18" charset="0"/>
+              </a:rPr>
+              <a:t> </a:t>
+            </a:r>
+            <a:r>
+              <a:rPr lang="pt-PT" sz="2400" dirty="0" err="1">
+                <a:latin typeface="Century Schoolbook" panose="02040604050505020304" pitchFamily="18" charset="0"/>
+              </a:rPr>
+              <a:t>on</a:t>
+            </a:r>
+            <a:r>
+              <a:rPr lang="pt-PT" sz="2400" dirty="0">
+                <a:latin typeface="Century Schoolbook" panose="02040604050505020304" pitchFamily="18" charset="0"/>
+              </a:rPr>
+              <a:t> </a:t>
+            </a:r>
+            <a:r>
+              <a:rPr lang="pt-PT" sz="2400" dirty="0" err="1">
+                <a:latin typeface="Century Schoolbook" panose="02040604050505020304" pitchFamily="18" charset="0"/>
+              </a:rPr>
+              <a:t>adressing</a:t>
+            </a:r>
+            <a:r>
+              <a:rPr lang="pt-PT" sz="2400" dirty="0">
+                <a:latin typeface="Century Schoolbook" panose="02040604050505020304" pitchFamily="18" charset="0"/>
+              </a:rPr>
+              <a:t> </a:t>
+            </a:r>
+          </a:p>
+          <a:p>
+            <a:pPr marL="0" indent="0">
+              <a:buNone/>
+            </a:pPr>
+            <a:r>
+              <a:rPr lang="pt-PT" sz="2400" dirty="0" err="1">
+                <a:latin typeface="Century Schoolbook" panose="02040604050505020304" pitchFamily="18" charset="0"/>
+              </a:rPr>
+              <a:t>the</a:t>
+            </a:r>
+            <a:r>
+              <a:rPr lang="pt-PT" sz="2400" dirty="0">
+                <a:latin typeface="Century Schoolbook" panose="02040604050505020304" pitchFamily="18" charset="0"/>
+              </a:rPr>
+              <a:t> </a:t>
+            </a:r>
+            <a:r>
+              <a:rPr lang="pt-PT" sz="2400" dirty="0" err="1">
+                <a:latin typeface="Century Schoolbook" panose="02040604050505020304" pitchFamily="18" charset="0"/>
+              </a:rPr>
+              <a:t>most</a:t>
+            </a:r>
+            <a:r>
+              <a:rPr lang="pt-PT" sz="2400" dirty="0">
+                <a:latin typeface="Century Schoolbook" panose="02040604050505020304" pitchFamily="18" charset="0"/>
+              </a:rPr>
+              <a:t> </a:t>
+            </a:r>
+            <a:r>
+              <a:rPr lang="pt-PT" sz="2400" dirty="0" err="1">
+                <a:latin typeface="Century Schoolbook" panose="02040604050505020304" pitchFamily="18" charset="0"/>
+              </a:rPr>
+              <a:t>critical</a:t>
+            </a:r>
+            <a:r>
+              <a:rPr lang="pt-PT" sz="2400" dirty="0">
+                <a:latin typeface="Century Schoolbook" panose="02040604050505020304" pitchFamily="18" charset="0"/>
+              </a:rPr>
+              <a:t> </a:t>
+            </a:r>
+          </a:p>
+          <a:p>
+            <a:pPr marL="0" indent="0">
+              <a:buNone/>
+            </a:pPr>
+            <a:r>
+              <a:rPr lang="pt-PT" sz="2400" dirty="0" err="1">
+                <a:latin typeface="Century Schoolbook" panose="02040604050505020304" pitchFamily="18" charset="0"/>
+              </a:rPr>
+              <a:t>risks</a:t>
+            </a:r>
+            <a:r>
+              <a:rPr lang="pt-PT" sz="2400" dirty="0">
+                <a:latin typeface="Century Schoolbook" panose="02040604050505020304" pitchFamily="18" charset="0"/>
+              </a:rPr>
+              <a:t> </a:t>
+            </a:r>
+            <a:r>
+              <a:rPr lang="pt-PT" sz="2400" dirty="0" err="1">
+                <a:latin typeface="Century Schoolbook" panose="02040604050505020304" pitchFamily="18" charset="0"/>
+              </a:rPr>
+              <a:t>early</a:t>
+            </a:r>
+            <a:r>
+              <a:rPr lang="pt-PT" sz="2400" dirty="0">
+                <a:latin typeface="Century Schoolbook" panose="02040604050505020304" pitchFamily="18" charset="0"/>
+              </a:rPr>
+              <a:t> in </a:t>
+            </a:r>
+            <a:r>
+              <a:rPr lang="pt-PT" sz="2400" dirty="0" err="1">
+                <a:latin typeface="Century Schoolbook" panose="02040604050505020304" pitchFamily="18" charset="0"/>
+              </a:rPr>
+              <a:t>the</a:t>
+            </a:r>
+            <a:r>
+              <a:rPr lang="pt-PT" sz="2400" dirty="0">
+                <a:latin typeface="Century Schoolbook" panose="02040604050505020304" pitchFamily="18" charset="0"/>
+              </a:rPr>
+              <a:t> </a:t>
+            </a:r>
+            <a:r>
+              <a:rPr lang="pt-PT" sz="2400" dirty="0" err="1">
+                <a:latin typeface="Century Schoolbook" panose="02040604050505020304" pitchFamily="18" charset="0"/>
+              </a:rPr>
+              <a:t>project</a:t>
+            </a:r>
+            <a:r>
+              <a:rPr lang="pt-PT" sz="2400" dirty="0">
+                <a:latin typeface="Century Schoolbook" panose="02040604050505020304" pitchFamily="18" charset="0"/>
+              </a:rPr>
+              <a:t> </a:t>
+            </a:r>
+            <a:r>
+              <a:rPr lang="pt-PT" sz="2400" dirty="0" err="1">
+                <a:latin typeface="Century Schoolbook" panose="02040604050505020304" pitchFamily="18" charset="0"/>
+              </a:rPr>
+              <a:t>life</a:t>
+            </a:r>
+            <a:r>
+              <a:rPr lang="pt-PT" sz="2400" dirty="0">
+                <a:latin typeface="Century Schoolbook" panose="02040604050505020304" pitchFamily="18" charset="0"/>
+              </a:rPr>
+              <a:t> </a:t>
+            </a:r>
+            <a:r>
+              <a:rPr lang="pt-PT" sz="2400" dirty="0" err="1">
+                <a:latin typeface="Century Schoolbook" panose="02040604050505020304" pitchFamily="18" charset="0"/>
+              </a:rPr>
+              <a:t>cycle</a:t>
+            </a:r>
+            <a:r>
+              <a:rPr lang="pt-PT" sz="2400" dirty="0">
+                <a:latin typeface="Century Schoolbook" panose="02040604050505020304" pitchFamily="18" charset="0"/>
+              </a:rPr>
+              <a:t>;</a:t>
+            </a:r>
+          </a:p>
+          <a:p>
+            <a:endParaRPr lang="pt-PT" sz="2400" dirty="0">
+              <a:latin typeface="Century Schoolbook" panose="02040604050505020304" pitchFamily="18" charset="0"/>
+            </a:endParaRPr>
+          </a:p>
+          <a:p>
+            <a:endParaRPr lang="pt-PT" sz="2400" dirty="0">
+              <a:latin typeface="Century Schoolbook" panose="02040604050505020304" pitchFamily="18" charset="0"/>
+            </a:endParaRPr>
+          </a:p>
+          <a:p>
+            <a:r>
+              <a:rPr lang="pt-PT" sz="2400" dirty="0" err="1">
+                <a:latin typeface="Century Schoolbook" panose="02040604050505020304" pitchFamily="18" charset="0"/>
+              </a:rPr>
+              <a:t>Each</a:t>
+            </a:r>
+            <a:r>
+              <a:rPr lang="pt-PT" sz="2400" dirty="0">
+                <a:latin typeface="Century Schoolbook" panose="02040604050505020304" pitchFamily="18" charset="0"/>
+              </a:rPr>
+              <a:t> </a:t>
+            </a:r>
+            <a:r>
+              <a:rPr lang="pt-PT" sz="2400" dirty="0" err="1">
+                <a:latin typeface="Century Schoolbook" panose="02040604050505020304" pitchFamily="18" charset="0"/>
+              </a:rPr>
+              <a:t>iteration</a:t>
+            </a:r>
+            <a:r>
+              <a:rPr lang="pt-PT" sz="2400" dirty="0">
+                <a:latin typeface="Century Schoolbook" panose="02040604050505020304" pitchFamily="18" charset="0"/>
+              </a:rPr>
+              <a:t>, </a:t>
+            </a:r>
+            <a:r>
+              <a:rPr lang="pt-PT" sz="2400" dirty="0" err="1">
+                <a:latin typeface="Century Schoolbook" panose="02040604050505020304" pitchFamily="18" charset="0"/>
+              </a:rPr>
+              <a:t>especially</a:t>
+            </a:r>
+            <a:r>
+              <a:rPr lang="pt-PT" sz="2400" dirty="0">
+                <a:latin typeface="Century Schoolbook" panose="02040604050505020304" pitchFamily="18" charset="0"/>
+              </a:rPr>
+              <a:t> in </a:t>
+            </a:r>
+            <a:r>
+              <a:rPr lang="pt-PT" sz="2400" dirty="0" err="1">
+                <a:latin typeface="Century Schoolbook" panose="02040604050505020304" pitchFamily="18" charset="0"/>
+              </a:rPr>
+              <a:t>the</a:t>
+            </a:r>
+            <a:r>
+              <a:rPr lang="pt-PT" sz="2400" dirty="0">
+                <a:latin typeface="Century Schoolbook" panose="02040604050505020304" pitchFamily="18" charset="0"/>
+              </a:rPr>
+              <a:t> </a:t>
+            </a:r>
+          </a:p>
+          <a:p>
+            <a:r>
+              <a:rPr lang="pt-PT" sz="2400" dirty="0" err="1">
+                <a:latin typeface="Century Schoolbook" panose="02040604050505020304" pitchFamily="18" charset="0"/>
+              </a:rPr>
+              <a:t>Elaboration</a:t>
+            </a:r>
+            <a:r>
+              <a:rPr lang="pt-PT" sz="2400" dirty="0">
+                <a:latin typeface="Century Schoolbook" panose="02040604050505020304" pitchFamily="18" charset="0"/>
+              </a:rPr>
+              <a:t> </a:t>
+            </a:r>
+            <a:r>
+              <a:rPr lang="pt-PT" sz="2400" dirty="0" err="1">
+                <a:latin typeface="Century Schoolbook" panose="02040604050505020304" pitchFamily="18" charset="0"/>
+              </a:rPr>
+              <a:t>phase</a:t>
+            </a:r>
+            <a:r>
+              <a:rPr lang="pt-PT" sz="2400" dirty="0">
+                <a:latin typeface="Century Schoolbook" panose="02040604050505020304" pitchFamily="18" charset="0"/>
+              </a:rPr>
+              <a:t>, must </a:t>
+            </a:r>
+            <a:r>
+              <a:rPr lang="pt-PT" sz="2400" dirty="0" err="1">
+                <a:latin typeface="Century Schoolbook" panose="02040604050505020304" pitchFamily="18" charset="0"/>
+              </a:rPr>
+              <a:t>be</a:t>
+            </a:r>
+            <a:r>
+              <a:rPr lang="pt-PT" sz="2400" dirty="0">
+                <a:latin typeface="Century Schoolbook" panose="02040604050505020304" pitchFamily="18" charset="0"/>
+              </a:rPr>
+              <a:t> </a:t>
+            </a:r>
+          </a:p>
+          <a:p>
+            <a:pPr marL="0" indent="0">
+              <a:buNone/>
+            </a:pPr>
+            <a:r>
+              <a:rPr lang="pt-PT" sz="2400" dirty="0" err="1">
+                <a:latin typeface="Century Schoolbook" panose="02040604050505020304" pitchFamily="18" charset="0"/>
+              </a:rPr>
+              <a:t>select</a:t>
+            </a:r>
+            <a:r>
+              <a:rPr lang="pt-PT" sz="2400" dirty="0">
+                <a:latin typeface="Century Schoolbook" panose="02040604050505020304" pitchFamily="18" charset="0"/>
+              </a:rPr>
+              <a:t> to </a:t>
+            </a:r>
+            <a:r>
+              <a:rPr lang="pt-PT" sz="2400" dirty="0" err="1">
+                <a:latin typeface="Century Schoolbook" panose="02040604050505020304" pitchFamily="18" charset="0"/>
+              </a:rPr>
+              <a:t>ensure</a:t>
+            </a:r>
+            <a:r>
+              <a:rPr lang="pt-PT" sz="2400" dirty="0">
+                <a:latin typeface="Century Schoolbook" panose="02040604050505020304" pitchFamily="18" charset="0"/>
+              </a:rPr>
+              <a:t> </a:t>
+            </a:r>
+            <a:r>
+              <a:rPr lang="pt-PT" sz="2400" dirty="0" err="1">
+                <a:latin typeface="Century Schoolbook" panose="02040604050505020304" pitchFamily="18" charset="0"/>
+              </a:rPr>
+              <a:t>the</a:t>
+            </a:r>
+            <a:r>
+              <a:rPr lang="pt-PT" sz="2400" dirty="0">
+                <a:latin typeface="Century Schoolbook" panose="02040604050505020304" pitchFamily="18" charset="0"/>
+              </a:rPr>
+              <a:t> </a:t>
+            </a:r>
+            <a:r>
+              <a:rPr lang="pt-PT" sz="2400" dirty="0" err="1">
+                <a:latin typeface="Century Schoolbook" panose="02040604050505020304" pitchFamily="18" charset="0"/>
+              </a:rPr>
+              <a:t>greatest</a:t>
+            </a:r>
+            <a:r>
+              <a:rPr lang="pt-PT" sz="2400" dirty="0">
+                <a:latin typeface="Century Schoolbook" panose="02040604050505020304" pitchFamily="18" charset="0"/>
+              </a:rPr>
+              <a:t> </a:t>
+            </a:r>
+            <a:r>
+              <a:rPr lang="pt-PT" sz="2400" dirty="0" err="1">
+                <a:latin typeface="Century Schoolbook" panose="02040604050505020304" pitchFamily="18" charset="0"/>
+              </a:rPr>
+              <a:t>risks</a:t>
+            </a:r>
+            <a:r>
+              <a:rPr lang="pt-PT" sz="2400" dirty="0">
+                <a:latin typeface="Century Schoolbook" panose="02040604050505020304" pitchFamily="18" charset="0"/>
+              </a:rPr>
+              <a:t> are </a:t>
+            </a:r>
+            <a:r>
+              <a:rPr lang="pt-PT" sz="2400" dirty="0" err="1">
+                <a:latin typeface="Century Schoolbook" panose="02040604050505020304" pitchFamily="18" charset="0"/>
+              </a:rPr>
+              <a:t>adressed</a:t>
+            </a:r>
+            <a:r>
+              <a:rPr lang="pt-PT" sz="2400" dirty="0">
+                <a:latin typeface="Century Schoolbook" panose="02040604050505020304" pitchFamily="18" charset="0"/>
+              </a:rPr>
+              <a:t> </a:t>
+            </a:r>
+            <a:r>
+              <a:rPr lang="pt-PT" sz="2400" dirty="0" err="1">
+                <a:latin typeface="Century Schoolbook" panose="02040604050505020304" pitchFamily="18" charset="0"/>
+              </a:rPr>
+              <a:t>first</a:t>
+            </a:r>
+            <a:r>
+              <a:rPr lang="pt-PT" sz="2400" dirty="0">
+                <a:latin typeface="Century Schoolbook" panose="02040604050505020304" pitchFamily="18" charset="0"/>
+              </a:rPr>
+              <a:t>.</a:t>
+            </a:r>
+          </a:p>
+          <a:p>
+            <a:pPr marL="0" indent="0">
+              <a:buNone/>
+            </a:pPr>
+            <a:endParaRPr lang="pt-PT" sz="2400" dirty="0">
+              <a:latin typeface="Century Schoolbook" panose="02040604050505020304" pitchFamily="18" charset="0"/>
+            </a:endParaRPr>
+          </a:p>
+          <a:p>
+            <a:pPr marL="0" indent="0">
+              <a:buNone/>
+            </a:pPr>
+            <a:endParaRPr lang="pt-PT" sz="2400" dirty="0">
+              <a:latin typeface="Century Schoolbook" panose="02040604050505020304" pitchFamily="18" charset="0"/>
+            </a:endParaRPr>
+          </a:p>
+        </p:txBody>
+      </p:sp>
+      <p:sp>
+        <p:nvSpPr>
+          <p:cNvPr id="4" name="Rectangle 6">
+            <a:extLst>
+              <a:ext uri="{FF2B5EF4-FFF2-40B4-BE49-F238E27FC236}">
+                <a16:creationId xmlns:a16="http://schemas.microsoft.com/office/drawing/2014/main" id="{43DFD8B3-2DC3-4565-A597-CFA4DFEA3B1B}"/>
+              </a:ext>
+            </a:extLst>
+          </p:cNvPr>
+          <p:cNvSpPr/>
+          <p:nvPr/>
+        </p:nvSpPr>
+        <p:spPr>
+          <a:xfrm>
+            <a:off x="10479505" y="-1"/>
+            <a:ext cx="421106" cy="6858001"/>
+          </a:xfrm>
+          <a:prstGeom prst="rect">
+            <a:avLst/>
+          </a:prstGeom>
+          <a:solidFill>
+            <a:srgbClr val="98220B"/>
+          </a:solidFill>
+          <a:ln>
+            <a:noFill/>
+          </a:ln>
+        </p:spPr>
+        <p:style>
+          <a:lnRef idx="2">
+            <a:schemeClr val="accent1">
+              <a:shade val="50000"/>
+            </a:schemeClr>
+          </a:lnRef>
+          <a:fillRef idx="1">
+            <a:schemeClr val="accent1"/>
+          </a:fillRef>
+          <a:effectRef idx="0">
+            <a:schemeClr val="accent1"/>
+          </a:effectRef>
+          <a:fontRef idx="minor">
+            <a:schemeClr val="lt1"/>
+          </a:fontRef>
+        </p:style>
+        <p:txBody>
+          <a:bodyPr rtlCol="0" anchor="ctr"/>
+          <a:lstStyle/>
+          <a:p>
+            <a:pPr algn="ctr"/>
+            <a:endParaRPr lang="en-US"/>
+          </a:p>
+        </p:txBody>
+      </p:sp>
+      <p:pic>
+        <p:nvPicPr>
+          <p:cNvPr id="6" name="Imagem 5">
+            <a:extLst>
+              <a:ext uri="{FF2B5EF4-FFF2-40B4-BE49-F238E27FC236}">
+                <a16:creationId xmlns:a16="http://schemas.microsoft.com/office/drawing/2014/main" id="{607C0326-11C4-4780-8D89-1DF18212AE2F}"/>
+              </a:ext>
+            </a:extLst>
+          </p:cNvPr>
+          <p:cNvPicPr>
+            <a:picLocks noChangeAspect="1"/>
+          </p:cNvPicPr>
+          <p:nvPr/>
+        </p:nvPicPr>
+        <p:blipFill>
+          <a:blip r:embed="rId2"/>
+          <a:stretch>
+            <a:fillRect/>
+          </a:stretch>
+        </p:blipFill>
+        <p:spPr>
+          <a:xfrm>
+            <a:off x="7530251" y="1567764"/>
+            <a:ext cx="2496065" cy="2857500"/>
+          </a:xfrm>
+          <a:prstGeom prst="rect">
+            <a:avLst/>
+          </a:prstGeom>
+        </p:spPr>
+      </p:pic>
+    </p:spTree>
+    <p:extLst>
+      <p:ext uri="{BB962C8B-B14F-4D97-AF65-F5344CB8AC3E}">
+        <p14:creationId xmlns:p14="http://schemas.microsoft.com/office/powerpoint/2010/main" val="1210789738"/>
+      </p:ext>
+    </p:extLst>
+  </p:cSld>
+  <p:clrMapOvr>
+    <a:masterClrMapping/>
+  </p:clrMapOvr>
+</p:sld>
+</file>
+
+<file path=ppt/slides/slide3.xml><?xml version="1.0" encoding="utf-8"?>
+<p:sld xmlns:a="http://schemas.openxmlformats.org/drawingml/2006/main" xmlns:r="http://schemas.openxmlformats.org/officeDocument/2006/relationships" xmlns:p="http://schemas.openxmlformats.org/presentationml/2006/main">
+  <p:cSld>
+    <p:spTree>
+      <p:nvGrpSpPr>
+        <p:cNvPr id="1" name=""/>
+        <p:cNvGrpSpPr/>
+        <p:nvPr/>
+      </p:nvGrpSpPr>
+      <p:grpSpPr>
+        <a:xfrm>
+          <a:off x="0" y="0"/>
+          <a:ext cx="0" cy="0"/>
+          <a:chOff x="0" y="0"/>
+          <a:chExt cx="0" cy="0"/>
+        </a:xfrm>
+      </p:grpSpPr>
+      <p:sp>
+        <p:nvSpPr>
+          <p:cNvPr id="3" name="Marcador de Posição de Conteúdo 2">
+            <a:extLst>
+              <a:ext uri="{FF2B5EF4-FFF2-40B4-BE49-F238E27FC236}">
+                <a16:creationId xmlns:a16="http://schemas.microsoft.com/office/drawing/2014/main" id="{F28DA115-C9E1-4744-990D-FD7B2D184121}"/>
+              </a:ext>
+            </a:extLst>
+          </p:cNvPr>
+          <p:cNvSpPr>
+            <a:spLocks noGrp="1"/>
+          </p:cNvSpPr>
+          <p:nvPr>
+            <p:ph idx="1"/>
+          </p:nvPr>
+        </p:nvSpPr>
+        <p:spPr>
+          <a:xfrm>
+            <a:off x="838200" y="288758"/>
+            <a:ext cx="10515600" cy="5888205"/>
+          </a:xfrm>
+        </p:spPr>
+        <p:txBody>
+          <a:bodyPr>
+            <a:normAutofit/>
+          </a:bodyPr>
+          <a:lstStyle/>
+          <a:p>
+            <a:pPr marL="0" indent="0">
+              <a:buNone/>
+            </a:pPr>
+            <a:r>
+              <a:rPr lang="pt-PT" sz="3200" b="1" dirty="0" err="1">
+                <a:latin typeface="Century Schoolbook" panose="02040604050505020304" pitchFamily="18" charset="0"/>
+              </a:rPr>
+              <a:t>What’s</a:t>
+            </a:r>
+            <a:r>
+              <a:rPr lang="pt-PT" sz="3200" b="1" dirty="0">
+                <a:latin typeface="Century Schoolbook" panose="02040604050505020304" pitchFamily="18" charset="0"/>
+              </a:rPr>
+              <a:t> a software </a:t>
+            </a:r>
+            <a:r>
+              <a:rPr lang="pt-PT" sz="3200" b="1" dirty="0" err="1">
+                <a:latin typeface="Century Schoolbook" panose="02040604050505020304" pitchFamily="18" charset="0"/>
+              </a:rPr>
+              <a:t>phase</a:t>
+            </a:r>
+            <a:r>
+              <a:rPr lang="pt-PT" sz="3200" b="1" dirty="0">
+                <a:latin typeface="Century Schoolbook" panose="02040604050505020304" pitchFamily="18" charset="0"/>
+              </a:rPr>
+              <a:t>?</a:t>
+            </a:r>
+          </a:p>
+          <a:p>
+            <a:endParaRPr lang="pt-PT" sz="3200" b="1" dirty="0">
+              <a:latin typeface="Century Schoolbook" panose="02040604050505020304" pitchFamily="18" charset="0"/>
+            </a:endParaRPr>
+          </a:p>
+          <a:p>
+            <a:r>
+              <a:rPr lang="pt-PT" sz="3200" dirty="0">
+                <a:latin typeface="Century Schoolbook" panose="02040604050505020304" pitchFamily="18" charset="0"/>
+              </a:rPr>
+              <a:t>Series </a:t>
+            </a:r>
+            <a:r>
+              <a:rPr lang="pt-PT" sz="3200" dirty="0" err="1">
+                <a:latin typeface="Century Schoolbook" panose="02040604050505020304" pitchFamily="18" charset="0"/>
+              </a:rPr>
+              <a:t>of</a:t>
+            </a:r>
+            <a:r>
+              <a:rPr lang="pt-PT" sz="3200" dirty="0">
+                <a:latin typeface="Century Schoolbook" panose="02040604050505020304" pitchFamily="18" charset="0"/>
+              </a:rPr>
+              <a:t> </a:t>
+            </a:r>
+            <a:r>
+              <a:rPr lang="pt-PT" sz="3200" dirty="0" err="1">
+                <a:latin typeface="Century Schoolbook" panose="02040604050505020304" pitchFamily="18" charset="0"/>
+              </a:rPr>
+              <a:t>cycles</a:t>
+            </a:r>
+            <a:r>
+              <a:rPr lang="pt-PT" sz="3200" dirty="0">
+                <a:latin typeface="Century Schoolbook" panose="02040604050505020304" pitchFamily="18" charset="0"/>
+              </a:rPr>
+              <a:t>;</a:t>
+            </a:r>
+          </a:p>
+          <a:p>
+            <a:endParaRPr lang="pt-PT" sz="3200" dirty="0">
+              <a:latin typeface="Century Schoolbook" panose="02040604050505020304" pitchFamily="18" charset="0"/>
+            </a:endParaRPr>
+          </a:p>
+          <a:p>
+            <a:endParaRPr lang="pt-PT" sz="3200" u="sng" dirty="0">
+              <a:latin typeface="Century Schoolbook" panose="02040604050505020304" pitchFamily="18" charset="0"/>
+            </a:endParaRPr>
+          </a:p>
+          <a:p>
+            <a:r>
+              <a:rPr lang="pt-PT" sz="3200" dirty="0" err="1">
+                <a:latin typeface="Century Schoolbook" panose="02040604050505020304" pitchFamily="18" charset="0"/>
+              </a:rPr>
+              <a:t>Each</a:t>
+            </a:r>
+            <a:r>
+              <a:rPr lang="pt-PT" sz="3200" dirty="0">
+                <a:latin typeface="Century Schoolbook" panose="02040604050505020304" pitchFamily="18" charset="0"/>
+              </a:rPr>
+              <a:t> </a:t>
+            </a:r>
+            <a:r>
+              <a:rPr lang="pt-PT" sz="3200" dirty="0" err="1">
+                <a:latin typeface="Century Schoolbook" panose="02040604050505020304" pitchFamily="18" charset="0"/>
+              </a:rPr>
+              <a:t>cycle</a:t>
+            </a:r>
+            <a:r>
+              <a:rPr lang="pt-PT" sz="3200" dirty="0">
+                <a:latin typeface="Century Schoolbook" panose="02040604050505020304" pitchFamily="18" charset="0"/>
+              </a:rPr>
+              <a:t> </a:t>
+            </a:r>
+          </a:p>
+          <a:p>
+            <a:pPr marL="0" indent="0">
+              <a:buNone/>
+            </a:pPr>
+            <a:r>
+              <a:rPr lang="pt-PT" sz="3200" dirty="0" err="1">
+                <a:latin typeface="Century Schoolbook" panose="02040604050505020304" pitchFamily="18" charset="0"/>
+              </a:rPr>
+              <a:t>contains</a:t>
+            </a:r>
+            <a:r>
+              <a:rPr lang="pt-PT" sz="3200" dirty="0">
+                <a:latin typeface="Century Schoolbook" panose="02040604050505020304" pitchFamily="18" charset="0"/>
+              </a:rPr>
+              <a:t> </a:t>
+            </a:r>
+            <a:r>
+              <a:rPr lang="pt-PT" sz="3200" dirty="0" err="1">
+                <a:latin typeface="Century Schoolbook" panose="02040604050505020304" pitchFamily="18" charset="0"/>
+              </a:rPr>
+              <a:t>four</a:t>
+            </a:r>
+            <a:r>
+              <a:rPr lang="pt-PT" sz="3200" dirty="0">
+                <a:latin typeface="Century Schoolbook" panose="02040604050505020304" pitchFamily="18" charset="0"/>
+              </a:rPr>
+              <a:t> </a:t>
+            </a:r>
+            <a:r>
+              <a:rPr lang="pt-PT" sz="3200" dirty="0" err="1">
+                <a:latin typeface="Century Schoolbook" panose="02040604050505020304" pitchFamily="18" charset="0"/>
+              </a:rPr>
+              <a:t>phases</a:t>
+            </a:r>
+            <a:r>
+              <a:rPr lang="pt-PT" sz="3200" dirty="0">
+                <a:latin typeface="Century Schoolbook" panose="02040604050505020304" pitchFamily="18" charset="0"/>
+              </a:rPr>
+              <a:t>;</a:t>
+            </a:r>
+          </a:p>
+          <a:p>
+            <a:endParaRPr lang="pt-PT" sz="3200" dirty="0">
+              <a:latin typeface="Century Schoolbook" panose="02040604050505020304" pitchFamily="18" charset="0"/>
+            </a:endParaRPr>
+          </a:p>
+          <a:p>
+            <a:endParaRPr lang="pt-PT" sz="3200" dirty="0">
+              <a:latin typeface="Century Schoolbook" panose="02040604050505020304" pitchFamily="18" charset="0"/>
+            </a:endParaRPr>
+          </a:p>
+          <a:p>
+            <a:r>
+              <a:rPr lang="pt-PT" sz="3200" dirty="0" err="1">
+                <a:latin typeface="Century Schoolbook" panose="02040604050505020304" pitchFamily="18" charset="0"/>
+              </a:rPr>
+              <a:t>Span</a:t>
+            </a:r>
+            <a:r>
+              <a:rPr lang="pt-PT" sz="3200" dirty="0">
+                <a:latin typeface="Century Schoolbook" panose="02040604050505020304" pitchFamily="18" charset="0"/>
+              </a:rPr>
+              <a:t> </a:t>
+            </a:r>
+            <a:r>
+              <a:rPr lang="pt-PT" sz="3200" dirty="0" err="1">
+                <a:latin typeface="Century Schoolbook" panose="02040604050505020304" pitchFamily="18" charset="0"/>
+              </a:rPr>
+              <a:t>of</a:t>
+            </a:r>
+            <a:r>
+              <a:rPr lang="pt-PT" sz="3200" dirty="0">
+                <a:latin typeface="Century Schoolbook" panose="02040604050505020304" pitchFamily="18" charset="0"/>
+              </a:rPr>
+              <a:t> time </a:t>
+            </a:r>
+            <a:r>
+              <a:rPr lang="pt-PT" sz="3200" dirty="0" err="1">
+                <a:latin typeface="Century Schoolbook" panose="02040604050505020304" pitchFamily="18" charset="0"/>
+              </a:rPr>
+              <a:t>between</a:t>
+            </a:r>
+            <a:r>
+              <a:rPr lang="pt-PT" sz="3200" dirty="0">
+                <a:latin typeface="Century Schoolbook" panose="02040604050505020304" pitchFamily="18" charset="0"/>
+              </a:rPr>
+              <a:t> </a:t>
+            </a:r>
+            <a:r>
+              <a:rPr lang="pt-PT" sz="3200" dirty="0" err="1">
+                <a:latin typeface="Century Schoolbook" panose="02040604050505020304" pitchFamily="18" charset="0"/>
+              </a:rPr>
+              <a:t>two</a:t>
+            </a:r>
+            <a:r>
+              <a:rPr lang="pt-PT" sz="3200" dirty="0">
+                <a:latin typeface="Century Schoolbook" panose="02040604050505020304" pitchFamily="18" charset="0"/>
+              </a:rPr>
+              <a:t> major </a:t>
+            </a:r>
+            <a:r>
+              <a:rPr lang="pt-PT" sz="3200" dirty="0" err="1">
+                <a:latin typeface="Century Schoolbook" panose="02040604050505020304" pitchFamily="18" charset="0"/>
+              </a:rPr>
+              <a:t>milestones</a:t>
+            </a:r>
+            <a:r>
+              <a:rPr lang="pt-PT" sz="3200" dirty="0">
+                <a:latin typeface="Century Schoolbook" panose="02040604050505020304" pitchFamily="18" charset="0"/>
+              </a:rPr>
+              <a:t>.</a:t>
+            </a:r>
+          </a:p>
+        </p:txBody>
+      </p:sp>
+      <p:sp>
+        <p:nvSpPr>
+          <p:cNvPr id="4" name="Rectangle 6">
+            <a:extLst>
+              <a:ext uri="{FF2B5EF4-FFF2-40B4-BE49-F238E27FC236}">
+                <a16:creationId xmlns:a16="http://schemas.microsoft.com/office/drawing/2014/main" id="{6C3FBD15-BFE8-45CE-ACF0-3F2DFDEABB12}"/>
+              </a:ext>
+            </a:extLst>
+          </p:cNvPr>
+          <p:cNvSpPr/>
+          <p:nvPr/>
+        </p:nvSpPr>
+        <p:spPr>
+          <a:xfrm>
+            <a:off x="10479505" y="-1"/>
+            <a:ext cx="421106" cy="6858001"/>
+          </a:xfrm>
+          <a:prstGeom prst="rect">
+            <a:avLst/>
+          </a:prstGeom>
+          <a:solidFill>
+            <a:srgbClr val="98220B"/>
+          </a:solidFill>
+          <a:ln>
+            <a:noFill/>
+          </a:ln>
+        </p:spPr>
+        <p:style>
+          <a:lnRef idx="2">
+            <a:schemeClr val="accent1">
+              <a:shade val="50000"/>
+            </a:schemeClr>
+          </a:lnRef>
+          <a:fillRef idx="1">
+            <a:schemeClr val="accent1"/>
+          </a:fillRef>
+          <a:effectRef idx="0">
+            <a:schemeClr val="accent1"/>
+          </a:effectRef>
+          <a:fontRef idx="minor">
+            <a:schemeClr val="lt1"/>
+          </a:fontRef>
+        </p:style>
+        <p:txBody>
+          <a:bodyPr rtlCol="0" anchor="ctr"/>
+          <a:lstStyle/>
+          <a:p>
+            <a:pPr algn="ctr"/>
+            <a:endParaRPr lang="en-US"/>
+          </a:p>
+        </p:txBody>
+      </p:sp>
+      <p:pic>
+        <p:nvPicPr>
+          <p:cNvPr id="5" name="Imagem 4">
+            <a:extLst>
+              <a:ext uri="{FF2B5EF4-FFF2-40B4-BE49-F238E27FC236}">
+                <a16:creationId xmlns:a16="http://schemas.microsoft.com/office/drawing/2014/main" id="{1F49A358-4D33-4FBF-B70F-85982F90BF2D}"/>
+              </a:ext>
+            </a:extLst>
+          </p:cNvPr>
+          <p:cNvPicPr>
+            <a:picLocks noChangeAspect="1"/>
+          </p:cNvPicPr>
+          <p:nvPr/>
+        </p:nvPicPr>
+        <p:blipFill>
+          <a:blip r:embed="rId2"/>
+          <a:stretch>
+            <a:fillRect/>
+          </a:stretch>
+        </p:blipFill>
+        <p:spPr>
+          <a:xfrm>
+            <a:off x="5079865" y="1257300"/>
+            <a:ext cx="5104365" cy="3664885"/>
+          </a:xfrm>
+          <a:prstGeom prst="rect">
+            <a:avLst/>
+          </a:prstGeom>
+        </p:spPr>
+      </p:pic>
+    </p:spTree>
+    <p:extLst>
+      <p:ext uri="{BB962C8B-B14F-4D97-AF65-F5344CB8AC3E}">
+        <p14:creationId xmlns:p14="http://schemas.microsoft.com/office/powerpoint/2010/main" val="2710874472"/>
+      </p:ext>
+    </p:extLst>
+  </p:cSld>
+  <p:clrMapOvr>
+    <a:masterClrMapping/>
+  </p:clrMapOvr>
+</p:sld>
+</file>
+
+<file path=ppt/slides/slide4.xml><?xml version="1.0" encoding="utf-8"?>
+<p:sld xmlns:a="http://schemas.openxmlformats.org/drawingml/2006/main" xmlns:r="http://schemas.openxmlformats.org/officeDocument/2006/relationships" xmlns:p="http://schemas.openxmlformats.org/presentationml/2006/main">
+  <p:cSld>
+    <p:spTree>
+      <p:nvGrpSpPr>
+        <p:cNvPr id="1" name=""/>
+        <p:cNvGrpSpPr/>
+        <p:nvPr/>
+      </p:nvGrpSpPr>
+      <p:grpSpPr>
+        <a:xfrm>
+          <a:off x="0" y="0"/>
+          <a:ext cx="0" cy="0"/>
+          <a:chOff x="0" y="0"/>
+          <a:chExt cx="0" cy="0"/>
+        </a:xfrm>
+      </p:grpSpPr>
+      <p:sp>
+        <p:nvSpPr>
+          <p:cNvPr id="2" name="Título 1">
+            <a:extLst>
+              <a:ext uri="{FF2B5EF4-FFF2-40B4-BE49-F238E27FC236}">
+                <a16:creationId xmlns:a16="http://schemas.microsoft.com/office/drawing/2014/main" id="{ED78C005-64A3-4B5F-8086-D74FB5E2C841}"/>
+              </a:ext>
+            </a:extLst>
+          </p:cNvPr>
+          <p:cNvSpPr>
+            <a:spLocks noGrp="1"/>
+          </p:cNvSpPr>
+          <p:nvPr>
+            <p:ph type="ctrTitle"/>
+          </p:nvPr>
+        </p:nvSpPr>
+        <p:spPr>
+          <a:xfrm>
+            <a:off x="1524000" y="1122363"/>
+            <a:ext cx="9144000" cy="931026"/>
+          </a:xfrm>
+        </p:spPr>
+        <p:txBody>
+          <a:bodyPr/>
+          <a:lstStyle/>
+          <a:p>
+            <a:r>
+              <a:rPr lang="pt-PT" dirty="0" err="1">
+                <a:latin typeface="Century Schoolbook" panose="02040604050505020304" pitchFamily="18" charset="0"/>
+              </a:rPr>
+              <a:t>Inception</a:t>
+            </a:r>
+            <a:endParaRPr lang="pt-PT" dirty="0">
+              <a:latin typeface="Century Schoolbook" panose="02040604050505020304" pitchFamily="18" charset="0"/>
+            </a:endParaRPr>
+          </a:p>
+        </p:txBody>
+      </p:sp>
+      <p:sp>
+        <p:nvSpPr>
+          <p:cNvPr id="3" name="Subtítulo 2">
+            <a:extLst>
+              <a:ext uri="{FF2B5EF4-FFF2-40B4-BE49-F238E27FC236}">
+                <a16:creationId xmlns:a16="http://schemas.microsoft.com/office/drawing/2014/main" id="{84495AA4-DBAC-4DBA-B2DA-6BBD805F0401}"/>
+              </a:ext>
+            </a:extLst>
+          </p:cNvPr>
+          <p:cNvSpPr>
+            <a:spLocks noGrp="1"/>
+          </p:cNvSpPr>
+          <p:nvPr>
+            <p:ph type="subTitle" idx="1"/>
+          </p:nvPr>
+        </p:nvSpPr>
+        <p:spPr>
+          <a:xfrm>
+            <a:off x="1379621" y="3625516"/>
+            <a:ext cx="9144000" cy="978569"/>
+          </a:xfrm>
+        </p:spPr>
+        <p:txBody>
+          <a:bodyPr>
+            <a:normAutofit/>
+          </a:bodyPr>
+          <a:lstStyle/>
+          <a:p>
+            <a:r>
+              <a:rPr lang="pt-PT" sz="3200" b="1" dirty="0" err="1">
+                <a:latin typeface="Century Schoolbook" panose="02040604050505020304" pitchFamily="18" charset="0"/>
+              </a:rPr>
+              <a:t>The</a:t>
+            </a:r>
+            <a:r>
+              <a:rPr lang="pt-PT" sz="3200" b="1" dirty="0">
+                <a:latin typeface="Century Schoolbook" panose="02040604050505020304" pitchFamily="18" charset="0"/>
+              </a:rPr>
+              <a:t> </a:t>
+            </a:r>
+            <a:r>
+              <a:rPr lang="pt-PT" sz="3200" b="1" dirty="0" err="1">
+                <a:latin typeface="Century Schoolbook" panose="02040604050505020304" pitchFamily="18" charset="0"/>
+              </a:rPr>
+              <a:t>first</a:t>
+            </a:r>
+            <a:r>
+              <a:rPr lang="pt-PT" sz="3200" b="1" dirty="0">
+                <a:latin typeface="Century Schoolbook" panose="02040604050505020304" pitchFamily="18" charset="0"/>
+              </a:rPr>
+              <a:t> </a:t>
+            </a:r>
+            <a:r>
+              <a:rPr lang="pt-PT" sz="3200" b="1" dirty="0" err="1">
+                <a:latin typeface="Century Schoolbook" panose="02040604050505020304" pitchFamily="18" charset="0"/>
+              </a:rPr>
+              <a:t>phase</a:t>
+            </a:r>
+            <a:endParaRPr lang="pt-PT" sz="3200" b="1" dirty="0">
+              <a:latin typeface="Century Schoolbook" panose="02040604050505020304" pitchFamily="18" charset="0"/>
+            </a:endParaRPr>
+          </a:p>
+        </p:txBody>
+      </p:sp>
+      <p:sp>
+        <p:nvSpPr>
+          <p:cNvPr id="4" name="Rectangle 6">
+            <a:extLst>
+              <a:ext uri="{FF2B5EF4-FFF2-40B4-BE49-F238E27FC236}">
+                <a16:creationId xmlns:a16="http://schemas.microsoft.com/office/drawing/2014/main" id="{9CEA3529-83DF-4497-9CC5-80CF194FF449}"/>
+              </a:ext>
+            </a:extLst>
+          </p:cNvPr>
+          <p:cNvSpPr/>
+          <p:nvPr/>
+        </p:nvSpPr>
+        <p:spPr>
+          <a:xfrm>
+            <a:off x="10479505" y="-1"/>
+            <a:ext cx="421106" cy="6858001"/>
+          </a:xfrm>
+          <a:prstGeom prst="rect">
+            <a:avLst/>
+          </a:prstGeom>
+          <a:solidFill>
+            <a:srgbClr val="98220B"/>
+          </a:solidFill>
+          <a:ln>
+            <a:noFill/>
+          </a:ln>
+        </p:spPr>
+        <p:style>
+          <a:lnRef idx="2">
+            <a:schemeClr val="accent1">
+              <a:shade val="50000"/>
+            </a:schemeClr>
+          </a:lnRef>
+          <a:fillRef idx="1">
+            <a:schemeClr val="accent1"/>
+          </a:fillRef>
+          <a:effectRef idx="0">
+            <a:schemeClr val="accent1"/>
+          </a:effectRef>
+          <a:fontRef idx="minor">
+            <a:schemeClr val="lt1"/>
+          </a:fontRef>
+        </p:style>
+        <p:txBody>
+          <a:bodyPr rtlCol="0" anchor="ctr"/>
+          <a:lstStyle/>
+          <a:p>
+            <a:pPr algn="ctr"/>
+            <a:endParaRPr lang="en-US"/>
+          </a:p>
+        </p:txBody>
+      </p:sp>
+    </p:spTree>
+    <p:extLst>
+      <p:ext uri="{BB962C8B-B14F-4D97-AF65-F5344CB8AC3E}">
+        <p14:creationId xmlns:p14="http://schemas.microsoft.com/office/powerpoint/2010/main" val="1902795057"/>
+      </p:ext>
+    </p:extLst>
+  </p:cSld>
+  <p:clrMapOvr>
+    <a:masterClrMapping/>
+  </p:clrMapOvr>
+</p:sld>
+</file>
+
+<file path=ppt/slides/slide5.xml><?xml version="1.0" encoding="utf-8"?>
+<p:sld xmlns:a="http://schemas.openxmlformats.org/drawingml/2006/main" xmlns:r="http://schemas.openxmlformats.org/officeDocument/2006/relationships" xmlns:p="http://schemas.openxmlformats.org/presentationml/2006/main">
+  <p:cSld>
+    <p:spTree>
+      <p:nvGrpSpPr>
+        <p:cNvPr id="1" name=""/>
+        <p:cNvGrpSpPr/>
+        <p:nvPr/>
+      </p:nvGrpSpPr>
+      <p:grpSpPr>
+        <a:xfrm>
+          <a:off x="0" y="0"/>
+          <a:ext cx="0" cy="0"/>
+          <a:chOff x="0" y="0"/>
+          <a:chExt cx="0" cy="0"/>
+        </a:xfrm>
+      </p:grpSpPr>
+      <p:sp>
+        <p:nvSpPr>
+          <p:cNvPr id="2" name="Título 1">
+            <a:extLst>
+              <a:ext uri="{FF2B5EF4-FFF2-40B4-BE49-F238E27FC236}">
+                <a16:creationId xmlns:a16="http://schemas.microsoft.com/office/drawing/2014/main" id="{CCD32CD9-98EB-41D1-ABEB-024EB46BA88C}"/>
+              </a:ext>
+            </a:extLst>
+          </p:cNvPr>
+          <p:cNvSpPr>
+            <a:spLocks noGrp="1"/>
+          </p:cNvSpPr>
+          <p:nvPr>
+            <p:ph type="title"/>
+          </p:nvPr>
+        </p:nvSpPr>
+        <p:spPr>
+          <a:xfrm>
+            <a:off x="838200" y="365125"/>
+            <a:ext cx="10515600" cy="1399507"/>
+          </a:xfrm>
+        </p:spPr>
+        <p:txBody>
+          <a:bodyPr>
+            <a:normAutofit/>
+          </a:bodyPr>
+          <a:lstStyle/>
+          <a:p>
+            <a:pPr algn="ctr"/>
+            <a:r>
+              <a:rPr lang="pt-PT" sz="3200" dirty="0" err="1">
+                <a:latin typeface="Century Schoolbook" panose="02040604050505020304" pitchFamily="18" charset="0"/>
+              </a:rPr>
+              <a:t>Inception</a:t>
+            </a:r>
+            <a:endParaRPr lang="pt-PT" sz="3200" dirty="0">
+              <a:latin typeface="Century Schoolbook" panose="02040604050505020304" pitchFamily="18" charset="0"/>
+            </a:endParaRPr>
+          </a:p>
+        </p:txBody>
+      </p:sp>
+      <p:sp>
+        <p:nvSpPr>
+          <p:cNvPr id="3" name="Marcador de Posição de Conteúdo 2">
+            <a:extLst>
+              <a:ext uri="{FF2B5EF4-FFF2-40B4-BE49-F238E27FC236}">
+                <a16:creationId xmlns:a16="http://schemas.microsoft.com/office/drawing/2014/main" id="{023B8A6E-84E8-4F92-A936-5A97022F5F7B}"/>
+              </a:ext>
+            </a:extLst>
+          </p:cNvPr>
+          <p:cNvSpPr>
+            <a:spLocks noGrp="1"/>
+          </p:cNvSpPr>
+          <p:nvPr>
+            <p:ph idx="1"/>
+          </p:nvPr>
+        </p:nvSpPr>
+        <p:spPr>
+          <a:xfrm>
+            <a:off x="838200" y="1825624"/>
+            <a:ext cx="10515600" cy="4867783"/>
+          </a:xfrm>
+        </p:spPr>
+        <p:txBody>
+          <a:bodyPr>
+            <a:normAutofit/>
+          </a:bodyPr>
+          <a:lstStyle/>
+          <a:p>
+            <a:pPr marL="0" indent="0">
+              <a:buNone/>
+            </a:pPr>
+            <a:endParaRPr lang="pt-PT" u="sng" dirty="0">
+              <a:latin typeface="Century Schoolbook" panose="02040604050505020304" pitchFamily="18" charset="0"/>
+            </a:endParaRPr>
+          </a:p>
+          <a:p>
+            <a:pPr marL="0" indent="0">
+              <a:buNone/>
+            </a:pPr>
+            <a:r>
+              <a:rPr lang="pt-PT" b="1" dirty="0" err="1">
+                <a:latin typeface="Century Schoolbook" panose="02040604050505020304" pitchFamily="18" charset="0"/>
+              </a:rPr>
+              <a:t>Goal</a:t>
+            </a:r>
+            <a:r>
+              <a:rPr lang="pt-PT" dirty="0">
+                <a:latin typeface="Century Schoolbook" panose="02040604050505020304" pitchFamily="18" charset="0"/>
+              </a:rPr>
+              <a:t>: </a:t>
+            </a:r>
+            <a:r>
+              <a:rPr lang="pt-PT" sz="2200" dirty="0" err="1">
+                <a:latin typeface="Century Schoolbook" panose="02040604050505020304" pitchFamily="18" charset="0"/>
+              </a:rPr>
+              <a:t>viability</a:t>
+            </a:r>
+            <a:r>
+              <a:rPr lang="pt-PT" sz="2200" dirty="0">
+                <a:latin typeface="Century Schoolbook" panose="02040604050505020304" pitchFamily="18" charset="0"/>
+              </a:rPr>
+              <a:t> </a:t>
+            </a:r>
+            <a:r>
+              <a:rPr lang="pt-PT" sz="2200" dirty="0" err="1">
+                <a:latin typeface="Century Schoolbook" panose="02040604050505020304" pitchFamily="18" charset="0"/>
+              </a:rPr>
+              <a:t>of</a:t>
+            </a:r>
+            <a:r>
+              <a:rPr lang="pt-PT" sz="2200" dirty="0">
+                <a:latin typeface="Century Schoolbook" panose="02040604050505020304" pitchFamily="18" charset="0"/>
+              </a:rPr>
+              <a:t> </a:t>
+            </a:r>
+            <a:r>
+              <a:rPr lang="pt-PT" sz="2200" dirty="0" err="1">
+                <a:latin typeface="Century Schoolbook" panose="02040604050505020304" pitchFamily="18" charset="0"/>
+              </a:rPr>
+              <a:t>the</a:t>
+            </a:r>
+            <a:r>
+              <a:rPr lang="pt-PT" sz="2200" dirty="0">
+                <a:latin typeface="Century Schoolbook" panose="02040604050505020304" pitchFamily="18" charset="0"/>
+              </a:rPr>
+              <a:t> </a:t>
+            </a:r>
+            <a:r>
+              <a:rPr lang="pt-PT" sz="2200" dirty="0" err="1">
+                <a:latin typeface="Century Schoolbook" panose="02040604050505020304" pitchFamily="18" charset="0"/>
+              </a:rPr>
+              <a:t>proposed</a:t>
+            </a:r>
+            <a:r>
+              <a:rPr lang="pt-PT" sz="2200" dirty="0">
+                <a:latin typeface="Century Schoolbook" panose="02040604050505020304" pitchFamily="18" charset="0"/>
+              </a:rPr>
+              <a:t> </a:t>
+            </a:r>
+            <a:r>
+              <a:rPr lang="pt-PT" sz="2200" dirty="0" err="1">
+                <a:latin typeface="Century Schoolbook" panose="02040604050505020304" pitchFamily="18" charset="0"/>
+              </a:rPr>
+              <a:t>system</a:t>
+            </a:r>
+            <a:r>
+              <a:rPr lang="pt-PT" sz="2200" dirty="0">
+                <a:latin typeface="Century Schoolbook" panose="02040604050505020304" pitchFamily="18" charset="0"/>
+              </a:rPr>
+              <a:t>.</a:t>
+            </a:r>
+          </a:p>
+          <a:p>
+            <a:pPr marL="0" indent="0">
+              <a:buNone/>
+            </a:pPr>
+            <a:endParaRPr lang="pt-PT" u="sng" dirty="0">
+              <a:latin typeface="Century Schoolbook" panose="02040604050505020304" pitchFamily="18" charset="0"/>
+            </a:endParaRPr>
+          </a:p>
+          <a:p>
+            <a:pPr marL="0" indent="0">
+              <a:buNone/>
+            </a:pPr>
+            <a:r>
+              <a:rPr lang="pt-PT" b="1" dirty="0" err="1">
+                <a:latin typeface="Century Schoolbook" panose="02040604050505020304" pitchFamily="18" charset="0"/>
+              </a:rPr>
+              <a:t>Tasks</a:t>
+            </a:r>
+            <a:r>
+              <a:rPr lang="pt-PT" u="sng" dirty="0">
+                <a:latin typeface="Century Schoolbook" panose="02040604050505020304" pitchFamily="18" charset="0"/>
+              </a:rPr>
+              <a:t>:</a:t>
+            </a:r>
+          </a:p>
+          <a:p>
+            <a:pPr marL="0" indent="0">
+              <a:buNone/>
+            </a:pPr>
+            <a:endParaRPr lang="pt-PT" dirty="0">
+              <a:latin typeface="Century Schoolbook" panose="02040604050505020304" pitchFamily="18" charset="0"/>
+            </a:endParaRPr>
+          </a:p>
+          <a:p>
+            <a:r>
+              <a:rPr lang="pt-PT" sz="2200" dirty="0" err="1">
+                <a:latin typeface="Century Schoolbook" panose="02040604050505020304" pitchFamily="18" charset="0"/>
+              </a:rPr>
+              <a:t>System’s</a:t>
+            </a:r>
+            <a:r>
+              <a:rPr lang="pt-PT" sz="2200" dirty="0">
+                <a:latin typeface="Century Schoolbook" panose="02040604050505020304" pitchFamily="18" charset="0"/>
+              </a:rPr>
+              <a:t> scope;</a:t>
+            </a:r>
+          </a:p>
+          <a:p>
+            <a:r>
+              <a:rPr lang="pt-PT" sz="2200" dirty="0" err="1">
+                <a:latin typeface="Century Schoolbook" panose="02040604050505020304" pitchFamily="18" charset="0"/>
+              </a:rPr>
+              <a:t>Outlining</a:t>
+            </a:r>
+            <a:r>
+              <a:rPr lang="pt-PT" sz="2200" dirty="0">
+                <a:latin typeface="Century Schoolbook" panose="02040604050505020304" pitchFamily="18" charset="0"/>
+              </a:rPr>
+              <a:t> a candidate </a:t>
+            </a:r>
+            <a:r>
+              <a:rPr lang="pt-PT" sz="2200" dirty="0" err="1">
+                <a:latin typeface="Century Schoolbook" panose="02040604050505020304" pitchFamily="18" charset="0"/>
+              </a:rPr>
+              <a:t>architecture</a:t>
+            </a:r>
+            <a:r>
+              <a:rPr lang="pt-PT" sz="2200" dirty="0">
+                <a:latin typeface="Century Schoolbook" panose="02040604050505020304" pitchFamily="18" charset="0"/>
+              </a:rPr>
+              <a:t>;</a:t>
+            </a:r>
+          </a:p>
+          <a:p>
+            <a:r>
+              <a:rPr lang="pt-PT" sz="2200" dirty="0" err="1">
+                <a:latin typeface="Century Schoolbook" panose="02040604050505020304" pitchFamily="18" charset="0"/>
+              </a:rPr>
+              <a:t>Indentify</a:t>
+            </a:r>
+            <a:r>
+              <a:rPr lang="pt-PT" sz="2200" dirty="0">
+                <a:latin typeface="Century Schoolbook" panose="02040604050505020304" pitchFamily="18" charset="0"/>
+              </a:rPr>
+              <a:t> </a:t>
+            </a:r>
+            <a:r>
+              <a:rPr lang="pt-PT" sz="2200" dirty="0" err="1">
+                <a:latin typeface="Century Schoolbook" panose="02040604050505020304" pitchFamily="18" charset="0"/>
+              </a:rPr>
+              <a:t>risks</a:t>
+            </a:r>
+            <a:r>
+              <a:rPr lang="pt-PT" sz="2200" dirty="0">
+                <a:latin typeface="Century Schoolbook" panose="02040604050505020304" pitchFamily="18" charset="0"/>
+              </a:rPr>
+              <a:t>;</a:t>
+            </a:r>
+          </a:p>
+          <a:p>
+            <a:r>
+              <a:rPr lang="pt-PT" sz="2200" dirty="0" err="1">
+                <a:latin typeface="Century Schoolbook" panose="02040604050505020304" pitchFamily="18" charset="0"/>
+              </a:rPr>
+              <a:t>Start</a:t>
+            </a:r>
+            <a:r>
+              <a:rPr lang="pt-PT" sz="2200" dirty="0">
+                <a:latin typeface="Century Schoolbook" panose="02040604050505020304" pitchFamily="18" charset="0"/>
+              </a:rPr>
+              <a:t> </a:t>
+            </a:r>
+            <a:r>
+              <a:rPr lang="pt-PT" sz="2200" dirty="0" err="1">
+                <a:latin typeface="Century Schoolbook" panose="02040604050505020304" pitchFamily="18" charset="0"/>
+              </a:rPr>
+              <a:t>the</a:t>
+            </a:r>
+            <a:r>
+              <a:rPr lang="pt-PT" sz="2200" dirty="0">
+                <a:latin typeface="Century Schoolbook" panose="02040604050505020304" pitchFamily="18" charset="0"/>
+              </a:rPr>
+              <a:t> business.</a:t>
+            </a:r>
+          </a:p>
+          <a:p>
+            <a:endParaRPr lang="pt-PT" u="sng" dirty="0">
+              <a:latin typeface="Century Schoolbook" panose="02040604050505020304" pitchFamily="18" charset="0"/>
+            </a:endParaRPr>
+          </a:p>
+          <a:p>
+            <a:pPr marL="0" indent="0">
+              <a:buNone/>
+            </a:pPr>
+            <a:endParaRPr lang="pt-PT" u="sng" dirty="0">
+              <a:latin typeface="Century Schoolbook" panose="02040604050505020304" pitchFamily="18" charset="0"/>
+            </a:endParaRPr>
+          </a:p>
+          <a:p>
+            <a:endParaRPr lang="pt-PT" u="sng" dirty="0">
+              <a:latin typeface="Century Schoolbook" panose="02040604050505020304" pitchFamily="18" charset="0"/>
+            </a:endParaRPr>
+          </a:p>
+          <a:p>
+            <a:endParaRPr lang="pt-PT" u="sng" dirty="0">
+              <a:latin typeface="Century Schoolbook" panose="02040604050505020304" pitchFamily="18" charset="0"/>
+            </a:endParaRPr>
+          </a:p>
+        </p:txBody>
+      </p:sp>
+      <p:sp>
+        <p:nvSpPr>
+          <p:cNvPr id="4" name="Rectangle 6">
+            <a:extLst>
+              <a:ext uri="{FF2B5EF4-FFF2-40B4-BE49-F238E27FC236}">
+                <a16:creationId xmlns:a16="http://schemas.microsoft.com/office/drawing/2014/main" id="{3533A70B-0E51-470E-8DD0-C709F70AA9DC}"/>
+              </a:ext>
+            </a:extLst>
+          </p:cNvPr>
+          <p:cNvSpPr/>
+          <p:nvPr/>
+        </p:nvSpPr>
+        <p:spPr>
+          <a:xfrm>
+            <a:off x="10479505" y="-1"/>
+            <a:ext cx="421106" cy="6858001"/>
+          </a:xfrm>
+          <a:prstGeom prst="rect">
+            <a:avLst/>
+          </a:prstGeom>
+          <a:solidFill>
+            <a:srgbClr val="98220B"/>
+          </a:solidFill>
+          <a:ln>
+            <a:noFill/>
+          </a:ln>
+        </p:spPr>
+        <p:style>
+          <a:lnRef idx="2">
+            <a:schemeClr val="accent1">
+              <a:shade val="50000"/>
+            </a:schemeClr>
+          </a:lnRef>
+          <a:fillRef idx="1">
+            <a:schemeClr val="accent1"/>
+          </a:fillRef>
+          <a:effectRef idx="0">
+            <a:schemeClr val="accent1"/>
+          </a:effectRef>
+          <a:fontRef idx="minor">
+            <a:schemeClr val="lt1"/>
+          </a:fontRef>
+        </p:style>
+        <p:txBody>
+          <a:bodyPr rtlCol="0" anchor="ctr"/>
+          <a:lstStyle/>
+          <a:p>
+            <a:pPr algn="ctr"/>
+            <a:endParaRPr lang="en-US"/>
+          </a:p>
+        </p:txBody>
+      </p:sp>
+      <p:pic>
+        <p:nvPicPr>
+          <p:cNvPr id="7" name="Imagem 6">
+            <a:extLst>
+              <a:ext uri="{FF2B5EF4-FFF2-40B4-BE49-F238E27FC236}">
+                <a16:creationId xmlns:a16="http://schemas.microsoft.com/office/drawing/2014/main" id="{C0BAECD0-F67C-4161-83F5-C4C9F1EFF3F5}"/>
+              </a:ext>
+            </a:extLst>
+          </p:cNvPr>
+          <p:cNvPicPr>
+            <a:picLocks noChangeAspect="1"/>
+          </p:cNvPicPr>
+          <p:nvPr/>
+        </p:nvPicPr>
+        <p:blipFill>
+          <a:blip r:embed="rId2"/>
+          <a:stretch>
+            <a:fillRect/>
+          </a:stretch>
+        </p:blipFill>
+        <p:spPr>
+          <a:xfrm>
+            <a:off x="5717894" y="3749159"/>
+            <a:ext cx="4632433" cy="2606976"/>
+          </a:xfrm>
+          <a:prstGeom prst="rect">
+            <a:avLst/>
+          </a:prstGeom>
+        </p:spPr>
+      </p:pic>
+    </p:spTree>
+    <p:extLst>
+      <p:ext uri="{BB962C8B-B14F-4D97-AF65-F5344CB8AC3E}">
+        <p14:creationId xmlns:p14="http://schemas.microsoft.com/office/powerpoint/2010/main" val="2325116447"/>
+      </p:ext>
+    </p:extLst>
+  </p:cSld>
+  <p:clrMapOvr>
+    <a:masterClrMapping/>
+  </p:clrMapOvr>
+</p:sld>
+</file>
+
+<file path=ppt/slides/slide6.xml><?xml version="1.0" encoding="utf-8"?>
+<p:sld xmlns:a="http://schemas.openxmlformats.org/drawingml/2006/main" xmlns:r="http://schemas.openxmlformats.org/officeDocument/2006/relationships" xmlns:p="http://schemas.openxmlformats.org/presentationml/2006/main">
+  <p:cSld>
+    <p:spTree>
+      <p:nvGrpSpPr>
+        <p:cNvPr id="1" name=""/>
+        <p:cNvGrpSpPr/>
+        <p:nvPr/>
+      </p:nvGrpSpPr>
+      <p:grpSpPr>
+        <a:xfrm>
+          <a:off x="0" y="0"/>
+          <a:ext cx="0" cy="0"/>
+          <a:chOff x="0" y="0"/>
+          <a:chExt cx="0" cy="0"/>
+        </a:xfrm>
+      </p:grpSpPr>
+      <p:sp>
+        <p:nvSpPr>
+          <p:cNvPr id="2" name="Título 1">
+            <a:extLst>
+              <a:ext uri="{FF2B5EF4-FFF2-40B4-BE49-F238E27FC236}">
+                <a16:creationId xmlns:a16="http://schemas.microsoft.com/office/drawing/2014/main" id="{DB9F03F6-92EA-4E9C-BC44-832711CBD347}"/>
+              </a:ext>
+            </a:extLst>
+          </p:cNvPr>
+          <p:cNvSpPr>
+            <a:spLocks noGrp="1"/>
+          </p:cNvSpPr>
+          <p:nvPr>
+            <p:ph type="title"/>
+          </p:nvPr>
+        </p:nvSpPr>
+        <p:spPr/>
+        <p:txBody>
+          <a:bodyPr/>
+          <a:lstStyle/>
+          <a:p>
+            <a:r>
+              <a:rPr lang="pt-PT" dirty="0"/>
+              <a:t>			       </a:t>
+            </a:r>
+            <a:r>
+              <a:rPr lang="pt-PT" dirty="0" err="1">
+                <a:latin typeface="Century Schoolbook" panose="02040604050505020304" pitchFamily="18" charset="0"/>
+              </a:rPr>
+              <a:t>Inception</a:t>
+            </a:r>
+            <a:r>
+              <a:rPr lang="pt-PT" dirty="0">
+                <a:latin typeface="Century Schoolbook" panose="02040604050505020304" pitchFamily="18" charset="0"/>
+              </a:rPr>
+              <a:t> </a:t>
+            </a:r>
+            <a:r>
+              <a:rPr lang="pt-PT" dirty="0"/>
+              <a:t>	</a:t>
+            </a:r>
+          </a:p>
+        </p:txBody>
+      </p:sp>
+      <p:sp>
+        <p:nvSpPr>
+          <p:cNvPr id="3" name="Marcador de Posição de Conteúdo 2">
+            <a:extLst>
+              <a:ext uri="{FF2B5EF4-FFF2-40B4-BE49-F238E27FC236}">
+                <a16:creationId xmlns:a16="http://schemas.microsoft.com/office/drawing/2014/main" id="{1A448776-B1D3-4BA3-A6C5-447FCEBE0125}"/>
+              </a:ext>
+            </a:extLst>
+          </p:cNvPr>
+          <p:cNvSpPr>
+            <a:spLocks noGrp="1"/>
+          </p:cNvSpPr>
+          <p:nvPr>
+            <p:ph idx="1"/>
+          </p:nvPr>
+        </p:nvSpPr>
+        <p:spPr>
+          <a:xfrm>
+            <a:off x="254000" y="1825625"/>
+            <a:ext cx="11938000" cy="4351338"/>
+          </a:xfrm>
+        </p:spPr>
+        <p:txBody>
+          <a:bodyPr>
+            <a:normAutofit lnSpcReduction="10000"/>
+          </a:bodyPr>
+          <a:lstStyle/>
+          <a:p>
+            <a:pPr marL="0" indent="0">
+              <a:buNone/>
+            </a:pPr>
+            <a:r>
+              <a:rPr lang="pt-PT" b="1" dirty="0" err="1">
+                <a:latin typeface="Century Schoolbook" panose="02040604050505020304" pitchFamily="18" charset="0"/>
+              </a:rPr>
+              <a:t>When</a:t>
+            </a:r>
+            <a:r>
+              <a:rPr lang="pt-PT" b="1" dirty="0">
+                <a:latin typeface="Century Schoolbook" panose="02040604050505020304" pitchFamily="18" charset="0"/>
+              </a:rPr>
+              <a:t> can </a:t>
+            </a:r>
+            <a:r>
+              <a:rPr lang="pt-PT" b="1" dirty="0" err="1">
+                <a:latin typeface="Century Schoolbook" panose="02040604050505020304" pitchFamily="18" charset="0"/>
+              </a:rPr>
+              <a:t>we</a:t>
+            </a:r>
+            <a:r>
+              <a:rPr lang="pt-PT" b="1" dirty="0">
+                <a:latin typeface="Century Schoolbook" panose="02040604050505020304" pitchFamily="18" charset="0"/>
+              </a:rPr>
+              <a:t> move </a:t>
+            </a:r>
+            <a:r>
+              <a:rPr lang="pt-PT" b="1" dirty="0" err="1">
+                <a:latin typeface="Century Schoolbook" panose="02040604050505020304" pitchFamily="18" charset="0"/>
+              </a:rPr>
+              <a:t>on</a:t>
+            </a:r>
+            <a:r>
+              <a:rPr lang="pt-PT" b="1" dirty="0">
+                <a:latin typeface="Century Schoolbook" panose="02040604050505020304" pitchFamily="18" charset="0"/>
+              </a:rPr>
+              <a:t>?</a:t>
+            </a:r>
+          </a:p>
+          <a:p>
+            <a:pPr marL="0" indent="0">
+              <a:buNone/>
+            </a:pPr>
+            <a:endParaRPr lang="pt-PT" dirty="0">
+              <a:latin typeface="Century Schoolbook" panose="02040604050505020304" pitchFamily="18" charset="0"/>
+            </a:endParaRPr>
+          </a:p>
+          <a:p>
+            <a:pPr marL="0" indent="0">
+              <a:buNone/>
+            </a:pPr>
+            <a:r>
+              <a:rPr lang="pt-PT" sz="2400" dirty="0" err="1">
+                <a:latin typeface="Century Schoolbook" panose="02040604050505020304" pitchFamily="18" charset="0"/>
+              </a:rPr>
+              <a:t>Before</a:t>
+            </a:r>
+            <a:r>
+              <a:rPr lang="pt-PT" sz="2400" dirty="0">
+                <a:latin typeface="Century Schoolbook" panose="02040604050505020304" pitchFamily="18" charset="0"/>
+              </a:rPr>
+              <a:t> </a:t>
+            </a:r>
+            <a:r>
+              <a:rPr lang="pt-PT" sz="2400" dirty="0" err="1">
+                <a:latin typeface="Century Schoolbook" panose="02040604050505020304" pitchFamily="18" charset="0"/>
+              </a:rPr>
+              <a:t>moving</a:t>
+            </a:r>
+            <a:r>
+              <a:rPr lang="pt-PT" sz="2400" dirty="0">
+                <a:latin typeface="Century Schoolbook" panose="02040604050505020304" pitchFamily="18" charset="0"/>
+              </a:rPr>
+              <a:t> </a:t>
+            </a:r>
+            <a:r>
+              <a:rPr lang="pt-PT" sz="2400" dirty="0" err="1">
+                <a:latin typeface="Century Schoolbook" panose="02040604050505020304" pitchFamily="18" charset="0"/>
+              </a:rPr>
+              <a:t>on</a:t>
+            </a:r>
+            <a:r>
+              <a:rPr lang="pt-PT" sz="2400" dirty="0">
+                <a:latin typeface="Century Schoolbook" panose="02040604050505020304" pitchFamily="18" charset="0"/>
+              </a:rPr>
+              <a:t> </a:t>
+            </a:r>
+            <a:r>
+              <a:rPr lang="pt-PT" sz="2400" dirty="0" err="1">
+                <a:latin typeface="Century Schoolbook" panose="02040604050505020304" pitchFamily="18" charset="0"/>
+              </a:rPr>
+              <a:t>torwads</a:t>
+            </a:r>
+            <a:r>
+              <a:rPr lang="pt-PT" sz="2400" dirty="0">
+                <a:latin typeface="Century Schoolbook" panose="02040604050505020304" pitchFamily="18" charset="0"/>
+              </a:rPr>
+              <a:t> </a:t>
+            </a:r>
+            <a:r>
+              <a:rPr lang="pt-PT" sz="2400" dirty="0" err="1">
+                <a:latin typeface="Century Schoolbook" panose="02040604050505020304" pitchFamily="18" charset="0"/>
+              </a:rPr>
+              <a:t>the</a:t>
+            </a:r>
+            <a:r>
+              <a:rPr lang="pt-PT" sz="2400" dirty="0">
+                <a:latin typeface="Century Schoolbook" panose="02040604050505020304" pitchFamily="18" charset="0"/>
+              </a:rPr>
+              <a:t> </a:t>
+            </a:r>
+            <a:r>
+              <a:rPr lang="pt-PT" sz="2400" dirty="0" err="1">
+                <a:latin typeface="Century Schoolbook" panose="02040604050505020304" pitchFamily="18" charset="0"/>
+              </a:rPr>
+              <a:t>next</a:t>
+            </a:r>
+            <a:r>
+              <a:rPr lang="pt-PT" sz="2400" dirty="0">
+                <a:latin typeface="Century Schoolbook" panose="02040604050505020304" pitchFamily="18" charset="0"/>
+              </a:rPr>
+              <a:t> step, </a:t>
+            </a:r>
+            <a:r>
+              <a:rPr lang="pt-PT" sz="2400" dirty="0" err="1">
+                <a:latin typeface="Century Schoolbook" panose="02040604050505020304" pitchFamily="18" charset="0"/>
+              </a:rPr>
+              <a:t>the</a:t>
+            </a:r>
+            <a:r>
+              <a:rPr lang="pt-PT" sz="2400" dirty="0">
+                <a:latin typeface="Century Schoolbook" panose="02040604050505020304" pitchFamily="18" charset="0"/>
+              </a:rPr>
+              <a:t> Major </a:t>
+            </a:r>
+            <a:r>
+              <a:rPr lang="pt-PT" sz="2400" dirty="0" err="1">
+                <a:latin typeface="Century Schoolbook" panose="02040604050505020304" pitchFamily="18" charset="0"/>
+              </a:rPr>
+              <a:t>milestone</a:t>
+            </a:r>
+            <a:r>
+              <a:rPr lang="pt-PT" sz="2400" dirty="0">
+                <a:latin typeface="Century Schoolbook" panose="02040604050505020304" pitchFamily="18" charset="0"/>
+              </a:rPr>
+              <a:t> </a:t>
+            </a:r>
+          </a:p>
+          <a:p>
+            <a:pPr marL="0" indent="0">
+              <a:buNone/>
+            </a:pPr>
+            <a:r>
+              <a:rPr lang="pt-PT" sz="2400" dirty="0">
+                <a:latin typeface="Century Schoolbook" panose="02040604050505020304" pitchFamily="18" charset="0"/>
+              </a:rPr>
+              <a:t>must </a:t>
+            </a:r>
+            <a:r>
+              <a:rPr lang="pt-PT" sz="2400" dirty="0" err="1">
+                <a:latin typeface="Century Schoolbook" panose="02040604050505020304" pitchFamily="18" charset="0"/>
+              </a:rPr>
+              <a:t>be</a:t>
+            </a:r>
+            <a:r>
+              <a:rPr lang="pt-PT" sz="2400" dirty="0">
+                <a:latin typeface="Century Schoolbook" panose="02040604050505020304" pitchFamily="18" charset="0"/>
+              </a:rPr>
+              <a:t> </a:t>
+            </a:r>
+            <a:r>
+              <a:rPr lang="pt-PT" sz="2400" dirty="0" err="1">
+                <a:latin typeface="Century Schoolbook" panose="02040604050505020304" pitchFamily="18" charset="0"/>
+              </a:rPr>
+              <a:t>achieved</a:t>
+            </a:r>
+            <a:r>
+              <a:rPr lang="pt-PT" sz="2400" dirty="0">
+                <a:latin typeface="Century Schoolbook" panose="02040604050505020304" pitchFamily="18" charset="0"/>
+              </a:rPr>
+              <a:t>:</a:t>
+            </a:r>
+          </a:p>
+          <a:p>
+            <a:endParaRPr lang="pt-PT" dirty="0">
+              <a:latin typeface="Century Schoolbook" panose="02040604050505020304" pitchFamily="18" charset="0"/>
+            </a:endParaRPr>
+          </a:p>
+          <a:p>
+            <a:r>
+              <a:rPr lang="pt-PT" sz="2000" dirty="0">
+                <a:latin typeface="Century Schoolbook" panose="02040604050505020304" pitchFamily="18" charset="0"/>
+              </a:rPr>
+              <a:t>Do </a:t>
+            </a:r>
+            <a:r>
+              <a:rPr lang="pt-PT" sz="2000" dirty="0" err="1">
+                <a:latin typeface="Century Schoolbook" panose="02040604050505020304" pitchFamily="18" charset="0"/>
+              </a:rPr>
+              <a:t>the</a:t>
+            </a:r>
+            <a:r>
+              <a:rPr lang="pt-PT" sz="2000" dirty="0">
+                <a:latin typeface="Century Schoolbook" panose="02040604050505020304" pitchFamily="18" charset="0"/>
+              </a:rPr>
+              <a:t> major </a:t>
+            </a:r>
+            <a:r>
+              <a:rPr lang="pt-PT" sz="2000" dirty="0" err="1">
+                <a:latin typeface="Century Schoolbook" panose="02040604050505020304" pitchFamily="18" charset="0"/>
+              </a:rPr>
+              <a:t>stakeholders</a:t>
+            </a:r>
+            <a:r>
+              <a:rPr lang="pt-PT" sz="2000" dirty="0">
+                <a:latin typeface="Century Schoolbook" panose="02040604050505020304" pitchFamily="18" charset="0"/>
+              </a:rPr>
+              <a:t> </a:t>
+            </a:r>
+            <a:r>
+              <a:rPr lang="pt-PT" sz="2000" dirty="0" err="1">
+                <a:latin typeface="Century Schoolbook" panose="02040604050505020304" pitchFamily="18" charset="0"/>
+              </a:rPr>
+              <a:t>agree</a:t>
+            </a:r>
+            <a:r>
+              <a:rPr lang="pt-PT" sz="2000" dirty="0">
+                <a:latin typeface="Century Schoolbook" panose="02040604050505020304" pitchFamily="18" charset="0"/>
+              </a:rPr>
+              <a:t> </a:t>
+            </a:r>
+            <a:r>
+              <a:rPr lang="pt-PT" sz="2000" dirty="0" err="1">
+                <a:latin typeface="Century Schoolbook" panose="02040604050505020304" pitchFamily="18" charset="0"/>
+              </a:rPr>
+              <a:t>on</a:t>
+            </a:r>
+            <a:r>
+              <a:rPr lang="pt-PT" sz="2000" dirty="0">
+                <a:latin typeface="Century Schoolbook" panose="02040604050505020304" pitchFamily="18" charset="0"/>
+              </a:rPr>
+              <a:t> </a:t>
+            </a:r>
+            <a:r>
+              <a:rPr lang="pt-PT" sz="2000" dirty="0" err="1">
+                <a:latin typeface="Century Schoolbook" panose="02040604050505020304" pitchFamily="18" charset="0"/>
+              </a:rPr>
+              <a:t>the</a:t>
+            </a:r>
+            <a:r>
+              <a:rPr lang="pt-PT" sz="2000" dirty="0">
+                <a:latin typeface="Century Schoolbook" panose="02040604050505020304" pitchFamily="18" charset="0"/>
+              </a:rPr>
+              <a:t> scope </a:t>
+            </a:r>
+            <a:r>
+              <a:rPr lang="pt-PT" sz="2000" dirty="0" err="1">
+                <a:latin typeface="Century Schoolbook" panose="02040604050505020304" pitchFamily="18" charset="0"/>
+              </a:rPr>
+              <a:t>of</a:t>
+            </a:r>
+            <a:r>
+              <a:rPr lang="pt-PT" sz="2000" dirty="0">
+                <a:latin typeface="Century Schoolbook" panose="02040604050505020304" pitchFamily="18" charset="0"/>
+              </a:rPr>
+              <a:t> </a:t>
+            </a:r>
+            <a:r>
+              <a:rPr lang="pt-PT" sz="2000" dirty="0" err="1">
+                <a:latin typeface="Century Schoolbook" panose="02040604050505020304" pitchFamily="18" charset="0"/>
+              </a:rPr>
+              <a:t>the</a:t>
+            </a:r>
+            <a:r>
+              <a:rPr lang="pt-PT" sz="2000" dirty="0">
+                <a:latin typeface="Century Schoolbook" panose="02040604050505020304" pitchFamily="18" charset="0"/>
+              </a:rPr>
+              <a:t> </a:t>
+            </a:r>
+            <a:r>
+              <a:rPr lang="pt-PT" sz="2000" dirty="0" err="1">
+                <a:latin typeface="Century Schoolbook" panose="02040604050505020304" pitchFamily="18" charset="0"/>
+              </a:rPr>
+              <a:t>proposed</a:t>
+            </a:r>
+            <a:r>
+              <a:rPr lang="pt-PT" sz="2000" dirty="0">
+                <a:latin typeface="Century Schoolbook" panose="02040604050505020304" pitchFamily="18" charset="0"/>
+              </a:rPr>
+              <a:t> </a:t>
+            </a:r>
+            <a:r>
+              <a:rPr lang="pt-PT" sz="2000" dirty="0" err="1">
+                <a:latin typeface="Century Schoolbook" panose="02040604050505020304" pitchFamily="18" charset="0"/>
+              </a:rPr>
+              <a:t>system</a:t>
+            </a:r>
+            <a:r>
+              <a:rPr lang="pt-PT" sz="2000" dirty="0">
+                <a:latin typeface="Century Schoolbook" panose="02040604050505020304" pitchFamily="18" charset="0"/>
+              </a:rPr>
+              <a:t>?</a:t>
+            </a:r>
+          </a:p>
+          <a:p>
+            <a:endParaRPr lang="pt-PT" sz="2000" dirty="0">
+              <a:latin typeface="Century Schoolbook" panose="02040604050505020304" pitchFamily="18" charset="0"/>
+            </a:endParaRPr>
+          </a:p>
+          <a:p>
+            <a:r>
+              <a:rPr lang="pt-PT" sz="2000" dirty="0">
+                <a:latin typeface="Century Schoolbook" panose="02040604050505020304" pitchFamily="18" charset="0"/>
+              </a:rPr>
+              <a:t>Is a </a:t>
+            </a:r>
+            <a:r>
+              <a:rPr lang="pt-PT" sz="2000" dirty="0" err="1">
+                <a:latin typeface="Century Schoolbook" panose="02040604050505020304" pitchFamily="18" charset="0"/>
+              </a:rPr>
+              <a:t>specific</a:t>
+            </a:r>
+            <a:r>
+              <a:rPr lang="pt-PT" sz="2000" dirty="0">
+                <a:latin typeface="Century Schoolbook" panose="02040604050505020304" pitchFamily="18" charset="0"/>
+              </a:rPr>
+              <a:t> set </a:t>
+            </a:r>
+            <a:r>
+              <a:rPr lang="pt-PT" sz="2000" dirty="0" err="1">
+                <a:latin typeface="Century Schoolbook" panose="02040604050505020304" pitchFamily="18" charset="0"/>
+              </a:rPr>
+              <a:t>of</a:t>
+            </a:r>
+            <a:r>
+              <a:rPr lang="pt-PT" sz="2000" dirty="0">
+                <a:latin typeface="Century Schoolbook" panose="02040604050505020304" pitchFamily="18" charset="0"/>
+              </a:rPr>
+              <a:t> </a:t>
+            </a:r>
+            <a:r>
+              <a:rPr lang="pt-PT" sz="2000" dirty="0" err="1">
+                <a:latin typeface="Century Schoolbook" panose="02040604050505020304" pitchFamily="18" charset="0"/>
+              </a:rPr>
+              <a:t>critical</a:t>
+            </a:r>
+            <a:r>
+              <a:rPr lang="pt-PT" sz="2000" dirty="0">
+                <a:latin typeface="Century Schoolbook" panose="02040604050505020304" pitchFamily="18" charset="0"/>
+              </a:rPr>
+              <a:t> </a:t>
+            </a:r>
+            <a:r>
+              <a:rPr lang="pt-PT" sz="2000" dirty="0" err="1">
+                <a:latin typeface="Century Schoolbook" panose="02040604050505020304" pitchFamily="18" charset="0"/>
+              </a:rPr>
+              <a:t>high-level</a:t>
+            </a:r>
+            <a:r>
+              <a:rPr lang="pt-PT" sz="2000" dirty="0">
+                <a:latin typeface="Century Schoolbook" panose="02040604050505020304" pitchFamily="18" charset="0"/>
+              </a:rPr>
+              <a:t> </a:t>
+            </a:r>
+            <a:r>
+              <a:rPr lang="pt-PT" sz="2000" dirty="0" err="1">
+                <a:latin typeface="Century Schoolbook" panose="02040604050505020304" pitchFamily="18" charset="0"/>
+              </a:rPr>
+              <a:t>requirements</a:t>
+            </a:r>
+            <a:r>
+              <a:rPr lang="pt-PT" sz="2000" dirty="0">
+                <a:latin typeface="Century Schoolbook" panose="02040604050505020304" pitchFamily="18" charset="0"/>
+              </a:rPr>
+              <a:t> </a:t>
+            </a:r>
+            <a:r>
+              <a:rPr lang="pt-PT" sz="2000" dirty="0" err="1">
+                <a:latin typeface="Century Schoolbook" panose="02040604050505020304" pitchFamily="18" charset="0"/>
+              </a:rPr>
+              <a:t>adressed</a:t>
+            </a:r>
+            <a:r>
+              <a:rPr lang="pt-PT" sz="2000" dirty="0">
+                <a:latin typeface="Century Schoolbook" panose="02040604050505020304" pitchFamily="18" charset="0"/>
+              </a:rPr>
+              <a:t> </a:t>
+            </a:r>
+            <a:r>
+              <a:rPr lang="pt-PT" sz="2000" dirty="0" err="1">
+                <a:latin typeface="Century Schoolbook" panose="02040604050505020304" pitchFamily="18" charset="0"/>
+              </a:rPr>
+              <a:t>by</a:t>
+            </a:r>
+            <a:r>
+              <a:rPr lang="pt-PT" sz="2000" dirty="0">
+                <a:latin typeface="Century Schoolbook" panose="02040604050505020304" pitchFamily="18" charset="0"/>
+              </a:rPr>
+              <a:t> </a:t>
+            </a:r>
+            <a:r>
+              <a:rPr lang="pt-PT" sz="2000" dirty="0" err="1">
+                <a:latin typeface="Century Schoolbook" panose="02040604050505020304" pitchFamily="18" charset="0"/>
+              </a:rPr>
+              <a:t>it’s</a:t>
+            </a:r>
+            <a:r>
+              <a:rPr lang="pt-PT" sz="2000" dirty="0">
+                <a:latin typeface="Century Schoolbook" panose="02040604050505020304" pitchFamily="18" charset="0"/>
+              </a:rPr>
+              <a:t> </a:t>
+            </a:r>
+            <a:r>
+              <a:rPr lang="pt-PT" sz="2000" dirty="0" err="1">
+                <a:latin typeface="Century Schoolbook" panose="02040604050505020304" pitchFamily="18" charset="0"/>
+              </a:rPr>
+              <a:t>architeture</a:t>
+            </a:r>
+            <a:r>
+              <a:rPr lang="pt-PT" sz="2000" dirty="0">
+                <a:latin typeface="Century Schoolbook" panose="02040604050505020304" pitchFamily="18" charset="0"/>
+              </a:rPr>
+              <a:t>?</a:t>
+            </a:r>
+          </a:p>
+          <a:p>
+            <a:endParaRPr lang="pt-PT" sz="2000" dirty="0">
+              <a:latin typeface="Century Schoolbook" panose="02040604050505020304" pitchFamily="18" charset="0"/>
+            </a:endParaRPr>
+          </a:p>
+          <a:p>
+            <a:r>
+              <a:rPr lang="pt-PT" sz="2000" dirty="0">
+                <a:latin typeface="Century Schoolbook" panose="02040604050505020304" pitchFamily="18" charset="0"/>
+              </a:rPr>
+              <a:t>Is </a:t>
+            </a:r>
+            <a:r>
+              <a:rPr lang="pt-PT" sz="2000" dirty="0" err="1">
+                <a:latin typeface="Century Schoolbook" panose="02040604050505020304" pitchFamily="18" charset="0"/>
+              </a:rPr>
+              <a:t>the</a:t>
+            </a:r>
+            <a:r>
+              <a:rPr lang="pt-PT" sz="2000" dirty="0">
+                <a:latin typeface="Century Schoolbook" panose="02040604050505020304" pitchFamily="18" charset="0"/>
+              </a:rPr>
+              <a:t> business case </a:t>
+            </a:r>
+            <a:r>
+              <a:rPr lang="pt-PT" sz="2000" dirty="0" err="1">
+                <a:latin typeface="Century Schoolbook" panose="02040604050505020304" pitchFamily="18" charset="0"/>
+              </a:rPr>
+              <a:t>enough</a:t>
+            </a:r>
+            <a:r>
+              <a:rPr lang="pt-PT" sz="2000" dirty="0">
+                <a:latin typeface="Century Schoolbook" panose="02040604050505020304" pitchFamily="18" charset="0"/>
+              </a:rPr>
+              <a:t> for a green light?</a:t>
+            </a:r>
+          </a:p>
+        </p:txBody>
+      </p:sp>
+      <p:sp>
+        <p:nvSpPr>
+          <p:cNvPr id="5" name="Rectangle 6">
+            <a:extLst>
+              <a:ext uri="{FF2B5EF4-FFF2-40B4-BE49-F238E27FC236}">
+                <a16:creationId xmlns:a16="http://schemas.microsoft.com/office/drawing/2014/main" id="{0EF43BDB-200B-400D-8DD5-975DB11480D9}"/>
+              </a:ext>
+            </a:extLst>
+          </p:cNvPr>
+          <p:cNvSpPr/>
+          <p:nvPr/>
+        </p:nvSpPr>
+        <p:spPr>
+          <a:xfrm>
+            <a:off x="10479505" y="-1"/>
+            <a:ext cx="421106" cy="6858001"/>
+          </a:xfrm>
+          <a:prstGeom prst="rect">
+            <a:avLst/>
+          </a:prstGeom>
+          <a:solidFill>
+            <a:srgbClr val="98220B"/>
+          </a:solidFill>
+          <a:ln>
+            <a:noFill/>
+          </a:ln>
+        </p:spPr>
+        <p:style>
+          <a:lnRef idx="2">
+            <a:schemeClr val="accent1">
+              <a:shade val="50000"/>
+            </a:schemeClr>
+          </a:lnRef>
+          <a:fillRef idx="1">
+            <a:schemeClr val="accent1"/>
+          </a:fillRef>
+          <a:effectRef idx="0">
+            <a:schemeClr val="accent1"/>
+          </a:effectRef>
+          <a:fontRef idx="minor">
+            <a:schemeClr val="lt1"/>
+          </a:fontRef>
+        </p:style>
+        <p:txBody>
+          <a:bodyPr rtlCol="0" anchor="ctr"/>
+          <a:lstStyle/>
+          <a:p>
+            <a:pPr algn="ctr"/>
+            <a:endParaRPr lang="en-US"/>
+          </a:p>
+        </p:txBody>
+      </p:sp>
+    </p:spTree>
+    <p:extLst>
+      <p:ext uri="{BB962C8B-B14F-4D97-AF65-F5344CB8AC3E}">
+        <p14:creationId xmlns:p14="http://schemas.microsoft.com/office/powerpoint/2010/main" val="841152582"/>
+      </p:ext>
+    </p:extLst>
+  </p:cSld>
+  <p:clrMapOvr>
+    <a:masterClrMapping/>
+  </p:clrMapOvr>
+</p:sld>
+</file>
+
+<file path=ppt/slides/slide7.xml><?xml version="1.0" encoding="utf-8"?>
+<p:sld xmlns:a="http://schemas.openxmlformats.org/drawingml/2006/main" xmlns:r="http://schemas.openxmlformats.org/officeDocument/2006/relationships" xmlns:p="http://schemas.openxmlformats.org/presentationml/2006/main">
+  <p:cSld>
+    <p:spTree>
+      <p:nvGrpSpPr>
+        <p:cNvPr id="1" name=""/>
+        <p:cNvGrpSpPr/>
+        <p:nvPr/>
+      </p:nvGrpSpPr>
+      <p:grpSpPr>
+        <a:xfrm>
+          <a:off x="0" y="0"/>
+          <a:ext cx="0" cy="0"/>
+          <a:chOff x="0" y="0"/>
+          <a:chExt cx="0" cy="0"/>
+        </a:xfrm>
+      </p:grpSpPr>
+      <p:sp>
+        <p:nvSpPr>
+          <p:cNvPr id="2" name="Título 1">
+            <a:extLst>
+              <a:ext uri="{FF2B5EF4-FFF2-40B4-BE49-F238E27FC236}">
+                <a16:creationId xmlns:a16="http://schemas.microsoft.com/office/drawing/2014/main" id="{CC15DA12-4C48-435D-9F48-783668FCB77F}"/>
+              </a:ext>
+            </a:extLst>
+          </p:cNvPr>
+          <p:cNvSpPr>
+            <a:spLocks noGrp="1"/>
+          </p:cNvSpPr>
+          <p:nvPr>
+            <p:ph type="ctrTitle"/>
+          </p:nvPr>
+        </p:nvSpPr>
+        <p:spPr>
+          <a:xfrm>
+            <a:off x="1441704" y="1225295"/>
+            <a:ext cx="9144000" cy="913067"/>
+          </a:xfrm>
+        </p:spPr>
+        <p:txBody>
+          <a:bodyPr>
+            <a:normAutofit fontScale="90000"/>
+          </a:bodyPr>
+          <a:lstStyle/>
+          <a:p>
+            <a:r>
+              <a:rPr lang="pt-PT" dirty="0" err="1">
+                <a:latin typeface="Century Schoolbook" panose="02040604050505020304" pitchFamily="18" charset="0"/>
+              </a:rPr>
+              <a:t>Elaboration</a:t>
+            </a:r>
+            <a:endParaRPr lang="pt-PT" dirty="0"/>
+          </a:p>
+        </p:txBody>
+      </p:sp>
+      <p:sp>
+        <p:nvSpPr>
+          <p:cNvPr id="3" name="Subtítulo 2">
+            <a:extLst>
+              <a:ext uri="{FF2B5EF4-FFF2-40B4-BE49-F238E27FC236}">
+                <a16:creationId xmlns:a16="http://schemas.microsoft.com/office/drawing/2014/main" id="{7583C029-BB4F-4712-84AE-0322C6CF02A0}"/>
+              </a:ext>
+            </a:extLst>
+          </p:cNvPr>
+          <p:cNvSpPr>
+            <a:spLocks noGrp="1"/>
+          </p:cNvSpPr>
+          <p:nvPr>
+            <p:ph type="subTitle" idx="1"/>
+          </p:nvPr>
+        </p:nvSpPr>
+        <p:spPr/>
+        <p:txBody>
+          <a:bodyPr/>
+          <a:lstStyle/>
+          <a:p>
+            <a:r>
+              <a:rPr lang="pt-PT" b="1" dirty="0" err="1">
+                <a:latin typeface="Century Schoolbook" panose="02040604050505020304" pitchFamily="18" charset="0"/>
+              </a:rPr>
+              <a:t>The</a:t>
+            </a:r>
+            <a:r>
+              <a:rPr lang="pt-PT" b="1" dirty="0">
+                <a:latin typeface="Century Schoolbook" panose="02040604050505020304" pitchFamily="18" charset="0"/>
+              </a:rPr>
+              <a:t> </a:t>
+            </a:r>
+            <a:r>
+              <a:rPr lang="pt-PT" b="1" dirty="0" err="1">
+                <a:latin typeface="Century Schoolbook" panose="02040604050505020304" pitchFamily="18" charset="0"/>
+              </a:rPr>
+              <a:t>second</a:t>
+            </a:r>
+            <a:r>
+              <a:rPr lang="pt-PT" b="1" dirty="0">
+                <a:latin typeface="Century Schoolbook" panose="02040604050505020304" pitchFamily="18" charset="0"/>
+              </a:rPr>
+              <a:t> </a:t>
+            </a:r>
+            <a:r>
+              <a:rPr lang="pt-PT" b="1" dirty="0" err="1">
+                <a:latin typeface="Century Schoolbook" panose="02040604050505020304" pitchFamily="18" charset="0"/>
+              </a:rPr>
+              <a:t>phase</a:t>
+            </a:r>
+            <a:endParaRPr lang="pt-PT" b="1" dirty="0">
+              <a:latin typeface="Century Schoolbook" panose="02040604050505020304" pitchFamily="18" charset="0"/>
+            </a:endParaRPr>
+          </a:p>
+        </p:txBody>
+      </p:sp>
+      <p:sp>
+        <p:nvSpPr>
+          <p:cNvPr id="4" name="Rectangle 6">
+            <a:extLst>
+              <a:ext uri="{FF2B5EF4-FFF2-40B4-BE49-F238E27FC236}">
+                <a16:creationId xmlns:a16="http://schemas.microsoft.com/office/drawing/2014/main" id="{ECF57D58-3F73-41C1-9BF7-1F5EDA0455D5}"/>
+              </a:ext>
+            </a:extLst>
+          </p:cNvPr>
+          <p:cNvSpPr/>
+          <p:nvPr/>
+        </p:nvSpPr>
+        <p:spPr>
+          <a:xfrm>
+            <a:off x="10479505" y="-1"/>
+            <a:ext cx="421106" cy="6858001"/>
+          </a:xfrm>
+          <a:prstGeom prst="rect">
+            <a:avLst/>
+          </a:prstGeom>
+          <a:solidFill>
+            <a:srgbClr val="98220B"/>
+          </a:solidFill>
+          <a:ln>
+            <a:noFill/>
+          </a:ln>
+        </p:spPr>
+        <p:style>
+          <a:lnRef idx="2">
+            <a:schemeClr val="accent1">
+              <a:shade val="50000"/>
+            </a:schemeClr>
+          </a:lnRef>
+          <a:fillRef idx="1">
+            <a:schemeClr val="accent1"/>
+          </a:fillRef>
+          <a:effectRef idx="0">
+            <a:schemeClr val="accent1"/>
+          </a:effectRef>
+          <a:fontRef idx="minor">
+            <a:schemeClr val="lt1"/>
+          </a:fontRef>
+        </p:style>
+        <p:txBody>
+          <a:bodyPr rtlCol="0" anchor="ctr"/>
+          <a:lstStyle/>
+          <a:p>
+            <a:pPr algn="ctr"/>
+            <a:endParaRPr lang="en-US"/>
+          </a:p>
+        </p:txBody>
+      </p:sp>
+    </p:spTree>
+    <p:extLst>
+      <p:ext uri="{BB962C8B-B14F-4D97-AF65-F5344CB8AC3E}">
+        <p14:creationId xmlns:p14="http://schemas.microsoft.com/office/powerpoint/2010/main" val="1160064759"/>
+      </p:ext>
+    </p:extLst>
+  </p:cSld>
+  <p:clrMapOvr>
+    <a:masterClrMapping/>
+  </p:clrMapOvr>
+</p:sld>
+</file>
+
+<file path=ppt/slides/slide8.xml><?xml version="1.0" encoding="utf-8"?>
+<p:sld xmlns:a="http://schemas.openxmlformats.org/drawingml/2006/main" xmlns:r="http://schemas.openxmlformats.org/officeDocument/2006/relationships" xmlns:p="http://schemas.openxmlformats.org/presentationml/2006/main">
+  <p:cSld>
+    <p:spTree>
+      <p:nvGrpSpPr>
+        <p:cNvPr id="1" name=""/>
+        <p:cNvGrpSpPr/>
+        <p:nvPr/>
+      </p:nvGrpSpPr>
+      <p:grpSpPr>
+        <a:xfrm>
+          <a:off x="0" y="0"/>
+          <a:ext cx="0" cy="0"/>
+          <a:chOff x="0" y="0"/>
+          <a:chExt cx="0" cy="0"/>
+        </a:xfrm>
+      </p:grpSpPr>
+      <p:sp>
+        <p:nvSpPr>
+          <p:cNvPr id="2" name="Título 1">
+            <a:extLst>
+              <a:ext uri="{FF2B5EF4-FFF2-40B4-BE49-F238E27FC236}">
+                <a16:creationId xmlns:a16="http://schemas.microsoft.com/office/drawing/2014/main" id="{76C3169D-E47B-4115-BC7A-62EDE17AE9DC}"/>
+              </a:ext>
+            </a:extLst>
+          </p:cNvPr>
+          <p:cNvSpPr>
+            <a:spLocks noGrp="1"/>
+          </p:cNvSpPr>
+          <p:nvPr>
+            <p:ph type="title"/>
+          </p:nvPr>
+        </p:nvSpPr>
+        <p:spPr/>
+        <p:txBody>
+          <a:bodyPr/>
+          <a:lstStyle/>
+          <a:p>
+            <a:pPr algn="ctr"/>
+            <a:r>
+              <a:rPr lang="pt-PT" dirty="0" err="1">
+                <a:latin typeface="Century Schoolbook" panose="02040604050505020304" pitchFamily="18" charset="0"/>
+              </a:rPr>
+              <a:t>Elaboration</a:t>
+            </a:r>
+            <a:endParaRPr lang="pt-PT" dirty="0"/>
+          </a:p>
+        </p:txBody>
+      </p:sp>
+      <p:sp>
+        <p:nvSpPr>
+          <p:cNvPr id="3" name="Marcador de Posição de Conteúdo 2">
+            <a:extLst>
+              <a:ext uri="{FF2B5EF4-FFF2-40B4-BE49-F238E27FC236}">
+                <a16:creationId xmlns:a16="http://schemas.microsoft.com/office/drawing/2014/main" id="{FF62D644-9CC2-47E5-B820-E4BD273106F0}"/>
+              </a:ext>
+            </a:extLst>
+          </p:cNvPr>
+          <p:cNvSpPr>
+            <a:spLocks noGrp="1"/>
+          </p:cNvSpPr>
+          <p:nvPr>
+            <p:ph idx="1"/>
+          </p:nvPr>
+        </p:nvSpPr>
+        <p:spPr/>
+        <p:txBody>
+          <a:bodyPr/>
+          <a:lstStyle/>
+          <a:p>
+            <a:pPr marL="0" indent="0">
+              <a:buNone/>
+            </a:pPr>
+            <a:r>
+              <a:rPr lang="pt-PT" b="1" dirty="0" err="1">
+                <a:latin typeface="Century Schoolbook" panose="02040604050505020304" pitchFamily="18" charset="0"/>
+              </a:rPr>
+              <a:t>What</a:t>
+            </a:r>
+            <a:r>
+              <a:rPr lang="pt-PT" b="1" dirty="0">
+                <a:latin typeface="Century Schoolbook" panose="02040604050505020304" pitchFamily="18" charset="0"/>
+              </a:rPr>
+              <a:t> do </a:t>
+            </a:r>
+            <a:r>
+              <a:rPr lang="pt-PT" b="1" dirty="0" err="1">
+                <a:latin typeface="Century Schoolbook" panose="02040604050505020304" pitchFamily="18" charset="0"/>
+              </a:rPr>
+              <a:t>we</a:t>
+            </a:r>
+            <a:r>
+              <a:rPr lang="pt-PT" b="1" dirty="0">
+                <a:latin typeface="Century Schoolbook" panose="02040604050505020304" pitchFamily="18" charset="0"/>
+              </a:rPr>
+              <a:t> </a:t>
+            </a:r>
+            <a:r>
+              <a:rPr lang="pt-PT" b="1" dirty="0" err="1">
+                <a:latin typeface="Century Schoolbook" panose="02040604050505020304" pitchFamily="18" charset="0"/>
+              </a:rPr>
+              <a:t>want</a:t>
+            </a:r>
+            <a:r>
+              <a:rPr lang="pt-PT" b="1" dirty="0">
+                <a:latin typeface="Century Schoolbook" panose="02040604050505020304" pitchFamily="18" charset="0"/>
+              </a:rPr>
+              <a:t> to </a:t>
+            </a:r>
+            <a:r>
+              <a:rPr lang="pt-PT" b="1" dirty="0" err="1">
+                <a:latin typeface="Century Schoolbook" panose="02040604050505020304" pitchFamily="18" charset="0"/>
+              </a:rPr>
+              <a:t>achieve</a:t>
+            </a:r>
+            <a:r>
+              <a:rPr lang="pt-PT" b="1" dirty="0">
+                <a:latin typeface="Century Schoolbook" panose="02040604050505020304" pitchFamily="18" charset="0"/>
+              </a:rPr>
+              <a:t> </a:t>
+            </a:r>
+            <a:r>
+              <a:rPr lang="pt-PT" b="1" dirty="0" err="1">
+                <a:latin typeface="Century Schoolbook" panose="02040604050505020304" pitchFamily="18" charset="0"/>
+              </a:rPr>
+              <a:t>at</a:t>
+            </a:r>
+            <a:r>
+              <a:rPr lang="pt-PT" b="1" dirty="0">
+                <a:latin typeface="Century Schoolbook" panose="02040604050505020304" pitchFamily="18" charset="0"/>
+              </a:rPr>
+              <a:t> </a:t>
+            </a:r>
+            <a:r>
+              <a:rPr lang="pt-PT" b="1" dirty="0" err="1">
+                <a:latin typeface="Century Schoolbook" panose="02040604050505020304" pitchFamily="18" charset="0"/>
+              </a:rPr>
+              <a:t>this</a:t>
+            </a:r>
+            <a:r>
+              <a:rPr lang="pt-PT" b="1" dirty="0">
+                <a:latin typeface="Century Schoolbook" panose="02040604050505020304" pitchFamily="18" charset="0"/>
+              </a:rPr>
+              <a:t> </a:t>
+            </a:r>
+            <a:r>
+              <a:rPr lang="pt-PT" b="1" dirty="0" err="1">
+                <a:latin typeface="Century Schoolbook" panose="02040604050505020304" pitchFamily="18" charset="0"/>
+              </a:rPr>
+              <a:t>stage</a:t>
+            </a:r>
+            <a:r>
+              <a:rPr lang="pt-PT" b="1" dirty="0">
+                <a:latin typeface="Century Schoolbook" panose="02040604050505020304" pitchFamily="18" charset="0"/>
+              </a:rPr>
+              <a:t>?</a:t>
+            </a:r>
+          </a:p>
+          <a:p>
+            <a:endParaRPr lang="pt-PT" u="sng" dirty="0">
+              <a:latin typeface="Century Schoolbook" panose="02040604050505020304" pitchFamily="18" charset="0"/>
+            </a:endParaRPr>
+          </a:p>
+          <a:p>
+            <a:pPr marL="0" indent="0">
+              <a:buNone/>
+            </a:pPr>
+            <a:endParaRPr lang="pt-PT" dirty="0">
+              <a:latin typeface="Century Schoolbook" panose="02040604050505020304" pitchFamily="18" charset="0"/>
+            </a:endParaRPr>
+          </a:p>
+          <a:p>
+            <a:pPr marL="0" indent="0">
+              <a:buNone/>
+            </a:pPr>
+            <a:r>
+              <a:rPr lang="pt-PT" sz="2000" dirty="0">
+                <a:latin typeface="Century Schoolbook" panose="02040604050505020304" pitchFamily="18" charset="0"/>
+              </a:rPr>
+              <a:t> </a:t>
+            </a:r>
+            <a:r>
+              <a:rPr lang="pt-PT" sz="2000" dirty="0" err="1">
+                <a:latin typeface="Century Schoolbook" panose="02040604050505020304" pitchFamily="18" charset="0"/>
+              </a:rPr>
+              <a:t>Build</a:t>
+            </a:r>
+            <a:r>
+              <a:rPr lang="pt-PT" sz="2000" dirty="0">
+                <a:latin typeface="Century Schoolbook" panose="02040604050505020304" pitchFamily="18" charset="0"/>
+              </a:rPr>
+              <a:t> </a:t>
+            </a:r>
+            <a:r>
+              <a:rPr lang="pt-PT" sz="2000" dirty="0" err="1">
+                <a:latin typeface="Century Schoolbook" panose="02040604050505020304" pitchFamily="18" charset="0"/>
+              </a:rPr>
+              <a:t>is</a:t>
+            </a:r>
+            <a:r>
+              <a:rPr lang="pt-PT" sz="2000" dirty="0">
+                <a:latin typeface="Century Schoolbook" panose="02040604050505020304" pitchFamily="18" charset="0"/>
+              </a:rPr>
+              <a:t> </a:t>
+            </a:r>
+            <a:r>
+              <a:rPr lang="pt-PT" sz="2000" dirty="0" err="1">
+                <a:latin typeface="Century Schoolbook" panose="02040604050505020304" pitchFamily="18" charset="0"/>
+              </a:rPr>
+              <a:t>the</a:t>
+            </a:r>
+            <a:r>
+              <a:rPr lang="pt-PT" sz="2000" dirty="0">
+                <a:latin typeface="Century Schoolbook" panose="02040604050505020304" pitchFamily="18" charset="0"/>
+              </a:rPr>
+              <a:t> </a:t>
+            </a:r>
+            <a:r>
+              <a:rPr lang="pt-PT" sz="2000" dirty="0" err="1">
+                <a:latin typeface="Century Schoolbook" panose="02040604050505020304" pitchFamily="18" charset="0"/>
+              </a:rPr>
+              <a:t>key</a:t>
+            </a:r>
+            <a:r>
+              <a:rPr lang="pt-PT" sz="2000" dirty="0">
+                <a:latin typeface="Century Schoolbook" panose="02040604050505020304" pitchFamily="18" charset="0"/>
+              </a:rPr>
+              <a:t> </a:t>
+            </a:r>
+            <a:r>
+              <a:rPr lang="pt-PT" sz="2000" dirty="0" err="1">
+                <a:latin typeface="Century Schoolbook" panose="02040604050505020304" pitchFamily="18" charset="0"/>
+              </a:rPr>
+              <a:t>word</a:t>
+            </a:r>
+            <a:r>
+              <a:rPr lang="pt-PT" sz="2000" dirty="0">
+                <a:latin typeface="Century Schoolbook" panose="02040604050505020304" pitchFamily="18" charset="0"/>
+              </a:rPr>
+              <a:t>. As </a:t>
+            </a:r>
+            <a:r>
+              <a:rPr lang="pt-PT" sz="2000" dirty="0" err="1">
+                <a:latin typeface="Century Schoolbook" panose="02040604050505020304" pitchFamily="18" charset="0"/>
+              </a:rPr>
+              <a:t>engineers</a:t>
+            </a:r>
+            <a:r>
+              <a:rPr lang="pt-PT" sz="2000" dirty="0">
+                <a:latin typeface="Century Schoolbook" panose="02040604050505020304" pitchFamily="18" charset="0"/>
+              </a:rPr>
+              <a:t>, </a:t>
+            </a:r>
+            <a:r>
+              <a:rPr lang="pt-PT" sz="2000" dirty="0" err="1">
+                <a:latin typeface="Century Schoolbook" panose="02040604050505020304" pitchFamily="18" charset="0"/>
+              </a:rPr>
+              <a:t>the</a:t>
+            </a:r>
+            <a:r>
+              <a:rPr lang="pt-PT" sz="2000" dirty="0">
+                <a:latin typeface="Century Schoolbook" panose="02040604050505020304" pitchFamily="18" charset="0"/>
+              </a:rPr>
+              <a:t> </a:t>
+            </a:r>
+            <a:r>
+              <a:rPr lang="pt-PT" sz="2000" dirty="0" err="1">
+                <a:latin typeface="Century Schoolbook" panose="02040604050505020304" pitchFamily="18" charset="0"/>
+              </a:rPr>
+              <a:t>ability</a:t>
+            </a:r>
+            <a:r>
+              <a:rPr lang="pt-PT" sz="2000" dirty="0">
+                <a:latin typeface="Century Schoolbook" panose="02040604050505020304" pitchFamily="18" charset="0"/>
+              </a:rPr>
+              <a:t> to </a:t>
+            </a:r>
+            <a:r>
+              <a:rPr lang="pt-PT" sz="2000" dirty="0" err="1">
+                <a:latin typeface="Century Schoolbook" panose="02040604050505020304" pitchFamily="18" charset="0"/>
+              </a:rPr>
+              <a:t>build</a:t>
+            </a:r>
+            <a:r>
+              <a:rPr lang="pt-PT" sz="2000" dirty="0">
+                <a:latin typeface="Century Schoolbook" panose="02040604050505020304" pitchFamily="18" charset="0"/>
+              </a:rPr>
+              <a:t> </a:t>
+            </a:r>
+            <a:r>
+              <a:rPr lang="pt-PT" sz="2000" dirty="0" err="1">
+                <a:latin typeface="Century Schoolbook" panose="02040604050505020304" pitchFamily="18" charset="0"/>
+              </a:rPr>
+              <a:t>the</a:t>
+            </a:r>
+            <a:r>
+              <a:rPr lang="pt-PT" sz="2000" dirty="0">
+                <a:latin typeface="Century Schoolbook" panose="02040604050505020304" pitchFamily="18" charset="0"/>
+              </a:rPr>
+              <a:t> </a:t>
+            </a:r>
+            <a:r>
+              <a:rPr lang="pt-PT" sz="2000" dirty="0" err="1">
+                <a:latin typeface="Century Schoolbook" panose="02040604050505020304" pitchFamily="18" charset="0"/>
+              </a:rPr>
+              <a:t>new</a:t>
+            </a:r>
+            <a:r>
+              <a:rPr lang="pt-PT" sz="2000" dirty="0">
+                <a:latin typeface="Century Schoolbook" panose="02040604050505020304" pitchFamily="18" charset="0"/>
+              </a:rPr>
+              <a:t> </a:t>
+            </a:r>
+            <a:r>
+              <a:rPr lang="pt-PT" sz="2000" dirty="0" err="1">
+                <a:latin typeface="Century Schoolbook" panose="02040604050505020304" pitchFamily="18" charset="0"/>
+              </a:rPr>
+              <a:t>system</a:t>
+            </a:r>
+            <a:r>
+              <a:rPr lang="pt-PT" sz="2000" dirty="0">
+                <a:latin typeface="Century Schoolbook" panose="02040604050505020304" pitchFamily="18" charset="0"/>
+              </a:rPr>
+              <a:t>, </a:t>
+            </a:r>
+            <a:r>
+              <a:rPr lang="pt-PT" sz="2000" dirty="0" err="1">
+                <a:latin typeface="Century Schoolbook" panose="02040604050505020304" pitchFamily="18" charset="0"/>
+              </a:rPr>
+              <a:t>given</a:t>
+            </a:r>
+            <a:r>
+              <a:rPr lang="pt-PT" sz="2000" dirty="0">
+                <a:latin typeface="Century Schoolbook" panose="02040604050505020304" pitchFamily="18" charset="0"/>
+              </a:rPr>
+              <a:t> </a:t>
+            </a:r>
+          </a:p>
+          <a:p>
+            <a:pPr marL="0" indent="0">
+              <a:buNone/>
+            </a:pPr>
+            <a:r>
+              <a:rPr lang="pt-PT" sz="2000" dirty="0">
+                <a:latin typeface="Century Schoolbook" panose="02040604050505020304" pitchFamily="18" charset="0"/>
+              </a:rPr>
+              <a:t>some </a:t>
+            </a:r>
+            <a:r>
+              <a:rPr lang="pt-PT" sz="2000" dirty="0" err="1">
+                <a:latin typeface="Century Schoolbook" panose="02040604050505020304" pitchFamily="18" charset="0"/>
+              </a:rPr>
+              <a:t>constrains</a:t>
+            </a:r>
+            <a:r>
+              <a:rPr lang="pt-PT" sz="2000" dirty="0">
+                <a:latin typeface="Century Schoolbook" panose="02040604050505020304" pitchFamily="18" charset="0"/>
+              </a:rPr>
+              <a:t>, </a:t>
+            </a:r>
+            <a:r>
+              <a:rPr lang="pt-PT" sz="2000" dirty="0" err="1">
+                <a:latin typeface="Century Schoolbook" panose="02040604050505020304" pitchFamily="18" charset="0"/>
+              </a:rPr>
+              <a:t>such</a:t>
+            </a:r>
+            <a:r>
+              <a:rPr lang="pt-PT" sz="2000" dirty="0">
+                <a:latin typeface="Century Schoolbook" panose="02040604050505020304" pitchFamily="18" charset="0"/>
+              </a:rPr>
+              <a:t> as </a:t>
+            </a:r>
+            <a:r>
+              <a:rPr lang="pt-PT" sz="2000" dirty="0" err="1">
+                <a:latin typeface="Century Schoolbook" panose="02040604050505020304" pitchFamily="18" charset="0"/>
+              </a:rPr>
+              <a:t>the</a:t>
+            </a:r>
+            <a:r>
+              <a:rPr lang="pt-PT" sz="2000" dirty="0">
+                <a:latin typeface="Century Schoolbook" panose="02040604050505020304" pitchFamily="18" charset="0"/>
+              </a:rPr>
+              <a:t> financial, </a:t>
+            </a:r>
+            <a:r>
+              <a:rPr lang="pt-PT" sz="2000" dirty="0" err="1">
+                <a:latin typeface="Century Schoolbook" panose="02040604050505020304" pitchFamily="18" charset="0"/>
+              </a:rPr>
+              <a:t>schedule</a:t>
+            </a:r>
+            <a:r>
+              <a:rPr lang="pt-PT" sz="2000" dirty="0">
+                <a:latin typeface="Century Schoolbook" panose="02040604050505020304" pitchFamily="18" charset="0"/>
+              </a:rPr>
+              <a:t> </a:t>
+            </a:r>
+            <a:r>
+              <a:rPr lang="pt-PT" sz="2000" dirty="0" err="1">
+                <a:latin typeface="Century Schoolbook" panose="02040604050505020304" pitchFamily="18" charset="0"/>
+              </a:rPr>
+              <a:t>ones</a:t>
+            </a:r>
+            <a:r>
+              <a:rPr lang="pt-PT" sz="2000" dirty="0">
+                <a:latin typeface="Century Schoolbook" panose="02040604050505020304" pitchFamily="18" charset="0"/>
+              </a:rPr>
+              <a:t>, must </a:t>
+            </a:r>
+            <a:r>
+              <a:rPr lang="pt-PT" sz="2000" dirty="0" err="1">
+                <a:latin typeface="Century Schoolbook" panose="02040604050505020304" pitchFamily="18" charset="0"/>
+              </a:rPr>
+              <a:t>be</a:t>
+            </a:r>
+            <a:r>
+              <a:rPr lang="pt-PT" sz="2000" dirty="0">
+                <a:latin typeface="Century Schoolbook" panose="02040604050505020304" pitchFamily="18" charset="0"/>
+              </a:rPr>
+              <a:t> </a:t>
+            </a:r>
+            <a:r>
+              <a:rPr lang="pt-PT" sz="2000" dirty="0" err="1">
+                <a:latin typeface="Century Schoolbook" panose="02040604050505020304" pitchFamily="18" charset="0"/>
+              </a:rPr>
+              <a:t>established</a:t>
+            </a:r>
+            <a:r>
+              <a:rPr lang="pt-PT" sz="2000" dirty="0">
+                <a:latin typeface="Century Schoolbook" panose="02040604050505020304" pitchFamily="18" charset="0"/>
+              </a:rPr>
+              <a:t>.</a:t>
+            </a:r>
+          </a:p>
+          <a:p>
+            <a:pPr marL="0" indent="0">
+              <a:buNone/>
+            </a:pPr>
+            <a:endParaRPr lang="pt-PT" u="sng" dirty="0">
+              <a:latin typeface="Century Schoolbook" panose="02040604050505020304" pitchFamily="18" charset="0"/>
+            </a:endParaRPr>
+          </a:p>
+        </p:txBody>
+      </p:sp>
+      <p:sp>
+        <p:nvSpPr>
+          <p:cNvPr id="4" name="Rectangle 6">
+            <a:extLst>
+              <a:ext uri="{FF2B5EF4-FFF2-40B4-BE49-F238E27FC236}">
+                <a16:creationId xmlns:a16="http://schemas.microsoft.com/office/drawing/2014/main" id="{BC29EA08-AF3A-4C2F-A144-F95591990608}"/>
+              </a:ext>
+            </a:extLst>
+          </p:cNvPr>
+          <p:cNvSpPr/>
+          <p:nvPr/>
+        </p:nvSpPr>
+        <p:spPr>
+          <a:xfrm>
+            <a:off x="10479505" y="-1"/>
+            <a:ext cx="421106" cy="6858001"/>
+          </a:xfrm>
+          <a:prstGeom prst="rect">
+            <a:avLst/>
+          </a:prstGeom>
+          <a:solidFill>
+            <a:srgbClr val="98220B"/>
+          </a:solidFill>
+          <a:ln>
+            <a:noFill/>
+          </a:ln>
+        </p:spPr>
+        <p:style>
+          <a:lnRef idx="2">
+            <a:schemeClr val="accent1">
+              <a:shade val="50000"/>
+            </a:schemeClr>
+          </a:lnRef>
+          <a:fillRef idx="1">
+            <a:schemeClr val="accent1"/>
+          </a:fillRef>
+          <a:effectRef idx="0">
+            <a:schemeClr val="accent1"/>
+          </a:effectRef>
+          <a:fontRef idx="minor">
+            <a:schemeClr val="lt1"/>
+          </a:fontRef>
+        </p:style>
+        <p:txBody>
+          <a:bodyPr rtlCol="0" anchor="ctr"/>
+          <a:lstStyle/>
+          <a:p>
+            <a:pPr algn="ctr"/>
+            <a:endParaRPr lang="en-US"/>
+          </a:p>
+        </p:txBody>
+      </p:sp>
+    </p:spTree>
+    <p:extLst>
+      <p:ext uri="{BB962C8B-B14F-4D97-AF65-F5344CB8AC3E}">
+        <p14:creationId xmlns:p14="http://schemas.microsoft.com/office/powerpoint/2010/main" val="3180025537"/>
+      </p:ext>
+    </p:extLst>
+  </p:cSld>
+  <p:clrMapOvr>
+    <a:masterClrMapping/>
+  </p:clrMapOvr>
+</p:sld>
+</file>
+
+<file path=ppt/slides/slide9.xml><?xml version="1.0" encoding="utf-8"?>
+<p:sld xmlns:a="http://schemas.openxmlformats.org/drawingml/2006/main" xmlns:r="http://schemas.openxmlformats.org/officeDocument/2006/relationships" xmlns:p="http://schemas.openxmlformats.org/presentationml/2006/main">
+  <p:cSld>
+    <p:spTree>
+      <p:nvGrpSpPr>
+        <p:cNvPr id="1" name=""/>
+        <p:cNvGrpSpPr/>
+        <p:nvPr/>
+      </p:nvGrpSpPr>
+      <p:grpSpPr>
+        <a:xfrm>
+          <a:off x="0" y="0"/>
+          <a:ext cx="0" cy="0"/>
+          <a:chOff x="0" y="0"/>
+          <a:chExt cx="0" cy="0"/>
+        </a:xfrm>
+      </p:grpSpPr>
+      <p:sp>
+        <p:nvSpPr>
+          <p:cNvPr id="2" name="Título 1">
+            <a:extLst>
+              <a:ext uri="{FF2B5EF4-FFF2-40B4-BE49-F238E27FC236}">
+                <a16:creationId xmlns:a16="http://schemas.microsoft.com/office/drawing/2014/main" id="{F226E09C-9FC8-45C2-A7EB-96E690EDCA34}"/>
+              </a:ext>
+            </a:extLst>
+          </p:cNvPr>
+          <p:cNvSpPr>
+            <a:spLocks noGrp="1"/>
+          </p:cNvSpPr>
+          <p:nvPr>
+            <p:ph type="title"/>
+          </p:nvPr>
+        </p:nvSpPr>
+        <p:spPr/>
+        <p:txBody>
+          <a:bodyPr/>
+          <a:lstStyle/>
+          <a:p>
+            <a:pPr algn="ctr"/>
+            <a:r>
+              <a:rPr lang="pt-PT" dirty="0" err="1">
+                <a:latin typeface="Century Schoolbook" panose="02040604050505020304" pitchFamily="18" charset="0"/>
+              </a:rPr>
+              <a:t>Elaboration</a:t>
+            </a:r>
+            <a:endParaRPr lang="pt-PT" dirty="0"/>
+          </a:p>
+        </p:txBody>
+      </p:sp>
+      <p:sp>
+        <p:nvSpPr>
+          <p:cNvPr id="3" name="Marcador de Posição de Conteúdo 2">
+            <a:extLst>
+              <a:ext uri="{FF2B5EF4-FFF2-40B4-BE49-F238E27FC236}">
+                <a16:creationId xmlns:a16="http://schemas.microsoft.com/office/drawing/2014/main" id="{E58600C8-9C38-4E04-9078-21BCA926443B}"/>
+              </a:ext>
+            </a:extLst>
+          </p:cNvPr>
+          <p:cNvSpPr>
+            <a:spLocks noGrp="1"/>
+          </p:cNvSpPr>
+          <p:nvPr>
+            <p:ph idx="1"/>
+          </p:nvPr>
+        </p:nvSpPr>
+        <p:spPr>
+          <a:xfrm>
+            <a:off x="150920" y="1825625"/>
+            <a:ext cx="11635696" cy="4351338"/>
+          </a:xfrm>
+        </p:spPr>
+        <p:txBody>
+          <a:bodyPr>
+            <a:normAutofit fontScale="85000" lnSpcReduction="20000"/>
+          </a:bodyPr>
+          <a:lstStyle/>
+          <a:p>
+            <a:pPr marL="0" indent="0">
+              <a:buNone/>
+            </a:pPr>
+            <a:r>
+              <a:rPr lang="pt-PT" b="1" dirty="0" err="1"/>
+              <a:t>What</a:t>
+            </a:r>
+            <a:r>
+              <a:rPr lang="pt-PT" b="1" dirty="0"/>
+              <a:t> </a:t>
+            </a:r>
+            <a:r>
+              <a:rPr lang="pt-PT" b="1" dirty="0" err="1"/>
+              <a:t>exactly</a:t>
+            </a:r>
+            <a:r>
+              <a:rPr lang="pt-PT" b="1" dirty="0"/>
+              <a:t> do </a:t>
+            </a:r>
+            <a:r>
+              <a:rPr lang="pt-PT" b="1" dirty="0" err="1"/>
+              <a:t>we</a:t>
+            </a:r>
+            <a:r>
+              <a:rPr lang="pt-PT" b="1" dirty="0"/>
+              <a:t> </a:t>
+            </a:r>
+            <a:r>
+              <a:rPr lang="pt-PT" b="1" dirty="0" err="1"/>
+              <a:t>need</a:t>
+            </a:r>
+            <a:r>
+              <a:rPr lang="pt-PT" b="1" dirty="0"/>
+              <a:t> to do?</a:t>
+            </a:r>
+          </a:p>
+          <a:p>
+            <a:endParaRPr lang="pt-PT" dirty="0"/>
+          </a:p>
+          <a:p>
+            <a:r>
+              <a:rPr lang="pt-PT" sz="2000" dirty="0" err="1">
+                <a:latin typeface="Century Schoolbook" panose="02040604050505020304" pitchFamily="18" charset="0"/>
+              </a:rPr>
+              <a:t>Understanding</a:t>
+            </a:r>
+            <a:r>
+              <a:rPr lang="pt-PT" sz="2000" dirty="0">
+                <a:latin typeface="Century Schoolbook" panose="02040604050505020304" pitchFamily="18" charset="0"/>
+              </a:rPr>
+              <a:t> </a:t>
+            </a:r>
+            <a:r>
+              <a:rPr lang="pt-PT" sz="2000" dirty="0" err="1">
+                <a:latin typeface="Century Schoolbook" panose="02040604050505020304" pitchFamily="18" charset="0"/>
+              </a:rPr>
+              <a:t>the</a:t>
+            </a:r>
+            <a:r>
+              <a:rPr lang="pt-PT" sz="2000" dirty="0">
+                <a:latin typeface="Century Schoolbook" panose="02040604050505020304" pitchFamily="18" charset="0"/>
+              </a:rPr>
+              <a:t> </a:t>
+            </a:r>
+            <a:r>
+              <a:rPr lang="pt-PT" sz="2000" dirty="0" err="1">
+                <a:latin typeface="Century Schoolbook" panose="02040604050505020304" pitchFamily="18" charset="0"/>
+              </a:rPr>
+              <a:t>majority</a:t>
+            </a:r>
+            <a:r>
+              <a:rPr lang="pt-PT" sz="2000" dirty="0">
+                <a:latin typeface="Century Schoolbook" panose="02040604050505020304" pitchFamily="18" charset="0"/>
+              </a:rPr>
+              <a:t> </a:t>
+            </a:r>
+            <a:r>
+              <a:rPr lang="pt-PT" sz="2000" dirty="0" err="1">
+                <a:latin typeface="Century Schoolbook" panose="02040604050505020304" pitchFamily="18" charset="0"/>
+              </a:rPr>
+              <a:t>of</a:t>
+            </a:r>
+            <a:r>
+              <a:rPr lang="pt-PT" sz="2000" dirty="0">
+                <a:latin typeface="Century Schoolbook" panose="02040604050505020304" pitchFamily="18" charset="0"/>
+              </a:rPr>
+              <a:t> </a:t>
+            </a:r>
+            <a:r>
+              <a:rPr lang="pt-PT" sz="2000" dirty="0" err="1">
+                <a:latin typeface="Century Schoolbook" panose="02040604050505020304" pitchFamily="18" charset="0"/>
+              </a:rPr>
+              <a:t>the</a:t>
+            </a:r>
+            <a:r>
+              <a:rPr lang="pt-PT" sz="2000" dirty="0">
+                <a:latin typeface="Century Schoolbook" panose="02040604050505020304" pitchFamily="18" charset="0"/>
+              </a:rPr>
+              <a:t> </a:t>
+            </a:r>
+            <a:r>
+              <a:rPr lang="pt-PT" sz="2000" dirty="0" err="1">
+                <a:latin typeface="Century Schoolbook" panose="02040604050505020304" pitchFamily="18" charset="0"/>
+              </a:rPr>
+              <a:t>remaining</a:t>
+            </a:r>
+            <a:r>
+              <a:rPr lang="pt-PT" sz="2000" dirty="0">
+                <a:latin typeface="Century Schoolbook" panose="02040604050505020304" pitchFamily="18" charset="0"/>
+              </a:rPr>
+              <a:t> </a:t>
+            </a:r>
+            <a:r>
+              <a:rPr lang="pt-PT" sz="2000" dirty="0" err="1">
+                <a:latin typeface="Century Schoolbook" panose="02040604050505020304" pitchFamily="18" charset="0"/>
+              </a:rPr>
+              <a:t>functional</a:t>
+            </a:r>
+            <a:r>
+              <a:rPr lang="pt-PT" sz="2000" dirty="0">
+                <a:latin typeface="Century Schoolbook" panose="02040604050505020304" pitchFamily="18" charset="0"/>
+              </a:rPr>
+              <a:t> </a:t>
+            </a:r>
+            <a:r>
+              <a:rPr lang="pt-PT" sz="2000" dirty="0" err="1">
+                <a:latin typeface="Century Schoolbook" panose="02040604050505020304" pitchFamily="18" charset="0"/>
+              </a:rPr>
+              <a:t>requirements</a:t>
+            </a:r>
+            <a:r>
+              <a:rPr lang="pt-PT" sz="2000" dirty="0">
+                <a:latin typeface="Century Schoolbook" panose="02040604050505020304" pitchFamily="18" charset="0"/>
+              </a:rPr>
+              <a:t>;</a:t>
+            </a:r>
+          </a:p>
+          <a:p>
+            <a:endParaRPr lang="pt-PT" sz="2000" dirty="0">
+              <a:latin typeface="Century Schoolbook" panose="02040604050505020304" pitchFamily="18" charset="0"/>
+            </a:endParaRPr>
+          </a:p>
+          <a:p>
+            <a:r>
+              <a:rPr lang="pt-PT" sz="2000" dirty="0">
+                <a:latin typeface="Century Schoolbook" panose="02040604050505020304" pitchFamily="18" charset="0"/>
+              </a:rPr>
+              <a:t>To </a:t>
+            </a:r>
+            <a:r>
+              <a:rPr lang="pt-PT" sz="2000" dirty="0" err="1">
+                <a:latin typeface="Century Schoolbook" panose="02040604050505020304" pitchFamily="18" charset="0"/>
+              </a:rPr>
+              <a:t>expand</a:t>
+            </a:r>
+            <a:r>
+              <a:rPr lang="pt-PT" sz="2000" dirty="0">
+                <a:latin typeface="Century Schoolbook" panose="02040604050505020304" pitchFamily="18" charset="0"/>
+              </a:rPr>
+              <a:t> </a:t>
+            </a:r>
+            <a:r>
+              <a:rPr lang="pt-PT" sz="2000" dirty="0" err="1">
+                <a:latin typeface="Century Schoolbook" panose="02040604050505020304" pitchFamily="18" charset="0"/>
+              </a:rPr>
+              <a:t>the</a:t>
+            </a:r>
+            <a:r>
+              <a:rPr lang="pt-PT" sz="2000" dirty="0">
+                <a:latin typeface="Century Schoolbook" panose="02040604050505020304" pitchFamily="18" charset="0"/>
+              </a:rPr>
+              <a:t> </a:t>
+            </a:r>
+            <a:r>
+              <a:rPr lang="pt-PT" sz="2000" dirty="0" err="1">
+                <a:latin typeface="Century Schoolbook" panose="02040604050505020304" pitchFamily="18" charset="0"/>
+              </a:rPr>
+              <a:t>previous</a:t>
+            </a:r>
+            <a:r>
+              <a:rPr lang="pt-PT" sz="2000" dirty="0">
+                <a:latin typeface="Century Schoolbook" panose="02040604050505020304" pitchFamily="18" charset="0"/>
+              </a:rPr>
+              <a:t> candidate </a:t>
+            </a:r>
+          </a:p>
+          <a:p>
+            <a:pPr marL="0" indent="0">
+              <a:buNone/>
+            </a:pPr>
+            <a:r>
+              <a:rPr lang="pt-PT" sz="2000" dirty="0">
+                <a:latin typeface="Century Schoolbook" panose="02040604050505020304" pitchFamily="18" charset="0"/>
+              </a:rPr>
+              <a:t>    </a:t>
+            </a:r>
+            <a:r>
+              <a:rPr lang="pt-PT" sz="2000" dirty="0" err="1">
+                <a:latin typeface="Century Schoolbook" panose="02040604050505020304" pitchFamily="18" charset="0"/>
+              </a:rPr>
+              <a:t>architecture</a:t>
+            </a:r>
+            <a:r>
+              <a:rPr lang="pt-PT" sz="2000" dirty="0">
+                <a:latin typeface="Century Schoolbook" panose="02040604050505020304" pitchFamily="18" charset="0"/>
+              </a:rPr>
+              <a:t> </a:t>
+            </a:r>
+            <a:r>
+              <a:rPr lang="pt-PT" sz="2000" dirty="0" err="1">
+                <a:latin typeface="Century Schoolbook" panose="02040604050505020304" pitchFamily="18" charset="0"/>
+              </a:rPr>
+              <a:t>into</a:t>
+            </a:r>
+            <a:r>
+              <a:rPr lang="pt-PT" sz="2000" dirty="0">
+                <a:latin typeface="Century Schoolbook" panose="02040604050505020304" pitchFamily="18" charset="0"/>
+              </a:rPr>
+              <a:t> a </a:t>
+            </a:r>
+            <a:r>
+              <a:rPr lang="pt-PT" sz="2000" dirty="0" err="1">
+                <a:latin typeface="Century Schoolbook" panose="02040604050505020304" pitchFamily="18" charset="0"/>
+              </a:rPr>
+              <a:t>full</a:t>
+            </a:r>
+            <a:r>
+              <a:rPr lang="pt-PT" sz="2000" dirty="0">
+                <a:latin typeface="Century Schoolbook" panose="02040604050505020304" pitchFamily="18" charset="0"/>
+              </a:rPr>
+              <a:t> </a:t>
+            </a:r>
+            <a:r>
+              <a:rPr lang="pt-PT" sz="2000" dirty="0" err="1">
+                <a:latin typeface="Century Schoolbook" panose="02040604050505020304" pitchFamily="18" charset="0"/>
+              </a:rPr>
+              <a:t>architectural</a:t>
+            </a:r>
+            <a:r>
+              <a:rPr lang="pt-PT" sz="2000" dirty="0">
+                <a:latin typeface="Century Schoolbook" panose="02040604050505020304" pitchFamily="18" charset="0"/>
+              </a:rPr>
+              <a:t> </a:t>
+            </a:r>
+            <a:r>
+              <a:rPr lang="pt-PT" sz="2000" dirty="0" err="1">
+                <a:latin typeface="Century Schoolbook" panose="02040604050505020304" pitchFamily="18" charset="0"/>
+              </a:rPr>
+              <a:t>baseline</a:t>
+            </a:r>
+            <a:endParaRPr lang="pt-PT" sz="2000" dirty="0">
+              <a:latin typeface="Century Schoolbook" panose="02040604050505020304" pitchFamily="18" charset="0"/>
+            </a:endParaRPr>
+          </a:p>
+          <a:p>
+            <a:pPr marL="0" indent="0">
+              <a:buNone/>
+            </a:pPr>
+            <a:r>
+              <a:rPr lang="pt-PT" sz="2000" dirty="0">
+                <a:latin typeface="Century Schoolbook" panose="02040604050505020304" pitchFamily="18" charset="0"/>
+              </a:rPr>
+              <a:t>. </a:t>
+            </a:r>
+            <a:r>
+              <a:rPr lang="pt-PT" sz="2000" dirty="0" err="1">
+                <a:latin typeface="Century Schoolbook" panose="02040604050505020304" pitchFamily="18" charset="0"/>
+              </a:rPr>
+              <a:t>Make</a:t>
+            </a:r>
+            <a:r>
+              <a:rPr lang="pt-PT" sz="2000" dirty="0">
+                <a:latin typeface="Century Schoolbook" panose="02040604050505020304" pitchFamily="18" charset="0"/>
+              </a:rPr>
+              <a:t> </a:t>
+            </a:r>
+            <a:r>
+              <a:rPr lang="pt-PT" sz="2000" dirty="0" err="1">
+                <a:latin typeface="Century Schoolbook" panose="02040604050505020304" pitchFamily="18" charset="0"/>
+              </a:rPr>
+              <a:t>it</a:t>
+            </a:r>
+            <a:r>
+              <a:rPr lang="pt-PT" sz="2000" dirty="0">
+                <a:latin typeface="Century Schoolbook" panose="02040604050505020304" pitchFamily="18" charset="0"/>
+              </a:rPr>
+              <a:t> na </a:t>
+            </a:r>
+            <a:r>
+              <a:rPr lang="pt-PT" sz="2000" dirty="0" err="1">
+                <a:latin typeface="Century Schoolbook" panose="02040604050505020304" pitchFamily="18" charset="0"/>
+              </a:rPr>
+              <a:t>internal</a:t>
+            </a:r>
+            <a:r>
+              <a:rPr lang="pt-PT" sz="2000" dirty="0">
+                <a:latin typeface="Century Schoolbook" panose="02040604050505020304" pitchFamily="18" charset="0"/>
+              </a:rPr>
+              <a:t> </a:t>
+            </a:r>
+            <a:r>
+              <a:rPr lang="pt-PT" sz="2000" dirty="0" err="1">
+                <a:latin typeface="Century Schoolbook" panose="02040604050505020304" pitchFamily="18" charset="0"/>
+              </a:rPr>
+              <a:t>release</a:t>
+            </a:r>
+            <a:r>
+              <a:rPr lang="pt-PT" sz="2000" dirty="0">
+                <a:latin typeface="Century Schoolbook" panose="02040604050505020304" pitchFamily="18" charset="0"/>
+              </a:rPr>
+              <a:t> </a:t>
+            </a:r>
+            <a:r>
+              <a:rPr lang="pt-PT" sz="2000" dirty="0" err="1">
+                <a:latin typeface="Century Schoolbook" panose="02040604050505020304" pitchFamily="18" charset="0"/>
+              </a:rPr>
+              <a:t>of</a:t>
+            </a:r>
+            <a:r>
+              <a:rPr lang="pt-PT" sz="2000" dirty="0">
+                <a:latin typeface="Century Schoolbook" panose="02040604050505020304" pitchFamily="18" charset="0"/>
+              </a:rPr>
+              <a:t> </a:t>
+            </a:r>
+            <a:r>
+              <a:rPr lang="pt-PT" sz="2000" dirty="0" err="1">
+                <a:latin typeface="Century Schoolbook" panose="02040604050505020304" pitchFamily="18" charset="0"/>
+              </a:rPr>
+              <a:t>the</a:t>
+            </a:r>
+            <a:r>
+              <a:rPr lang="pt-PT" sz="2000" dirty="0">
+                <a:latin typeface="Century Schoolbook" panose="02040604050505020304" pitchFamily="18" charset="0"/>
+              </a:rPr>
+              <a:t> </a:t>
+            </a:r>
+            <a:r>
+              <a:rPr lang="pt-PT" sz="2000" dirty="0" err="1">
+                <a:latin typeface="Century Schoolbook" panose="02040604050505020304" pitchFamily="18" charset="0"/>
+              </a:rPr>
+              <a:t>sstem</a:t>
+            </a:r>
+            <a:r>
+              <a:rPr lang="pt-PT" sz="2000" dirty="0">
+                <a:latin typeface="Century Schoolbook" panose="02040604050505020304" pitchFamily="18" charset="0"/>
+              </a:rPr>
+              <a:t> </a:t>
+            </a:r>
+            <a:r>
+              <a:rPr lang="pt-PT" sz="2000" dirty="0" err="1">
+                <a:latin typeface="Century Schoolbook" panose="02040604050505020304" pitchFamily="18" charset="0"/>
+              </a:rPr>
+              <a:t>focused</a:t>
+            </a:r>
+            <a:r>
+              <a:rPr lang="pt-PT" sz="2000" dirty="0">
+                <a:latin typeface="Century Schoolbook" panose="02040604050505020304" pitchFamily="18" charset="0"/>
+              </a:rPr>
+              <a:t> </a:t>
+            </a:r>
+          </a:p>
+          <a:p>
+            <a:pPr marL="0" indent="0">
+              <a:buNone/>
+            </a:pPr>
+            <a:r>
+              <a:rPr lang="pt-PT" sz="2000" dirty="0" err="1">
+                <a:latin typeface="Century Schoolbook" panose="02040604050505020304" pitchFamily="18" charset="0"/>
+              </a:rPr>
+              <a:t>on</a:t>
+            </a:r>
+            <a:r>
+              <a:rPr lang="pt-PT" sz="2000" dirty="0">
+                <a:latin typeface="Century Schoolbook" panose="02040604050505020304" pitchFamily="18" charset="0"/>
+              </a:rPr>
+              <a:t> </a:t>
+            </a:r>
+            <a:r>
+              <a:rPr lang="pt-PT" sz="2000" dirty="0" err="1">
+                <a:latin typeface="Century Schoolbook" panose="02040604050505020304" pitchFamily="18" charset="0"/>
+              </a:rPr>
+              <a:t>describing</a:t>
+            </a:r>
+            <a:r>
+              <a:rPr lang="pt-PT" sz="2000" dirty="0">
+                <a:latin typeface="Century Schoolbook" panose="02040604050505020304" pitchFamily="18" charset="0"/>
+              </a:rPr>
+              <a:t> </a:t>
+            </a:r>
+            <a:r>
+              <a:rPr lang="pt-PT" sz="2000" dirty="0" err="1">
+                <a:latin typeface="Century Schoolbook" panose="02040604050505020304" pitchFamily="18" charset="0"/>
+              </a:rPr>
+              <a:t>the</a:t>
+            </a:r>
+            <a:r>
+              <a:rPr lang="pt-PT" sz="2000" dirty="0">
+                <a:latin typeface="Century Schoolbook" panose="02040604050505020304" pitchFamily="18" charset="0"/>
+              </a:rPr>
+              <a:t> </a:t>
+            </a:r>
+            <a:r>
+              <a:rPr lang="pt-PT" sz="2000" dirty="0" err="1">
+                <a:latin typeface="Century Schoolbook" panose="02040604050505020304" pitchFamily="18" charset="0"/>
+              </a:rPr>
+              <a:t>architecture</a:t>
+            </a:r>
+            <a:r>
+              <a:rPr lang="pt-PT" sz="2000" dirty="0">
+                <a:latin typeface="Century Schoolbook" panose="02040604050505020304" pitchFamily="18" charset="0"/>
+              </a:rPr>
+              <a:t>;</a:t>
+            </a:r>
+          </a:p>
+          <a:p>
+            <a:endParaRPr lang="pt-PT" sz="2000" dirty="0">
+              <a:latin typeface="Century Schoolbook" panose="02040604050505020304" pitchFamily="18" charset="0"/>
+            </a:endParaRPr>
+          </a:p>
+          <a:p>
+            <a:r>
+              <a:rPr lang="pt-PT" sz="2000" dirty="0" err="1">
+                <a:latin typeface="Century Schoolbook" panose="02040604050505020304" pitchFamily="18" charset="0"/>
+              </a:rPr>
+              <a:t>Adressing</a:t>
+            </a:r>
+            <a:r>
+              <a:rPr lang="pt-PT" sz="2000" dirty="0">
+                <a:latin typeface="Century Schoolbook" panose="02040604050505020304" pitchFamily="18" charset="0"/>
+              </a:rPr>
+              <a:t> major </a:t>
+            </a:r>
+            <a:r>
+              <a:rPr lang="pt-PT" sz="2000" dirty="0" err="1">
+                <a:latin typeface="Century Schoolbook" panose="02040604050505020304" pitchFamily="18" charset="0"/>
+              </a:rPr>
+              <a:t>risks</a:t>
+            </a:r>
+            <a:r>
+              <a:rPr lang="pt-PT" sz="2000" dirty="0">
+                <a:latin typeface="Century Schoolbook" panose="02040604050505020304" pitchFamily="18" charset="0"/>
+              </a:rPr>
+              <a:t> </a:t>
+            </a:r>
+            <a:r>
+              <a:rPr lang="pt-PT" sz="2000" dirty="0" err="1">
+                <a:latin typeface="Century Schoolbook" panose="02040604050505020304" pitchFamily="18" charset="0"/>
+              </a:rPr>
+              <a:t>on</a:t>
+            </a:r>
+            <a:r>
+              <a:rPr lang="pt-PT" sz="2000" dirty="0">
+                <a:latin typeface="Century Schoolbook" panose="02040604050505020304" pitchFamily="18" charset="0"/>
+              </a:rPr>
+              <a:t> na </a:t>
+            </a:r>
+            <a:r>
+              <a:rPr lang="pt-PT" sz="2000" dirty="0" err="1">
+                <a:latin typeface="Century Schoolbook" panose="02040604050505020304" pitchFamily="18" charset="0"/>
+              </a:rPr>
+              <a:t>ongoing</a:t>
+            </a:r>
+            <a:r>
+              <a:rPr lang="pt-PT" sz="2000" dirty="0">
+                <a:latin typeface="Century Schoolbook" panose="02040604050505020304" pitchFamily="18" charset="0"/>
+              </a:rPr>
+              <a:t> </a:t>
+            </a:r>
+            <a:r>
+              <a:rPr lang="pt-PT" sz="2000" dirty="0" err="1">
+                <a:latin typeface="Century Schoolbook" panose="02040604050505020304" pitchFamily="18" charset="0"/>
+              </a:rPr>
+              <a:t>basis</a:t>
+            </a:r>
+            <a:r>
+              <a:rPr lang="pt-PT" sz="2000" dirty="0">
+                <a:latin typeface="Century Schoolbook" panose="02040604050505020304" pitchFamily="18" charset="0"/>
+              </a:rPr>
+              <a:t>;</a:t>
+            </a:r>
+          </a:p>
+          <a:p>
+            <a:endParaRPr lang="pt-PT" sz="2000" dirty="0">
+              <a:latin typeface="Century Schoolbook" panose="02040604050505020304" pitchFamily="18" charset="0"/>
+            </a:endParaRPr>
+          </a:p>
+          <a:p>
+            <a:r>
+              <a:rPr lang="pt-PT" sz="2000" dirty="0">
+                <a:latin typeface="Century Schoolbook" panose="02040604050505020304" pitchFamily="18" charset="0"/>
+              </a:rPr>
+              <a:t>To </a:t>
+            </a:r>
+            <a:r>
+              <a:rPr lang="pt-PT" sz="2000" dirty="0" err="1">
+                <a:latin typeface="Century Schoolbook" panose="02040604050505020304" pitchFamily="18" charset="0"/>
+              </a:rPr>
+              <a:t>finish</a:t>
+            </a:r>
+            <a:r>
+              <a:rPr lang="pt-PT" sz="2000" dirty="0">
+                <a:latin typeface="Century Schoolbook" panose="02040604050505020304" pitchFamily="18" charset="0"/>
+              </a:rPr>
+              <a:t> </a:t>
+            </a:r>
+            <a:r>
+              <a:rPr lang="pt-PT" sz="2000" dirty="0" err="1">
+                <a:latin typeface="Century Schoolbook" panose="02040604050505020304" pitchFamily="18" charset="0"/>
+              </a:rPr>
+              <a:t>the</a:t>
+            </a:r>
+            <a:r>
+              <a:rPr lang="pt-PT" sz="2000" dirty="0">
+                <a:latin typeface="Century Schoolbook" panose="02040604050505020304" pitchFamily="18" charset="0"/>
+              </a:rPr>
+              <a:t> business case </a:t>
+            </a:r>
+            <a:r>
+              <a:rPr lang="pt-PT" sz="2000" dirty="0" err="1">
+                <a:latin typeface="Century Schoolbook" panose="02040604050505020304" pitchFamily="18" charset="0"/>
+              </a:rPr>
+              <a:t>and</a:t>
+            </a:r>
+            <a:r>
+              <a:rPr lang="pt-PT" sz="2000" dirty="0">
+                <a:latin typeface="Century Schoolbook" panose="02040604050505020304" pitchFamily="18" charset="0"/>
+              </a:rPr>
+              <a:t> prepare a </a:t>
+            </a:r>
+            <a:r>
+              <a:rPr lang="pt-PT" sz="2000" dirty="0" err="1">
+                <a:latin typeface="Century Schoolbook" panose="02040604050505020304" pitchFamily="18" charset="0"/>
+              </a:rPr>
+              <a:t>project</a:t>
+            </a:r>
+            <a:r>
+              <a:rPr lang="pt-PT" sz="2000" dirty="0">
+                <a:latin typeface="Century Schoolbook" panose="02040604050505020304" pitchFamily="18" charset="0"/>
+              </a:rPr>
+              <a:t> </a:t>
+            </a:r>
+            <a:r>
+              <a:rPr lang="pt-PT" sz="2000" dirty="0" err="1">
+                <a:latin typeface="Century Schoolbook" panose="02040604050505020304" pitchFamily="18" charset="0"/>
+              </a:rPr>
+              <a:t>plan</a:t>
+            </a:r>
+            <a:r>
+              <a:rPr lang="pt-PT" sz="2000" dirty="0">
+                <a:latin typeface="Century Schoolbook" panose="02040604050505020304" pitchFamily="18" charset="0"/>
+              </a:rPr>
+              <a:t>, </a:t>
+            </a:r>
+            <a:r>
+              <a:rPr lang="pt-PT" sz="2000" dirty="0" err="1">
+                <a:latin typeface="Century Schoolbook" panose="02040604050505020304" pitchFamily="18" charset="0"/>
+              </a:rPr>
+              <a:t>detailed</a:t>
+            </a:r>
+            <a:r>
+              <a:rPr lang="pt-PT" sz="2000" dirty="0">
+                <a:latin typeface="Century Schoolbook" panose="02040604050505020304" pitchFamily="18" charset="0"/>
+              </a:rPr>
+              <a:t> </a:t>
+            </a:r>
+            <a:r>
+              <a:rPr lang="pt-PT" sz="2000" dirty="0" err="1">
+                <a:latin typeface="Century Schoolbook" panose="02040604050505020304" pitchFamily="18" charset="0"/>
+              </a:rPr>
+              <a:t>enough</a:t>
+            </a:r>
+            <a:r>
+              <a:rPr lang="pt-PT" sz="2000" dirty="0">
+                <a:latin typeface="Century Schoolbook" panose="02040604050505020304" pitchFamily="18" charset="0"/>
+              </a:rPr>
+              <a:t>, to </a:t>
+            </a:r>
+            <a:r>
+              <a:rPr lang="pt-PT" sz="2000" dirty="0" err="1">
+                <a:latin typeface="Century Schoolbook" panose="02040604050505020304" pitchFamily="18" charset="0"/>
+              </a:rPr>
+              <a:t>guide</a:t>
+            </a:r>
+            <a:r>
+              <a:rPr lang="pt-PT" sz="2000" dirty="0">
+                <a:latin typeface="Century Schoolbook" panose="02040604050505020304" pitchFamily="18" charset="0"/>
+              </a:rPr>
+              <a:t> </a:t>
+            </a:r>
+            <a:r>
+              <a:rPr lang="pt-PT" sz="2000" dirty="0" err="1">
+                <a:latin typeface="Century Schoolbook" panose="02040604050505020304" pitchFamily="18" charset="0"/>
+              </a:rPr>
+              <a:t>us</a:t>
+            </a:r>
+            <a:endParaRPr lang="pt-PT" sz="2000" dirty="0">
+              <a:latin typeface="Century Schoolbook" panose="02040604050505020304" pitchFamily="18" charset="0"/>
+            </a:endParaRPr>
+          </a:p>
+          <a:p>
+            <a:pPr marL="0" indent="0">
+              <a:buNone/>
+            </a:pPr>
+            <a:r>
+              <a:rPr lang="pt-PT" sz="2000" dirty="0">
+                <a:latin typeface="Century Schoolbook" panose="02040604050505020304" pitchFamily="18" charset="0"/>
+              </a:rPr>
+              <a:t> </a:t>
+            </a:r>
+            <a:r>
+              <a:rPr lang="pt-PT" sz="2000" dirty="0" err="1">
+                <a:latin typeface="Century Schoolbook" panose="02040604050505020304" pitchFamily="18" charset="0"/>
+              </a:rPr>
+              <a:t>through</a:t>
+            </a:r>
+            <a:r>
+              <a:rPr lang="pt-PT" sz="2000" dirty="0">
+                <a:latin typeface="Century Schoolbook" panose="02040604050505020304" pitchFamily="18" charset="0"/>
+              </a:rPr>
+              <a:t> </a:t>
+            </a:r>
+            <a:r>
+              <a:rPr lang="pt-PT" sz="2000" dirty="0" err="1">
+                <a:latin typeface="Century Schoolbook" panose="02040604050505020304" pitchFamily="18" charset="0"/>
+              </a:rPr>
+              <a:t>the</a:t>
+            </a:r>
+            <a:r>
+              <a:rPr lang="pt-PT" sz="2000" dirty="0">
+                <a:latin typeface="Century Schoolbook" panose="02040604050505020304" pitchFamily="18" charset="0"/>
+              </a:rPr>
+              <a:t> </a:t>
+            </a:r>
+            <a:r>
+              <a:rPr lang="pt-PT" sz="2000" dirty="0" err="1">
+                <a:latin typeface="Century Schoolbook" panose="02040604050505020304" pitchFamily="18" charset="0"/>
+              </a:rPr>
+              <a:t>next</a:t>
+            </a:r>
+            <a:r>
+              <a:rPr lang="pt-PT" sz="2000" dirty="0">
+                <a:latin typeface="Century Schoolbook" panose="02040604050505020304" pitchFamily="18" charset="0"/>
+              </a:rPr>
+              <a:t> </a:t>
+            </a:r>
+            <a:r>
+              <a:rPr lang="pt-PT" sz="2000" dirty="0" err="1">
+                <a:latin typeface="Century Schoolbook" panose="02040604050505020304" pitchFamily="18" charset="0"/>
+              </a:rPr>
+              <a:t>phase</a:t>
+            </a:r>
+            <a:r>
+              <a:rPr lang="pt-PT" sz="2000" dirty="0">
+                <a:latin typeface="Century Schoolbook" panose="02040604050505020304" pitchFamily="18" charset="0"/>
+              </a:rPr>
+              <a:t>.</a:t>
+            </a:r>
+          </a:p>
+          <a:p>
+            <a:endParaRPr lang="pt-PT" sz="2000" dirty="0">
+              <a:latin typeface="Century Schoolbook" panose="02040604050505020304" pitchFamily="18" charset="0"/>
+            </a:endParaRPr>
+          </a:p>
+          <a:p>
+            <a:endParaRPr lang="pt-PT" sz="2000" dirty="0"/>
+          </a:p>
+        </p:txBody>
+      </p:sp>
+      <p:sp>
+        <p:nvSpPr>
+          <p:cNvPr id="4" name="Rectangle 6">
+            <a:extLst>
+              <a:ext uri="{FF2B5EF4-FFF2-40B4-BE49-F238E27FC236}">
+                <a16:creationId xmlns:a16="http://schemas.microsoft.com/office/drawing/2014/main" id="{18FE6A7E-E0C9-4432-8B02-90676A3ED507}"/>
+              </a:ext>
+            </a:extLst>
+          </p:cNvPr>
+          <p:cNvSpPr/>
+          <p:nvPr/>
+        </p:nvSpPr>
+        <p:spPr>
+          <a:xfrm>
+            <a:off x="10479505" y="-1"/>
+            <a:ext cx="421106" cy="6858001"/>
+          </a:xfrm>
+          <a:prstGeom prst="rect">
+            <a:avLst/>
+          </a:prstGeom>
+          <a:solidFill>
+            <a:srgbClr val="98220B"/>
+          </a:solidFill>
+          <a:ln>
+            <a:noFill/>
+          </a:ln>
+        </p:spPr>
+        <p:style>
+          <a:lnRef idx="2">
+            <a:schemeClr val="accent1">
+              <a:shade val="50000"/>
+            </a:schemeClr>
+          </a:lnRef>
+          <a:fillRef idx="1">
+            <a:schemeClr val="accent1"/>
+          </a:fillRef>
+          <a:effectRef idx="0">
+            <a:schemeClr val="accent1"/>
+          </a:effectRef>
+          <a:fontRef idx="minor">
+            <a:schemeClr val="lt1"/>
+          </a:fontRef>
+        </p:style>
+        <p:txBody>
+          <a:bodyPr rtlCol="0" anchor="ctr"/>
+          <a:lstStyle/>
+          <a:p>
+            <a:pPr algn="ctr"/>
+            <a:endParaRPr lang="en-US"/>
+          </a:p>
+        </p:txBody>
+      </p:sp>
+      <p:pic>
+        <p:nvPicPr>
+          <p:cNvPr id="8" name="Imagem 7">
+            <a:extLst>
+              <a:ext uri="{FF2B5EF4-FFF2-40B4-BE49-F238E27FC236}">
+                <a16:creationId xmlns:a16="http://schemas.microsoft.com/office/drawing/2014/main" id="{446C50F0-ED21-498A-A900-92C5C779599A}"/>
+              </a:ext>
+            </a:extLst>
+          </p:cNvPr>
+          <p:cNvPicPr>
+            <a:picLocks noChangeAspect="1"/>
+          </p:cNvPicPr>
+          <p:nvPr/>
+        </p:nvPicPr>
+        <p:blipFill>
+          <a:blip r:embed="rId2"/>
+          <a:stretch>
+            <a:fillRect/>
+          </a:stretch>
+        </p:blipFill>
+        <p:spPr>
+          <a:xfrm>
+            <a:off x="5609968" y="3063672"/>
+            <a:ext cx="4564629" cy="1896857"/>
+          </a:xfrm>
+          <a:prstGeom prst="rect">
+            <a:avLst/>
+          </a:prstGeom>
+        </p:spPr>
+      </p:pic>
+    </p:spTree>
+    <p:extLst>
+      <p:ext uri="{BB962C8B-B14F-4D97-AF65-F5344CB8AC3E}">
+        <p14:creationId xmlns:p14="http://schemas.microsoft.com/office/powerpoint/2010/main" val="1724002567"/>
+      </p:ext>
+    </p:extLst>
+  </p:cSld>
+  <p:clrMapOvr>
+    <a:masterClrMapping/>
+  </p:clrMapOvr>
 </p:sld>
 </file>
 
